--- a/ool2020_middle_report_volume３_10_25 .pptx
+++ b/ool2020_middle_report_volume３_10_25 .pptx
@@ -11299,7 +11299,7 @@
           <p:nvPr>
             <p:extLst>
               <p:ext uri="{D42A27DB-BD31-4B8C-83A1-F6EECF244321}">
-                <p14:modId xmlns:p14="http://schemas.microsoft.com/office/powerpoint/2010/main" val="3810364842"/>
+                <p14:modId xmlns:p14="http://schemas.microsoft.com/office/powerpoint/2010/main" val="1272129217"/>
               </p:ext>
             </p:extLst>
           </p:nvPr>
@@ -11484,7 +11484,10 @@
                       <a:tailEnd type="none" w="med" len="med"/>
                     </a:lnB>
                     <a:solidFill>
-                      <a:srgbClr val="FFC000"/>
+                      <a:schemeClr val="accent4">
+                        <a:lumMod val="40000"/>
+                        <a:lumOff val="60000"/>
+                      </a:schemeClr>
                     </a:solidFill>
                   </a:tcPr>
                 </a:tc>
@@ -11495,7 +11498,7 @@
                     <a:p>
                       <a:pPr algn="ctr" fontAlgn="ctr"/>
                       <a:r>
-                        <a:rPr lang="en-US" altLang="ja-JP" sz="1100" b="1" i="0" u="none" strike="noStrike">
+                        <a:rPr lang="en-US" altLang="ja-JP" sz="1100" b="1" i="0" u="none" strike="noStrike" dirty="0">
                           <a:solidFill>
                             <a:srgbClr val="000000"/>
                           </a:solidFill>
@@ -11517,7 +11520,7 @@
                         <a:t>月</a:t>
                       </a:r>
                       <a:r>
-                        <a:rPr lang="en-US" altLang="ja-JP" sz="1100" b="1" i="0" u="none" strike="noStrike">
+                        <a:rPr lang="en-US" altLang="ja-JP" sz="1100" b="1" i="0" u="none" strike="noStrike" dirty="0">
                           <a:solidFill>
                             <a:srgbClr val="000000"/>
                           </a:solidFill>
@@ -11578,7 +11581,10 @@
                       <a:tailEnd type="none" w="med" len="med"/>
                     </a:lnB>
                     <a:solidFill>
-                      <a:srgbClr val="FFC000"/>
+                      <a:schemeClr val="accent4">
+                        <a:lumMod val="40000"/>
+                        <a:lumOff val="60000"/>
+                      </a:schemeClr>
                     </a:solidFill>
                   </a:tcPr>
                 </a:tc>
@@ -11589,7 +11595,7 @@
                     <a:p>
                       <a:pPr algn="ctr" fontAlgn="ctr"/>
                       <a:r>
-                        <a:rPr lang="en-US" altLang="ja-JP" sz="1100" b="1" i="0" u="none" strike="noStrike">
+                        <a:rPr lang="en-US" altLang="ja-JP" sz="1100" b="1" i="0" u="none" strike="noStrike" dirty="0">
                           <a:solidFill>
                             <a:srgbClr val="000000"/>
                           </a:solidFill>
@@ -11611,7 +11617,7 @@
                         <a:t>月</a:t>
                       </a:r>
                       <a:r>
-                        <a:rPr lang="en-US" altLang="ja-JP" sz="1100" b="1" i="0" u="none" strike="noStrike">
+                        <a:rPr lang="en-US" altLang="ja-JP" sz="1100" b="1" i="0" u="none" strike="noStrike" dirty="0">
                           <a:solidFill>
                             <a:srgbClr val="000000"/>
                           </a:solidFill>
@@ -11672,7 +11678,10 @@
                       <a:tailEnd type="none" w="med" len="med"/>
                     </a:lnB>
                     <a:solidFill>
-                      <a:srgbClr val="FFC000"/>
+                      <a:schemeClr val="accent4">
+                        <a:lumMod val="40000"/>
+                        <a:lumOff val="60000"/>
+                      </a:schemeClr>
                     </a:solidFill>
                   </a:tcPr>
                 </a:tc>
@@ -11683,7 +11692,7 @@
                     <a:p>
                       <a:pPr algn="ctr" fontAlgn="ctr"/>
                       <a:r>
-                        <a:rPr lang="en-US" altLang="ja-JP" sz="1100" b="1" i="0" u="none" strike="noStrike">
+                        <a:rPr lang="en-US" altLang="ja-JP" sz="1100" b="1" i="0" u="none" strike="noStrike" dirty="0">
                           <a:solidFill>
                             <a:srgbClr val="000000"/>
                           </a:solidFill>
@@ -11705,7 +11714,7 @@
                         <a:t>月</a:t>
                       </a:r>
                       <a:r>
-                        <a:rPr lang="en-US" altLang="ja-JP" sz="1100" b="1" i="0" u="none" strike="noStrike">
+                        <a:rPr lang="en-US" altLang="ja-JP" sz="1100" b="1" i="0" u="none" strike="noStrike" dirty="0">
                           <a:solidFill>
                             <a:srgbClr val="000000"/>
                           </a:solidFill>
@@ -11766,7 +11775,10 @@
                       <a:tailEnd type="none" w="med" len="med"/>
                     </a:lnB>
                     <a:solidFill>
-                      <a:srgbClr val="FFC000"/>
+                      <a:schemeClr val="accent4">
+                        <a:lumMod val="40000"/>
+                        <a:lumOff val="60000"/>
+                      </a:schemeClr>
                     </a:solidFill>
                   </a:tcPr>
                 </a:tc>
@@ -11777,7 +11789,7 @@
                     <a:p>
                       <a:pPr algn="ctr" fontAlgn="ctr"/>
                       <a:r>
-                        <a:rPr lang="en-US" altLang="ja-JP" sz="1100" b="1" i="0" u="none" strike="noStrike">
+                        <a:rPr lang="en-US" altLang="ja-JP" sz="1100" b="1" i="0" u="none" strike="noStrike" dirty="0">
                           <a:solidFill>
                             <a:srgbClr val="000000"/>
                           </a:solidFill>
@@ -11799,7 +11811,7 @@
                         <a:t>月</a:t>
                       </a:r>
                       <a:r>
-                        <a:rPr lang="en-US" altLang="ja-JP" sz="1100" b="1" i="0" u="none" strike="noStrike">
+                        <a:rPr lang="en-US" altLang="ja-JP" sz="1100" b="1" i="0" u="none" strike="noStrike" dirty="0">
                           <a:solidFill>
                             <a:srgbClr val="000000"/>
                           </a:solidFill>
@@ -11860,7 +11872,10 @@
                       <a:tailEnd type="none" w="med" len="med"/>
                     </a:lnB>
                     <a:solidFill>
-                      <a:srgbClr val="FFC000"/>
+                      <a:schemeClr val="accent4">
+                        <a:lumMod val="40000"/>
+                        <a:lumOff val="60000"/>
+                      </a:schemeClr>
                     </a:solidFill>
                   </a:tcPr>
                 </a:tc>
@@ -11871,7 +11886,7 @@
                     <a:p>
                       <a:pPr algn="ctr" fontAlgn="ctr"/>
                       <a:r>
-                        <a:rPr lang="en-US" altLang="ja-JP" sz="1100" b="1" i="0" u="none" strike="noStrike">
+                        <a:rPr lang="en-US" altLang="ja-JP" sz="1100" b="1" i="0" u="none" strike="noStrike" dirty="0">
                           <a:solidFill>
                             <a:srgbClr val="000000"/>
                           </a:solidFill>
@@ -11893,7 +11908,7 @@
                         <a:t>月</a:t>
                       </a:r>
                       <a:r>
-                        <a:rPr lang="en-US" altLang="ja-JP" sz="1100" b="1" i="0" u="none" strike="noStrike">
+                        <a:rPr lang="en-US" altLang="ja-JP" sz="1100" b="1" i="0" u="none" strike="noStrike" dirty="0">
                           <a:solidFill>
                             <a:srgbClr val="000000"/>
                           </a:solidFill>
@@ -11954,7 +11969,10 @@
                       <a:tailEnd type="none" w="med" len="med"/>
                     </a:lnB>
                     <a:solidFill>
-                      <a:srgbClr val="FFC000"/>
+                      <a:schemeClr val="accent4">
+                        <a:lumMod val="40000"/>
+                        <a:lumOff val="60000"/>
+                      </a:schemeClr>
                     </a:solidFill>
                   </a:tcPr>
                 </a:tc>
@@ -11965,7 +11983,7 @@
                     <a:p>
                       <a:pPr algn="ctr" fontAlgn="ctr"/>
                       <a:r>
-                        <a:rPr lang="en-US" altLang="ja-JP" sz="1100" b="1" i="0" u="none" strike="noStrike">
+                        <a:rPr lang="en-US" altLang="ja-JP" sz="1100" b="1" i="0" u="none" strike="noStrike" dirty="0">
                           <a:solidFill>
                             <a:srgbClr val="000000"/>
                           </a:solidFill>
@@ -11987,7 +12005,7 @@
                         <a:t>月</a:t>
                       </a:r>
                       <a:r>
-                        <a:rPr lang="en-US" altLang="ja-JP" sz="1100" b="1" i="0" u="none" strike="noStrike">
+                        <a:rPr lang="en-US" altLang="ja-JP" sz="1100" b="1" i="0" u="none" strike="noStrike" dirty="0">
                           <a:solidFill>
                             <a:srgbClr val="000000"/>
                           </a:solidFill>
@@ -12048,7 +12066,10 @@
                       <a:tailEnd type="none" w="med" len="med"/>
                     </a:lnB>
                     <a:solidFill>
-                      <a:srgbClr val="FFC000"/>
+                      <a:schemeClr val="accent4">
+                        <a:lumMod val="40000"/>
+                        <a:lumOff val="60000"/>
+                      </a:schemeClr>
                     </a:solidFill>
                   </a:tcPr>
                 </a:tc>
@@ -12059,7 +12080,7 @@
                     <a:p>
                       <a:pPr algn="ctr" fontAlgn="ctr"/>
                       <a:r>
-                        <a:rPr lang="en-US" altLang="ja-JP" sz="1100" b="1" i="0" u="none" strike="noStrike">
+                        <a:rPr lang="en-US" altLang="ja-JP" sz="1100" b="1" i="0" u="none" strike="noStrike" dirty="0">
                           <a:solidFill>
                             <a:srgbClr val="000000"/>
                           </a:solidFill>
@@ -12081,7 +12102,7 @@
                         <a:t>月</a:t>
                       </a:r>
                       <a:r>
-                        <a:rPr lang="en-US" altLang="ja-JP" sz="1100" b="1" i="0" u="none" strike="noStrike">
+                        <a:rPr lang="en-US" altLang="ja-JP" sz="1100" b="1" i="0" u="none" strike="noStrike" dirty="0">
                           <a:solidFill>
                             <a:srgbClr val="000000"/>
                           </a:solidFill>
@@ -12142,7 +12163,10 @@
                       <a:tailEnd type="none" w="med" len="med"/>
                     </a:lnB>
                     <a:solidFill>
-                      <a:srgbClr val="FFC000"/>
+                      <a:schemeClr val="accent4">
+                        <a:lumMod val="40000"/>
+                        <a:lumOff val="60000"/>
+                      </a:schemeClr>
                     </a:solidFill>
                   </a:tcPr>
                 </a:tc>
@@ -12153,7 +12177,7 @@
                     <a:p>
                       <a:pPr algn="ctr" fontAlgn="ctr"/>
                       <a:r>
-                        <a:rPr lang="en-US" altLang="ja-JP" sz="1100" b="1" i="0" u="none" strike="noStrike">
+                        <a:rPr lang="en-US" altLang="ja-JP" sz="1100" b="1" i="0" u="none" strike="noStrike" dirty="0">
                           <a:solidFill>
                             <a:srgbClr val="000000"/>
                           </a:solidFill>
@@ -12175,7 +12199,7 @@
                         <a:t>月</a:t>
                       </a:r>
                       <a:r>
-                        <a:rPr lang="en-US" altLang="ja-JP" sz="1100" b="1" i="0" u="none" strike="noStrike">
+                        <a:rPr lang="en-US" altLang="ja-JP" sz="1100" b="1" i="0" u="none" strike="noStrike" dirty="0">
                           <a:solidFill>
                             <a:srgbClr val="000000"/>
                           </a:solidFill>
@@ -12236,7 +12260,10 @@
                       <a:tailEnd type="none" w="med" len="med"/>
                     </a:lnB>
                     <a:solidFill>
-                      <a:srgbClr val="FFC000"/>
+                      <a:schemeClr val="accent4">
+                        <a:lumMod val="40000"/>
+                        <a:lumOff val="60000"/>
+                      </a:schemeClr>
                     </a:solidFill>
                   </a:tcPr>
                 </a:tc>
@@ -12247,7 +12274,7 @@
                     <a:p>
                       <a:pPr algn="ctr" fontAlgn="ctr"/>
                       <a:r>
-                        <a:rPr lang="en-US" altLang="ja-JP" sz="1100" b="1" i="0" u="none" strike="noStrike">
+                        <a:rPr lang="en-US" altLang="ja-JP" sz="1100" b="1" i="0" u="none" strike="noStrike" dirty="0">
                           <a:solidFill>
                             <a:srgbClr val="000000"/>
                           </a:solidFill>
@@ -12269,7 +12296,7 @@
                         <a:t>月</a:t>
                       </a:r>
                       <a:r>
-                        <a:rPr lang="en-US" altLang="ja-JP" sz="1100" b="1" i="0" u="none" strike="noStrike">
+                        <a:rPr lang="en-US" altLang="ja-JP" sz="1100" b="1" i="0" u="none" strike="noStrike" dirty="0">
                           <a:solidFill>
                             <a:srgbClr val="000000"/>
                           </a:solidFill>
@@ -12330,7 +12357,10 @@
                       <a:tailEnd type="none" w="med" len="med"/>
                     </a:lnB>
                     <a:solidFill>
-                      <a:srgbClr val="FFC000"/>
+                      <a:schemeClr val="accent4">
+                        <a:lumMod val="40000"/>
+                        <a:lumOff val="60000"/>
+                      </a:schemeClr>
                     </a:solidFill>
                   </a:tcPr>
                 </a:tc>
@@ -12341,7 +12371,7 @@
                     <a:p>
                       <a:pPr algn="ctr" fontAlgn="ctr"/>
                       <a:r>
-                        <a:rPr lang="en-US" altLang="ja-JP" sz="1100" b="1" i="0" u="none" strike="noStrike">
+                        <a:rPr lang="en-US" altLang="ja-JP" sz="1100" b="1" i="0" u="none" strike="noStrike" dirty="0">
                           <a:solidFill>
                             <a:srgbClr val="000000"/>
                           </a:solidFill>
@@ -12363,7 +12393,7 @@
                         <a:t>月</a:t>
                       </a:r>
                       <a:r>
-                        <a:rPr lang="en-US" altLang="ja-JP" sz="1100" b="1" i="0" u="none" strike="noStrike">
+                        <a:rPr lang="en-US" altLang="ja-JP" sz="1100" b="1" i="0" u="none" strike="noStrike" dirty="0">
                           <a:solidFill>
                             <a:srgbClr val="000000"/>
                           </a:solidFill>
@@ -12424,7 +12454,10 @@
                       <a:tailEnd type="none" w="med" len="med"/>
                     </a:lnB>
                     <a:solidFill>
-                      <a:srgbClr val="FFC000"/>
+                      <a:schemeClr val="accent4">
+                        <a:lumMod val="40000"/>
+                        <a:lumOff val="60000"/>
+                      </a:schemeClr>
                     </a:solidFill>
                   </a:tcPr>
                 </a:tc>
@@ -12435,7 +12468,7 @@
                     <a:p>
                       <a:pPr algn="ctr" fontAlgn="ctr"/>
                       <a:r>
-                        <a:rPr lang="en-US" altLang="ja-JP" sz="1100" b="1" i="0" u="none" strike="noStrike">
+                        <a:rPr lang="en-US" altLang="ja-JP" sz="1100" b="1" i="0" u="none" strike="noStrike" dirty="0">
                           <a:solidFill>
                             <a:srgbClr val="000000"/>
                           </a:solidFill>
@@ -12457,7 +12490,7 @@
                         <a:t>月</a:t>
                       </a:r>
                       <a:r>
-                        <a:rPr lang="en-US" altLang="ja-JP" sz="1100" b="1" i="0" u="none" strike="noStrike">
+                        <a:rPr lang="en-US" altLang="ja-JP" sz="1100" b="1" i="0" u="none" strike="noStrike" dirty="0">
                           <a:solidFill>
                             <a:srgbClr val="000000"/>
                           </a:solidFill>
@@ -12518,7 +12551,10 @@
                       <a:tailEnd type="none" w="med" len="med"/>
                     </a:lnB>
                     <a:solidFill>
-                      <a:srgbClr val="FFC000"/>
+                      <a:schemeClr val="accent4">
+                        <a:lumMod val="40000"/>
+                        <a:lumOff val="60000"/>
+                      </a:schemeClr>
                     </a:solidFill>
                   </a:tcPr>
                 </a:tc>
@@ -12529,7 +12565,7 @@
                     <a:p>
                       <a:pPr algn="ctr" fontAlgn="ctr"/>
                       <a:r>
-                        <a:rPr lang="en-US" altLang="ja-JP" sz="1100" b="1" i="0" u="none" strike="noStrike">
+                        <a:rPr lang="en-US" altLang="ja-JP" sz="1100" b="1" i="0" u="none" strike="noStrike" dirty="0">
                           <a:solidFill>
                             <a:srgbClr val="000000"/>
                           </a:solidFill>
@@ -12551,7 +12587,7 @@
                         <a:t>月</a:t>
                       </a:r>
                       <a:r>
-                        <a:rPr lang="en-US" altLang="ja-JP" sz="1100" b="1" i="0" u="none" strike="noStrike">
+                        <a:rPr lang="en-US" altLang="ja-JP" sz="1100" b="1" i="0" u="none" strike="noStrike" dirty="0">
                           <a:solidFill>
                             <a:srgbClr val="000000"/>
                           </a:solidFill>
@@ -12612,7 +12648,10 @@
                       <a:tailEnd type="none" w="med" len="med"/>
                     </a:lnB>
                     <a:solidFill>
-                      <a:srgbClr val="FFC000"/>
+                      <a:schemeClr val="accent4">
+                        <a:lumMod val="40000"/>
+                        <a:lumOff val="60000"/>
+                      </a:schemeClr>
                     </a:solidFill>
                   </a:tcPr>
                 </a:tc>
@@ -12623,7 +12662,7 @@
                     <a:p>
                       <a:pPr algn="ctr" fontAlgn="ctr"/>
                       <a:r>
-                        <a:rPr lang="en-US" altLang="ja-JP" sz="1100" b="1" i="0" u="none" strike="noStrike">
+                        <a:rPr lang="en-US" altLang="ja-JP" sz="1100" b="1" i="0" u="none" strike="noStrike" dirty="0">
                           <a:solidFill>
                             <a:srgbClr val="000000"/>
                           </a:solidFill>
@@ -12645,7 +12684,7 @@
                         <a:t>月</a:t>
                       </a:r>
                       <a:r>
-                        <a:rPr lang="en-US" altLang="ja-JP" sz="1100" b="1" i="0" u="none" strike="noStrike">
+                        <a:rPr lang="en-US" altLang="ja-JP" sz="1100" b="1" i="0" u="none" strike="noStrike" dirty="0">
                           <a:solidFill>
                             <a:srgbClr val="000000"/>
                           </a:solidFill>
@@ -12706,7 +12745,10 @@
                       <a:tailEnd type="none" w="med" len="med"/>
                     </a:lnB>
                     <a:solidFill>
-                      <a:srgbClr val="FFC000"/>
+                      <a:schemeClr val="accent4">
+                        <a:lumMod val="40000"/>
+                        <a:lumOff val="60000"/>
+                      </a:schemeClr>
                     </a:solidFill>
                   </a:tcPr>
                 </a:tc>
@@ -12717,7 +12759,7 @@
                     <a:p>
                       <a:pPr algn="ctr" fontAlgn="ctr"/>
                       <a:r>
-                        <a:rPr lang="en-US" altLang="ja-JP" sz="1100" b="1" i="0" u="none" strike="noStrike">
+                        <a:rPr lang="en-US" altLang="ja-JP" sz="1100" b="1" i="0" u="none" strike="noStrike" dirty="0">
                           <a:solidFill>
                             <a:srgbClr val="000000"/>
                           </a:solidFill>
@@ -12739,7 +12781,7 @@
                         <a:t>月</a:t>
                       </a:r>
                       <a:r>
-                        <a:rPr lang="en-US" altLang="ja-JP" sz="1100" b="1" i="0" u="none" strike="noStrike">
+                        <a:rPr lang="en-US" altLang="ja-JP" sz="1100" b="1" i="0" u="none" strike="noStrike" dirty="0">
                           <a:solidFill>
                             <a:srgbClr val="000000"/>
                           </a:solidFill>
@@ -12800,7 +12842,10 @@
                       <a:tailEnd type="none" w="med" len="med"/>
                     </a:lnB>
                     <a:solidFill>
-                      <a:srgbClr val="FFC000"/>
+                      <a:schemeClr val="accent4">
+                        <a:lumMod val="40000"/>
+                        <a:lumOff val="60000"/>
+                      </a:schemeClr>
                     </a:solidFill>
                   </a:tcPr>
                 </a:tc>
@@ -12811,7 +12856,7 @@
                     <a:p>
                       <a:pPr algn="ctr" fontAlgn="ctr"/>
                       <a:r>
-                        <a:rPr lang="en-US" altLang="ja-JP" sz="1100" b="1" i="0" u="none" strike="noStrike">
+                        <a:rPr lang="en-US" altLang="ja-JP" sz="1100" b="1" i="0" u="none" strike="noStrike" dirty="0">
                           <a:solidFill>
                             <a:srgbClr val="000000"/>
                           </a:solidFill>
@@ -12833,7 +12878,7 @@
                         <a:t>月</a:t>
                       </a:r>
                       <a:r>
-                        <a:rPr lang="en-US" altLang="ja-JP" sz="1100" b="1" i="0" u="none" strike="noStrike">
+                        <a:rPr lang="en-US" altLang="ja-JP" sz="1100" b="1" i="0" u="none" strike="noStrike" dirty="0">
                           <a:solidFill>
                             <a:srgbClr val="000000"/>
                           </a:solidFill>
@@ -12894,7 +12939,10 @@
                       <a:tailEnd type="none" w="med" len="med"/>
                     </a:lnB>
                     <a:solidFill>
-                      <a:srgbClr val="FFC000"/>
+                      <a:schemeClr val="accent4">
+                        <a:lumMod val="40000"/>
+                        <a:lumOff val="60000"/>
+                      </a:schemeClr>
                     </a:solidFill>
                   </a:tcPr>
                 </a:tc>
@@ -12923,7 +12971,7 @@
                         <a:t>複数</a:t>
                       </a:r>
                       <a:r>
-                        <a:rPr lang="en" sz="1100" b="1" i="0" u="none" strike="noStrike">
+                        <a:rPr lang="en" sz="1100" b="1" i="0" u="none" strike="noStrike" dirty="0">
                           <a:solidFill>
                             <a:srgbClr val="000000"/>
                           </a:solidFill>
@@ -12984,7 +13032,10 @@
                       <a:tailEnd type="none" w="med" len="med"/>
                     </a:lnB>
                     <a:solidFill>
-                      <a:srgbClr val="FFC000"/>
+                      <a:schemeClr val="accent4">
+                        <a:lumMod val="40000"/>
+                        <a:lumOff val="60000"/>
+                      </a:schemeClr>
                     </a:solidFill>
                   </a:tcPr>
                 </a:tc>
@@ -13896,7 +13947,7 @@
                     <a:p>
                       <a:pPr algn="l" fontAlgn="ctr"/>
                       <a:r>
-                        <a:rPr lang="en" sz="1100" b="1" i="0" u="none" strike="noStrike">
+                        <a:rPr lang="en" sz="1100" b="1" i="0" u="none" strike="noStrike" dirty="0">
                           <a:solidFill>
                             <a:srgbClr val="000000"/>
                           </a:solidFill>
@@ -13957,7 +14008,10 @@
                       <a:tailEnd type="none" w="med" len="med"/>
                     </a:lnB>
                     <a:solidFill>
-                      <a:srgbClr val="FFC000"/>
+                      <a:schemeClr val="accent4">
+                        <a:lumMod val="40000"/>
+                        <a:lumOff val="60000"/>
+                      </a:schemeClr>
                     </a:solidFill>
                   </a:tcPr>
                 </a:tc>
@@ -14919,7 +14973,10 @@
                       <a:tailEnd type="none" w="med" len="med"/>
                     </a:lnB>
                     <a:solidFill>
-                      <a:srgbClr val="FFC000"/>
+                      <a:schemeClr val="accent4">
+                        <a:lumMod val="40000"/>
+                        <a:lumOff val="60000"/>
+                      </a:schemeClr>
                     </a:solidFill>
                   </a:tcPr>
                 </a:tc>
@@ -15878,7 +15935,10 @@
                       <a:tailEnd type="none" w="med" len="med"/>
                     </a:lnB>
                     <a:solidFill>
-                      <a:srgbClr val="FFC000"/>
+                      <a:schemeClr val="accent4">
+                        <a:lumMod val="40000"/>
+                        <a:lumOff val="60000"/>
+                      </a:schemeClr>
                     </a:solidFill>
                   </a:tcPr>
                 </a:tc>
@@ -16825,7 +16885,10 @@
                       <a:tailEnd type="none" w="med" len="med"/>
                     </a:lnB>
                     <a:solidFill>
-                      <a:srgbClr val="FFC000"/>
+                      <a:schemeClr val="accent4">
+                        <a:lumMod val="40000"/>
+                        <a:lumOff val="60000"/>
+                      </a:schemeClr>
                     </a:solidFill>
                   </a:tcPr>
                 </a:tc>

--- a/ool2020_middle_report_volume３_10_25 .pptx
+++ b/ool2020_middle_report_volume３_10_25 .pptx
@@ -5334,8 +5334,8 @@
         </p:nvSpPr>
         <p:spPr>
           <a:xfrm>
-            <a:off x="941832" y="2277021"/>
-            <a:ext cx="10515600" cy="4032339"/>
+            <a:off x="941832" y="2362053"/>
+            <a:ext cx="10515600" cy="4155677"/>
           </a:xfrm>
           <a:prstGeom prst="rect">
             <a:avLst/>
@@ -5343,7 +5343,7 @@
         </p:spPr>
         <p:txBody>
           <a:bodyPr vert="horz" lIns="91440" tIns="45720" rIns="91440" bIns="45720" rtlCol="0">
-            <a:normAutofit lnSpcReduction="10000"/>
+            <a:normAutofit/>
           </a:bodyPr>
           <a:lstStyle>
             <a:lvl1pPr marL="228600" indent="-228600" algn="l" defTabSz="914400" rtl="0" eaLnBrk="1" latinLnBrk="0" hangingPunct="1">
@@ -5515,34 +5515,34 @@
               <a:buNone/>
             </a:pPr>
             <a:r>
-              <a:rPr lang="ja-JP" altLang="en-US" sz="2000" b="1">
+              <a:rPr lang="ja-JP" altLang="en-US" sz="2000">
                 <a:latin typeface="Meiryo" panose="020B0604030504040204" pitchFamily="34" charset="-128"/>
                 <a:ea typeface="Meiryo" panose="020B0604030504040204" pitchFamily="34" charset="-128"/>
               </a:rPr>
               <a:t>・</a:t>
             </a:r>
             <a:r>
-              <a:rPr lang="en-US" altLang="ja-JP" sz="2000" b="1" dirty="0">
+              <a:rPr lang="en-US" altLang="ja-JP" sz="2000" dirty="0">
                 <a:latin typeface="Meiryo" panose="020B0604030504040204" pitchFamily="34" charset="-128"/>
                 <a:ea typeface="Meiryo" panose="020B0604030504040204" pitchFamily="34" charset="-128"/>
               </a:rPr>
               <a:t>[Ansible]</a:t>
             </a:r>
             <a:r>
-              <a:rPr lang="en-US" altLang="ja-JP" sz="2000" b="1" dirty="0" err="1">
+              <a:rPr lang="en-US" altLang="ja-JP" sz="2000" dirty="0" err="1">
                 <a:latin typeface="Meiryo" panose="020B0604030504040204" pitchFamily="34" charset="-128"/>
                 <a:ea typeface="Meiryo" panose="020B0604030504040204" pitchFamily="34" charset="-128"/>
               </a:rPr>
               <a:t>VyOS</a:t>
             </a:r>
             <a:r>
-              <a:rPr lang="ja-JP" altLang="en-US" sz="2000" b="1">
+              <a:rPr lang="ja-JP" altLang="en-US" sz="2000">
                 <a:latin typeface="Meiryo" panose="020B0604030504040204" pitchFamily="34" charset="-128"/>
                 <a:ea typeface="Meiryo" panose="020B0604030504040204" pitchFamily="34" charset="-128"/>
               </a:rPr>
               <a:t>モジュール利用のことはじめ</a:t>
             </a:r>
-            <a:endParaRPr lang="en-US" altLang="ja-JP" sz="2000" b="1" dirty="0">
+            <a:endParaRPr lang="en-US" altLang="ja-JP" sz="2000" dirty="0">
               <a:latin typeface="Meiryo" panose="020B0604030504040204" pitchFamily="34" charset="-128"/>
               <a:ea typeface="Meiryo" panose="020B0604030504040204" pitchFamily="34" charset="-128"/>
             </a:endParaRPr>
@@ -5571,14 +5571,14 @@
               <a:buNone/>
             </a:pPr>
             <a:r>
-              <a:rPr lang="ja-JP" altLang="en-US" sz="2000" b="1">
+              <a:rPr lang="ja-JP" altLang="en-US" sz="2000">
                 <a:latin typeface="Meiryo" panose="020B0604030504040204" pitchFamily="34" charset="-128"/>
                 <a:ea typeface="Meiryo" panose="020B0604030504040204" pitchFamily="34" charset="-128"/>
               </a:rPr>
               <a:t>・</a:t>
             </a:r>
             <a:r>
-              <a:rPr lang="en-US" altLang="ja-JP" sz="2000" b="1" dirty="0">
+              <a:rPr lang="en-US" altLang="ja-JP" sz="2000" dirty="0">
                 <a:latin typeface="Meiryo" panose="020B0604030504040204" pitchFamily="34" charset="-128"/>
                 <a:ea typeface="Meiryo" panose="020B0604030504040204" pitchFamily="34" charset="-128"/>
               </a:rPr>
@@ -5609,35 +5609,35 @@
               <a:buNone/>
             </a:pPr>
             <a:r>
-              <a:rPr lang="ja-JP" altLang="en-US" sz="2000" b="1">
+              <a:rPr lang="ja-JP" altLang="en-US" sz="2000">
                 <a:latin typeface="Meiryo" panose="020B0604030504040204" pitchFamily="34" charset="-128"/>
                 <a:ea typeface="Meiryo" panose="020B0604030504040204" pitchFamily="34" charset="-128"/>
               </a:rPr>
               <a:t>・</a:t>
             </a:r>
             <a:r>
-              <a:rPr lang="en" altLang="ja-JP" sz="2000" b="1" dirty="0" err="1">
+              <a:rPr lang="en" altLang="ja-JP" sz="2000" dirty="0" err="1">
                 <a:latin typeface="Meiryo" panose="020B0604030504040204" pitchFamily="34" charset="-128"/>
                 <a:ea typeface="Meiryo" panose="020B0604030504040204" pitchFamily="34" charset="-128"/>
               </a:rPr>
               <a:t>vyos_command</a:t>
             </a:r>
             <a:r>
-              <a:rPr lang="en" altLang="ja-JP" sz="2000" b="1" dirty="0">
+              <a:rPr lang="en" altLang="ja-JP" sz="2000" dirty="0">
                 <a:latin typeface="Meiryo" panose="020B0604030504040204" pitchFamily="34" charset="-128"/>
                 <a:ea typeface="Meiryo" panose="020B0604030504040204" pitchFamily="34" charset="-128"/>
               </a:rPr>
               <a:t> - Run one or more commands on </a:t>
             </a:r>
             <a:r>
-              <a:rPr lang="en" altLang="ja-JP" sz="2000" b="1" dirty="0" err="1">
+              <a:rPr lang="en" altLang="ja-JP" sz="2000" dirty="0" err="1">
                 <a:latin typeface="Meiryo" panose="020B0604030504040204" pitchFamily="34" charset="-128"/>
                 <a:ea typeface="Meiryo" panose="020B0604030504040204" pitchFamily="34" charset="-128"/>
               </a:rPr>
               <a:t>VyOS</a:t>
             </a:r>
             <a:r>
-              <a:rPr lang="en" altLang="ja-JP" sz="2000" b="1" dirty="0">
+              <a:rPr lang="en" altLang="ja-JP" sz="2000" dirty="0">
                 <a:latin typeface="Meiryo" panose="020B0604030504040204" pitchFamily="34" charset="-128"/>
                 <a:ea typeface="Meiryo" panose="020B0604030504040204" pitchFamily="34" charset="-128"/>
               </a:rPr>
@@ -5668,35 +5668,35 @@
               <a:buNone/>
             </a:pPr>
             <a:r>
-              <a:rPr lang="ja-JP" altLang="en-US" sz="2000" b="1">
+              <a:rPr lang="ja-JP" altLang="en-US" sz="2000">
                 <a:latin typeface="Meiryo" panose="020B0604030504040204" pitchFamily="34" charset="-128"/>
                 <a:ea typeface="Meiryo" panose="020B0604030504040204" pitchFamily="34" charset="-128"/>
               </a:rPr>
               <a:t>・</a:t>
             </a:r>
             <a:r>
-              <a:rPr lang="en" altLang="ja-JP" sz="2000" b="1" dirty="0" err="1">
+              <a:rPr lang="en" altLang="ja-JP" sz="2000" dirty="0" err="1">
                 <a:latin typeface="Meiryo" panose="020B0604030504040204" pitchFamily="34" charset="-128"/>
                 <a:ea typeface="Meiryo" panose="020B0604030504040204" pitchFamily="34" charset="-128"/>
               </a:rPr>
               <a:t>vyos_config</a:t>
             </a:r>
             <a:r>
-              <a:rPr lang="en" altLang="ja-JP" sz="2000" b="1" dirty="0">
+              <a:rPr lang="en" altLang="ja-JP" sz="2000" dirty="0">
                 <a:latin typeface="Meiryo" panose="020B0604030504040204" pitchFamily="34" charset="-128"/>
                 <a:ea typeface="Meiryo" panose="020B0604030504040204" pitchFamily="34" charset="-128"/>
               </a:rPr>
               <a:t> – Manage </a:t>
             </a:r>
             <a:r>
-              <a:rPr lang="en" altLang="ja-JP" sz="2000" b="1" dirty="0" err="1">
+              <a:rPr lang="en" altLang="ja-JP" sz="2000" dirty="0" err="1">
                 <a:latin typeface="Meiryo" panose="020B0604030504040204" pitchFamily="34" charset="-128"/>
                 <a:ea typeface="Meiryo" panose="020B0604030504040204" pitchFamily="34" charset="-128"/>
               </a:rPr>
               <a:t>VyOS</a:t>
             </a:r>
             <a:r>
-              <a:rPr lang="en" altLang="ja-JP" sz="2000" b="1" dirty="0">
+              <a:rPr lang="en" altLang="ja-JP" sz="2000" dirty="0">
                 <a:latin typeface="Meiryo" panose="020B0604030504040204" pitchFamily="34" charset="-128"/>
                 <a:ea typeface="Meiryo" panose="020B0604030504040204" pitchFamily="34" charset="-128"/>
               </a:rPr>
@@ -5727,14 +5727,14 @@
               <a:buNone/>
             </a:pPr>
             <a:r>
-              <a:rPr lang="ja-JP" altLang="en-US" sz="2000" b="1">
+              <a:rPr lang="ja-JP" altLang="en-US" sz="2000">
                 <a:latin typeface="Meiryo" panose="020B0604030504040204" pitchFamily="34" charset="-128"/>
                 <a:ea typeface="Meiryo" panose="020B0604030504040204" pitchFamily="34" charset="-128"/>
               </a:rPr>
               <a:t>・</a:t>
             </a:r>
             <a:r>
-              <a:rPr lang="en-US" altLang="ja-JP" sz="2000" b="1" dirty="0">
+              <a:rPr lang="en-US" altLang="ja-JP" sz="2000" dirty="0">
                 <a:latin typeface="Meiryo" panose="020B0604030504040204" pitchFamily="34" charset="-128"/>
                 <a:ea typeface="Meiryo" panose="020B0604030504040204" pitchFamily="34" charset="-128"/>
               </a:rPr>
@@ -7628,7 +7628,7 @@
         </p:blipFill>
         <p:spPr>
           <a:xfrm>
-            <a:off x="9284289" y="4872519"/>
+            <a:off x="9341709" y="4883405"/>
             <a:ext cx="2869431" cy="1498590"/>
           </a:xfrm>
           <a:prstGeom prst="rect">
@@ -7658,7 +7658,7 @@
         </p:blipFill>
         <p:spPr>
           <a:xfrm>
-            <a:off x="6654378" y="4937506"/>
+            <a:off x="6711798" y="4944643"/>
             <a:ext cx="2629911" cy="1426466"/>
           </a:xfrm>
           <a:prstGeom prst="rect">
@@ -7688,7 +7688,7 @@
         </p:blipFill>
         <p:spPr>
           <a:xfrm>
-            <a:off x="1759086" y="4944643"/>
+            <a:off x="1852227" y="4955529"/>
             <a:ext cx="1334116" cy="1426466"/>
           </a:xfrm>
           <a:prstGeom prst="rect">
@@ -7718,8 +7718,8 @@
         </p:blipFill>
         <p:spPr>
           <a:xfrm>
-            <a:off x="4675088" y="4956182"/>
-            <a:ext cx="1984650" cy="1398673"/>
+            <a:off x="4727148" y="4958539"/>
+            <a:ext cx="1984650" cy="1423456"/>
           </a:xfrm>
           <a:prstGeom prst="rect">
             <a:avLst/>
@@ -7748,8 +7748,8 @@
         </p:blipFill>
         <p:spPr>
           <a:xfrm>
-            <a:off x="3153423" y="5045230"/>
-            <a:ext cx="1521665" cy="1174941"/>
+            <a:off x="3195913" y="5045229"/>
+            <a:ext cx="1521665" cy="1264131"/>
           </a:xfrm>
           <a:prstGeom prst="rect">
             <a:avLst/>
@@ -7778,7 +7778,7 @@
         </p:blipFill>
         <p:spPr>
           <a:xfrm>
-            <a:off x="177200" y="4908583"/>
+            <a:off x="330562" y="4908583"/>
             <a:ext cx="1521665" cy="1521665"/>
           </a:xfrm>
           <a:prstGeom prst="rect">
@@ -8912,7 +8912,7 @@
         </p:nvSpPr>
         <p:spPr>
           <a:xfrm>
-            <a:off x="1115568" y="3783832"/>
+            <a:off x="1115568" y="3752592"/>
             <a:ext cx="10168128" cy="1245997"/>
           </a:xfrm>
           <a:prstGeom prst="roundRect">
@@ -8969,7 +8969,7 @@
         </p:nvSpPr>
         <p:spPr>
           <a:xfrm>
-            <a:off x="1115568" y="5134709"/>
+            <a:off x="1115568" y="5072230"/>
             <a:ext cx="10168128" cy="1245996"/>
           </a:xfrm>
           <a:prstGeom prst="roundRect">
@@ -9026,8 +9026,8 @@
         </p:nvSpPr>
         <p:spPr>
           <a:xfrm>
-            <a:off x="1115568" y="2481943"/>
-            <a:ext cx="10168128" cy="3695020"/>
+            <a:off x="1115568" y="2492797"/>
+            <a:ext cx="10168128" cy="3816563"/>
           </a:xfrm>
         </p:spPr>
         <p:txBody>
@@ -9609,10 +9609,10 @@
       </p:sp>
       <p:sp>
         <p:nvSpPr>
-          <p:cNvPr id="4" name="角丸四角形 3">
+          <p:cNvPr id="9" name="角丸四角形 8">
             <a:extLst>
               <a:ext uri="{FF2B5EF4-FFF2-40B4-BE49-F238E27FC236}">
-                <a16:creationId xmlns:a16="http://schemas.microsoft.com/office/drawing/2014/main" id="{BFCAE13D-F0B1-A744-85CC-EA71DDC22CBF}"/>
+                <a16:creationId xmlns:a16="http://schemas.microsoft.com/office/drawing/2014/main" id="{7A0488E0-7AA4-8542-852A-DE191590D666}"/>
               </a:ext>
             </a:extLst>
           </p:cNvPr>
@@ -9621,8 +9621,8 @@
         </p:nvSpPr>
         <p:spPr>
           <a:xfrm>
-            <a:off x="1115568" y="2276856"/>
-            <a:ext cx="9547266" cy="1318751"/>
+            <a:off x="1318630" y="2191353"/>
+            <a:ext cx="9554740" cy="3915804"/>
           </a:xfrm>
           <a:prstGeom prst="roundRect">
             <a:avLst/>
@@ -9662,59 +9662,6 @@
       </p:sp>
       <p:sp>
         <p:nvSpPr>
-          <p:cNvPr id="9" name="角丸四角形 8">
-            <a:extLst>
-              <a:ext uri="{FF2B5EF4-FFF2-40B4-BE49-F238E27FC236}">
-                <a16:creationId xmlns:a16="http://schemas.microsoft.com/office/drawing/2014/main" id="{7A0488E0-7AA4-8542-852A-DE191590D666}"/>
-              </a:ext>
-            </a:extLst>
-          </p:cNvPr>
-          <p:cNvSpPr/>
-          <p:nvPr/>
-        </p:nvSpPr>
-        <p:spPr>
-          <a:xfrm>
-            <a:off x="1115568" y="3698339"/>
-            <a:ext cx="9547266" cy="2611021"/>
-          </a:xfrm>
-          <a:prstGeom prst="roundRect">
-            <a:avLst/>
-          </a:prstGeom>
-          <a:solidFill>
-            <a:schemeClr val="accent4">
-              <a:lumMod val="40000"/>
-              <a:lumOff val="60000"/>
-            </a:schemeClr>
-          </a:solidFill>
-          <a:ln w="28575"/>
-        </p:spPr>
-        <p:style>
-          <a:lnRef idx="2">
-            <a:schemeClr val="accent1">
-              <a:shade val="50000"/>
-            </a:schemeClr>
-          </a:lnRef>
-          <a:fillRef idx="1">
-            <a:schemeClr val="accent1"/>
-          </a:fillRef>
-          <a:effectRef idx="0">
-            <a:schemeClr val="accent1"/>
-          </a:effectRef>
-          <a:fontRef idx="minor">
-            <a:schemeClr val="lt1"/>
-          </a:fontRef>
-        </p:style>
-        <p:txBody>
-          <a:bodyPr rtlCol="0" anchor="ctr"/>
-          <a:lstStyle/>
-          <a:p>
-            <a:pPr algn="ctr"/>
-            <a:endParaRPr kumimoji="1" lang="ja-JP" altLang="en-US"/>
-          </a:p>
-        </p:txBody>
-      </p:sp>
-      <p:sp>
-        <p:nvSpPr>
           <p:cNvPr id="3" name="コンテンツ プレースホルダー 2">
             <a:extLst>
               <a:ext uri="{FF2B5EF4-FFF2-40B4-BE49-F238E27FC236}">
@@ -9731,8 +9678,8 @@
         </p:nvSpPr>
         <p:spPr>
           <a:xfrm>
-            <a:off x="1115568" y="2481943"/>
-            <a:ext cx="10168128" cy="3695020"/>
+            <a:off x="1364557" y="2412137"/>
+            <a:ext cx="9508813" cy="3695020"/>
           </a:xfrm>
         </p:spPr>
         <p:txBody>
@@ -9740,140 +9687,6 @@
             <a:noAutofit/>
           </a:bodyPr>
           <a:lstStyle/>
-          <a:p>
-            <a:pPr marL="0" indent="0">
-              <a:buNone/>
-            </a:pPr>
-            <a:r>
-              <a:rPr lang="ja-JP" altLang="en-US" sz="2000" b="1">
-                <a:ln w="0"/>
-                <a:latin typeface="Meiryo" panose="020B0604030504040204" pitchFamily="34" charset="-128"/>
-                <a:ea typeface="Meiryo" panose="020B0604030504040204" pitchFamily="34" charset="-128"/>
-              </a:rPr>
-              <a:t>プロコンまでにやりたいこと</a:t>
-            </a:r>
-            <a:endParaRPr lang="en-US" altLang="ja-JP" sz="2000" b="1" dirty="0">
-              <a:ln w="0"/>
-              <a:latin typeface="Meiryo" panose="020B0604030504040204" pitchFamily="34" charset="-128"/>
-              <a:ea typeface="Meiryo" panose="020B0604030504040204" pitchFamily="34" charset="-128"/>
-            </a:endParaRPr>
-          </a:p>
-          <a:p>
-            <a:pPr marL="0" indent="0">
-              <a:buNone/>
-            </a:pPr>
-            <a:r>
-              <a:rPr lang="ja-JP" altLang="en-US" sz="1800" b="1">
-                <a:ln w="0"/>
-                <a:latin typeface="Meiryo" panose="020B0604030504040204" pitchFamily="34" charset="-128"/>
-                <a:ea typeface="Meiryo" panose="020B0604030504040204" pitchFamily="34" charset="-128"/>
-              </a:rPr>
-              <a:t>　</a:t>
-            </a:r>
-            <a:r>
-              <a:rPr lang="en-US" altLang="ja-JP" sz="1800" dirty="0">
-                <a:ln w="0"/>
-                <a:latin typeface="Meiryo" panose="020B0604030504040204" pitchFamily="34" charset="-128"/>
-                <a:ea typeface="Meiryo" panose="020B0604030504040204" pitchFamily="34" charset="-128"/>
-              </a:rPr>
-              <a:t>- </a:t>
-            </a:r>
-            <a:r>
-              <a:rPr lang="ja-JP" altLang="en-US" sz="1800">
-                <a:ln w="0"/>
-                <a:latin typeface="Meiryo" panose="020B0604030504040204" pitchFamily="34" charset="-128"/>
-                <a:ea typeface="Meiryo" panose="020B0604030504040204" pitchFamily="34" charset="-128"/>
-              </a:rPr>
-              <a:t>現時点で実現しているバックアップ・リストア機能を</a:t>
-            </a:r>
-            <a:r>
-              <a:rPr lang="en-US" altLang="ja-JP" sz="1800" dirty="0">
-                <a:ln w="0"/>
-                <a:latin typeface="Meiryo" panose="020B0604030504040204" pitchFamily="34" charset="-128"/>
-                <a:ea typeface="Meiryo" panose="020B0604030504040204" pitchFamily="34" charset="-128"/>
-              </a:rPr>
-              <a:t>, </a:t>
-            </a:r>
-            <a:r>
-              <a:rPr lang="ja-JP" altLang="en-US" sz="1800">
-                <a:ln w="0"/>
-                <a:latin typeface="Meiryo" panose="020B0604030504040204" pitchFamily="34" charset="-128"/>
-                <a:ea typeface="Meiryo" panose="020B0604030504040204" pitchFamily="34" charset="-128"/>
-              </a:rPr>
-              <a:t>複数台の</a:t>
-            </a:r>
-            <a:r>
-              <a:rPr lang="en-US" altLang="ja-JP" sz="1800" dirty="0">
-                <a:ln w="0"/>
-                <a:latin typeface="Meiryo" panose="020B0604030504040204" pitchFamily="34" charset="-128"/>
-                <a:ea typeface="Meiryo" panose="020B0604030504040204" pitchFamily="34" charset="-128"/>
-              </a:rPr>
-              <a:t>VM</a:t>
-            </a:r>
-            <a:r>
-              <a:rPr lang="ja-JP" altLang="en-US" sz="1800">
-                <a:ln w="0"/>
-                <a:latin typeface="Meiryo" panose="020B0604030504040204" pitchFamily="34" charset="-128"/>
-                <a:ea typeface="Meiryo" panose="020B0604030504040204" pitchFamily="34" charset="-128"/>
-              </a:rPr>
-              <a:t>に対して適用する</a:t>
-            </a:r>
-            <a:endParaRPr lang="en-US" altLang="ja-JP" sz="1800" dirty="0">
-              <a:ln w="0"/>
-              <a:latin typeface="Meiryo" panose="020B0604030504040204" pitchFamily="34" charset="-128"/>
-              <a:ea typeface="Meiryo" panose="020B0604030504040204" pitchFamily="34" charset="-128"/>
-            </a:endParaRPr>
-          </a:p>
-          <a:p>
-            <a:pPr marL="0" indent="0">
-              <a:buNone/>
-            </a:pPr>
-            <a:r>
-              <a:rPr lang="ja-JP" altLang="en-US" sz="1800">
-                <a:ln w="0"/>
-                <a:latin typeface="Meiryo" panose="020B0604030504040204" pitchFamily="34" charset="-128"/>
-                <a:ea typeface="Meiryo" panose="020B0604030504040204" pitchFamily="34" charset="-128"/>
-              </a:rPr>
-              <a:t>　</a:t>
-            </a:r>
-            <a:r>
-              <a:rPr lang="en-US" altLang="ja-JP" sz="1800" dirty="0">
-                <a:ln w="0"/>
-                <a:latin typeface="Meiryo" panose="020B0604030504040204" pitchFamily="34" charset="-128"/>
-                <a:ea typeface="Meiryo" panose="020B0604030504040204" pitchFamily="34" charset="-128"/>
-              </a:rPr>
-              <a:t>- </a:t>
-            </a:r>
-            <a:r>
-              <a:rPr lang="ja-JP" altLang="en-US" sz="1800">
-                <a:ln w="0"/>
-                <a:latin typeface="Meiryo" panose="020B0604030504040204" pitchFamily="34" charset="-128"/>
-                <a:ea typeface="Meiryo" panose="020B0604030504040204" pitchFamily="34" charset="-128"/>
-              </a:rPr>
-              <a:t>わかりやすい</a:t>
-            </a:r>
-            <a:r>
-              <a:rPr lang="en-US" altLang="ja-JP" sz="1800" dirty="0">
-                <a:ln w="0"/>
-                <a:latin typeface="Meiryo" panose="020B0604030504040204" pitchFamily="34" charset="-128"/>
-                <a:ea typeface="Meiryo" panose="020B0604030504040204" pitchFamily="34" charset="-128"/>
-              </a:rPr>
-              <a:t>GUI</a:t>
-            </a:r>
-            <a:r>
-              <a:rPr lang="ja-JP" altLang="en-US" sz="1800">
-                <a:ln w="0"/>
-                <a:latin typeface="Meiryo" panose="020B0604030504040204" pitchFamily="34" charset="-128"/>
-                <a:ea typeface="Meiryo" panose="020B0604030504040204" pitchFamily="34" charset="-128"/>
-              </a:rPr>
-              <a:t>の実装</a:t>
-            </a:r>
-            <a:endParaRPr lang="en-US" altLang="ja-JP" sz="1800" dirty="0">
-              <a:ln w="0"/>
-              <a:latin typeface="Meiryo" panose="020B0604030504040204" pitchFamily="34" charset="-128"/>
-              <a:ea typeface="Meiryo" panose="020B0604030504040204" pitchFamily="34" charset="-128"/>
-            </a:endParaRPr>
-          </a:p>
           <a:p>
             <a:pPr marL="0" indent="0">
               <a:buNone/>
@@ -11299,13 +11112,13 @@
           <p:nvPr>
             <p:extLst>
               <p:ext uri="{D42A27DB-BD31-4B8C-83A1-F6EECF244321}">
-                <p14:modId xmlns:p14="http://schemas.microsoft.com/office/powerpoint/2010/main" val="1272129217"/>
+                <p14:modId xmlns:p14="http://schemas.microsoft.com/office/powerpoint/2010/main" val="2796587530"/>
               </p:ext>
             </p:extLst>
           </p:nvPr>
         </p:nvGraphicFramePr>
         <p:xfrm>
-          <a:off x="626850" y="2276855"/>
+          <a:off x="611923" y="2264524"/>
           <a:ext cx="11095750" cy="3068034"/>
         </p:xfrm>
         <a:graphic>

--- a/ool2020_middle_report_volume３_10_25 .pptx
+++ b/ool2020_middle_report_volume３_10_25 .pptx
@@ -18687,6 +18687,14 @@
             <a:pPr marL="0" indent="0">
               <a:buNone/>
             </a:pPr>
+            <a:r>
+              <a:rPr lang="ja-JP" altLang="en-US" sz="1800">
+                <a:ln w="0"/>
+                <a:latin typeface="Meiryo" panose="020B0604030504040204" pitchFamily="34" charset="-128"/>
+                <a:ea typeface="Meiryo" panose="020B0604030504040204" pitchFamily="34" charset="-128"/>
+              </a:rPr>
+              <a:t>モジュールの挙動がわからなかった</a:t>
+            </a:r>
             <a:endParaRPr lang="en-US" altLang="ja-JP" sz="1800" dirty="0">
               <a:ln w="0"/>
               <a:latin typeface="Meiryo" panose="020B0604030504040204" pitchFamily="34" charset="-128"/>

--- a/ool2020_middle_report_volume３_10_25 .pptx
+++ b/ool2020_middle_report_volume３_10_25 .pptx
@@ -566,16 +566,265 @@
           <a:p>
             <a:r>
               <a:rPr kumimoji="1" lang="ja-JP" altLang="en-US"/>
-              <a:t>チームに役割としては、吉田はネットワーク構築機能の実装、バックアップ・リストア 機能の改善、機能検証などのバックグラウンドを主として、内輪は</a:t>
+              <a:t>システムの構成図と基本的な動作について解説します</a:t>
             </a:r>
             <a:r>
               <a:rPr kumimoji="1" lang="en-US" altLang="ja-JP" dirty="0"/>
-              <a:t>GUI</a:t>
+              <a:t>. </a:t>
             </a:r>
             <a:r>
               <a:rPr kumimoji="1" lang="ja-JP" altLang="en-US"/>
-              <a:t>の実装などの表の機能や資料作成を役割としています。</a:t>
-            </a:r>
+              <a:t>最初にホストが</a:t>
+            </a:r>
+            <a:r>
+              <a:rPr kumimoji="1" lang="en-US" altLang="ja-JP" dirty="0"/>
+              <a:t>VAGRANT</a:t>
+            </a:r>
+            <a:r>
+              <a:rPr kumimoji="1" lang="ja-JP" altLang="en-US"/>
+              <a:t>に命令を行います</a:t>
+            </a:r>
+            <a:r>
+              <a:rPr kumimoji="1" lang="en-US" altLang="ja-JP" dirty="0"/>
+              <a:t>. </a:t>
+            </a:r>
+          </a:p>
+          <a:p>
+            <a:r>
+              <a:rPr kumimoji="1" lang="ja-JP" altLang="en-US"/>
+              <a:t>すると</a:t>
+            </a:r>
+            <a:r>
+              <a:rPr kumimoji="1" lang="en-US" altLang="ja-JP" dirty="0"/>
+              <a:t>VAGRANT</a:t>
+            </a:r>
+            <a:r>
+              <a:rPr kumimoji="1" lang="ja-JP" altLang="en-US"/>
+              <a:t>が予め作成された</a:t>
+            </a:r>
+            <a:r>
+              <a:rPr kumimoji="1" lang="en-US" altLang="ja-JP" dirty="0" err="1"/>
+              <a:t>Vagrantfile</a:t>
+            </a:r>
+            <a:r>
+              <a:rPr kumimoji="1" lang="ja-JP" altLang="en-US"/>
+              <a:t>をもとに</a:t>
+            </a:r>
+            <a:r>
+              <a:rPr kumimoji="1" lang="en-US" altLang="ja-JP" dirty="0"/>
+              <a:t>VirtualBox</a:t>
+            </a:r>
+            <a:r>
+              <a:rPr kumimoji="1" lang="ja-JP" altLang="en-US"/>
+              <a:t>上に</a:t>
+            </a:r>
+            <a:r>
+              <a:rPr kumimoji="1" lang="en-US" altLang="ja-JP" dirty="0"/>
+              <a:t>VM</a:t>
+            </a:r>
+            <a:r>
+              <a:rPr kumimoji="1" lang="ja-JP" altLang="en-US"/>
+              <a:t>を作成</a:t>
+            </a:r>
+            <a:r>
+              <a:rPr kumimoji="1" lang="en-US" altLang="ja-JP" dirty="0"/>
+              <a:t>, </a:t>
+            </a:r>
+            <a:r>
+              <a:rPr kumimoji="1" lang="ja-JP" altLang="en-US"/>
+              <a:t>インタフェースの設定</a:t>
+            </a:r>
+            <a:r>
+              <a:rPr kumimoji="1" lang="en-US" altLang="ja-JP" dirty="0"/>
+              <a:t>, </a:t>
+            </a:r>
+            <a:r>
+              <a:rPr kumimoji="1" lang="ja-JP" altLang="en-US"/>
+              <a:t>必要なソフトウェアのインストールを行います</a:t>
+            </a:r>
+            <a:r>
+              <a:rPr kumimoji="1" lang="en-US" altLang="ja-JP" dirty="0"/>
+              <a:t>.</a:t>
+            </a:r>
+          </a:p>
+          <a:p>
+            <a:r>
+              <a:rPr kumimoji="1" lang="en-US" altLang="ja-JP" dirty="0"/>
+              <a:t>Vagrant</a:t>
+            </a:r>
+            <a:r>
+              <a:rPr kumimoji="1" lang="ja-JP" altLang="en-US"/>
+              <a:t>はホストが</a:t>
+            </a:r>
+            <a:r>
+              <a:rPr kumimoji="1" lang="en-US" altLang="ja-JP" dirty="0"/>
+              <a:t>VM</a:t>
+            </a:r>
+            <a:r>
+              <a:rPr kumimoji="1" lang="ja-JP" altLang="en-US"/>
+              <a:t>にアクセスするための設定も行ってくれるので</a:t>
+            </a:r>
+            <a:r>
+              <a:rPr kumimoji="1" lang="en-US" altLang="ja-JP" dirty="0"/>
+              <a:t>, </a:t>
+            </a:r>
+            <a:r>
+              <a:rPr kumimoji="1" lang="ja-JP" altLang="en-US"/>
+              <a:t>環境の構築としてはこの手順だけで完了となります</a:t>
+            </a:r>
+            <a:r>
+              <a:rPr kumimoji="1" lang="en-US" altLang="ja-JP" dirty="0"/>
+              <a:t>.</a:t>
+            </a:r>
+          </a:p>
+          <a:p>
+            <a:r>
+              <a:rPr kumimoji="1" lang="ja-JP" altLang="en-US"/>
+              <a:t>次にホストはルータを管理するためのサーバに接続します</a:t>
+            </a:r>
+            <a:r>
+              <a:rPr kumimoji="1" lang="en-US" altLang="ja-JP" dirty="0"/>
+              <a:t>. </a:t>
+            </a:r>
+            <a:r>
+              <a:rPr kumimoji="1" lang="ja-JP" altLang="en-US"/>
+              <a:t>ここからルータに対してバックアップとリストアの命令を行うことができます</a:t>
+            </a:r>
+            <a:r>
+              <a:rPr kumimoji="1" lang="en-US" altLang="ja-JP" dirty="0"/>
+              <a:t>.</a:t>
+            </a:r>
+          </a:p>
+          <a:p>
+            <a:r>
+              <a:rPr kumimoji="1" lang="ja-JP" altLang="en-US"/>
+              <a:t>バックアップについて</a:t>
+            </a:r>
+            <a:r>
+              <a:rPr kumimoji="1" lang="en-US" altLang="ja-JP" dirty="0"/>
+              <a:t>, </a:t>
+            </a:r>
+            <a:r>
+              <a:rPr kumimoji="1" lang="ja-JP" altLang="en-US"/>
+              <a:t>予めサーバにインストールされた</a:t>
+            </a:r>
+            <a:r>
+              <a:rPr kumimoji="1" lang="en-US" altLang="ja-JP" dirty="0"/>
+              <a:t>Ansible</a:t>
+            </a:r>
+            <a:r>
+              <a:rPr kumimoji="1" lang="ja-JP" altLang="en-US"/>
+              <a:t>から</a:t>
+            </a:r>
+            <a:r>
+              <a:rPr kumimoji="1" lang="en-US" altLang="ja-JP" dirty="0"/>
+              <a:t>Playbook</a:t>
+            </a:r>
+            <a:r>
+              <a:rPr kumimoji="1" lang="ja-JP" altLang="en-US"/>
+              <a:t>（命令書）を実行することで行います</a:t>
+            </a:r>
+            <a:r>
+              <a:rPr kumimoji="1" lang="en-US" altLang="ja-JP" dirty="0"/>
+              <a:t>. Playbook</a:t>
+            </a:r>
+            <a:r>
+              <a:rPr kumimoji="1" lang="ja-JP" altLang="en-US"/>
+              <a:t>を実行するとルータ上で設定を出力するコマンドが実行され</a:t>
+            </a:r>
+            <a:r>
+              <a:rPr kumimoji="1" lang="en-US" altLang="ja-JP" dirty="0"/>
+              <a:t>,</a:t>
+            </a:r>
+          </a:p>
+          <a:p>
+            <a:r>
+              <a:rPr kumimoji="1" lang="ja-JP" altLang="en-US"/>
+              <a:t>その結果がサーバ上のファイルに出力される仕組みになります</a:t>
+            </a:r>
+            <a:r>
+              <a:rPr kumimoji="1" lang="en-US" altLang="ja-JP" dirty="0"/>
+              <a:t>.</a:t>
+            </a:r>
+          </a:p>
+          <a:p>
+            <a:r>
+              <a:rPr kumimoji="1" lang="ja-JP" altLang="en-US"/>
+              <a:t>リストアについて</a:t>
+            </a:r>
+            <a:r>
+              <a:rPr kumimoji="1" lang="en-US" altLang="ja-JP" dirty="0"/>
+              <a:t>, Playbook</a:t>
+            </a:r>
+            <a:r>
+              <a:rPr kumimoji="1" lang="ja-JP" altLang="en-US"/>
+              <a:t>を実行するところまではバックアップと同じで</a:t>
+            </a:r>
+            <a:r>
+              <a:rPr kumimoji="1" lang="en-US" altLang="ja-JP" dirty="0"/>
+              <a:t>, </a:t>
+            </a:r>
+            <a:r>
+              <a:rPr kumimoji="1" lang="ja-JP" altLang="en-US"/>
+              <a:t>動作するモジュールが異なります</a:t>
+            </a:r>
+            <a:r>
+              <a:rPr kumimoji="1" lang="en-US" altLang="ja-JP" dirty="0"/>
+              <a:t>. </a:t>
+            </a:r>
+            <a:r>
+              <a:rPr kumimoji="1" lang="ja-JP" altLang="en-US"/>
+              <a:t>実行するとサーバに保存された設定ファイルを読み込み</a:t>
+            </a:r>
+            <a:r>
+              <a:rPr kumimoji="1" lang="en-US" altLang="ja-JP" dirty="0"/>
+              <a:t>, </a:t>
+            </a:r>
+            <a:r>
+              <a:rPr kumimoji="1" lang="ja-JP" altLang="en-US"/>
+              <a:t>記述されたコマンドをルータ上で実行することで</a:t>
+            </a:r>
+            <a:r>
+              <a:rPr kumimoji="1" lang="en-US" altLang="ja-JP" dirty="0"/>
+              <a:t>,</a:t>
+            </a:r>
+          </a:p>
+          <a:p>
+            <a:r>
+              <a:rPr kumimoji="1" lang="ja-JP" altLang="en-US"/>
+              <a:t>設定を書き換える仕組みになります</a:t>
+            </a:r>
+            <a:r>
+              <a:rPr kumimoji="1" lang="en-US" altLang="ja-JP" dirty="0"/>
+              <a:t>.</a:t>
+            </a:r>
+          </a:p>
+          <a:p>
+            <a:r>
+              <a:rPr kumimoji="1" lang="ja-JP" altLang="en-US"/>
+              <a:t>以上でシステムの構成図と</a:t>
+            </a:r>
+            <a:r>
+              <a:rPr kumimoji="1" lang="en-US" altLang="ja-JP" dirty="0"/>
+              <a:t>, </a:t>
+            </a:r>
+            <a:r>
+              <a:rPr kumimoji="1" lang="ja-JP" altLang="en-US"/>
+              <a:t>基本的な動作の説明を終わります</a:t>
+            </a:r>
+            <a:r>
+              <a:rPr kumimoji="1" lang="en-US" altLang="ja-JP" dirty="0"/>
+              <a:t>. </a:t>
+            </a:r>
+            <a:r>
+              <a:rPr kumimoji="1" lang="ja-JP" altLang="en-US"/>
+              <a:t>次に実際の動作を紹介します</a:t>
+            </a:r>
+            <a:r>
+              <a:rPr kumimoji="1" lang="en-US" altLang="ja-JP" dirty="0"/>
+              <a:t>.</a:t>
+            </a:r>
+            <a:endParaRPr kumimoji="1" lang="ja-JP" altLang="en-US"/>
           </a:p>
         </p:txBody>
       </p:sp>
@@ -596,7 +845,7 @@
           <a:p>
             <a:fld id="{AA7D8E21-952E-5D45-B545-4C100EF48894}" type="slidenum">
               <a:rPr kumimoji="1" lang="ja-JP" altLang="en-US" smtClean="0"/>
-              <a:t>11</a:t>
+              <a:t>3</a:t>
             </a:fld>
             <a:endParaRPr kumimoji="1" lang="ja-JP" altLang="en-US"/>
           </a:p>
@@ -605,7 +854,7 @@
     </p:spTree>
     <p:extLst>
       <p:ext uri="{BB962C8B-B14F-4D97-AF65-F5344CB8AC3E}">
-        <p14:creationId xmlns:p14="http://schemas.microsoft.com/office/powerpoint/2010/main" val="3108271067"/>
+        <p14:creationId xmlns:p14="http://schemas.microsoft.com/office/powerpoint/2010/main" val="451015533"/>
       </p:ext>
     </p:extLst>
   </p:cSld>
@@ -659,66 +908,7 @@
           <a:bodyPr/>
           <a:lstStyle/>
           <a:p>
-            <a:r>
-              <a:rPr kumimoji="1" lang="ja-JP" altLang="en-US"/>
-              <a:t>今後の開発スケジュールとしては</a:t>
-            </a:r>
-            <a:r>
-              <a:rPr kumimoji="1" lang="en-US" altLang="ja-JP" dirty="0"/>
-              <a:t>11</a:t>
-            </a:r>
-            <a:r>
-              <a:rPr kumimoji="1" lang="ja-JP" altLang="en-US"/>
-              <a:t>月、</a:t>
-            </a:r>
-            <a:r>
-              <a:rPr kumimoji="1" lang="en-US" altLang="ja-JP" dirty="0"/>
-              <a:t>12</a:t>
-            </a:r>
-            <a:r>
-              <a:rPr kumimoji="1" lang="ja-JP" altLang="en-US"/>
-              <a:t>月はバックアップ・リストア機能の改修、</a:t>
-            </a:r>
-            <a:r>
-              <a:rPr kumimoji="1" lang="en-US" altLang="ja-JP" dirty="0"/>
-              <a:t>VM</a:t>
-            </a:r>
-            <a:r>
-              <a:rPr kumimoji="1" lang="ja-JP" altLang="en-US"/>
-              <a:t>複数台での構築・管理機能の実装などを行い、</a:t>
-            </a:r>
-            <a:r>
-              <a:rPr kumimoji="1" lang="en-US" altLang="ja-JP" dirty="0"/>
-              <a:t>12</a:t>
-            </a:r>
-            <a:r>
-              <a:rPr kumimoji="1" lang="ja-JP" altLang="en-US"/>
-              <a:t>月、</a:t>
-            </a:r>
-            <a:r>
-              <a:rPr kumimoji="1" lang="en-US" altLang="ja-JP" dirty="0"/>
-              <a:t>1</a:t>
-            </a:r>
-            <a:r>
-              <a:rPr kumimoji="1" lang="ja-JP" altLang="en-US"/>
-              <a:t>月は</a:t>
-            </a:r>
-            <a:r>
-              <a:rPr kumimoji="1" lang="en-US" altLang="ja-JP" dirty="0"/>
-              <a:t>GUI</a:t>
-            </a:r>
-            <a:r>
-              <a:rPr kumimoji="1" lang="ja-JP" altLang="en-US"/>
-              <a:t>の実装、機能検証、</a:t>
-            </a:r>
-            <a:r>
-              <a:rPr kumimoji="1" lang="en-US" altLang="ja-JP" dirty="0"/>
-              <a:t>1</a:t>
-            </a:r>
-            <a:r>
-              <a:rPr kumimoji="1" lang="ja-JP" altLang="en-US"/>
-              <a:t>月からはプログラミングに向けて資料作成とシステムの最終確認、プレゼン練習などを行いたいと考えています。</a:t>
-            </a:r>
+            <a:endParaRPr kumimoji="1" lang="ja-JP" altLang="en-US"/>
           </a:p>
         </p:txBody>
       </p:sp>
@@ -739,6 +929,392 @@
           <a:p>
             <a:fld id="{AA7D8E21-952E-5D45-B545-4C100EF48894}" type="slidenum">
               <a:rPr kumimoji="1" lang="ja-JP" altLang="en-US" smtClean="0"/>
+              <a:t>4</a:t>
+            </a:fld>
+            <a:endParaRPr kumimoji="1" lang="ja-JP" altLang="en-US"/>
+          </a:p>
+        </p:txBody>
+      </p:sp>
+    </p:spTree>
+    <p:extLst>
+      <p:ext uri="{BB962C8B-B14F-4D97-AF65-F5344CB8AC3E}">
+        <p14:creationId xmlns:p14="http://schemas.microsoft.com/office/powerpoint/2010/main" val="3888454698"/>
+      </p:ext>
+    </p:extLst>
+  </p:cSld>
+  <p:clrMapOvr>
+    <a:masterClrMapping/>
+  </p:clrMapOvr>
+</p:notes>
+</file>
+
+<file path=ppt/notesSlides/notesSlide3.xml><?xml version="1.0" encoding="utf-8"?>
+<p:notes xmlns:a="http://schemas.openxmlformats.org/drawingml/2006/main" xmlns:r="http://schemas.openxmlformats.org/officeDocument/2006/relationships" xmlns:p="http://schemas.openxmlformats.org/presentationml/2006/main">
+  <p:cSld>
+    <p:spTree>
+      <p:nvGrpSpPr>
+        <p:cNvPr id="1" name=""/>
+        <p:cNvGrpSpPr/>
+        <p:nvPr/>
+      </p:nvGrpSpPr>
+      <p:grpSpPr>
+        <a:xfrm>
+          <a:off x="0" y="0"/>
+          <a:ext cx="0" cy="0"/>
+          <a:chOff x="0" y="0"/>
+          <a:chExt cx="0" cy="0"/>
+        </a:xfrm>
+      </p:grpSpPr>
+      <p:sp>
+        <p:nvSpPr>
+          <p:cNvPr id="2" name="スライド イメージ プレースホルダー 1"/>
+          <p:cNvSpPr>
+            <a:spLocks noGrp="1" noRot="1" noChangeAspect="1"/>
+          </p:cNvSpPr>
+          <p:nvPr>
+            <p:ph type="sldImg"/>
+          </p:nvPr>
+        </p:nvSpPr>
+        <p:spPr/>
+      </p:sp>
+      <p:sp>
+        <p:nvSpPr>
+          <p:cNvPr id="3" name="ノート プレースホルダー 2"/>
+          <p:cNvSpPr>
+            <a:spLocks noGrp="1"/>
+          </p:cNvSpPr>
+          <p:nvPr>
+            <p:ph type="body" idx="1"/>
+          </p:nvPr>
+        </p:nvSpPr>
+        <p:spPr/>
+        <p:txBody>
+          <a:bodyPr/>
+          <a:lstStyle/>
+          <a:p>
+            <a:r>
+              <a:rPr kumimoji="1" lang="ja-JP" altLang="en-US"/>
+              <a:t>次にチームの役割についてです</a:t>
+            </a:r>
+            <a:r>
+              <a:rPr kumimoji="1" lang="en-US" altLang="ja-JP" dirty="0"/>
+              <a:t>.</a:t>
+            </a:r>
+          </a:p>
+          <a:p>
+            <a:r>
+              <a:rPr kumimoji="1" lang="ja-JP" altLang="en-US"/>
+              <a:t>吉田はネットワーク構築機能を中心に</a:t>
+            </a:r>
+            <a:r>
+              <a:rPr kumimoji="1" lang="en-US" altLang="ja-JP" dirty="0"/>
+              <a:t>, </a:t>
+            </a:r>
+            <a:r>
+              <a:rPr kumimoji="1" lang="ja-JP" altLang="en-US"/>
+              <a:t>本日紹介したバックアップ・リストア機能の改善</a:t>
+            </a:r>
+            <a:r>
+              <a:rPr kumimoji="1" lang="en-US" altLang="ja-JP" dirty="0"/>
+              <a:t>, </a:t>
+            </a:r>
+            <a:r>
+              <a:rPr kumimoji="1" lang="ja-JP" altLang="en-US"/>
+              <a:t>機能検証を行っていきます</a:t>
+            </a:r>
+            <a:r>
+              <a:rPr kumimoji="1" lang="en-US" altLang="ja-JP" dirty="0"/>
+              <a:t>.</a:t>
+            </a:r>
+          </a:p>
+          <a:p>
+            <a:r>
+              <a:rPr kumimoji="1" lang="ja-JP" altLang="en-US"/>
+              <a:t>内輪はシステムを操作</a:t>
+            </a:r>
+            <a:r>
+              <a:rPr kumimoji="1" lang="en-US" altLang="ja-JP" dirty="0"/>
+              <a:t>, </a:t>
+            </a:r>
+            <a:r>
+              <a:rPr kumimoji="1" lang="ja-JP" altLang="en-US"/>
+              <a:t>監視することのできる</a:t>
+            </a:r>
+            <a:r>
+              <a:rPr kumimoji="1" lang="en-US" altLang="ja-JP" dirty="0"/>
+              <a:t>GUI</a:t>
+            </a:r>
+            <a:r>
+              <a:rPr kumimoji="1" lang="ja-JP" altLang="en-US"/>
+              <a:t>の実装を中心に</a:t>
+            </a:r>
+            <a:r>
+              <a:rPr kumimoji="1" lang="en-US" altLang="ja-JP" dirty="0"/>
+              <a:t>, </a:t>
+            </a:r>
+            <a:r>
+              <a:rPr kumimoji="1" lang="ja-JP" altLang="en-US"/>
+              <a:t>機能検証</a:t>
+            </a:r>
+            <a:r>
+              <a:rPr kumimoji="1" lang="en-US" altLang="ja-JP" dirty="0"/>
+              <a:t>, </a:t>
+            </a:r>
+            <a:r>
+              <a:rPr kumimoji="1" lang="ja-JP" altLang="en-US"/>
+              <a:t>資料の作成を行っていきます</a:t>
+            </a:r>
+            <a:r>
+              <a:rPr kumimoji="1" lang="en-US" altLang="ja-JP" dirty="0"/>
+              <a:t>.</a:t>
+            </a:r>
+            <a:endParaRPr kumimoji="1" lang="ja-JP" altLang="en-US"/>
+          </a:p>
+        </p:txBody>
+      </p:sp>
+      <p:sp>
+        <p:nvSpPr>
+          <p:cNvPr id="4" name="スライド番号プレースホルダー 3"/>
+          <p:cNvSpPr>
+            <a:spLocks noGrp="1"/>
+          </p:cNvSpPr>
+          <p:nvPr>
+            <p:ph type="sldNum" sz="quarter" idx="5"/>
+          </p:nvPr>
+        </p:nvSpPr>
+        <p:spPr/>
+        <p:txBody>
+          <a:bodyPr/>
+          <a:lstStyle/>
+          <a:p>
+            <a:fld id="{AA7D8E21-952E-5D45-B545-4C100EF48894}" type="slidenum">
+              <a:rPr kumimoji="1" lang="ja-JP" altLang="en-US" smtClean="0"/>
+              <a:t>11</a:t>
+            </a:fld>
+            <a:endParaRPr kumimoji="1" lang="ja-JP" altLang="en-US"/>
+          </a:p>
+        </p:txBody>
+      </p:sp>
+    </p:spTree>
+    <p:extLst>
+      <p:ext uri="{BB962C8B-B14F-4D97-AF65-F5344CB8AC3E}">
+        <p14:creationId xmlns:p14="http://schemas.microsoft.com/office/powerpoint/2010/main" val="3108271067"/>
+      </p:ext>
+    </p:extLst>
+  </p:cSld>
+  <p:clrMapOvr>
+    <a:masterClrMapping/>
+  </p:clrMapOvr>
+</p:notes>
+</file>
+
+<file path=ppt/notesSlides/notesSlide4.xml><?xml version="1.0" encoding="utf-8"?>
+<p:notes xmlns:a="http://schemas.openxmlformats.org/drawingml/2006/main" xmlns:r="http://schemas.openxmlformats.org/officeDocument/2006/relationships" xmlns:p="http://schemas.openxmlformats.org/presentationml/2006/main">
+  <p:cSld>
+    <p:spTree>
+      <p:nvGrpSpPr>
+        <p:cNvPr id="1" name=""/>
+        <p:cNvGrpSpPr/>
+        <p:nvPr/>
+      </p:nvGrpSpPr>
+      <p:grpSpPr>
+        <a:xfrm>
+          <a:off x="0" y="0"/>
+          <a:ext cx="0" cy="0"/>
+          <a:chOff x="0" y="0"/>
+          <a:chExt cx="0" cy="0"/>
+        </a:xfrm>
+      </p:grpSpPr>
+      <p:sp>
+        <p:nvSpPr>
+          <p:cNvPr id="2" name="スライド イメージ プレースホルダー 1"/>
+          <p:cNvSpPr>
+            <a:spLocks noGrp="1" noRot="1" noChangeAspect="1"/>
+          </p:cNvSpPr>
+          <p:nvPr>
+            <p:ph type="sldImg"/>
+          </p:nvPr>
+        </p:nvSpPr>
+        <p:spPr/>
+      </p:sp>
+      <p:sp>
+        <p:nvSpPr>
+          <p:cNvPr id="3" name="ノート プレースホルダー 2"/>
+          <p:cNvSpPr>
+            <a:spLocks noGrp="1"/>
+          </p:cNvSpPr>
+          <p:nvPr>
+            <p:ph type="body" idx="1"/>
+          </p:nvPr>
+        </p:nvSpPr>
+        <p:spPr/>
+        <p:txBody>
+          <a:bodyPr/>
+          <a:lstStyle/>
+          <a:p>
+            <a:r>
+              <a:rPr kumimoji="1" lang="ja-JP" altLang="en-US"/>
+              <a:t>次に今後の開発スケジュールについてです</a:t>
+            </a:r>
+            <a:r>
+              <a:rPr kumimoji="1" lang="en-US" altLang="ja-JP" dirty="0"/>
+              <a:t>. 11</a:t>
+            </a:r>
+            <a:r>
+              <a:rPr kumimoji="1" lang="ja-JP" altLang="en-US"/>
+              <a:t>月中に複数の</a:t>
+            </a:r>
+            <a:r>
+              <a:rPr kumimoji="1" lang="en-US" altLang="ja-JP" dirty="0"/>
+              <a:t>VM</a:t>
+            </a:r>
+            <a:r>
+              <a:rPr kumimoji="1" lang="ja-JP" altLang="en-US"/>
+              <a:t>を利用したネットワークの構築機能</a:t>
+            </a:r>
+            <a:r>
+              <a:rPr kumimoji="1" lang="en-US" altLang="ja-JP" dirty="0"/>
+              <a:t>, </a:t>
+            </a:r>
+            <a:r>
+              <a:rPr kumimoji="1" lang="ja-JP" altLang="en-US"/>
+              <a:t>それらを操作</a:t>
+            </a:r>
+            <a:r>
+              <a:rPr kumimoji="1" lang="en-US" altLang="ja-JP" dirty="0"/>
+              <a:t>, </a:t>
+            </a:r>
+            <a:r>
+              <a:rPr kumimoji="1" lang="ja-JP" altLang="en-US"/>
+              <a:t>監視できるような</a:t>
+            </a:r>
+            <a:r>
+              <a:rPr kumimoji="1" lang="en-US" altLang="ja-JP" dirty="0"/>
+              <a:t>GUI</a:t>
+            </a:r>
+            <a:r>
+              <a:rPr kumimoji="1" lang="ja-JP" altLang="en-US"/>
+              <a:t>の実装を目指します</a:t>
+            </a:r>
+            <a:r>
+              <a:rPr kumimoji="1" lang="en-US" altLang="ja-JP" dirty="0"/>
+              <a:t>. </a:t>
+            </a:r>
+          </a:p>
+          <a:p>
+            <a:r>
+              <a:rPr kumimoji="1" lang="en-US" altLang="ja-JP" dirty="0"/>
+              <a:t>12</a:t>
+            </a:r>
+            <a:r>
+              <a:rPr kumimoji="1" lang="ja-JP" altLang="en-US"/>
+              <a:t>月中は</a:t>
+            </a:r>
+            <a:r>
+              <a:rPr kumimoji="1" lang="en-US" altLang="ja-JP" dirty="0"/>
+              <a:t> </a:t>
+            </a:r>
+            <a:r>
+              <a:rPr kumimoji="1" lang="ja-JP" altLang="en-US"/>
+              <a:t>一旦開発としてはストップし</a:t>
+            </a:r>
+            <a:r>
+              <a:rPr kumimoji="1" lang="en-US" altLang="ja-JP" dirty="0"/>
+              <a:t>, </a:t>
+            </a:r>
+            <a:r>
+              <a:rPr kumimoji="1" lang="ja-JP" altLang="en-US"/>
+              <a:t>定期的なミーティングを通して現在まで開発してきたシステムの見直しを行うつもりです</a:t>
+            </a:r>
+            <a:r>
+              <a:rPr kumimoji="1" lang="en-US" altLang="ja-JP" dirty="0"/>
+              <a:t>.</a:t>
+            </a:r>
+          </a:p>
+          <a:p>
+            <a:r>
+              <a:rPr kumimoji="1" lang="en-US" altLang="ja-JP" dirty="0"/>
+              <a:t>1</a:t>
+            </a:r>
+            <a:r>
+              <a:rPr kumimoji="1" lang="ja-JP" altLang="en-US"/>
+              <a:t>月から開発を再開し</a:t>
+            </a:r>
+            <a:r>
+              <a:rPr kumimoji="1" lang="en-US" altLang="ja-JP" dirty="0"/>
+              <a:t>, </a:t>
+            </a:r>
+            <a:r>
+              <a:rPr kumimoji="1" lang="ja-JP" altLang="en-US"/>
+              <a:t>同時にシステムのテストを行っていく予定です</a:t>
+            </a:r>
+            <a:r>
+              <a:rPr kumimoji="1" lang="en-US" altLang="ja-JP" dirty="0"/>
+              <a:t>.</a:t>
+            </a:r>
+          </a:p>
+          <a:p>
+            <a:r>
+              <a:rPr kumimoji="1" lang="ja-JP" altLang="en-US"/>
+              <a:t>そして</a:t>
+            </a:r>
+            <a:r>
+              <a:rPr kumimoji="1" lang="en-US" altLang="ja-JP" dirty="0"/>
+              <a:t>, 2</a:t>
+            </a:r>
+            <a:r>
+              <a:rPr kumimoji="1" lang="ja-JP" altLang="en-US"/>
+              <a:t>月からプログラミングコンテストまで</a:t>
+            </a:r>
+            <a:r>
+              <a:rPr kumimoji="1" lang="en-US" altLang="ja-JP" dirty="0"/>
+              <a:t>, </a:t>
+            </a:r>
+            <a:r>
+              <a:rPr kumimoji="1" lang="ja-JP" altLang="en-US"/>
+              <a:t>資料・デモの作成</a:t>
+            </a:r>
+            <a:r>
+              <a:rPr kumimoji="1" lang="en-US" altLang="ja-JP" dirty="0"/>
+              <a:t>, </a:t>
+            </a:r>
+            <a:r>
+              <a:rPr kumimoji="1" lang="ja-JP" altLang="en-US"/>
+              <a:t>最終確認を行います</a:t>
+            </a:r>
+            <a:r>
+              <a:rPr kumimoji="1" lang="en-US" altLang="ja-JP" dirty="0"/>
+              <a:t>. </a:t>
+            </a:r>
+            <a:r>
+              <a:rPr kumimoji="1" lang="ja-JP" altLang="en-US"/>
+              <a:t>以上が今後の開発スケジュールになります</a:t>
+            </a:r>
+            <a:r>
+              <a:rPr kumimoji="1" lang="en-US" altLang="ja-JP" dirty="0"/>
+              <a:t>.</a:t>
+            </a:r>
+            <a:endParaRPr kumimoji="1" lang="ja-JP" altLang="en-US"/>
+          </a:p>
+        </p:txBody>
+      </p:sp>
+      <p:sp>
+        <p:nvSpPr>
+          <p:cNvPr id="4" name="スライド番号プレースホルダー 3"/>
+          <p:cNvSpPr>
+            <a:spLocks noGrp="1"/>
+          </p:cNvSpPr>
+          <p:nvPr>
+            <p:ph type="sldNum" sz="quarter" idx="5"/>
+          </p:nvPr>
+        </p:nvSpPr>
+        <p:spPr/>
+        <p:txBody>
+          <a:bodyPr/>
+          <a:lstStyle/>
+          <a:p>
+            <a:fld id="{AA7D8E21-952E-5D45-B545-4C100EF48894}" type="slidenum">
+              <a:rPr kumimoji="1" lang="ja-JP" altLang="en-US" smtClean="0"/>
               <a:t>12</a:t>
             </a:fld>
             <a:endParaRPr kumimoji="1" lang="ja-JP" altLang="en-US"/>
@@ -749,6 +1325,114 @@
     <p:extLst>
       <p:ext uri="{BB962C8B-B14F-4D97-AF65-F5344CB8AC3E}">
         <p14:creationId xmlns:p14="http://schemas.microsoft.com/office/powerpoint/2010/main" val="2555844539"/>
+      </p:ext>
+    </p:extLst>
+  </p:cSld>
+  <p:clrMapOvr>
+    <a:masterClrMapping/>
+  </p:clrMapOvr>
+</p:notes>
+</file>
+
+<file path=ppt/notesSlides/notesSlide5.xml><?xml version="1.0" encoding="utf-8"?>
+<p:notes xmlns:a="http://schemas.openxmlformats.org/drawingml/2006/main" xmlns:r="http://schemas.openxmlformats.org/officeDocument/2006/relationships" xmlns:p="http://schemas.openxmlformats.org/presentationml/2006/main">
+  <p:cSld>
+    <p:spTree>
+      <p:nvGrpSpPr>
+        <p:cNvPr id="1" name=""/>
+        <p:cNvGrpSpPr/>
+        <p:nvPr/>
+      </p:nvGrpSpPr>
+      <p:grpSpPr>
+        <a:xfrm>
+          <a:off x="0" y="0"/>
+          <a:ext cx="0" cy="0"/>
+          <a:chOff x="0" y="0"/>
+          <a:chExt cx="0" cy="0"/>
+        </a:xfrm>
+      </p:grpSpPr>
+      <p:sp>
+        <p:nvSpPr>
+          <p:cNvPr id="2" name="スライド イメージ プレースホルダー 1"/>
+          <p:cNvSpPr>
+            <a:spLocks noGrp="1" noRot="1" noChangeAspect="1"/>
+          </p:cNvSpPr>
+          <p:nvPr>
+            <p:ph type="sldImg"/>
+          </p:nvPr>
+        </p:nvSpPr>
+        <p:spPr/>
+      </p:sp>
+      <p:sp>
+        <p:nvSpPr>
+          <p:cNvPr id="3" name="ノート プレースホルダー 2"/>
+          <p:cNvSpPr>
+            <a:spLocks noGrp="1"/>
+          </p:cNvSpPr>
+          <p:nvPr>
+            <p:ph type="body" idx="1"/>
+          </p:nvPr>
+        </p:nvSpPr>
+        <p:spPr/>
+        <p:txBody>
+          <a:bodyPr/>
+          <a:lstStyle/>
+          <a:p>
+            <a:r>
+              <a:rPr kumimoji="1" lang="ja-JP" altLang="en-US"/>
+              <a:t>最後に今回のシステムを実装するにあたって参考にさせていただいた資料の一覧になります</a:t>
+            </a:r>
+            <a:r>
+              <a:rPr kumimoji="1" lang="en-US" altLang="ja-JP" dirty="0"/>
+              <a:t>. </a:t>
+            </a:r>
+            <a:r>
+              <a:rPr kumimoji="1" lang="ja-JP" altLang="en-US"/>
+              <a:t>これで発表を終わります</a:t>
+            </a:r>
+            <a:r>
+              <a:rPr kumimoji="1" lang="en-US" altLang="ja-JP" dirty="0"/>
+              <a:t>. </a:t>
+            </a:r>
+            <a:r>
+              <a:rPr kumimoji="1" lang="ja-JP" altLang="en-US"/>
+              <a:t>ありがとうございました</a:t>
+            </a:r>
+            <a:r>
+              <a:rPr kumimoji="1" lang="en-US" altLang="ja-JP" dirty="0"/>
+              <a:t>.</a:t>
+            </a:r>
+            <a:endParaRPr kumimoji="1" lang="ja-JP" altLang="en-US"/>
+          </a:p>
+        </p:txBody>
+      </p:sp>
+      <p:sp>
+        <p:nvSpPr>
+          <p:cNvPr id="4" name="スライド番号プレースホルダー 3"/>
+          <p:cNvSpPr>
+            <a:spLocks noGrp="1"/>
+          </p:cNvSpPr>
+          <p:nvPr>
+            <p:ph type="sldNum" sz="quarter" idx="5"/>
+          </p:nvPr>
+        </p:nvSpPr>
+        <p:spPr/>
+        <p:txBody>
+          <a:bodyPr/>
+          <a:lstStyle/>
+          <a:p>
+            <a:fld id="{AA7D8E21-952E-5D45-B545-4C100EF48894}" type="slidenum">
+              <a:rPr kumimoji="1" lang="ja-JP" altLang="en-US" smtClean="0"/>
+              <a:t>13</a:t>
+            </a:fld>
+            <a:endParaRPr kumimoji="1" lang="ja-JP" altLang="en-US"/>
+          </a:p>
+        </p:txBody>
+      </p:sp>
+    </p:spTree>
+    <p:extLst>
+      <p:ext uri="{BB962C8B-B14F-4D97-AF65-F5344CB8AC3E}">
+        <p14:creationId xmlns:p14="http://schemas.microsoft.com/office/powerpoint/2010/main" val="2179575987"/>
       </p:ext>
     </p:extLst>
   </p:cSld>
@@ -14050,7 +14734,7 @@
               <a:rPr lang="en-US" altLang="ja-JP" sz="2000" dirty="0">
                 <a:latin typeface="Meiryo" panose="020B0604030504040204" pitchFamily="34" charset="-128"/>
                 <a:ea typeface="Meiryo" panose="020B0604030504040204" pitchFamily="34" charset="-128"/>
-                <a:hlinkClick r:id="rId2"/>
+                <a:hlinkClick r:id="rId3"/>
               </a:rPr>
               <a:t>https://tekunabe.hatenablog.jp/entry/2020/04/14/ansible_vyos_intro</a:t>
             </a:r>
@@ -14088,7 +14772,7 @@
               <a:rPr lang="en-US" altLang="ja-JP" sz="2000" dirty="0">
                 <a:latin typeface="Meiryo" panose="020B0604030504040204" pitchFamily="34" charset="-128"/>
                 <a:ea typeface="Meiryo" panose="020B0604030504040204" pitchFamily="34" charset="-128"/>
-                <a:hlinkClick r:id="rId3"/>
+                <a:hlinkClick r:id="rId4"/>
               </a:rPr>
               <a:t>https://docs.ansible.com/ansible/latest/user_guide/intro_inventory.html</a:t>
             </a:r>
@@ -14147,7 +14831,7 @@
               <a:rPr lang="en-US" altLang="ja-JP" sz="2000" dirty="0">
                 <a:latin typeface="Meiryo" panose="020B0604030504040204" pitchFamily="34" charset="-128"/>
                 <a:ea typeface="Meiryo" panose="020B0604030504040204" pitchFamily="34" charset="-128"/>
-                <a:hlinkClick r:id="rId4"/>
+                <a:hlinkClick r:id="rId5"/>
               </a:rPr>
               <a:t>https://docs.ansible.com/ansible/2.5/modules/vyos_command_module.html</a:t>
             </a:r>
@@ -14206,7 +14890,7 @@
               <a:rPr lang="en-US" altLang="ja-JP" sz="2000" dirty="0">
                 <a:latin typeface="Meiryo" panose="020B0604030504040204" pitchFamily="34" charset="-128"/>
                 <a:ea typeface="Meiryo" panose="020B0604030504040204" pitchFamily="34" charset="-128"/>
-                <a:hlinkClick r:id="rId5"/>
+                <a:hlinkClick r:id="rId6"/>
               </a:rPr>
               <a:t>http://74.207.229.77/ansible/latest/modules/vyos_config_module.html</a:t>
             </a:r>
@@ -14244,7 +14928,7 @@
               <a:rPr lang="en-US" altLang="ja-JP" sz="2000" dirty="0">
                 <a:latin typeface="Meiryo" panose="020B0604030504040204" pitchFamily="34" charset="-128"/>
                 <a:ea typeface="Meiryo" panose="020B0604030504040204" pitchFamily="34" charset="-128"/>
-                <a:hlinkClick r:id="rId6"/>
+                <a:hlinkClick r:id="rId7"/>
               </a:rPr>
               <a:t>https://learn.hashicorp.com/collections/vagrant/getting-started</a:t>
             </a:r>
@@ -15753,7 +16437,7 @@
           </p:nvPr>
         </p:nvPicPr>
         <p:blipFill>
-          <a:blip r:embed="rId2"/>
+          <a:blip r:embed="rId3"/>
           <a:stretch>
             <a:fillRect/>
           </a:stretch>
@@ -16202,7 +16886,7 @@
           <p:nvPr/>
         </p:nvPicPr>
         <p:blipFill>
-          <a:blip r:embed="rId2"/>
+          <a:blip r:embed="rId3"/>
           <a:stretch>
             <a:fillRect/>
           </a:stretch>
@@ -16232,7 +16916,7 @@
           <p:nvPr/>
         </p:nvPicPr>
         <p:blipFill>
-          <a:blip r:embed="rId3"/>
+          <a:blip r:embed="rId4"/>
           <a:stretch>
             <a:fillRect/>
           </a:stretch>
@@ -16262,7 +16946,7 @@
           <p:nvPr/>
         </p:nvPicPr>
         <p:blipFill>
-          <a:blip r:embed="rId4"/>
+          <a:blip r:embed="rId5"/>
           <a:stretch>
             <a:fillRect/>
           </a:stretch>
@@ -16292,7 +16976,7 @@
           <p:nvPr/>
         </p:nvPicPr>
         <p:blipFill>
-          <a:blip r:embed="rId5"/>
+          <a:blip r:embed="rId6"/>
           <a:stretch>
             <a:fillRect/>
           </a:stretch>
@@ -16322,7 +17006,7 @@
           <p:nvPr/>
         </p:nvPicPr>
         <p:blipFill>
-          <a:blip r:embed="rId6"/>
+          <a:blip r:embed="rId7"/>
           <a:stretch>
             <a:fillRect/>
           </a:stretch>
@@ -16352,7 +17036,7 @@
           <p:nvPr/>
         </p:nvPicPr>
         <p:blipFill>
-          <a:blip r:embed="rId7"/>
+          <a:blip r:embed="rId8"/>
           <a:stretch>
             <a:fillRect/>
           </a:stretch>

--- a/ool2020_middle_report_volume３_10_25 .pptx
+++ b/ool2020_middle_report_volume３_10_25 .pptx
@@ -5,22 +5,23 @@
     <p:sldMasterId id="2147483648" r:id="rId1"/>
   </p:sldMasterIdLst>
   <p:notesMasterIdLst>
-    <p:notesMasterId r:id="rId15"/>
+    <p:notesMasterId r:id="rId16"/>
   </p:notesMasterIdLst>
   <p:sldIdLst>
     <p:sldId id="256" r:id="rId2"/>
     <p:sldId id="266" r:id="rId3"/>
-    <p:sldId id="258" r:id="rId4"/>
-    <p:sldId id="260" r:id="rId5"/>
-    <p:sldId id="264" r:id="rId6"/>
-    <p:sldId id="268" r:id="rId7"/>
-    <p:sldId id="269" r:id="rId8"/>
+    <p:sldId id="276" r:id="rId4"/>
+    <p:sldId id="275" r:id="rId5"/>
+    <p:sldId id="273" r:id="rId6"/>
+    <p:sldId id="272" r:id="rId7"/>
+    <p:sldId id="267" r:id="rId8"/>
     <p:sldId id="263" r:id="rId9"/>
-    <p:sldId id="267" r:id="rId10"/>
+    <p:sldId id="274" r:id="rId10"/>
     <p:sldId id="261" r:id="rId11"/>
     <p:sldId id="259" r:id="rId12"/>
     <p:sldId id="262" r:id="rId13"/>
-    <p:sldId id="265" r:id="rId14"/>
+    <p:sldId id="271" r:id="rId14"/>
+    <p:sldId id="265" r:id="rId15"/>
   </p:sldIdLst>
   <p:sldSz cx="12192000" cy="6858000"/>
   <p:notesSz cx="6858000" cy="9144000"/>
@@ -566,7 +567,23 @@
           <a:p>
             <a:r>
               <a:rPr kumimoji="1" lang="ja-JP" altLang="en-US"/>
-              <a:t>システムの構成図と基本的な動作について解説します</a:t>
+              <a:t>これから京都産業大学</a:t>
+            </a:r>
+            <a:r>
+              <a:rPr kumimoji="1" lang="en-US" altLang="ja-JP" dirty="0"/>
+              <a:t>, </a:t>
+            </a:r>
+            <a:r>
+              <a:rPr kumimoji="1" lang="ja-JP" altLang="en-US"/>
+              <a:t>チーム</a:t>
+            </a:r>
+            <a:r>
+              <a:rPr kumimoji="1" lang="en-US" altLang="ja-JP" dirty="0" err="1"/>
+              <a:t>goodluckfanfield</a:t>
+            </a:r>
+            <a:r>
+              <a:rPr kumimoji="1" lang="ja-JP" altLang="en-US"/>
+              <a:t>の中間報告を行います</a:t>
             </a:r>
             <a:r>
               <a:rPr kumimoji="1" lang="en-US" altLang="ja-JP" dirty="0"/>
@@ -574,251 +591,7 @@
             </a:r>
             <a:r>
               <a:rPr kumimoji="1" lang="ja-JP" altLang="en-US"/>
-              <a:t>最初にホストが</a:t>
-            </a:r>
-            <a:r>
-              <a:rPr kumimoji="1" lang="en-US" altLang="ja-JP" dirty="0"/>
-              <a:t>VAGRANT</a:t>
-            </a:r>
-            <a:r>
-              <a:rPr kumimoji="1" lang="ja-JP" altLang="en-US"/>
-              <a:t>に命令を行います</a:t>
-            </a:r>
-            <a:r>
-              <a:rPr kumimoji="1" lang="en-US" altLang="ja-JP" dirty="0"/>
-              <a:t>. </a:t>
-            </a:r>
-          </a:p>
-          <a:p>
-            <a:r>
-              <a:rPr kumimoji="1" lang="ja-JP" altLang="en-US"/>
-              <a:t>すると</a:t>
-            </a:r>
-            <a:r>
-              <a:rPr kumimoji="1" lang="en-US" altLang="ja-JP" dirty="0"/>
-              <a:t>VAGRANT</a:t>
-            </a:r>
-            <a:r>
-              <a:rPr kumimoji="1" lang="ja-JP" altLang="en-US"/>
-              <a:t>が予め作成された</a:t>
-            </a:r>
-            <a:r>
-              <a:rPr kumimoji="1" lang="en-US" altLang="ja-JP" dirty="0" err="1"/>
-              <a:t>Vagrantfile</a:t>
-            </a:r>
-            <a:r>
-              <a:rPr kumimoji="1" lang="ja-JP" altLang="en-US"/>
-              <a:t>をもとに</a:t>
-            </a:r>
-            <a:r>
-              <a:rPr kumimoji="1" lang="en-US" altLang="ja-JP" dirty="0"/>
-              <a:t>VirtualBox</a:t>
-            </a:r>
-            <a:r>
-              <a:rPr kumimoji="1" lang="ja-JP" altLang="en-US"/>
-              <a:t>上に</a:t>
-            </a:r>
-            <a:r>
-              <a:rPr kumimoji="1" lang="en-US" altLang="ja-JP" dirty="0"/>
-              <a:t>VM</a:t>
-            </a:r>
-            <a:r>
-              <a:rPr kumimoji="1" lang="ja-JP" altLang="en-US"/>
-              <a:t>を作成</a:t>
-            </a:r>
-            <a:r>
-              <a:rPr kumimoji="1" lang="en-US" altLang="ja-JP" dirty="0"/>
-              <a:t>, </a:t>
-            </a:r>
-            <a:r>
-              <a:rPr kumimoji="1" lang="ja-JP" altLang="en-US"/>
-              <a:t>インタフェースの設定</a:t>
-            </a:r>
-            <a:r>
-              <a:rPr kumimoji="1" lang="en-US" altLang="ja-JP" dirty="0"/>
-              <a:t>, </a:t>
-            </a:r>
-            <a:r>
-              <a:rPr kumimoji="1" lang="ja-JP" altLang="en-US"/>
-              <a:t>必要なソフトウェアのインストールを行います</a:t>
-            </a:r>
-            <a:r>
-              <a:rPr kumimoji="1" lang="en-US" altLang="ja-JP" dirty="0"/>
-              <a:t>.</a:t>
-            </a:r>
-          </a:p>
-          <a:p>
-            <a:r>
-              <a:rPr kumimoji="1" lang="en-US" altLang="ja-JP" dirty="0"/>
-              <a:t>Vagrant</a:t>
-            </a:r>
-            <a:r>
-              <a:rPr kumimoji="1" lang="ja-JP" altLang="en-US"/>
-              <a:t>はホストが</a:t>
-            </a:r>
-            <a:r>
-              <a:rPr kumimoji="1" lang="en-US" altLang="ja-JP" dirty="0"/>
-              <a:t>VM</a:t>
-            </a:r>
-            <a:r>
-              <a:rPr kumimoji="1" lang="ja-JP" altLang="en-US"/>
-              <a:t>にアクセスするための設定も行ってくれるので</a:t>
-            </a:r>
-            <a:r>
-              <a:rPr kumimoji="1" lang="en-US" altLang="ja-JP" dirty="0"/>
-              <a:t>, </a:t>
-            </a:r>
-            <a:r>
-              <a:rPr kumimoji="1" lang="ja-JP" altLang="en-US"/>
-              <a:t>環境の構築としてはこの手順だけで完了となります</a:t>
-            </a:r>
-            <a:r>
-              <a:rPr kumimoji="1" lang="en-US" altLang="ja-JP" dirty="0"/>
-              <a:t>.</a:t>
-            </a:r>
-          </a:p>
-          <a:p>
-            <a:r>
-              <a:rPr kumimoji="1" lang="ja-JP" altLang="en-US"/>
-              <a:t>次にホストはルータを管理するためのサーバに接続します</a:t>
-            </a:r>
-            <a:r>
-              <a:rPr kumimoji="1" lang="en-US" altLang="ja-JP" dirty="0"/>
-              <a:t>. </a:t>
-            </a:r>
-            <a:r>
-              <a:rPr kumimoji="1" lang="ja-JP" altLang="en-US"/>
-              <a:t>ここからルータに対してバックアップとリストアの命令を行うことができます</a:t>
-            </a:r>
-            <a:r>
-              <a:rPr kumimoji="1" lang="en-US" altLang="ja-JP" dirty="0"/>
-              <a:t>.</a:t>
-            </a:r>
-          </a:p>
-          <a:p>
-            <a:r>
-              <a:rPr kumimoji="1" lang="ja-JP" altLang="en-US"/>
-              <a:t>バックアップについて</a:t>
-            </a:r>
-            <a:r>
-              <a:rPr kumimoji="1" lang="en-US" altLang="ja-JP" dirty="0"/>
-              <a:t>, </a:t>
-            </a:r>
-            <a:r>
-              <a:rPr kumimoji="1" lang="ja-JP" altLang="en-US"/>
-              <a:t>予めサーバにインストールされた</a:t>
-            </a:r>
-            <a:r>
-              <a:rPr kumimoji="1" lang="en-US" altLang="ja-JP" dirty="0"/>
-              <a:t>Ansible</a:t>
-            </a:r>
-            <a:r>
-              <a:rPr kumimoji="1" lang="ja-JP" altLang="en-US"/>
-              <a:t>から</a:t>
-            </a:r>
-            <a:r>
-              <a:rPr kumimoji="1" lang="en-US" altLang="ja-JP" dirty="0"/>
-              <a:t>Playbook</a:t>
-            </a:r>
-            <a:r>
-              <a:rPr kumimoji="1" lang="ja-JP" altLang="en-US"/>
-              <a:t>（命令書）を実行することで行います</a:t>
-            </a:r>
-            <a:r>
-              <a:rPr kumimoji="1" lang="en-US" altLang="ja-JP" dirty="0"/>
-              <a:t>. Playbook</a:t>
-            </a:r>
-            <a:r>
-              <a:rPr kumimoji="1" lang="ja-JP" altLang="en-US"/>
-              <a:t>を実行するとルータ上で設定を出力するコマンドが実行され</a:t>
-            </a:r>
-            <a:r>
-              <a:rPr kumimoji="1" lang="en-US" altLang="ja-JP" dirty="0"/>
-              <a:t>,</a:t>
-            </a:r>
-          </a:p>
-          <a:p>
-            <a:r>
-              <a:rPr kumimoji="1" lang="ja-JP" altLang="en-US"/>
-              <a:t>その結果がサーバ上のファイルに出力される仕組みになります</a:t>
-            </a:r>
-            <a:r>
-              <a:rPr kumimoji="1" lang="en-US" altLang="ja-JP" dirty="0"/>
-              <a:t>.</a:t>
-            </a:r>
-          </a:p>
-          <a:p>
-            <a:r>
-              <a:rPr kumimoji="1" lang="ja-JP" altLang="en-US"/>
-              <a:t>リストアについて</a:t>
-            </a:r>
-            <a:r>
-              <a:rPr kumimoji="1" lang="en-US" altLang="ja-JP" dirty="0"/>
-              <a:t>, Playbook</a:t>
-            </a:r>
-            <a:r>
-              <a:rPr kumimoji="1" lang="ja-JP" altLang="en-US"/>
-              <a:t>を実行するところまではバックアップと同じで</a:t>
-            </a:r>
-            <a:r>
-              <a:rPr kumimoji="1" lang="en-US" altLang="ja-JP" dirty="0"/>
-              <a:t>, </a:t>
-            </a:r>
-            <a:r>
-              <a:rPr kumimoji="1" lang="ja-JP" altLang="en-US"/>
-              <a:t>動作するモジュールが異なります</a:t>
-            </a:r>
-            <a:r>
-              <a:rPr kumimoji="1" lang="en-US" altLang="ja-JP" dirty="0"/>
-              <a:t>. </a:t>
-            </a:r>
-            <a:r>
-              <a:rPr kumimoji="1" lang="ja-JP" altLang="en-US"/>
-              <a:t>実行するとサーバに保存された設定ファイルを読み込み</a:t>
-            </a:r>
-            <a:r>
-              <a:rPr kumimoji="1" lang="en-US" altLang="ja-JP" dirty="0"/>
-              <a:t>, </a:t>
-            </a:r>
-            <a:r>
-              <a:rPr kumimoji="1" lang="ja-JP" altLang="en-US"/>
-              <a:t>記述されたコマンドをルータ上で実行することで</a:t>
-            </a:r>
-            <a:r>
-              <a:rPr kumimoji="1" lang="en-US" altLang="ja-JP" dirty="0"/>
-              <a:t>,</a:t>
-            </a:r>
-          </a:p>
-          <a:p>
-            <a:r>
-              <a:rPr kumimoji="1" lang="ja-JP" altLang="en-US"/>
-              <a:t>設定を書き換える仕組みになります</a:t>
-            </a:r>
-            <a:r>
-              <a:rPr kumimoji="1" lang="en-US" altLang="ja-JP" dirty="0"/>
-              <a:t>.</a:t>
-            </a:r>
-          </a:p>
-          <a:p>
-            <a:r>
-              <a:rPr kumimoji="1" lang="ja-JP" altLang="en-US"/>
-              <a:t>以上でシステムの構成図と</a:t>
-            </a:r>
-            <a:r>
-              <a:rPr kumimoji="1" lang="en-US" altLang="ja-JP" dirty="0"/>
-              <a:t>, </a:t>
-            </a:r>
-            <a:r>
-              <a:rPr kumimoji="1" lang="ja-JP" altLang="en-US"/>
-              <a:t>基本的な動作の説明を終わります</a:t>
-            </a:r>
-            <a:r>
-              <a:rPr kumimoji="1" lang="en-US" altLang="ja-JP" dirty="0"/>
-              <a:t>. </a:t>
-            </a:r>
-            <a:r>
-              <a:rPr kumimoji="1" lang="ja-JP" altLang="en-US"/>
-              <a:t>次に実際の動作を紹介します</a:t>
+              <a:t>よろしくおねがいします</a:t>
             </a:r>
             <a:r>
               <a:rPr kumimoji="1" lang="en-US" altLang="ja-JP" dirty="0"/>
@@ -845,7 +618,7 @@
           <a:p>
             <a:fld id="{AA7D8E21-952E-5D45-B545-4C100EF48894}" type="slidenum">
               <a:rPr kumimoji="1" lang="ja-JP" altLang="en-US" smtClean="0"/>
-              <a:t>3</a:t>
+              <a:t>1</a:t>
             </a:fld>
             <a:endParaRPr kumimoji="1" lang="ja-JP" altLang="en-US"/>
           </a:p>
@@ -854,7 +627,585 @@
     </p:spTree>
     <p:extLst>
       <p:ext uri="{BB962C8B-B14F-4D97-AF65-F5344CB8AC3E}">
-        <p14:creationId xmlns:p14="http://schemas.microsoft.com/office/powerpoint/2010/main" val="451015533"/>
+        <p14:creationId xmlns:p14="http://schemas.microsoft.com/office/powerpoint/2010/main" val="1732367378"/>
+      </p:ext>
+    </p:extLst>
+  </p:cSld>
+  <p:clrMapOvr>
+    <a:masterClrMapping/>
+  </p:clrMapOvr>
+</p:notes>
+</file>
+
+<file path=ppt/notesSlides/notesSlide10.xml><?xml version="1.0" encoding="utf-8"?>
+<p:notes xmlns:a="http://schemas.openxmlformats.org/drawingml/2006/main" xmlns:r="http://schemas.openxmlformats.org/officeDocument/2006/relationships" xmlns:p="http://schemas.openxmlformats.org/presentationml/2006/main">
+  <p:cSld>
+    <p:spTree>
+      <p:nvGrpSpPr>
+        <p:cNvPr id="1" name=""/>
+        <p:cNvGrpSpPr/>
+        <p:nvPr/>
+      </p:nvGrpSpPr>
+      <p:grpSpPr>
+        <a:xfrm>
+          <a:off x="0" y="0"/>
+          <a:ext cx="0" cy="0"/>
+          <a:chOff x="0" y="0"/>
+          <a:chExt cx="0" cy="0"/>
+        </a:xfrm>
+      </p:grpSpPr>
+      <p:sp>
+        <p:nvSpPr>
+          <p:cNvPr id="2" name="スライド イメージ プレースホルダー 1"/>
+          <p:cNvSpPr>
+            <a:spLocks noGrp="1" noRot="1" noChangeAspect="1"/>
+          </p:cNvSpPr>
+          <p:nvPr>
+            <p:ph type="sldImg"/>
+          </p:nvPr>
+        </p:nvSpPr>
+        <p:spPr/>
+      </p:sp>
+      <p:sp>
+        <p:nvSpPr>
+          <p:cNvPr id="3" name="ノート プレースホルダー 2"/>
+          <p:cNvSpPr>
+            <a:spLocks noGrp="1"/>
+          </p:cNvSpPr>
+          <p:nvPr>
+            <p:ph type="body" idx="1"/>
+          </p:nvPr>
+        </p:nvSpPr>
+        <p:spPr/>
+        <p:txBody>
+          <a:bodyPr/>
+          <a:lstStyle/>
+          <a:p>
+            <a:r>
+              <a:rPr kumimoji="1" lang="ja-JP" altLang="en-US"/>
+              <a:t>次にチームの役割についてです</a:t>
+            </a:r>
+            <a:r>
+              <a:rPr kumimoji="1" lang="en-US" altLang="ja-JP" dirty="0"/>
+              <a:t>.</a:t>
+            </a:r>
+          </a:p>
+          <a:p>
+            <a:r>
+              <a:rPr kumimoji="1" lang="ja-JP" altLang="en-US"/>
+              <a:t>吉田はネットワーク構築機能を中心に</a:t>
+            </a:r>
+            <a:r>
+              <a:rPr kumimoji="1" lang="en-US" altLang="ja-JP" dirty="0"/>
+              <a:t>, </a:t>
+            </a:r>
+            <a:r>
+              <a:rPr kumimoji="1" lang="ja-JP" altLang="en-US"/>
+              <a:t>本日紹介したバックアップ・リストア機能の改善</a:t>
+            </a:r>
+            <a:r>
+              <a:rPr kumimoji="1" lang="en-US" altLang="ja-JP" dirty="0"/>
+              <a:t>, </a:t>
+            </a:r>
+            <a:r>
+              <a:rPr kumimoji="1" lang="ja-JP" altLang="en-US"/>
+              <a:t>機能検証を行っていきます</a:t>
+            </a:r>
+            <a:r>
+              <a:rPr kumimoji="1" lang="en-US" altLang="ja-JP" dirty="0"/>
+              <a:t>.</a:t>
+            </a:r>
+          </a:p>
+          <a:p>
+            <a:r>
+              <a:rPr kumimoji="1" lang="ja-JP" altLang="en-US"/>
+              <a:t>内輪はシステムを操作</a:t>
+            </a:r>
+            <a:r>
+              <a:rPr kumimoji="1" lang="en-US" altLang="ja-JP" dirty="0"/>
+              <a:t>, </a:t>
+            </a:r>
+            <a:r>
+              <a:rPr kumimoji="1" lang="ja-JP" altLang="en-US"/>
+              <a:t>監視することのできる</a:t>
+            </a:r>
+            <a:r>
+              <a:rPr kumimoji="1" lang="en-US" altLang="ja-JP" dirty="0"/>
+              <a:t>GUI</a:t>
+            </a:r>
+            <a:r>
+              <a:rPr kumimoji="1" lang="ja-JP" altLang="en-US"/>
+              <a:t>の実装を中心に</a:t>
+            </a:r>
+            <a:r>
+              <a:rPr kumimoji="1" lang="en-US" altLang="ja-JP" dirty="0"/>
+              <a:t>, </a:t>
+            </a:r>
+            <a:r>
+              <a:rPr kumimoji="1" lang="ja-JP" altLang="en-US"/>
+              <a:t>機能検証</a:t>
+            </a:r>
+            <a:r>
+              <a:rPr kumimoji="1" lang="en-US" altLang="ja-JP" dirty="0"/>
+              <a:t>, </a:t>
+            </a:r>
+            <a:r>
+              <a:rPr kumimoji="1" lang="ja-JP" altLang="en-US"/>
+              <a:t>資料の作成を行っていきます</a:t>
+            </a:r>
+            <a:r>
+              <a:rPr kumimoji="1" lang="en-US" altLang="ja-JP" dirty="0"/>
+              <a:t>.</a:t>
+            </a:r>
+            <a:endParaRPr kumimoji="1" lang="ja-JP" altLang="en-US"/>
+          </a:p>
+        </p:txBody>
+      </p:sp>
+      <p:sp>
+        <p:nvSpPr>
+          <p:cNvPr id="4" name="スライド番号プレースホルダー 3"/>
+          <p:cNvSpPr>
+            <a:spLocks noGrp="1"/>
+          </p:cNvSpPr>
+          <p:nvPr>
+            <p:ph type="sldNum" sz="quarter" idx="5"/>
+          </p:nvPr>
+        </p:nvSpPr>
+        <p:spPr/>
+        <p:txBody>
+          <a:bodyPr/>
+          <a:lstStyle/>
+          <a:p>
+            <a:fld id="{AA7D8E21-952E-5D45-B545-4C100EF48894}" type="slidenum">
+              <a:rPr kumimoji="1" lang="ja-JP" altLang="en-US" smtClean="0"/>
+              <a:t>11</a:t>
+            </a:fld>
+            <a:endParaRPr kumimoji="1" lang="ja-JP" altLang="en-US"/>
+          </a:p>
+        </p:txBody>
+      </p:sp>
+    </p:spTree>
+    <p:extLst>
+      <p:ext uri="{BB962C8B-B14F-4D97-AF65-F5344CB8AC3E}">
+        <p14:creationId xmlns:p14="http://schemas.microsoft.com/office/powerpoint/2010/main" val="3108271067"/>
+      </p:ext>
+    </p:extLst>
+  </p:cSld>
+  <p:clrMapOvr>
+    <a:masterClrMapping/>
+  </p:clrMapOvr>
+</p:notes>
+</file>
+
+<file path=ppt/notesSlides/notesSlide11.xml><?xml version="1.0" encoding="utf-8"?>
+<p:notes xmlns:a="http://schemas.openxmlformats.org/drawingml/2006/main" xmlns:r="http://schemas.openxmlformats.org/officeDocument/2006/relationships" xmlns:p="http://schemas.openxmlformats.org/presentationml/2006/main">
+  <p:cSld>
+    <p:spTree>
+      <p:nvGrpSpPr>
+        <p:cNvPr id="1" name=""/>
+        <p:cNvGrpSpPr/>
+        <p:nvPr/>
+      </p:nvGrpSpPr>
+      <p:grpSpPr>
+        <a:xfrm>
+          <a:off x="0" y="0"/>
+          <a:ext cx="0" cy="0"/>
+          <a:chOff x="0" y="0"/>
+          <a:chExt cx="0" cy="0"/>
+        </a:xfrm>
+      </p:grpSpPr>
+      <p:sp>
+        <p:nvSpPr>
+          <p:cNvPr id="2" name="スライド イメージ プレースホルダー 1"/>
+          <p:cNvSpPr>
+            <a:spLocks noGrp="1" noRot="1" noChangeAspect="1"/>
+          </p:cNvSpPr>
+          <p:nvPr>
+            <p:ph type="sldImg"/>
+          </p:nvPr>
+        </p:nvSpPr>
+        <p:spPr/>
+      </p:sp>
+      <p:sp>
+        <p:nvSpPr>
+          <p:cNvPr id="3" name="ノート プレースホルダー 2"/>
+          <p:cNvSpPr>
+            <a:spLocks noGrp="1"/>
+          </p:cNvSpPr>
+          <p:nvPr>
+            <p:ph type="body" idx="1"/>
+          </p:nvPr>
+        </p:nvSpPr>
+        <p:spPr/>
+        <p:txBody>
+          <a:bodyPr/>
+          <a:lstStyle/>
+          <a:p>
+            <a:r>
+              <a:rPr kumimoji="1" lang="ja-JP" altLang="en-US"/>
+              <a:t>次に今後の開発スケジュールについてです</a:t>
+            </a:r>
+            <a:r>
+              <a:rPr kumimoji="1" lang="en-US" altLang="ja-JP" dirty="0"/>
+              <a:t>. 11</a:t>
+            </a:r>
+            <a:r>
+              <a:rPr kumimoji="1" lang="ja-JP" altLang="en-US"/>
+              <a:t>月中に複数の</a:t>
+            </a:r>
+            <a:r>
+              <a:rPr kumimoji="1" lang="en-US" altLang="ja-JP" dirty="0"/>
+              <a:t>VM</a:t>
+            </a:r>
+            <a:r>
+              <a:rPr kumimoji="1" lang="ja-JP" altLang="en-US"/>
+              <a:t>を利用したネットワークの構築機能</a:t>
+            </a:r>
+            <a:r>
+              <a:rPr kumimoji="1" lang="en-US" altLang="ja-JP" dirty="0"/>
+              <a:t>, </a:t>
+            </a:r>
+            <a:r>
+              <a:rPr kumimoji="1" lang="ja-JP" altLang="en-US"/>
+              <a:t>それらを操作</a:t>
+            </a:r>
+            <a:r>
+              <a:rPr kumimoji="1" lang="en-US" altLang="ja-JP" dirty="0"/>
+              <a:t>, </a:t>
+            </a:r>
+            <a:r>
+              <a:rPr kumimoji="1" lang="ja-JP" altLang="en-US"/>
+              <a:t>監視できるような</a:t>
+            </a:r>
+            <a:r>
+              <a:rPr kumimoji="1" lang="en-US" altLang="ja-JP" dirty="0"/>
+              <a:t>GUI</a:t>
+            </a:r>
+            <a:r>
+              <a:rPr kumimoji="1" lang="ja-JP" altLang="en-US"/>
+              <a:t>の実装を目指します</a:t>
+            </a:r>
+            <a:r>
+              <a:rPr kumimoji="1" lang="en-US" altLang="ja-JP" dirty="0"/>
+              <a:t>. </a:t>
+            </a:r>
+          </a:p>
+          <a:p>
+            <a:r>
+              <a:rPr kumimoji="1" lang="en-US" altLang="ja-JP" dirty="0"/>
+              <a:t>12</a:t>
+            </a:r>
+            <a:r>
+              <a:rPr kumimoji="1" lang="ja-JP" altLang="en-US"/>
+              <a:t>月中は</a:t>
+            </a:r>
+            <a:r>
+              <a:rPr kumimoji="1" lang="en-US" altLang="ja-JP" dirty="0"/>
+              <a:t> </a:t>
+            </a:r>
+            <a:r>
+              <a:rPr kumimoji="1" lang="ja-JP" altLang="en-US"/>
+              <a:t>一旦開発としてはストップし</a:t>
+            </a:r>
+            <a:r>
+              <a:rPr kumimoji="1" lang="en-US" altLang="ja-JP" dirty="0"/>
+              <a:t>, </a:t>
+            </a:r>
+            <a:r>
+              <a:rPr kumimoji="1" lang="ja-JP" altLang="en-US"/>
+              <a:t>定期的なミーティングを通して現在まで開発してきたシステムの見直しを行うつもりです</a:t>
+            </a:r>
+            <a:r>
+              <a:rPr kumimoji="1" lang="en-US" altLang="ja-JP" dirty="0"/>
+              <a:t>.</a:t>
+            </a:r>
+          </a:p>
+          <a:p>
+            <a:r>
+              <a:rPr kumimoji="1" lang="en-US" altLang="ja-JP" dirty="0"/>
+              <a:t>1</a:t>
+            </a:r>
+            <a:r>
+              <a:rPr kumimoji="1" lang="ja-JP" altLang="en-US"/>
+              <a:t>月から開発を再開し</a:t>
+            </a:r>
+            <a:r>
+              <a:rPr kumimoji="1" lang="en-US" altLang="ja-JP" dirty="0"/>
+              <a:t>, </a:t>
+            </a:r>
+            <a:r>
+              <a:rPr kumimoji="1" lang="ja-JP" altLang="en-US"/>
+              <a:t>同時にシステムのテストを行っていく予定です</a:t>
+            </a:r>
+            <a:r>
+              <a:rPr kumimoji="1" lang="en-US" altLang="ja-JP" dirty="0"/>
+              <a:t>.</a:t>
+            </a:r>
+          </a:p>
+          <a:p>
+            <a:r>
+              <a:rPr kumimoji="1" lang="ja-JP" altLang="en-US"/>
+              <a:t>そして</a:t>
+            </a:r>
+            <a:r>
+              <a:rPr kumimoji="1" lang="en-US" altLang="ja-JP" dirty="0"/>
+              <a:t>, 2</a:t>
+            </a:r>
+            <a:r>
+              <a:rPr kumimoji="1" lang="ja-JP" altLang="en-US"/>
+              <a:t>月からプログラミングコンテストまで</a:t>
+            </a:r>
+            <a:r>
+              <a:rPr kumimoji="1" lang="en-US" altLang="ja-JP" dirty="0"/>
+              <a:t>, </a:t>
+            </a:r>
+            <a:r>
+              <a:rPr kumimoji="1" lang="ja-JP" altLang="en-US"/>
+              <a:t>資料・デモの作成</a:t>
+            </a:r>
+            <a:r>
+              <a:rPr kumimoji="1" lang="en-US" altLang="ja-JP" dirty="0"/>
+              <a:t>, </a:t>
+            </a:r>
+            <a:r>
+              <a:rPr kumimoji="1" lang="ja-JP" altLang="en-US"/>
+              <a:t>最終確認を行います</a:t>
+            </a:r>
+            <a:r>
+              <a:rPr kumimoji="1" lang="en-US" altLang="ja-JP" dirty="0"/>
+              <a:t>. </a:t>
+            </a:r>
+            <a:r>
+              <a:rPr kumimoji="1" lang="ja-JP" altLang="en-US"/>
+              <a:t>以上が今後の開発スケジュールになります</a:t>
+            </a:r>
+            <a:r>
+              <a:rPr kumimoji="1" lang="en-US" altLang="ja-JP" dirty="0"/>
+              <a:t>.</a:t>
+            </a:r>
+            <a:endParaRPr kumimoji="1" lang="ja-JP" altLang="en-US"/>
+          </a:p>
+        </p:txBody>
+      </p:sp>
+      <p:sp>
+        <p:nvSpPr>
+          <p:cNvPr id="4" name="スライド番号プレースホルダー 3"/>
+          <p:cNvSpPr>
+            <a:spLocks noGrp="1"/>
+          </p:cNvSpPr>
+          <p:nvPr>
+            <p:ph type="sldNum" sz="quarter" idx="5"/>
+          </p:nvPr>
+        </p:nvSpPr>
+        <p:spPr/>
+        <p:txBody>
+          <a:bodyPr/>
+          <a:lstStyle/>
+          <a:p>
+            <a:fld id="{AA7D8E21-952E-5D45-B545-4C100EF48894}" type="slidenum">
+              <a:rPr kumimoji="1" lang="ja-JP" altLang="en-US" smtClean="0"/>
+              <a:t>12</a:t>
+            </a:fld>
+            <a:endParaRPr kumimoji="1" lang="ja-JP" altLang="en-US"/>
+          </a:p>
+        </p:txBody>
+      </p:sp>
+    </p:spTree>
+    <p:extLst>
+      <p:ext uri="{BB962C8B-B14F-4D97-AF65-F5344CB8AC3E}">
+        <p14:creationId xmlns:p14="http://schemas.microsoft.com/office/powerpoint/2010/main" val="2555844539"/>
+      </p:ext>
+    </p:extLst>
+  </p:cSld>
+  <p:clrMapOvr>
+    <a:masterClrMapping/>
+  </p:clrMapOvr>
+</p:notes>
+</file>
+
+<file path=ppt/notesSlides/notesSlide12.xml><?xml version="1.0" encoding="utf-8"?>
+<p:notes xmlns:a="http://schemas.openxmlformats.org/drawingml/2006/main" xmlns:r="http://schemas.openxmlformats.org/officeDocument/2006/relationships" xmlns:p="http://schemas.openxmlformats.org/presentationml/2006/main">
+  <p:cSld>
+    <p:spTree>
+      <p:nvGrpSpPr>
+        <p:cNvPr id="1" name=""/>
+        <p:cNvGrpSpPr/>
+        <p:nvPr/>
+      </p:nvGrpSpPr>
+      <p:grpSpPr>
+        <a:xfrm>
+          <a:off x="0" y="0"/>
+          <a:ext cx="0" cy="0"/>
+          <a:chOff x="0" y="0"/>
+          <a:chExt cx="0" cy="0"/>
+        </a:xfrm>
+      </p:grpSpPr>
+      <p:sp>
+        <p:nvSpPr>
+          <p:cNvPr id="2" name="スライド イメージ プレースホルダー 1"/>
+          <p:cNvSpPr>
+            <a:spLocks noGrp="1" noRot="1" noChangeAspect="1"/>
+          </p:cNvSpPr>
+          <p:nvPr>
+            <p:ph type="sldImg"/>
+          </p:nvPr>
+        </p:nvSpPr>
+        <p:spPr/>
+      </p:sp>
+      <p:sp>
+        <p:nvSpPr>
+          <p:cNvPr id="3" name="ノート プレースホルダー 2"/>
+          <p:cNvSpPr>
+            <a:spLocks noGrp="1"/>
+          </p:cNvSpPr>
+          <p:nvPr>
+            <p:ph type="body" idx="1"/>
+          </p:nvPr>
+        </p:nvSpPr>
+        <p:spPr/>
+        <p:txBody>
+          <a:bodyPr/>
+          <a:lstStyle/>
+          <a:p>
+            <a:endParaRPr kumimoji="1" lang="ja-JP" altLang="en-US"/>
+          </a:p>
+        </p:txBody>
+      </p:sp>
+      <p:sp>
+        <p:nvSpPr>
+          <p:cNvPr id="4" name="スライド番号プレースホルダー 3"/>
+          <p:cNvSpPr>
+            <a:spLocks noGrp="1"/>
+          </p:cNvSpPr>
+          <p:nvPr>
+            <p:ph type="sldNum" sz="quarter" idx="5"/>
+          </p:nvPr>
+        </p:nvSpPr>
+        <p:spPr/>
+        <p:txBody>
+          <a:bodyPr/>
+          <a:lstStyle/>
+          <a:p>
+            <a:fld id="{AA7D8E21-952E-5D45-B545-4C100EF48894}" type="slidenum">
+              <a:rPr kumimoji="1" lang="ja-JP" altLang="en-US" smtClean="0"/>
+              <a:t>13</a:t>
+            </a:fld>
+            <a:endParaRPr kumimoji="1" lang="ja-JP" altLang="en-US"/>
+          </a:p>
+        </p:txBody>
+      </p:sp>
+    </p:spTree>
+    <p:extLst>
+      <p:ext uri="{BB962C8B-B14F-4D97-AF65-F5344CB8AC3E}">
+        <p14:creationId xmlns:p14="http://schemas.microsoft.com/office/powerpoint/2010/main" val="4118473595"/>
+      </p:ext>
+    </p:extLst>
+  </p:cSld>
+  <p:clrMapOvr>
+    <a:masterClrMapping/>
+  </p:clrMapOvr>
+</p:notes>
+</file>
+
+<file path=ppt/notesSlides/notesSlide13.xml><?xml version="1.0" encoding="utf-8"?>
+<p:notes xmlns:a="http://schemas.openxmlformats.org/drawingml/2006/main" xmlns:r="http://schemas.openxmlformats.org/officeDocument/2006/relationships" xmlns:p="http://schemas.openxmlformats.org/presentationml/2006/main">
+  <p:cSld>
+    <p:spTree>
+      <p:nvGrpSpPr>
+        <p:cNvPr id="1" name=""/>
+        <p:cNvGrpSpPr/>
+        <p:nvPr/>
+      </p:nvGrpSpPr>
+      <p:grpSpPr>
+        <a:xfrm>
+          <a:off x="0" y="0"/>
+          <a:ext cx="0" cy="0"/>
+          <a:chOff x="0" y="0"/>
+          <a:chExt cx="0" cy="0"/>
+        </a:xfrm>
+      </p:grpSpPr>
+      <p:sp>
+        <p:nvSpPr>
+          <p:cNvPr id="2" name="スライド イメージ プレースホルダー 1"/>
+          <p:cNvSpPr>
+            <a:spLocks noGrp="1" noRot="1" noChangeAspect="1"/>
+          </p:cNvSpPr>
+          <p:nvPr>
+            <p:ph type="sldImg"/>
+          </p:nvPr>
+        </p:nvSpPr>
+        <p:spPr/>
+      </p:sp>
+      <p:sp>
+        <p:nvSpPr>
+          <p:cNvPr id="3" name="ノート プレースホルダー 2"/>
+          <p:cNvSpPr>
+            <a:spLocks noGrp="1"/>
+          </p:cNvSpPr>
+          <p:nvPr>
+            <p:ph type="body" idx="1"/>
+          </p:nvPr>
+        </p:nvSpPr>
+        <p:spPr/>
+        <p:txBody>
+          <a:bodyPr/>
+          <a:lstStyle/>
+          <a:p>
+            <a:r>
+              <a:rPr kumimoji="1" lang="ja-JP" altLang="en-US"/>
+              <a:t>最後に今回のシステムを実装するにあたって参考にさせていただいた資料の一覧になります</a:t>
+            </a:r>
+            <a:r>
+              <a:rPr kumimoji="1" lang="en-US" altLang="ja-JP" dirty="0"/>
+              <a:t>. </a:t>
+            </a:r>
+            <a:r>
+              <a:rPr kumimoji="1" lang="ja-JP" altLang="en-US"/>
+              <a:t>これで発表を終わります</a:t>
+            </a:r>
+            <a:r>
+              <a:rPr kumimoji="1" lang="en-US" altLang="ja-JP" dirty="0"/>
+              <a:t>. </a:t>
+            </a:r>
+            <a:r>
+              <a:rPr kumimoji="1" lang="ja-JP" altLang="en-US"/>
+              <a:t>ありがとうございました</a:t>
+            </a:r>
+            <a:r>
+              <a:rPr kumimoji="1" lang="en-US" altLang="ja-JP" dirty="0"/>
+              <a:t>.</a:t>
+            </a:r>
+            <a:endParaRPr kumimoji="1" lang="ja-JP" altLang="en-US"/>
+          </a:p>
+        </p:txBody>
+      </p:sp>
+      <p:sp>
+        <p:nvSpPr>
+          <p:cNvPr id="4" name="スライド番号プレースホルダー 3"/>
+          <p:cNvSpPr>
+            <a:spLocks noGrp="1"/>
+          </p:cNvSpPr>
+          <p:nvPr>
+            <p:ph type="sldNum" sz="quarter" idx="5"/>
+          </p:nvPr>
+        </p:nvSpPr>
+        <p:spPr/>
+        <p:txBody>
+          <a:bodyPr/>
+          <a:lstStyle/>
+          <a:p>
+            <a:fld id="{AA7D8E21-952E-5D45-B545-4C100EF48894}" type="slidenum">
+              <a:rPr kumimoji="1" lang="ja-JP" altLang="en-US" smtClean="0"/>
+              <a:t>14</a:t>
+            </a:fld>
+            <a:endParaRPr kumimoji="1" lang="ja-JP" altLang="en-US"/>
+          </a:p>
+        </p:txBody>
+      </p:sp>
+    </p:spTree>
+    <p:extLst>
+      <p:ext uri="{BB962C8B-B14F-4D97-AF65-F5344CB8AC3E}">
+        <p14:creationId xmlns:p14="http://schemas.microsoft.com/office/powerpoint/2010/main" val="2179575987"/>
       </p:ext>
     </p:extLst>
   </p:cSld>
@@ -908,6 +1259,100 @@
           <a:bodyPr/>
           <a:lstStyle/>
           <a:p>
+            <a:r>
+              <a:rPr kumimoji="1" lang="ja-JP" altLang="en-US"/>
+              <a:t>最初にテーマについて説明します</a:t>
+            </a:r>
+            <a:r>
+              <a:rPr kumimoji="1" lang="en-US" altLang="ja-JP" dirty="0"/>
+              <a:t>.</a:t>
+            </a:r>
+          </a:p>
+          <a:p>
+            <a:r>
+              <a:rPr kumimoji="1" lang="ja-JP" altLang="en-US"/>
+              <a:t>現在のテーマは</a:t>
+            </a:r>
+            <a:r>
+              <a:rPr kumimoji="1" lang="en-US" altLang="ja-JP" dirty="0"/>
+              <a:t>, </a:t>
+            </a:r>
+            <a:r>
+              <a:rPr kumimoji="1" lang="ja-JP" altLang="en-US"/>
+              <a:t>ルーティングプロトコル学習用のネットワークを簡単に構築し</a:t>
+            </a:r>
+            <a:r>
+              <a:rPr kumimoji="1" lang="en-US" altLang="ja-JP" dirty="0"/>
+              <a:t>, </a:t>
+            </a:r>
+            <a:r>
+              <a:rPr kumimoji="1" lang="ja-JP" altLang="en-US"/>
+              <a:t>設定のミスがあってもすぐにやり直すことが可能なシステムの構築です</a:t>
+            </a:r>
+            <a:r>
+              <a:rPr kumimoji="1" lang="en-US" altLang="ja-JP" dirty="0"/>
+              <a:t>.</a:t>
+            </a:r>
+          </a:p>
+          <a:p>
+            <a:r>
+              <a:rPr kumimoji="1" lang="ja-JP" altLang="en-US"/>
+              <a:t>テーマを選んだ背景として</a:t>
+            </a:r>
+            <a:r>
+              <a:rPr kumimoji="1" lang="en-US" altLang="ja-JP" dirty="0"/>
+              <a:t>, </a:t>
+            </a:r>
+            <a:r>
+              <a:rPr kumimoji="1" lang="ja-JP" altLang="en-US"/>
+              <a:t>学習用の小規模なネットワークをできるだけ手数をかけずに構築したいのと</a:t>
+            </a:r>
+            <a:r>
+              <a:rPr kumimoji="1" lang="en-US" altLang="ja-JP" dirty="0"/>
+              <a:t>, </a:t>
+            </a:r>
+            <a:r>
+              <a:rPr kumimoji="1" lang="ja-JP" altLang="en-US"/>
+              <a:t>ネットワークの設定ミスがあった際にすぐに前の状態を戻せるようにしたいという理由です</a:t>
+            </a:r>
+            <a:r>
+              <a:rPr kumimoji="1" lang="en-US" altLang="ja-JP" dirty="0"/>
+              <a:t>.</a:t>
+            </a:r>
+          </a:p>
+          <a:p>
+            <a:r>
+              <a:rPr kumimoji="1" lang="ja-JP" altLang="en-US"/>
+              <a:t>テーマの対象者の想定としては</a:t>
+            </a:r>
+            <a:r>
+              <a:rPr kumimoji="1" lang="en-US" altLang="ja-JP" dirty="0"/>
+              <a:t>, </a:t>
+            </a:r>
+            <a:r>
+              <a:rPr kumimoji="1" lang="ja-JP" altLang="en-US"/>
+              <a:t>小規模な構成からルーティングプロトコルの挙動を学習したい人を考えています</a:t>
+            </a:r>
+            <a:r>
+              <a:rPr kumimoji="1" lang="en-US" altLang="ja-JP" dirty="0"/>
+              <a:t>. </a:t>
+            </a:r>
+            <a:r>
+              <a:rPr kumimoji="1" lang="ja-JP" altLang="en-US"/>
+              <a:t>研究というよりも</a:t>
+            </a:r>
+            <a:r>
+              <a:rPr kumimoji="1" lang="en-US" altLang="ja-JP" dirty="0"/>
+              <a:t>, </a:t>
+            </a:r>
+            <a:r>
+              <a:rPr kumimoji="1" lang="ja-JP" altLang="en-US"/>
+              <a:t>ネットワークの前提知識の学習に利用されることを想定しています</a:t>
+            </a:r>
+            <a:r>
+              <a:rPr kumimoji="1" lang="en-US" altLang="ja-JP" dirty="0"/>
+              <a:t>.</a:t>
+            </a:r>
             <a:endParaRPr kumimoji="1" lang="ja-JP" altLang="en-US"/>
           </a:p>
         </p:txBody>
@@ -929,7 +1374,7 @@
           <a:p>
             <a:fld id="{AA7D8E21-952E-5D45-B545-4C100EF48894}" type="slidenum">
               <a:rPr kumimoji="1" lang="ja-JP" altLang="en-US" smtClean="0"/>
-              <a:t>4</a:t>
+              <a:t>2</a:t>
             </a:fld>
             <a:endParaRPr kumimoji="1" lang="ja-JP" altLang="en-US"/>
           </a:p>
@@ -938,7 +1383,7 @@
     </p:spTree>
     <p:extLst>
       <p:ext uri="{BB962C8B-B14F-4D97-AF65-F5344CB8AC3E}">
-        <p14:creationId xmlns:p14="http://schemas.microsoft.com/office/powerpoint/2010/main" val="3888454698"/>
+        <p14:creationId xmlns:p14="http://schemas.microsoft.com/office/powerpoint/2010/main" val="568385142"/>
       </p:ext>
     </p:extLst>
   </p:cSld>
@@ -994,7 +1439,7 @@
           <a:p>
             <a:r>
               <a:rPr kumimoji="1" lang="ja-JP" altLang="en-US"/>
-              <a:t>次にチームの役割についてです</a:t>
+              <a:t>次にシステムの要件について説明します</a:t>
             </a:r>
             <a:r>
               <a:rPr kumimoji="1" lang="en-US" altLang="ja-JP" dirty="0"/>
@@ -1003,8 +1448,12 @@
           </a:p>
           <a:p>
             <a:r>
+              <a:rPr kumimoji="1" lang="en-US" altLang="ja-JP" dirty="0"/>
+              <a:t>VM</a:t>
+            </a:r>
+            <a:r>
               <a:rPr kumimoji="1" lang="ja-JP" altLang="en-US"/>
-              <a:t>吉田はネットワーク構築機能を中心に</a:t>
+              <a:t>の起動</a:t>
             </a:r>
             <a:r>
               <a:rPr kumimoji="1" lang="en-US" altLang="ja-JP" dirty="0"/>
@@ -1012,7 +1461,7 @@
             </a:r>
             <a:r>
               <a:rPr kumimoji="1" lang="ja-JP" altLang="en-US"/>
-              <a:t>本日紹介したバックアップ・リストア機能の改善</a:t>
+              <a:t>インタフェースの設定</a:t>
             </a:r>
             <a:r>
               <a:rPr kumimoji="1" lang="en-US" altLang="ja-JP" dirty="0"/>
@@ -1020,7 +1469,29 @@
             </a:r>
             <a:r>
               <a:rPr kumimoji="1" lang="ja-JP" altLang="en-US"/>
-              <a:t>機能検証を行っていきます</a:t>
+              <a:t>必要なソフトウェアの設定といったネットワークの構築に必要な手順を数コマンドで行うことができるという要件には</a:t>
+            </a:r>
+            <a:r>
+              <a:rPr kumimoji="1" lang="en-US" altLang="ja-JP" dirty="0"/>
+              <a:t>,</a:t>
+            </a:r>
+          </a:p>
+          <a:p>
+            <a:r>
+              <a:rPr kumimoji="1" lang="en-US" altLang="ja-JP" dirty="0"/>
+              <a:t>VAGRANT</a:t>
+            </a:r>
+            <a:r>
+              <a:rPr kumimoji="1" lang="ja-JP" altLang="en-US"/>
+              <a:t>と</a:t>
+            </a:r>
+            <a:r>
+              <a:rPr kumimoji="1" lang="en-US" altLang="ja-JP" dirty="0"/>
+              <a:t>VirtualBox</a:t>
+            </a:r>
+            <a:r>
+              <a:rPr kumimoji="1" lang="ja-JP" altLang="en-US"/>
+              <a:t>を利用しました</a:t>
             </a:r>
             <a:r>
               <a:rPr kumimoji="1" lang="en-US" altLang="ja-JP" dirty="0"/>
@@ -1030,7 +1501,7 @@
           <a:p>
             <a:r>
               <a:rPr kumimoji="1" lang="ja-JP" altLang="en-US"/>
-              <a:t>内輪はシステムを操作</a:t>
+              <a:t>任意のタイミングでネットワーク機器の設定のバックアップファイルを作成</a:t>
             </a:r>
             <a:r>
               <a:rPr kumimoji="1" lang="en-US" altLang="ja-JP" dirty="0"/>
@@ -1038,15 +1509,7 @@
             </a:r>
             <a:r>
               <a:rPr kumimoji="1" lang="ja-JP" altLang="en-US"/>
-              <a:t>監視することのできる</a:t>
-            </a:r>
-            <a:r>
-              <a:rPr kumimoji="1" lang="en-US" altLang="ja-JP" dirty="0"/>
-              <a:t>GUI</a:t>
-            </a:r>
-            <a:r>
-              <a:rPr kumimoji="1" lang="ja-JP" altLang="en-US"/>
-              <a:t>の実装を中心に</a:t>
+              <a:t>差分を取りながら保存する</a:t>
             </a:r>
             <a:r>
               <a:rPr kumimoji="1" lang="en-US" altLang="ja-JP" dirty="0"/>
@@ -1054,21 +1517,58 @@
             </a:r>
             <a:r>
               <a:rPr kumimoji="1" lang="ja-JP" altLang="en-US"/>
-              <a:t>機能検証</a:t>
+              <a:t>これらの手順を数コマンドで行うことができるという要件には</a:t>
             </a:r>
             <a:r>
               <a:rPr kumimoji="1" lang="en-US" altLang="ja-JP" dirty="0"/>
-              <a:t>, </a:t>
+              <a:t>,</a:t>
+            </a:r>
+          </a:p>
+          <a:p>
+            <a:r>
+              <a:rPr kumimoji="1" lang="en-US" altLang="ja-JP" dirty="0"/>
+              <a:t>Ansible</a:t>
             </a:r>
             <a:r>
               <a:rPr kumimoji="1" lang="ja-JP" altLang="en-US"/>
-              <a:t>資料の作成を行っていきます</a:t>
+              <a:t>と</a:t>
+            </a:r>
+            <a:r>
+              <a:rPr kumimoji="1" lang="en-US" altLang="ja-JP" dirty="0" err="1"/>
+              <a:t>github</a:t>
+            </a:r>
+            <a:r>
+              <a:rPr kumimoji="1" lang="ja-JP" altLang="en-US"/>
+              <a:t>を利用しました</a:t>
             </a:r>
             <a:r>
               <a:rPr kumimoji="1" lang="en-US" altLang="ja-JP" dirty="0"/>
               <a:t>.</a:t>
             </a:r>
-            <a:endParaRPr kumimoji="1" lang="ja-JP" altLang="en-US"/>
+          </a:p>
+          <a:p>
+            <a:r>
+              <a:rPr kumimoji="1" lang="ja-JP" altLang="en-US"/>
+              <a:t>保存したバックアップファイルからコマンド一つで設定を復元することができるという要件には</a:t>
+            </a:r>
+            <a:r>
+              <a:rPr kumimoji="1" lang="en-US" altLang="ja-JP" dirty="0"/>
+              <a:t>,</a:t>
+            </a:r>
+          </a:p>
+          <a:p>
+            <a:r>
+              <a:rPr kumimoji="1" lang="en-US" altLang="ja-JP" dirty="0"/>
+              <a:t>Ansible</a:t>
+            </a:r>
+            <a:r>
+              <a:rPr kumimoji="1" lang="ja-JP" altLang="en-US"/>
+              <a:t>を利用しました</a:t>
+            </a:r>
+            <a:r>
+              <a:rPr kumimoji="1" lang="en-US" altLang="ja-JP" dirty="0"/>
+              <a:t>.</a:t>
+            </a:r>
           </a:p>
         </p:txBody>
       </p:sp>
@@ -1089,7 +1589,7 @@
           <a:p>
             <a:fld id="{AA7D8E21-952E-5D45-B545-4C100EF48894}" type="slidenum">
               <a:rPr kumimoji="1" lang="ja-JP" altLang="en-US" smtClean="0"/>
-              <a:t>11</a:t>
+              <a:t>3</a:t>
             </a:fld>
             <a:endParaRPr kumimoji="1" lang="ja-JP" altLang="en-US"/>
           </a:p>
@@ -1098,7 +1598,7 @@
     </p:spTree>
     <p:extLst>
       <p:ext uri="{BB962C8B-B14F-4D97-AF65-F5344CB8AC3E}">
-        <p14:creationId xmlns:p14="http://schemas.microsoft.com/office/powerpoint/2010/main" val="3108271067"/>
+        <p14:creationId xmlns:p14="http://schemas.microsoft.com/office/powerpoint/2010/main" val="3585288017"/>
       </p:ext>
     </p:extLst>
   </p:cSld>
@@ -1154,15 +1654,57 @@
           <a:p>
             <a:r>
               <a:rPr kumimoji="1" lang="ja-JP" altLang="en-US"/>
-              <a:t>次に今後の開発スケジュールについてです</a:t>
+              <a:t>システムの構成図と基本的な動作について解説します</a:t>
             </a:r>
             <a:r>
               <a:rPr kumimoji="1" lang="en-US" altLang="ja-JP" dirty="0"/>
-              <a:t>. 11</a:t>
+              <a:t>. </a:t>
             </a:r>
             <a:r>
               <a:rPr kumimoji="1" lang="ja-JP" altLang="en-US"/>
-              <a:t>月中に複数の</a:t>
+              <a:t>最初にホストが</a:t>
+            </a:r>
+            <a:r>
+              <a:rPr kumimoji="1" lang="en-US" altLang="ja-JP" dirty="0"/>
+              <a:t>VAGRANT</a:t>
+            </a:r>
+            <a:r>
+              <a:rPr kumimoji="1" lang="ja-JP" altLang="en-US"/>
+              <a:t>に命令を行います</a:t>
+            </a:r>
+            <a:r>
+              <a:rPr kumimoji="1" lang="en-US" altLang="ja-JP" dirty="0"/>
+              <a:t>. </a:t>
+            </a:r>
+          </a:p>
+          <a:p>
+            <a:r>
+              <a:rPr kumimoji="1" lang="ja-JP" altLang="en-US"/>
+              <a:t>すると</a:t>
+            </a:r>
+            <a:r>
+              <a:rPr kumimoji="1" lang="en-US" altLang="ja-JP" dirty="0"/>
+              <a:t>VAGRANT</a:t>
+            </a:r>
+            <a:r>
+              <a:rPr kumimoji="1" lang="ja-JP" altLang="en-US"/>
+              <a:t>が予め作成された</a:t>
+            </a:r>
+            <a:r>
+              <a:rPr kumimoji="1" lang="en-US" altLang="ja-JP" dirty="0" err="1"/>
+              <a:t>Vagrantfile</a:t>
+            </a:r>
+            <a:r>
+              <a:rPr kumimoji="1" lang="ja-JP" altLang="en-US"/>
+              <a:t>をもとに</a:t>
+            </a:r>
+            <a:r>
+              <a:rPr kumimoji="1" lang="en-US" altLang="ja-JP" dirty="0"/>
+              <a:t>VirtualBox</a:t>
+            </a:r>
+            <a:r>
+              <a:rPr kumimoji="1" lang="ja-JP" altLang="en-US"/>
+              <a:t>上に</a:t>
             </a:r>
             <a:r>
               <a:rPr kumimoji="1" lang="en-US" altLang="ja-JP" dirty="0"/>
@@ -1170,7 +1712,7 @@
             </a:r>
             <a:r>
               <a:rPr kumimoji="1" lang="ja-JP" altLang="en-US"/>
-              <a:t>を利用したネットワークの構築機能</a:t>
+              <a:t>を作成</a:t>
             </a:r>
             <a:r>
               <a:rPr kumimoji="1" lang="en-US" altLang="ja-JP" dirty="0"/>
@@ -1178,7 +1720,7 @@
             </a:r>
             <a:r>
               <a:rPr kumimoji="1" lang="ja-JP" altLang="en-US"/>
-              <a:t>それらを操作</a:t>
+              <a:t>インタフェースの設定</a:t>
             </a:r>
             <a:r>
               <a:rPr kumimoji="1" lang="en-US" altLang="ja-JP" dirty="0"/>
@@ -1186,37 +1728,65 @@
             </a:r>
             <a:r>
               <a:rPr kumimoji="1" lang="ja-JP" altLang="en-US"/>
-              <a:t>監視できるような</a:t>
+              <a:t>必要なソフトウェアのインストールを行います</a:t>
             </a:r>
             <a:r>
               <a:rPr kumimoji="1" lang="en-US" altLang="ja-JP" dirty="0"/>
-              <a:t>GUI</a:t>
+              <a:t>.</a:t>
+            </a:r>
+          </a:p>
+          <a:p>
+            <a:r>
+              <a:rPr kumimoji="1" lang="en-US" altLang="ja-JP" dirty="0"/>
+              <a:t>Vagrant</a:t>
             </a:r>
             <a:r>
               <a:rPr kumimoji="1" lang="ja-JP" altLang="en-US"/>
-              <a:t>の実装を目指します</a:t>
+              <a:t>はホストが</a:t>
+            </a:r>
+            <a:r>
+              <a:rPr kumimoji="1" lang="en-US" altLang="ja-JP" dirty="0"/>
+              <a:t>VM</a:t>
+            </a:r>
+            <a:r>
+              <a:rPr kumimoji="1" lang="ja-JP" altLang="en-US"/>
+              <a:t>にアクセスするための設定も行ってくれるので</a:t>
+            </a:r>
+            <a:r>
+              <a:rPr kumimoji="1" lang="en-US" altLang="ja-JP" dirty="0"/>
+              <a:t>, </a:t>
+            </a:r>
+            <a:r>
+              <a:rPr kumimoji="1" lang="ja-JP" altLang="en-US"/>
+              <a:t>環境の構築としてはこの手順だけで完了となります</a:t>
+            </a:r>
+            <a:r>
+              <a:rPr kumimoji="1" lang="en-US" altLang="ja-JP" dirty="0"/>
+              <a:t>.</a:t>
+            </a:r>
+          </a:p>
+          <a:p>
+            <a:r>
+              <a:rPr kumimoji="1" lang="ja-JP" altLang="en-US"/>
+              <a:t>次にホストはルータを管理するためのサーバに接続します</a:t>
             </a:r>
             <a:r>
               <a:rPr kumimoji="1" lang="en-US" altLang="ja-JP" dirty="0"/>
               <a:t>. </a:t>
             </a:r>
-          </a:p>
-          <a:p>
+            <a:r>
+              <a:rPr kumimoji="1" lang="ja-JP" altLang="en-US"/>
+              <a:t>ここからルータに対してバックアップとリストアの命令を行うことができます</a:t>
+            </a:r>
             <a:r>
               <a:rPr kumimoji="1" lang="en-US" altLang="ja-JP" dirty="0"/>
-              <a:t>12</a:t>
-            </a:r>
+              <a:t>.</a:t>
+            </a:r>
+          </a:p>
+          <a:p>
             <a:r>
               <a:rPr kumimoji="1" lang="ja-JP" altLang="en-US"/>
-              <a:t>月中は</a:t>
-            </a:r>
-            <a:r>
-              <a:rPr kumimoji="1" lang="en-US" altLang="ja-JP" dirty="0"/>
-              <a:t> </a:t>
-            </a:r>
-            <a:r>
-              <a:rPr kumimoji="1" lang="ja-JP" altLang="en-US"/>
-              <a:t>一旦開発としてはストップし</a:t>
+              <a:t>バックアップについて</a:t>
             </a:r>
             <a:r>
               <a:rPr kumimoji="1" lang="en-US" altLang="ja-JP" dirty="0"/>
@@ -1224,7 +1794,41 @@
             </a:r>
             <a:r>
               <a:rPr kumimoji="1" lang="ja-JP" altLang="en-US"/>
-              <a:t>定期的なミーティングを通して現在まで開発してきたシステムの見直しを行うつもりです</a:t>
+              <a:t>予めサーバにインストールされた</a:t>
+            </a:r>
+            <a:r>
+              <a:rPr kumimoji="1" lang="en-US" altLang="ja-JP" dirty="0"/>
+              <a:t>Ansible</a:t>
+            </a:r>
+            <a:r>
+              <a:rPr kumimoji="1" lang="ja-JP" altLang="en-US"/>
+              <a:t>から</a:t>
+            </a:r>
+            <a:r>
+              <a:rPr kumimoji="1" lang="en-US" altLang="ja-JP" dirty="0"/>
+              <a:t>Playbook</a:t>
+            </a:r>
+            <a:r>
+              <a:rPr kumimoji="1" lang="ja-JP" altLang="en-US"/>
+              <a:t>（命令書）を実行することで行います</a:t>
+            </a:r>
+            <a:r>
+              <a:rPr kumimoji="1" lang="en-US" altLang="ja-JP" dirty="0"/>
+              <a:t>. Playbook</a:t>
+            </a:r>
+            <a:r>
+              <a:rPr kumimoji="1" lang="ja-JP" altLang="en-US"/>
+              <a:t>を実行するとルータ上で設定を出力するコマンドが実行され</a:t>
+            </a:r>
+            <a:r>
+              <a:rPr kumimoji="1" lang="en-US" altLang="ja-JP" dirty="0"/>
+              <a:t>,</a:t>
+            </a:r>
+          </a:p>
+          <a:p>
+            <a:r>
+              <a:rPr kumimoji="1" lang="ja-JP" altLang="en-US"/>
+              <a:t>その結果がサーバ上のファイルに出力される仕組みになります</a:t>
             </a:r>
             <a:r>
               <a:rPr kumimoji="1" lang="en-US" altLang="ja-JP" dirty="0"/>
@@ -1233,12 +1837,16 @@
           </a:p>
           <a:p>
             <a:r>
+              <a:rPr kumimoji="1" lang="ja-JP" altLang="en-US"/>
+              <a:t>リストアについて</a:t>
+            </a:r>
+            <a:r>
               <a:rPr kumimoji="1" lang="en-US" altLang="ja-JP" dirty="0"/>
-              <a:t>1</a:t>
+              <a:t>, Playbook</a:t>
             </a:r>
             <a:r>
               <a:rPr kumimoji="1" lang="ja-JP" altLang="en-US"/>
-              <a:t>月から開発を再開し</a:t>
+              <a:t>を実行するところまではバックアップと同じで</a:t>
             </a:r>
             <a:r>
               <a:rPr kumimoji="1" lang="en-US" altLang="ja-JP" dirty="0"/>
@@ -1246,25 +1854,15 @@
             </a:r>
             <a:r>
               <a:rPr kumimoji="1" lang="ja-JP" altLang="en-US"/>
-              <a:t>同時にシステムのテストを行っていく予定です</a:t>
+              <a:t>動作するモジュールが異なります</a:t>
             </a:r>
             <a:r>
               <a:rPr kumimoji="1" lang="en-US" altLang="ja-JP" dirty="0"/>
-              <a:t>.</a:t>
-            </a:r>
-          </a:p>
-          <a:p>
+              <a:t>. </a:t>
+            </a:r>
             <a:r>
               <a:rPr kumimoji="1" lang="ja-JP" altLang="en-US"/>
-              <a:t>そして</a:t>
-            </a:r>
-            <a:r>
-              <a:rPr kumimoji="1" lang="en-US" altLang="ja-JP" dirty="0"/>
-              <a:t>, 2</a:t>
-            </a:r>
-            <a:r>
-              <a:rPr kumimoji="1" lang="ja-JP" altLang="en-US"/>
-              <a:t>月からプログラミングコンテストまで</a:t>
+              <a:t>実行するとサーバに保存された設定ファイルを読み込み</a:t>
             </a:r>
             <a:r>
               <a:rPr kumimoji="1" lang="en-US" altLang="ja-JP" dirty="0"/>
@@ -1272,7 +1870,7 @@
             </a:r>
             <a:r>
               <a:rPr kumimoji="1" lang="ja-JP" altLang="en-US"/>
-              <a:t>資料・デモの作成</a:t>
+              <a:t>記述されたコマンドをルータ上で実行することで</a:t>
             </a:r>
             <a:r>
               <a:rPr kumimoji="1" lang="en-US" altLang="ja-JP" dirty="0"/>
@@ -1280,7 +1878,7 @@
             </a:r>
             <a:r>
               <a:rPr kumimoji="1" lang="ja-JP" altLang="en-US"/>
-              <a:t>最終確認を行います</a:t>
+              <a:t>設定を書き換える仕組みになります</a:t>
             </a:r>
             <a:r>
               <a:rPr kumimoji="1" lang="en-US" altLang="ja-JP" dirty="0"/>
@@ -1288,13 +1886,20 @@
             </a:r>
             <a:r>
               <a:rPr kumimoji="1" lang="ja-JP" altLang="en-US"/>
-              <a:t>以上が今後の開発スケジュールになります</a:t>
+              <a:t>以上でシステムの構成図と</a:t>
             </a:r>
             <a:r>
               <a:rPr kumimoji="1" lang="en-US" altLang="ja-JP" dirty="0"/>
-              <a:t>.</a:t>
-            </a:r>
-            <a:endParaRPr kumimoji="1" lang="ja-JP" altLang="en-US"/>
+              <a:t>, </a:t>
+            </a:r>
+            <a:r>
+              <a:rPr kumimoji="1" lang="ja-JP" altLang="en-US"/>
+              <a:t>基本的な動作の説明を終わります</a:t>
+            </a:r>
+            <a:r>
+              <a:rPr kumimoji="1" lang="en-US" altLang="ja-JP" dirty="0"/>
+              <a:t>. </a:t>
+            </a:r>
           </a:p>
         </p:txBody>
       </p:sp>
@@ -1315,7 +1920,7 @@
           <a:p>
             <a:fld id="{AA7D8E21-952E-5D45-B545-4C100EF48894}" type="slidenum">
               <a:rPr kumimoji="1" lang="ja-JP" altLang="en-US" smtClean="0"/>
-              <a:t>12</a:t>
+              <a:t>4</a:t>
             </a:fld>
             <a:endParaRPr kumimoji="1" lang="ja-JP" altLang="en-US"/>
           </a:p>
@@ -1324,7 +1929,7 @@
     </p:spTree>
     <p:extLst>
       <p:ext uri="{BB962C8B-B14F-4D97-AF65-F5344CB8AC3E}">
-        <p14:creationId xmlns:p14="http://schemas.microsoft.com/office/powerpoint/2010/main" val="2555844539"/>
+        <p14:creationId xmlns:p14="http://schemas.microsoft.com/office/powerpoint/2010/main" val="2063796662"/>
       </p:ext>
     </p:extLst>
   </p:cSld>
@@ -1380,23 +1985,25 @@
           <a:p>
             <a:r>
               <a:rPr kumimoji="1" lang="ja-JP" altLang="en-US"/>
-              <a:t>最後に今回のシステムを実装するにあたって参考にさせていただいた資料の一覧になります</a:t>
+              <a:t>最初に</a:t>
             </a:r>
             <a:r>
               <a:rPr kumimoji="1" lang="en-US" altLang="ja-JP" dirty="0"/>
-              <a:t>. </a:t>
+              <a:t>, </a:t>
             </a:r>
             <a:r>
               <a:rPr kumimoji="1" lang="ja-JP" altLang="en-US"/>
-              <a:t>これで発表を終わります</a:t>
+              <a:t>ネットワークの自動構築システムのデモを行います</a:t>
             </a:r>
             <a:r>
               <a:rPr kumimoji="1" lang="en-US" altLang="ja-JP" dirty="0"/>
-              <a:t>. </a:t>
-            </a:r>
+              <a:t>.</a:t>
+            </a:r>
+          </a:p>
+          <a:p>
             <a:r>
               <a:rPr kumimoji="1" lang="ja-JP" altLang="en-US"/>
-              <a:t>ありがとうございました</a:t>
+              <a:t>動画を御覧ください</a:t>
             </a:r>
             <a:r>
               <a:rPr kumimoji="1" lang="en-US" altLang="ja-JP" dirty="0"/>
@@ -1423,7 +2030,7 @@
           <a:p>
             <a:fld id="{AA7D8E21-952E-5D45-B545-4C100EF48894}" type="slidenum">
               <a:rPr kumimoji="1" lang="ja-JP" altLang="en-US" smtClean="0"/>
-              <a:t>13</a:t>
+              <a:t>5</a:t>
             </a:fld>
             <a:endParaRPr kumimoji="1" lang="ja-JP" altLang="en-US"/>
           </a:p>
@@ -1432,7 +2039,432 @@
     </p:spTree>
     <p:extLst>
       <p:ext uri="{BB962C8B-B14F-4D97-AF65-F5344CB8AC3E}">
-        <p14:creationId xmlns:p14="http://schemas.microsoft.com/office/powerpoint/2010/main" val="2179575987"/>
+        <p14:creationId xmlns:p14="http://schemas.microsoft.com/office/powerpoint/2010/main" val="3692110951"/>
+      </p:ext>
+    </p:extLst>
+  </p:cSld>
+  <p:clrMapOvr>
+    <a:masterClrMapping/>
+  </p:clrMapOvr>
+</p:notes>
+</file>
+
+<file path=ppt/notesSlides/notesSlide6.xml><?xml version="1.0" encoding="utf-8"?>
+<p:notes xmlns:a="http://schemas.openxmlformats.org/drawingml/2006/main" xmlns:r="http://schemas.openxmlformats.org/officeDocument/2006/relationships" xmlns:p="http://schemas.openxmlformats.org/presentationml/2006/main">
+  <p:cSld>
+    <p:spTree>
+      <p:nvGrpSpPr>
+        <p:cNvPr id="1" name=""/>
+        <p:cNvGrpSpPr/>
+        <p:nvPr/>
+      </p:nvGrpSpPr>
+      <p:grpSpPr>
+        <a:xfrm>
+          <a:off x="0" y="0"/>
+          <a:ext cx="0" cy="0"/>
+          <a:chOff x="0" y="0"/>
+          <a:chExt cx="0" cy="0"/>
+        </a:xfrm>
+      </p:grpSpPr>
+      <p:sp>
+        <p:nvSpPr>
+          <p:cNvPr id="2" name="スライド イメージ プレースホルダー 1"/>
+          <p:cNvSpPr>
+            <a:spLocks noGrp="1" noRot="1" noChangeAspect="1"/>
+          </p:cNvSpPr>
+          <p:nvPr>
+            <p:ph type="sldImg"/>
+          </p:nvPr>
+        </p:nvSpPr>
+        <p:spPr/>
+      </p:sp>
+      <p:sp>
+        <p:nvSpPr>
+          <p:cNvPr id="3" name="ノート プレースホルダー 2"/>
+          <p:cNvSpPr>
+            <a:spLocks noGrp="1"/>
+          </p:cNvSpPr>
+          <p:nvPr>
+            <p:ph type="body" idx="1"/>
+          </p:nvPr>
+        </p:nvSpPr>
+        <p:spPr/>
+        <p:txBody>
+          <a:bodyPr/>
+          <a:lstStyle/>
+          <a:p>
+            <a:r>
+              <a:rPr kumimoji="1" lang="ja-JP" altLang="en-US"/>
+              <a:t>次に</a:t>
+            </a:r>
+            <a:r>
+              <a:rPr kumimoji="1" lang="en-US" altLang="ja-JP" dirty="0"/>
+              <a:t>, </a:t>
+            </a:r>
+            <a:r>
+              <a:rPr kumimoji="1" lang="ja-JP" altLang="en-US"/>
+              <a:t>設定のバックアップ機能のデモを行います</a:t>
+            </a:r>
+            <a:r>
+              <a:rPr kumimoji="1" lang="en-US" altLang="ja-JP" dirty="0"/>
+              <a:t>.</a:t>
+            </a:r>
+          </a:p>
+          <a:p>
+            <a:r>
+              <a:rPr kumimoji="1" lang="ja-JP" altLang="en-US"/>
+              <a:t>動画を御覧ください</a:t>
+            </a:r>
+            <a:r>
+              <a:rPr kumimoji="1" lang="en-US" altLang="ja-JP" dirty="0"/>
+              <a:t>.</a:t>
+            </a:r>
+            <a:endParaRPr kumimoji="1" lang="ja-JP" altLang="en-US"/>
+          </a:p>
+        </p:txBody>
+      </p:sp>
+      <p:sp>
+        <p:nvSpPr>
+          <p:cNvPr id="4" name="スライド番号プレースホルダー 3"/>
+          <p:cNvSpPr>
+            <a:spLocks noGrp="1"/>
+          </p:cNvSpPr>
+          <p:nvPr>
+            <p:ph type="sldNum" sz="quarter" idx="5"/>
+          </p:nvPr>
+        </p:nvSpPr>
+        <p:spPr/>
+        <p:txBody>
+          <a:bodyPr/>
+          <a:lstStyle/>
+          <a:p>
+            <a:fld id="{AA7D8E21-952E-5D45-B545-4C100EF48894}" type="slidenum">
+              <a:rPr kumimoji="1" lang="ja-JP" altLang="en-US" smtClean="0"/>
+              <a:t>6</a:t>
+            </a:fld>
+            <a:endParaRPr kumimoji="1" lang="ja-JP" altLang="en-US"/>
+          </a:p>
+        </p:txBody>
+      </p:sp>
+    </p:spTree>
+    <p:extLst>
+      <p:ext uri="{BB962C8B-B14F-4D97-AF65-F5344CB8AC3E}">
+        <p14:creationId xmlns:p14="http://schemas.microsoft.com/office/powerpoint/2010/main" val="1899825835"/>
+      </p:ext>
+    </p:extLst>
+  </p:cSld>
+  <p:clrMapOvr>
+    <a:masterClrMapping/>
+  </p:clrMapOvr>
+</p:notes>
+</file>
+
+<file path=ppt/notesSlides/notesSlide7.xml><?xml version="1.0" encoding="utf-8"?>
+<p:notes xmlns:a="http://schemas.openxmlformats.org/drawingml/2006/main" xmlns:r="http://schemas.openxmlformats.org/officeDocument/2006/relationships" xmlns:p="http://schemas.openxmlformats.org/presentationml/2006/main">
+  <p:cSld>
+    <p:spTree>
+      <p:nvGrpSpPr>
+        <p:cNvPr id="1" name=""/>
+        <p:cNvGrpSpPr/>
+        <p:nvPr/>
+      </p:nvGrpSpPr>
+      <p:grpSpPr>
+        <a:xfrm>
+          <a:off x="0" y="0"/>
+          <a:ext cx="0" cy="0"/>
+          <a:chOff x="0" y="0"/>
+          <a:chExt cx="0" cy="0"/>
+        </a:xfrm>
+      </p:grpSpPr>
+      <p:sp>
+        <p:nvSpPr>
+          <p:cNvPr id="2" name="スライド イメージ プレースホルダー 1"/>
+          <p:cNvSpPr>
+            <a:spLocks noGrp="1" noRot="1" noChangeAspect="1"/>
+          </p:cNvSpPr>
+          <p:nvPr>
+            <p:ph type="sldImg"/>
+          </p:nvPr>
+        </p:nvSpPr>
+        <p:spPr/>
+      </p:sp>
+      <p:sp>
+        <p:nvSpPr>
+          <p:cNvPr id="3" name="ノート プレースホルダー 2"/>
+          <p:cNvSpPr>
+            <a:spLocks noGrp="1"/>
+          </p:cNvSpPr>
+          <p:nvPr>
+            <p:ph type="body" idx="1"/>
+          </p:nvPr>
+        </p:nvSpPr>
+        <p:spPr/>
+        <p:txBody>
+          <a:bodyPr/>
+          <a:lstStyle/>
+          <a:p>
+            <a:r>
+              <a:rPr kumimoji="1" lang="ja-JP" altLang="en-US"/>
+              <a:t>最後に</a:t>
+            </a:r>
+            <a:r>
+              <a:rPr kumimoji="1" lang="en-US" altLang="ja-JP" dirty="0"/>
+              <a:t>, </a:t>
+            </a:r>
+            <a:r>
+              <a:rPr kumimoji="1" lang="ja-JP" altLang="en-US"/>
+              <a:t>設定の復元（リストア）機能のデモを行います</a:t>
+            </a:r>
+            <a:r>
+              <a:rPr kumimoji="1" lang="en-US" altLang="ja-JP" dirty="0"/>
+              <a:t>.</a:t>
+            </a:r>
+          </a:p>
+          <a:p>
+            <a:r>
+              <a:rPr kumimoji="1" lang="ja-JP" altLang="en-US"/>
+              <a:t>動画を御覧ください</a:t>
+            </a:r>
+            <a:r>
+              <a:rPr kumimoji="1" lang="en-US" altLang="ja-JP" dirty="0"/>
+              <a:t>.</a:t>
+            </a:r>
+            <a:endParaRPr kumimoji="1" lang="ja-JP" altLang="en-US"/>
+          </a:p>
+        </p:txBody>
+      </p:sp>
+      <p:sp>
+        <p:nvSpPr>
+          <p:cNvPr id="4" name="スライド番号プレースホルダー 3"/>
+          <p:cNvSpPr>
+            <a:spLocks noGrp="1"/>
+          </p:cNvSpPr>
+          <p:nvPr>
+            <p:ph type="sldNum" sz="quarter" idx="5"/>
+          </p:nvPr>
+        </p:nvSpPr>
+        <p:spPr/>
+        <p:txBody>
+          <a:bodyPr/>
+          <a:lstStyle/>
+          <a:p>
+            <a:fld id="{AA7D8E21-952E-5D45-B545-4C100EF48894}" type="slidenum">
+              <a:rPr kumimoji="1" lang="ja-JP" altLang="en-US" smtClean="0"/>
+              <a:t>7</a:t>
+            </a:fld>
+            <a:endParaRPr kumimoji="1" lang="ja-JP" altLang="en-US"/>
+          </a:p>
+        </p:txBody>
+      </p:sp>
+    </p:spTree>
+    <p:extLst>
+      <p:ext uri="{BB962C8B-B14F-4D97-AF65-F5344CB8AC3E}">
+        <p14:creationId xmlns:p14="http://schemas.microsoft.com/office/powerpoint/2010/main" val="1428582583"/>
+      </p:ext>
+    </p:extLst>
+  </p:cSld>
+  <p:clrMapOvr>
+    <a:masterClrMapping/>
+  </p:clrMapOvr>
+</p:notes>
+</file>
+
+<file path=ppt/notesSlides/notesSlide8.xml><?xml version="1.0" encoding="utf-8"?>
+<p:notes xmlns:a="http://schemas.openxmlformats.org/drawingml/2006/main" xmlns:r="http://schemas.openxmlformats.org/officeDocument/2006/relationships" xmlns:p="http://schemas.openxmlformats.org/presentationml/2006/main">
+  <p:cSld>
+    <p:spTree>
+      <p:nvGrpSpPr>
+        <p:cNvPr id="1" name=""/>
+        <p:cNvGrpSpPr/>
+        <p:nvPr/>
+      </p:nvGrpSpPr>
+      <p:grpSpPr>
+        <a:xfrm>
+          <a:off x="0" y="0"/>
+          <a:ext cx="0" cy="0"/>
+          <a:chOff x="0" y="0"/>
+          <a:chExt cx="0" cy="0"/>
+        </a:xfrm>
+      </p:grpSpPr>
+      <p:sp>
+        <p:nvSpPr>
+          <p:cNvPr id="2" name="スライド イメージ プレースホルダー 1"/>
+          <p:cNvSpPr>
+            <a:spLocks noGrp="1" noRot="1" noChangeAspect="1"/>
+          </p:cNvSpPr>
+          <p:nvPr>
+            <p:ph type="sldImg"/>
+          </p:nvPr>
+        </p:nvSpPr>
+        <p:spPr/>
+      </p:sp>
+      <p:sp>
+        <p:nvSpPr>
+          <p:cNvPr id="3" name="ノート プレースホルダー 2"/>
+          <p:cNvSpPr>
+            <a:spLocks noGrp="1"/>
+          </p:cNvSpPr>
+          <p:nvPr>
+            <p:ph type="body" idx="1"/>
+          </p:nvPr>
+        </p:nvSpPr>
+        <p:spPr/>
+        <p:txBody>
+          <a:bodyPr/>
+          <a:lstStyle/>
+          <a:p>
+            <a:endParaRPr kumimoji="1" lang="ja-JP" altLang="en-US"/>
+          </a:p>
+        </p:txBody>
+      </p:sp>
+      <p:sp>
+        <p:nvSpPr>
+          <p:cNvPr id="4" name="スライド番号プレースホルダー 3"/>
+          <p:cNvSpPr>
+            <a:spLocks noGrp="1"/>
+          </p:cNvSpPr>
+          <p:nvPr>
+            <p:ph type="sldNum" sz="quarter" idx="5"/>
+          </p:nvPr>
+        </p:nvSpPr>
+        <p:spPr/>
+        <p:txBody>
+          <a:bodyPr/>
+          <a:lstStyle/>
+          <a:p>
+            <a:fld id="{AA7D8E21-952E-5D45-B545-4C100EF48894}" type="slidenum">
+              <a:rPr kumimoji="1" lang="ja-JP" altLang="en-US" smtClean="0"/>
+              <a:t>8</a:t>
+            </a:fld>
+            <a:endParaRPr kumimoji="1" lang="ja-JP" altLang="en-US"/>
+          </a:p>
+        </p:txBody>
+      </p:sp>
+    </p:spTree>
+    <p:extLst>
+      <p:ext uri="{BB962C8B-B14F-4D97-AF65-F5344CB8AC3E}">
+        <p14:creationId xmlns:p14="http://schemas.microsoft.com/office/powerpoint/2010/main" val="965531659"/>
+      </p:ext>
+    </p:extLst>
+  </p:cSld>
+  <p:clrMapOvr>
+    <a:masterClrMapping/>
+  </p:clrMapOvr>
+</p:notes>
+</file>
+
+<file path=ppt/notesSlides/notesSlide9.xml><?xml version="1.0" encoding="utf-8"?>
+<p:notes xmlns:a="http://schemas.openxmlformats.org/drawingml/2006/main" xmlns:r="http://schemas.openxmlformats.org/officeDocument/2006/relationships" xmlns:p="http://schemas.openxmlformats.org/presentationml/2006/main">
+  <p:cSld>
+    <p:spTree>
+      <p:nvGrpSpPr>
+        <p:cNvPr id="1" name=""/>
+        <p:cNvGrpSpPr/>
+        <p:nvPr/>
+      </p:nvGrpSpPr>
+      <p:grpSpPr>
+        <a:xfrm>
+          <a:off x="0" y="0"/>
+          <a:ext cx="0" cy="0"/>
+          <a:chOff x="0" y="0"/>
+          <a:chExt cx="0" cy="0"/>
+        </a:xfrm>
+      </p:grpSpPr>
+      <p:sp>
+        <p:nvSpPr>
+          <p:cNvPr id="2" name="スライド イメージ プレースホルダー 1"/>
+          <p:cNvSpPr>
+            <a:spLocks noGrp="1" noRot="1" noChangeAspect="1"/>
+          </p:cNvSpPr>
+          <p:nvPr>
+            <p:ph type="sldImg"/>
+          </p:nvPr>
+        </p:nvSpPr>
+        <p:spPr/>
+      </p:sp>
+      <p:sp>
+        <p:nvSpPr>
+          <p:cNvPr id="3" name="ノート プレースホルダー 2"/>
+          <p:cNvSpPr>
+            <a:spLocks noGrp="1"/>
+          </p:cNvSpPr>
+          <p:nvPr>
+            <p:ph type="body" idx="1"/>
+          </p:nvPr>
+        </p:nvSpPr>
+        <p:spPr/>
+        <p:txBody>
+          <a:bodyPr/>
+          <a:lstStyle/>
+          <a:p>
+            <a:r>
+              <a:rPr kumimoji="1" lang="ja-JP" altLang="en-US"/>
+              <a:t>次に現在の課題についてです</a:t>
+            </a:r>
+            <a:r>
+              <a:rPr kumimoji="1" lang="en-US" altLang="ja-JP" dirty="0"/>
+              <a:t>.</a:t>
+            </a:r>
+          </a:p>
+          <a:p>
+            <a:r>
+              <a:rPr kumimoji="1" lang="ja-JP" altLang="en-US"/>
+              <a:t>検討していることとして</a:t>
+            </a:r>
+            <a:r>
+              <a:rPr kumimoji="1" lang="en-US" altLang="ja-JP" dirty="0"/>
+              <a:t>, </a:t>
+            </a:r>
+            <a:r>
+              <a:rPr kumimoji="1" lang="ja-JP" altLang="en-US"/>
+              <a:t>小規模といえどもネットワークを構築するためには複数台の</a:t>
+            </a:r>
+            <a:r>
+              <a:rPr kumimoji="1" lang="en-US" altLang="ja-JP" dirty="0"/>
+              <a:t>VM</a:t>
+            </a:r>
+            <a:r>
+              <a:rPr kumimoji="1" lang="ja-JP" altLang="en-US"/>
+              <a:t>が必要です</a:t>
+            </a:r>
+            <a:r>
+              <a:rPr kumimoji="1" lang="en-US" altLang="ja-JP" dirty="0"/>
+              <a:t>. </a:t>
+            </a:r>
+            <a:r>
+              <a:rPr kumimoji="1" lang="ja-JP" altLang="en-US"/>
+              <a:t>それらを構築するための仮想化ソフトウェアを</a:t>
+            </a:r>
+          </a:p>
+        </p:txBody>
+      </p:sp>
+      <p:sp>
+        <p:nvSpPr>
+          <p:cNvPr id="4" name="スライド番号プレースホルダー 3"/>
+          <p:cNvSpPr>
+            <a:spLocks noGrp="1"/>
+          </p:cNvSpPr>
+          <p:nvPr>
+            <p:ph type="sldNum" sz="quarter" idx="5"/>
+          </p:nvPr>
+        </p:nvSpPr>
+        <p:spPr/>
+        <p:txBody>
+          <a:bodyPr/>
+          <a:lstStyle/>
+          <a:p>
+            <a:fld id="{AA7D8E21-952E-5D45-B545-4C100EF48894}" type="slidenum">
+              <a:rPr kumimoji="1" lang="ja-JP" altLang="en-US" smtClean="0"/>
+              <a:t>10</a:t>
+            </a:fld>
+            <a:endParaRPr kumimoji="1" lang="ja-JP" altLang="en-US"/>
+          </a:p>
+        </p:txBody>
+      </p:sp>
+    </p:spTree>
+    <p:extLst>
+      <p:ext uri="{BB962C8B-B14F-4D97-AF65-F5344CB8AC3E}">
+        <p14:creationId xmlns:p14="http://schemas.microsoft.com/office/powerpoint/2010/main" val="3112745659"/>
       </p:ext>
     </p:extLst>
   </p:cSld>
@@ -14415,6 +15447,428 @@
           <a:lstStyle/>
           <a:p>
             <a:r>
+              <a:rPr kumimoji="1" lang="ja-JP" altLang="en-US" sz="4000" b="1">
+                <a:latin typeface="Meiryo" panose="020B0604030504040204" pitchFamily="34" charset="-128"/>
+                <a:ea typeface="Meiryo" panose="020B0604030504040204" pitchFamily="34" charset="-128"/>
+              </a:rPr>
+              <a:t>まとめ</a:t>
+            </a:r>
+          </a:p>
+        </p:txBody>
+      </p:sp>
+      <p:sp>
+        <p:nvSpPr>
+          <p:cNvPr id="14" name="Rectangle 13">
+            <a:extLst>
+              <a:ext uri="{FF2B5EF4-FFF2-40B4-BE49-F238E27FC236}">
+                <a16:creationId xmlns:a16="http://schemas.microsoft.com/office/drawing/2014/main" id="{074B4F7D-14B2-478B-8BF5-01E4E0C5D263}"/>
+              </a:ext>
+              <a:ext uri="{C183D7F6-B498-43B3-948B-1728B52AA6E4}">
+                <adec:decorative xmlns:adec="http://schemas.microsoft.com/office/drawing/2017/decorative" val="1"/>
+              </a:ext>
+            </a:extLst>
+          </p:cNvPr>
+          <p:cNvSpPr>
+            <a:spLocks noGrp="1" noRot="1" noChangeAspect="1" noMove="1" noResize="1" noEditPoints="1" noAdjustHandles="1" noChangeArrowheads="1" noChangeShapeType="1" noTextEdit="1"/>
+          </p:cNvSpPr>
+          <p:nvPr>
+            <p:extLst>
+              <p:ext uri="{386F3935-93C4-4BCD-93E2-E3B085C9AB24}">
+                <p16:designElem xmlns:p16="http://schemas.microsoft.com/office/powerpoint/2015/main" val="1"/>
+              </p:ext>
+            </p:extLst>
+          </p:nvPr>
+        </p:nvSpPr>
+        <p:spPr>
+          <a:xfrm>
+            <a:off x="498834" y="758952"/>
+            <a:ext cx="128016" cy="704088"/>
+          </a:xfrm>
+          <a:prstGeom prst="rect">
+            <a:avLst/>
+          </a:prstGeom>
+          <a:solidFill>
+            <a:schemeClr val="accent2"/>
+          </a:solidFill>
+          <a:ln>
+            <a:noFill/>
+          </a:ln>
+        </p:spPr>
+        <p:style>
+          <a:lnRef idx="2">
+            <a:schemeClr val="accent1">
+              <a:shade val="50000"/>
+            </a:schemeClr>
+          </a:lnRef>
+          <a:fillRef idx="1">
+            <a:schemeClr val="accent1"/>
+          </a:fillRef>
+          <a:effectRef idx="0">
+            <a:schemeClr val="accent1"/>
+          </a:effectRef>
+          <a:fontRef idx="minor">
+            <a:schemeClr val="lt1"/>
+          </a:fontRef>
+        </p:style>
+        <p:txBody>
+          <a:bodyPr rtlCol="0" anchor="ctr"/>
+          <a:lstStyle/>
+          <a:p>
+            <a:pPr algn="ctr"/>
+            <a:endParaRPr lang="en-US">
+              <a:solidFill>
+                <a:prstClr val="white"/>
+              </a:solidFill>
+              <a:latin typeface="Calibri" panose="020F0502020204030204"/>
+            </a:endParaRPr>
+          </a:p>
+        </p:txBody>
+      </p:sp>
+      <p:sp>
+        <p:nvSpPr>
+          <p:cNvPr id="3" name="スライド番号プレースホルダー 2">
+            <a:extLst>
+              <a:ext uri="{FF2B5EF4-FFF2-40B4-BE49-F238E27FC236}">
+                <a16:creationId xmlns:a16="http://schemas.microsoft.com/office/drawing/2014/main" id="{5255C5CD-1B13-9045-85C4-ECF295814D00}"/>
+              </a:ext>
+            </a:extLst>
+          </p:cNvPr>
+          <p:cNvSpPr>
+            <a:spLocks noGrp="1"/>
+          </p:cNvSpPr>
+          <p:nvPr>
+            <p:ph type="sldNum" sz="quarter" idx="12"/>
+          </p:nvPr>
+        </p:nvSpPr>
+        <p:spPr/>
+        <p:txBody>
+          <a:bodyPr/>
+          <a:lstStyle/>
+          <a:p>
+            <a:fld id="{2F7CED91-9D1D-2E49-97C4-8C5886486047}" type="slidenum">
+              <a:rPr kumimoji="1" lang="ja-JP" altLang="en-US" smtClean="0"/>
+              <a:t>13</a:t>
+            </a:fld>
+            <a:endParaRPr kumimoji="1" lang="ja-JP" altLang="en-US"/>
+          </a:p>
+        </p:txBody>
+      </p:sp>
+    </p:spTree>
+    <p:extLst>
+      <p:ext uri="{BB962C8B-B14F-4D97-AF65-F5344CB8AC3E}">
+        <p14:creationId xmlns:p14="http://schemas.microsoft.com/office/powerpoint/2010/main" val="2911624868"/>
+      </p:ext>
+    </p:extLst>
+  </p:cSld>
+  <p:clrMapOvr>
+    <a:masterClrMapping/>
+  </p:clrMapOvr>
+</p:sld>
+</file>
+
+<file path=ppt/slides/slide14.xml><?xml version="1.0" encoding="utf-8"?>
+<p:sld xmlns:a="http://schemas.openxmlformats.org/drawingml/2006/main" xmlns:r="http://schemas.openxmlformats.org/officeDocument/2006/relationships" xmlns:p="http://schemas.openxmlformats.org/presentationml/2006/main">
+  <p:cSld>
+    <p:bg>
+      <p:bgPr>
+        <a:solidFill>
+          <a:schemeClr val="bg1"/>
+        </a:solidFill>
+        <a:effectLst/>
+      </p:bgPr>
+    </p:bg>
+    <p:spTree>
+      <p:nvGrpSpPr>
+        <p:cNvPr id="1" name=""/>
+        <p:cNvGrpSpPr/>
+        <p:nvPr/>
+      </p:nvGrpSpPr>
+      <p:grpSpPr>
+        <a:xfrm>
+          <a:off x="0" y="0"/>
+          <a:ext cx="0" cy="0"/>
+          <a:chOff x="0" y="0"/>
+          <a:chExt cx="0" cy="0"/>
+        </a:xfrm>
+      </p:grpSpPr>
+      <p:sp useBgFill="1">
+        <p:nvSpPr>
+          <p:cNvPr id="8" name="Rectangle 7">
+            <a:extLst>
+              <a:ext uri="{FF2B5EF4-FFF2-40B4-BE49-F238E27FC236}">
+                <a16:creationId xmlns:a16="http://schemas.microsoft.com/office/drawing/2014/main" id="{DAF1966E-FD40-4A4A-B61B-C4DF7FA05F06}"/>
+              </a:ext>
+              <a:ext uri="{C183D7F6-B498-43B3-948B-1728B52AA6E4}">
+                <adec:decorative xmlns:adec="http://schemas.microsoft.com/office/drawing/2017/decorative" val="1"/>
+              </a:ext>
+            </a:extLst>
+          </p:cNvPr>
+          <p:cNvSpPr>
+            <a:spLocks noGrp="1" noRot="1" noChangeAspect="1" noMove="1" noResize="1" noEditPoints="1" noAdjustHandles="1" noChangeArrowheads="1" noChangeShapeType="1" noTextEdit="1"/>
+          </p:cNvSpPr>
+          <p:nvPr>
+            <p:extLst>
+              <p:ext uri="{386F3935-93C4-4BCD-93E2-E3B085C9AB24}">
+                <p16:designElem xmlns:p16="http://schemas.microsoft.com/office/powerpoint/2015/main" val="1"/>
+              </p:ext>
+            </p:extLst>
+          </p:nvPr>
+        </p:nvSpPr>
+        <p:spPr>
+          <a:xfrm>
+            <a:off x="0" y="0"/>
+            <a:ext cx="12192000" cy="6858000"/>
+          </a:xfrm>
+          <a:prstGeom prst="rect">
+            <a:avLst/>
+          </a:prstGeom>
+          <a:ln>
+            <a:noFill/>
+          </a:ln>
+        </p:spPr>
+        <p:style>
+          <a:lnRef idx="2">
+            <a:schemeClr val="accent1">
+              <a:shade val="50000"/>
+            </a:schemeClr>
+          </a:lnRef>
+          <a:fillRef idx="1">
+            <a:schemeClr val="accent1"/>
+          </a:fillRef>
+          <a:effectRef idx="0">
+            <a:schemeClr val="accent1"/>
+          </a:effectRef>
+          <a:fontRef idx="minor">
+            <a:schemeClr val="lt1"/>
+          </a:fontRef>
+        </p:style>
+        <p:txBody>
+          <a:bodyPr rtlCol="0" anchor="ctr"/>
+          <a:lstStyle/>
+          <a:p>
+            <a:pPr algn="ctr"/>
+            <a:endParaRPr lang="en-US"/>
+          </a:p>
+        </p:txBody>
+      </p:sp>
+      <p:sp useBgFill="1">
+        <p:nvSpPr>
+          <p:cNvPr id="10" name="Rectangle 9">
+            <a:extLst>
+              <a:ext uri="{FF2B5EF4-FFF2-40B4-BE49-F238E27FC236}">
+                <a16:creationId xmlns:a16="http://schemas.microsoft.com/office/drawing/2014/main" id="{047BFA19-D45E-416B-A404-7AF2F3F27017}"/>
+              </a:ext>
+              <a:ext uri="{C183D7F6-B498-43B3-948B-1728B52AA6E4}">
+                <adec:decorative xmlns:adec="http://schemas.microsoft.com/office/drawing/2017/decorative" val="1"/>
+              </a:ext>
+            </a:extLst>
+          </p:cNvPr>
+          <p:cNvSpPr>
+            <a:spLocks noGrp="1" noRot="1" noChangeAspect="1" noMove="1" noResize="1" noEditPoints="1" noAdjustHandles="1" noChangeArrowheads="1" noChangeShapeType="1" noTextEdit="1"/>
+          </p:cNvSpPr>
+          <p:nvPr>
+            <p:extLst>
+              <p:ext uri="{386F3935-93C4-4BCD-93E2-E3B085C9AB24}">
+                <p16:designElem xmlns:p16="http://schemas.microsoft.com/office/powerpoint/2015/main" val="1"/>
+              </p:ext>
+            </p:extLst>
+          </p:nvPr>
+        </p:nvSpPr>
+        <p:spPr>
+          <a:xfrm>
+            <a:off x="558209" y="0"/>
+            <a:ext cx="11167447" cy="2018806"/>
+          </a:xfrm>
+          <a:prstGeom prst="rect">
+            <a:avLst/>
+          </a:prstGeom>
+          <a:ln w="9525">
+            <a:solidFill>
+              <a:srgbClr val="E1E1E1"/>
+            </a:solidFill>
+          </a:ln>
+          <a:effectLst>
+            <a:outerShdw blurRad="50800" dist="38100" dir="2700000" algn="tl" rotWithShape="0">
+              <a:schemeClr val="bg1">
+                <a:lumMod val="85000"/>
+                <a:alpha val="50000"/>
+              </a:schemeClr>
+            </a:outerShdw>
+          </a:effectLst>
+        </p:spPr>
+        <p:style>
+          <a:lnRef idx="2">
+            <a:schemeClr val="accent1">
+              <a:shade val="50000"/>
+            </a:schemeClr>
+          </a:lnRef>
+          <a:fillRef idx="1">
+            <a:schemeClr val="accent1"/>
+          </a:fillRef>
+          <a:effectRef idx="0">
+            <a:schemeClr val="accent1"/>
+          </a:effectRef>
+          <a:fontRef idx="minor">
+            <a:schemeClr val="lt1"/>
+          </a:fontRef>
+        </p:style>
+        <p:txBody>
+          <a:bodyPr rtlCol="0" anchor="ctr"/>
+          <a:lstStyle/>
+          <a:p>
+            <a:pPr marL="0" marR="0" lvl="0" indent="0" algn="ctr" defTabSz="914400" rtl="0" eaLnBrk="1" fontAlgn="auto" latinLnBrk="0" hangingPunct="1">
+              <a:lnSpc>
+                <a:spcPct val="100000"/>
+              </a:lnSpc>
+              <a:spcBef>
+                <a:spcPts val="0"/>
+              </a:spcBef>
+              <a:spcAft>
+                <a:spcPts val="0"/>
+              </a:spcAft>
+              <a:buClrTx/>
+              <a:buSzTx/>
+              <a:buFontTx/>
+              <a:buNone/>
+              <a:tabLst/>
+              <a:defRPr/>
+            </a:pPr>
+            <a:endParaRPr kumimoji="0" lang="en-US" sz="1800" b="0" i="0" u="none" strike="noStrike" kern="1200" cap="none" spc="0" normalizeH="0" baseline="0" noProof="0">
+              <a:ln>
+                <a:noFill/>
+              </a:ln>
+              <a:solidFill>
+                <a:prstClr val="white"/>
+              </a:solidFill>
+              <a:effectLst/>
+              <a:uLnTx/>
+              <a:uFillTx/>
+              <a:latin typeface="Calibri" panose="020F0502020204030204"/>
+              <a:ea typeface="+mn-ea"/>
+              <a:cs typeface="+mn-cs"/>
+            </a:endParaRPr>
+          </a:p>
+        </p:txBody>
+      </p:sp>
+      <p:sp useBgFill="1">
+        <p:nvSpPr>
+          <p:cNvPr id="12" name="Rectangle 11">
+            <a:extLst>
+              <a:ext uri="{FF2B5EF4-FFF2-40B4-BE49-F238E27FC236}">
+                <a16:creationId xmlns:a16="http://schemas.microsoft.com/office/drawing/2014/main" id="{8E0105E7-23DB-4CF2-8258-FF47C7620F6E}"/>
+              </a:ext>
+              <a:ext uri="{C183D7F6-B498-43B3-948B-1728B52AA6E4}">
+                <adec:decorative xmlns:adec="http://schemas.microsoft.com/office/drawing/2017/decorative" val="1"/>
+              </a:ext>
+            </a:extLst>
+          </p:cNvPr>
+          <p:cNvSpPr>
+            <a:spLocks noGrp="1" noRot="1" noChangeAspect="1" noMove="1" noResize="1" noEditPoints="1" noAdjustHandles="1" noChangeArrowheads="1" noChangeShapeType="1" noTextEdit="1"/>
+          </p:cNvSpPr>
+          <p:nvPr>
+            <p:extLst>
+              <p:ext uri="{386F3935-93C4-4BCD-93E2-E3B085C9AB24}">
+                <p16:designElem xmlns:p16="http://schemas.microsoft.com/office/powerpoint/2015/main" val="1"/>
+              </p:ext>
+            </p:extLst>
+          </p:nvPr>
+        </p:nvSpPr>
+        <p:spPr>
+          <a:xfrm>
+            <a:off x="566928" y="0"/>
+            <a:ext cx="11155680" cy="2011680"/>
+          </a:xfrm>
+          <a:prstGeom prst="rect">
+            <a:avLst/>
+          </a:prstGeom>
+          <a:ln w="9525">
+            <a:noFill/>
+          </a:ln>
+          <a:effectLst/>
+        </p:spPr>
+        <p:style>
+          <a:lnRef idx="2">
+            <a:schemeClr val="accent1">
+              <a:shade val="50000"/>
+            </a:schemeClr>
+          </a:lnRef>
+          <a:fillRef idx="1">
+            <a:schemeClr val="accent1"/>
+          </a:fillRef>
+          <a:effectRef idx="0">
+            <a:schemeClr val="accent1"/>
+          </a:effectRef>
+          <a:fontRef idx="minor">
+            <a:schemeClr val="lt1"/>
+          </a:fontRef>
+        </p:style>
+        <p:txBody>
+          <a:bodyPr rtlCol="0" anchor="ctr"/>
+          <a:lstStyle/>
+          <a:p>
+            <a:pPr marL="0" marR="0" lvl="0" indent="0" algn="ctr" defTabSz="914400" rtl="0" eaLnBrk="1" fontAlgn="auto" latinLnBrk="0" hangingPunct="1">
+              <a:lnSpc>
+                <a:spcPct val="100000"/>
+              </a:lnSpc>
+              <a:spcBef>
+                <a:spcPts val="0"/>
+              </a:spcBef>
+              <a:spcAft>
+                <a:spcPts val="0"/>
+              </a:spcAft>
+              <a:buClrTx/>
+              <a:buSzTx/>
+              <a:buFontTx/>
+              <a:buNone/>
+              <a:tabLst/>
+              <a:defRPr/>
+            </a:pPr>
+            <a:endParaRPr kumimoji="0" lang="en-US" sz="1800" b="0" i="0" u="none" strike="noStrike" kern="1200" cap="none" spc="0" normalizeH="0" baseline="0" noProof="0">
+              <a:ln>
+                <a:noFill/>
+              </a:ln>
+              <a:solidFill>
+                <a:prstClr val="white"/>
+              </a:solidFill>
+              <a:effectLst/>
+              <a:uLnTx/>
+              <a:uFillTx/>
+              <a:latin typeface="Calibri" panose="020F0502020204030204"/>
+              <a:ea typeface="+mn-ea"/>
+              <a:cs typeface="+mn-cs"/>
+            </a:endParaRPr>
+          </a:p>
+        </p:txBody>
+      </p:sp>
+      <p:sp>
+        <p:nvSpPr>
+          <p:cNvPr id="2" name="タイトル 1">
+            <a:extLst>
+              <a:ext uri="{FF2B5EF4-FFF2-40B4-BE49-F238E27FC236}">
+                <a16:creationId xmlns:a16="http://schemas.microsoft.com/office/drawing/2014/main" id="{FEC153AF-463D-5A46-A5FE-B56196E53201}"/>
+              </a:ext>
+            </a:extLst>
+          </p:cNvPr>
+          <p:cNvSpPr>
+            <a:spLocks noGrp="1"/>
+          </p:cNvSpPr>
+          <p:nvPr>
+            <p:ph type="title"/>
+          </p:nvPr>
+        </p:nvSpPr>
+        <p:spPr>
+          <a:xfrm>
+            <a:off x="1115568" y="548640"/>
+            <a:ext cx="10168128" cy="1179576"/>
+          </a:xfrm>
+        </p:spPr>
+        <p:txBody>
+          <a:bodyPr>
+            <a:normAutofit/>
+          </a:bodyPr>
+          <a:lstStyle/>
+          <a:p>
+            <a:r>
               <a:rPr lang="ja-JP" altLang="en-US" sz="4000" b="1">
                 <a:latin typeface="Meiryo" panose="020B0604030504040204" pitchFamily="34" charset="-128"/>
                 <a:ea typeface="Meiryo" panose="020B0604030504040204" pitchFamily="34" charset="-128"/>
@@ -15002,7 +16456,7 @@
           <a:p>
             <a:fld id="{2F7CED91-9D1D-2E49-97C4-8C5886486047}" type="slidenum">
               <a:rPr kumimoji="1" lang="ja-JP" altLang="en-US" smtClean="0"/>
-              <a:t>13</a:t>
+              <a:t>14</a:t>
             </a:fld>
             <a:endParaRPr kumimoji="1" lang="ja-JP" altLang="en-US"/>
           </a:p>
@@ -16137,7 +17591,7 @@
                 <a:latin typeface="Meiryo" panose="020B0604030504040204" pitchFamily="34" charset="-128"/>
                 <a:ea typeface="Meiryo" panose="020B0604030504040204" pitchFamily="34" charset="-128"/>
               </a:rPr>
-              <a:t>ネットワークの設定ミスがあった際にどこで間違えたかわからない</a:t>
+              <a:t>ネットワークの設定ミスがあった際にすぐに前の状態に戻せるようにしたい</a:t>
             </a:r>
             <a:endParaRPr lang="en-US" altLang="ja-JP" sz="2000" dirty="0">
               <a:ln w="0"/>
@@ -16282,7 +17736,7 @@
                 <a:latin typeface="Meiryo" panose="020B0604030504040204" pitchFamily="34" charset="-128"/>
                 <a:ea typeface="Meiryo" panose="020B0604030504040204" pitchFamily="34" charset="-128"/>
               </a:rPr>
-              <a:t>　　→</a:t>
+              <a:t>　→</a:t>
             </a:r>
             <a:r>
               <a:rPr lang="en-US" altLang="ja-JP" sz="2000" dirty="0">
@@ -16290,7 +17744,7 @@
                 <a:latin typeface="Meiryo" panose="020B0604030504040204" pitchFamily="34" charset="-128"/>
                 <a:ea typeface="Meiryo" panose="020B0604030504040204" pitchFamily="34" charset="-128"/>
               </a:rPr>
-              <a:t> CCNA</a:t>
+              <a:t> </a:t>
             </a:r>
             <a:r>
               <a:rPr lang="ja-JP" altLang="en-US" sz="2000">
@@ -16298,7 +17752,7 @@
                 <a:latin typeface="Meiryo" panose="020B0604030504040204" pitchFamily="34" charset="-128"/>
                 <a:ea typeface="Meiryo" panose="020B0604030504040204" pitchFamily="34" charset="-128"/>
               </a:rPr>
-              <a:t>といった資格を取得したい初学者向け</a:t>
+              <a:t>ネットワークの研究を行う前の前提知識の学習等</a:t>
             </a:r>
           </a:p>
           <a:p>
@@ -16358,140 +17812,297 @@
   <p:clrMapOvr>
     <a:masterClrMapping/>
   </p:clrMapOvr>
+  <p:timing>
+    <p:tnLst>
+      <p:par>
+        <p:cTn id="1" dur="indefinite" restart="never" nodeType="tmRoot">
+          <p:childTnLst>
+            <p:seq concurrent="1" nextAc="seek">
+              <p:cTn id="2" dur="indefinite" nodeType="mainSeq">
+                <p:childTnLst>
+                  <p:par>
+                    <p:cTn id="3" fill="hold">
+                      <p:stCondLst>
+                        <p:cond delay="indefinite"/>
+                      </p:stCondLst>
+                      <p:childTnLst>
+                        <p:par>
+                          <p:cTn id="4" fill="hold">
+                            <p:stCondLst>
+                              <p:cond delay="0"/>
+                            </p:stCondLst>
+                            <p:childTnLst>
+                              <p:par>
+                                <p:cTn id="5" presetID="22" presetClass="entr" presetSubtype="8" fill="hold" grpId="0" nodeType="clickEffect">
+                                  <p:stCondLst>
+                                    <p:cond delay="0"/>
+                                  </p:stCondLst>
+                                  <p:childTnLst>
+                                    <p:set>
+                                      <p:cBhvr>
+                                        <p:cTn id="6" dur="1" fill="hold">
+                                          <p:stCondLst>
+                                            <p:cond delay="0"/>
+                                          </p:stCondLst>
+                                        </p:cTn>
+                                        <p:tgtEl>
+                                          <p:spTgt spid="16"/>
+                                        </p:tgtEl>
+                                        <p:attrNameLst>
+                                          <p:attrName>style.visibility</p:attrName>
+                                        </p:attrNameLst>
+                                      </p:cBhvr>
+                                      <p:to>
+                                        <p:strVal val="visible"/>
+                                      </p:to>
+                                    </p:set>
+                                    <p:animEffect transition="in" filter="wipe(left)">
+                                      <p:cBhvr>
+                                        <p:cTn id="7" dur="500"/>
+                                        <p:tgtEl>
+                                          <p:spTgt spid="16"/>
+                                        </p:tgtEl>
+                                      </p:cBhvr>
+                                    </p:animEffect>
+                                  </p:childTnLst>
+                                </p:cTn>
+                              </p:par>
+                            </p:childTnLst>
+                          </p:cTn>
+                        </p:par>
+                      </p:childTnLst>
+                    </p:cTn>
+                  </p:par>
+                  <p:par>
+                    <p:cTn id="8" fill="hold">
+                      <p:stCondLst>
+                        <p:cond delay="indefinite"/>
+                      </p:stCondLst>
+                      <p:childTnLst>
+                        <p:par>
+                          <p:cTn id="9" fill="hold">
+                            <p:stCondLst>
+                              <p:cond delay="0"/>
+                            </p:stCondLst>
+                            <p:childTnLst>
+                              <p:par>
+                                <p:cTn id="10" presetID="22" presetClass="entr" presetSubtype="8" fill="hold" grpId="0" nodeType="clickEffect">
+                                  <p:stCondLst>
+                                    <p:cond delay="0"/>
+                                  </p:stCondLst>
+                                  <p:childTnLst>
+                                    <p:set>
+                                      <p:cBhvr>
+                                        <p:cTn id="11" dur="1" fill="hold">
+                                          <p:stCondLst>
+                                            <p:cond delay="0"/>
+                                          </p:stCondLst>
+                                        </p:cTn>
+                                        <p:tgtEl>
+                                          <p:spTgt spid="17"/>
+                                        </p:tgtEl>
+                                        <p:attrNameLst>
+                                          <p:attrName>style.visibility</p:attrName>
+                                        </p:attrNameLst>
+                                      </p:cBhvr>
+                                      <p:to>
+                                        <p:strVal val="visible"/>
+                                      </p:to>
+                                    </p:set>
+                                    <p:animEffect transition="in" filter="wipe(left)">
+                                      <p:cBhvr>
+                                        <p:cTn id="12" dur="500"/>
+                                        <p:tgtEl>
+                                          <p:spTgt spid="17"/>
+                                        </p:tgtEl>
+                                      </p:cBhvr>
+                                    </p:animEffect>
+                                  </p:childTnLst>
+                                </p:cTn>
+                              </p:par>
+                            </p:childTnLst>
+                          </p:cTn>
+                        </p:par>
+                      </p:childTnLst>
+                    </p:cTn>
+                  </p:par>
+                  <p:par>
+                    <p:cTn id="13" fill="hold">
+                      <p:stCondLst>
+                        <p:cond delay="indefinite"/>
+                      </p:stCondLst>
+                      <p:childTnLst>
+                        <p:par>
+                          <p:cTn id="14" fill="hold">
+                            <p:stCondLst>
+                              <p:cond delay="0"/>
+                            </p:stCondLst>
+                            <p:childTnLst>
+                              <p:par>
+                                <p:cTn id="15" presetID="22" presetClass="entr" presetSubtype="8" fill="hold" nodeType="clickEffect">
+                                  <p:stCondLst>
+                                    <p:cond delay="0"/>
+                                  </p:stCondLst>
+                                  <p:childTnLst>
+                                    <p:set>
+                                      <p:cBhvr>
+                                        <p:cTn id="16" dur="1" fill="hold">
+                                          <p:stCondLst>
+                                            <p:cond delay="0"/>
+                                          </p:stCondLst>
+                                        </p:cTn>
+                                        <p:tgtEl>
+                                          <p:spTgt spid="18">
+                                            <p:txEl>
+                                              <p:pRg st="0" end="0"/>
+                                            </p:txEl>
+                                          </p:spTgt>
+                                        </p:tgtEl>
+                                        <p:attrNameLst>
+                                          <p:attrName>style.visibility</p:attrName>
+                                        </p:attrNameLst>
+                                      </p:cBhvr>
+                                      <p:to>
+                                        <p:strVal val="visible"/>
+                                      </p:to>
+                                    </p:set>
+                                    <p:animEffect transition="in" filter="wipe(left)">
+                                      <p:cBhvr>
+                                        <p:cTn id="17" dur="500"/>
+                                        <p:tgtEl>
+                                          <p:spTgt spid="18">
+                                            <p:txEl>
+                                              <p:pRg st="0" end="0"/>
+                                            </p:txEl>
+                                          </p:spTgt>
+                                        </p:tgtEl>
+                                      </p:cBhvr>
+                                    </p:animEffect>
+                                  </p:childTnLst>
+                                </p:cTn>
+                              </p:par>
+                              <p:par>
+                                <p:cTn id="18" presetID="22" presetClass="entr" presetSubtype="8" fill="hold" nodeType="withEffect">
+                                  <p:stCondLst>
+                                    <p:cond delay="0"/>
+                                  </p:stCondLst>
+                                  <p:childTnLst>
+                                    <p:set>
+                                      <p:cBhvr>
+                                        <p:cTn id="19" dur="1" fill="hold">
+                                          <p:stCondLst>
+                                            <p:cond delay="0"/>
+                                          </p:stCondLst>
+                                        </p:cTn>
+                                        <p:tgtEl>
+                                          <p:spTgt spid="18">
+                                            <p:txEl>
+                                              <p:pRg st="1" end="1"/>
+                                            </p:txEl>
+                                          </p:spTgt>
+                                        </p:tgtEl>
+                                        <p:attrNameLst>
+                                          <p:attrName>style.visibility</p:attrName>
+                                        </p:attrNameLst>
+                                      </p:cBhvr>
+                                      <p:to>
+                                        <p:strVal val="visible"/>
+                                      </p:to>
+                                    </p:set>
+                                    <p:animEffect transition="in" filter="wipe(left)">
+                                      <p:cBhvr>
+                                        <p:cTn id="20" dur="500"/>
+                                        <p:tgtEl>
+                                          <p:spTgt spid="18">
+                                            <p:txEl>
+                                              <p:pRg st="1" end="1"/>
+                                            </p:txEl>
+                                          </p:spTgt>
+                                        </p:tgtEl>
+                                      </p:cBhvr>
+                                    </p:animEffect>
+                                  </p:childTnLst>
+                                </p:cTn>
+                              </p:par>
+                              <p:par>
+                                <p:cTn id="21" presetID="22" presetClass="entr" presetSubtype="8" fill="hold" nodeType="withEffect">
+                                  <p:stCondLst>
+                                    <p:cond delay="0"/>
+                                  </p:stCondLst>
+                                  <p:childTnLst>
+                                    <p:set>
+                                      <p:cBhvr>
+                                        <p:cTn id="22" dur="1" fill="hold">
+                                          <p:stCondLst>
+                                            <p:cond delay="0"/>
+                                          </p:stCondLst>
+                                        </p:cTn>
+                                        <p:tgtEl>
+                                          <p:spTgt spid="18">
+                                            <p:txEl>
+                                              <p:pRg st="2" end="2"/>
+                                            </p:txEl>
+                                          </p:spTgt>
+                                        </p:tgtEl>
+                                        <p:attrNameLst>
+                                          <p:attrName>style.visibility</p:attrName>
+                                        </p:attrNameLst>
+                                      </p:cBhvr>
+                                      <p:to>
+                                        <p:strVal val="visible"/>
+                                      </p:to>
+                                    </p:set>
+                                    <p:animEffect transition="in" filter="wipe(left)">
+                                      <p:cBhvr>
+                                        <p:cTn id="23" dur="500"/>
+                                        <p:tgtEl>
+                                          <p:spTgt spid="18">
+                                            <p:txEl>
+                                              <p:pRg st="2" end="2"/>
+                                            </p:txEl>
+                                          </p:spTgt>
+                                        </p:tgtEl>
+                                      </p:cBhvr>
+                                    </p:animEffect>
+                                  </p:childTnLst>
+                                </p:cTn>
+                              </p:par>
+                            </p:childTnLst>
+                          </p:cTn>
+                        </p:par>
+                      </p:childTnLst>
+                    </p:cTn>
+                  </p:par>
+                </p:childTnLst>
+              </p:cTn>
+              <p:prevCondLst>
+                <p:cond evt="onPrev" delay="0">
+                  <p:tgtEl>
+                    <p:sldTgt/>
+                  </p:tgtEl>
+                </p:cond>
+              </p:prevCondLst>
+              <p:nextCondLst>
+                <p:cond evt="onNext" delay="0">
+                  <p:tgtEl>
+                    <p:sldTgt/>
+                  </p:tgtEl>
+                </p:cond>
+              </p:nextCondLst>
+            </p:seq>
+          </p:childTnLst>
+        </p:cTn>
+      </p:par>
+    </p:tnLst>
+    <p:bldLst>
+      <p:bldP spid="16" grpId="0"/>
+      <p:bldP spid="17" grpId="0"/>
+    </p:bldLst>
+  </p:timing>
 </p:sld>
 </file>
 
 <file path=ppt/slides/slide3.xml><?xml version="1.0" encoding="utf-8"?>
-<p:sld xmlns:a="http://schemas.openxmlformats.org/drawingml/2006/main" xmlns:r="http://schemas.openxmlformats.org/officeDocument/2006/relationships" xmlns:p="http://schemas.openxmlformats.org/presentationml/2006/main">
-  <p:cSld>
-    <p:spTree>
-      <p:nvGrpSpPr>
-        <p:cNvPr id="1" name=""/>
-        <p:cNvGrpSpPr/>
-        <p:nvPr/>
-      </p:nvGrpSpPr>
-      <p:grpSpPr>
-        <a:xfrm>
-          <a:off x="0" y="0"/>
-          <a:ext cx="0" cy="0"/>
-          <a:chOff x="0" y="0"/>
-          <a:chExt cx="0" cy="0"/>
-        </a:xfrm>
-      </p:grpSpPr>
-      <p:sp>
-        <p:nvSpPr>
-          <p:cNvPr id="2" name="タイトル 1">
-            <a:extLst>
-              <a:ext uri="{FF2B5EF4-FFF2-40B4-BE49-F238E27FC236}">
-                <a16:creationId xmlns:a16="http://schemas.microsoft.com/office/drawing/2014/main" id="{FEC153AF-463D-5A46-A5FE-B56196E53201}"/>
-              </a:ext>
-            </a:extLst>
-          </p:cNvPr>
-          <p:cNvSpPr>
-            <a:spLocks noGrp="1"/>
-          </p:cNvSpPr>
-          <p:nvPr>
-            <p:ph type="title"/>
-          </p:nvPr>
-        </p:nvSpPr>
-        <p:spPr>
-          <a:xfrm>
-            <a:off x="0" y="18255"/>
-            <a:ext cx="10515600" cy="1325563"/>
-          </a:xfrm>
-        </p:spPr>
-        <p:txBody>
-          <a:bodyPr>
-            <a:normAutofit/>
-          </a:bodyPr>
-          <a:lstStyle/>
-          <a:p>
-            <a:r>
-              <a:rPr lang="ja-JP" altLang="en-US" sz="4000" b="1">
-                <a:latin typeface="Meiryo" panose="020B0604030504040204" pitchFamily="34" charset="-128"/>
-                <a:ea typeface="Meiryo" panose="020B0604030504040204" pitchFamily="34" charset="-128"/>
-              </a:rPr>
-              <a:t>システムの構成図</a:t>
-            </a:r>
-            <a:endParaRPr kumimoji="1" lang="ja-JP" altLang="en-US" sz="4000" b="1">
-              <a:latin typeface="Meiryo" panose="020B0604030504040204" pitchFamily="34" charset="-128"/>
-              <a:ea typeface="Meiryo" panose="020B0604030504040204" pitchFamily="34" charset="-128"/>
-            </a:endParaRPr>
-          </a:p>
-        </p:txBody>
-      </p:sp>
-      <p:pic>
-        <p:nvPicPr>
-          <p:cNvPr id="15" name="コンテンツ プレースホルダー 14" descr="ダイアグラム&#10;&#10;自動的に生成された説明">
-            <a:extLst>
-              <a:ext uri="{FF2B5EF4-FFF2-40B4-BE49-F238E27FC236}">
-                <a16:creationId xmlns:a16="http://schemas.microsoft.com/office/drawing/2014/main" id="{ABB1D625-8B69-854E-A56A-A94E3315FB40}"/>
-              </a:ext>
-            </a:extLst>
-          </p:cNvPr>
-          <p:cNvPicPr>
-            <a:picLocks noGrp="1" noChangeAspect="1"/>
-          </p:cNvPicPr>
-          <p:nvPr>
-            <p:ph idx="1"/>
-          </p:nvPr>
-        </p:nvPicPr>
-        <p:blipFill>
-          <a:blip r:embed="rId3"/>
-          <a:stretch>
-            <a:fillRect/>
-          </a:stretch>
-        </p:blipFill>
-        <p:spPr>
-          <a:xfrm>
-            <a:off x="1093076" y="1121294"/>
-            <a:ext cx="9669517" cy="5226953"/>
-          </a:xfrm>
-        </p:spPr>
-      </p:pic>
-      <p:sp>
-        <p:nvSpPr>
-          <p:cNvPr id="3" name="スライド番号プレースホルダー 2">
-            <a:extLst>
-              <a:ext uri="{FF2B5EF4-FFF2-40B4-BE49-F238E27FC236}">
-                <a16:creationId xmlns:a16="http://schemas.microsoft.com/office/drawing/2014/main" id="{9AF8792E-F3BF-4948-A78E-BBAFE5D7BDCD}"/>
-              </a:ext>
-            </a:extLst>
-          </p:cNvPr>
-          <p:cNvSpPr>
-            <a:spLocks noGrp="1"/>
-          </p:cNvSpPr>
-          <p:nvPr>
-            <p:ph type="sldNum" sz="quarter" idx="12"/>
-          </p:nvPr>
-        </p:nvSpPr>
-        <p:spPr/>
-        <p:txBody>
-          <a:bodyPr/>
-          <a:lstStyle/>
-          <a:p>
-            <a:fld id="{2F7CED91-9D1D-2E49-97C4-8C5886486047}" type="slidenum">
-              <a:rPr kumimoji="1" lang="ja-JP" altLang="en-US" smtClean="0"/>
-              <a:t>3</a:t>
-            </a:fld>
-            <a:endParaRPr kumimoji="1" lang="ja-JP" altLang="en-US"/>
-          </a:p>
-        </p:txBody>
-      </p:sp>
-    </p:spTree>
-    <p:extLst>
-      <p:ext uri="{BB962C8B-B14F-4D97-AF65-F5344CB8AC3E}">
-        <p14:creationId xmlns:p14="http://schemas.microsoft.com/office/powerpoint/2010/main" val="2953890412"/>
-      </p:ext>
-    </p:extLst>
-  </p:cSld>
-  <p:clrMapOvr>
-    <a:masterClrMapping/>
-  </p:clrMapOvr>
-</p:sld>
-</file>
-
-<file path=ppt/slides/slide4.xml><?xml version="1.0" encoding="utf-8"?>
 <p:sld xmlns:a="http://schemas.openxmlformats.org/drawingml/2006/main" xmlns:r="http://schemas.openxmlformats.org/officeDocument/2006/relationships" xmlns:p="http://schemas.openxmlformats.org/presentationml/2006/main">
   <p:cSld>
     <p:bg>
@@ -16518,7 +18129,7 @@
       </p:grpSpPr>
       <p:sp useBgFill="1">
         <p:nvSpPr>
-          <p:cNvPr id="8" name="Rectangle 7">
+          <p:cNvPr id="9" name="Rectangle 8">
             <a:extLst>
               <a:ext uri="{FF2B5EF4-FFF2-40B4-BE49-F238E27FC236}">
                 <a16:creationId xmlns:a16="http://schemas.microsoft.com/office/drawing/2014/main" id="{DAF1966E-FD40-4A4A-B61B-C4DF7FA05F06}"/>
@@ -16578,7 +18189,7 @@
       </p:sp>
       <p:sp useBgFill="1">
         <p:nvSpPr>
-          <p:cNvPr id="10" name="Rectangle 9">
+          <p:cNvPr id="11" name="Rectangle 10">
             <a:extLst>
               <a:ext uri="{FF2B5EF4-FFF2-40B4-BE49-F238E27FC236}">
                 <a16:creationId xmlns:a16="http://schemas.microsoft.com/office/drawing/2014/main" id="{047BFA19-D45E-416B-A404-7AF2F3F27017}"/>
@@ -16677,7 +18288,7 @@
       </p:sp>
       <p:sp useBgFill="1">
         <p:nvSpPr>
-          <p:cNvPr id="12" name="Rectangle 11">
+          <p:cNvPr id="13" name="Rectangle 12">
             <a:extLst>
               <a:ext uri="{FF2B5EF4-FFF2-40B4-BE49-F238E27FC236}">
                 <a16:creationId xmlns:a16="http://schemas.microsoft.com/office/drawing/2014/main" id="{8E0105E7-23DB-4CF2-8258-FF47C7620F6E}"/>
@@ -16798,14 +18409,14 @@
                 <a:latin typeface="Meiryo" panose="020B0604030504040204" pitchFamily="34" charset="-128"/>
                 <a:ea typeface="Meiryo" panose="020B0604030504040204" pitchFamily="34" charset="-128"/>
               </a:rPr>
-              <a:t>現在利用している技術</a:t>
+              <a:t>システムの要件</a:t>
             </a:r>
           </a:p>
         </p:txBody>
       </p:sp>
       <p:sp>
         <p:nvSpPr>
-          <p:cNvPr id="14" name="Rectangle 13">
+          <p:cNvPr id="15" name="Rectangle 14">
             <a:extLst>
               <a:ext uri="{FF2B5EF4-FFF2-40B4-BE49-F238E27FC236}">
                 <a16:creationId xmlns:a16="http://schemas.microsoft.com/office/drawing/2014/main" id="{074B4F7D-14B2-478B-8BF5-01E4E0C5D263}"/>
@@ -16871,12 +18482,233 @@
           </a:p>
         </p:txBody>
       </p:sp>
+      <p:sp>
+        <p:nvSpPr>
+          <p:cNvPr id="12" name="角丸四角形 11">
+            <a:extLst>
+              <a:ext uri="{FF2B5EF4-FFF2-40B4-BE49-F238E27FC236}">
+                <a16:creationId xmlns:a16="http://schemas.microsoft.com/office/drawing/2014/main" id="{CB82FC97-D3E9-F742-9E14-7CBD13884D8B}"/>
+              </a:ext>
+            </a:extLst>
+          </p:cNvPr>
+          <p:cNvSpPr/>
+          <p:nvPr/>
+        </p:nvSpPr>
+        <p:spPr>
+          <a:xfrm>
+            <a:off x="1057868" y="1463040"/>
+            <a:ext cx="10225828" cy="5266102"/>
+          </a:xfrm>
+          <a:prstGeom prst="roundRect">
+            <a:avLst/>
+          </a:prstGeom>
+          <a:solidFill>
+            <a:schemeClr val="accent4">
+              <a:lumMod val="40000"/>
+              <a:lumOff val="60000"/>
+            </a:schemeClr>
+          </a:solidFill>
+          <a:ln w="28575"/>
+        </p:spPr>
+        <p:style>
+          <a:lnRef idx="2">
+            <a:schemeClr val="accent1">
+              <a:shade val="50000"/>
+            </a:schemeClr>
+          </a:lnRef>
+          <a:fillRef idx="1">
+            <a:schemeClr val="accent1"/>
+          </a:fillRef>
+          <a:effectRef idx="0">
+            <a:schemeClr val="accent1"/>
+          </a:effectRef>
+          <a:fontRef idx="minor">
+            <a:schemeClr val="lt1"/>
+          </a:fontRef>
+        </p:style>
+        <p:txBody>
+          <a:bodyPr rtlCol="0" anchor="ctr"/>
+          <a:lstStyle/>
+          <a:p>
+            <a:endParaRPr lang="en-US" altLang="ja-JP" dirty="0">
+              <a:latin typeface="Meiryo" panose="020B0604030504040204" pitchFamily="34" charset="-128"/>
+              <a:ea typeface="Meiryo" panose="020B0604030504040204" pitchFamily="34" charset="-128"/>
+            </a:endParaRPr>
+          </a:p>
+        </p:txBody>
+      </p:sp>
+      <p:sp>
+        <p:nvSpPr>
+          <p:cNvPr id="5" name="テキスト ボックス 4">
+            <a:extLst>
+              <a:ext uri="{FF2B5EF4-FFF2-40B4-BE49-F238E27FC236}">
+                <a16:creationId xmlns:a16="http://schemas.microsoft.com/office/drawing/2014/main" id="{8A51E5F4-221B-1447-B748-DDE23AE39787}"/>
+              </a:ext>
+            </a:extLst>
+          </p:cNvPr>
+          <p:cNvSpPr txBox="1"/>
+          <p:nvPr/>
+        </p:nvSpPr>
+        <p:spPr>
+          <a:xfrm>
+            <a:off x="4822371" y="1175657"/>
+            <a:ext cx="184731" cy="369332"/>
+          </a:xfrm>
+          <a:prstGeom prst="rect">
+            <a:avLst/>
+          </a:prstGeom>
+          <a:noFill/>
+        </p:spPr>
+        <p:txBody>
+          <a:bodyPr wrap="none" rtlCol="0">
+            <a:spAutoFit/>
+          </a:bodyPr>
+          <a:lstStyle/>
+          <a:p>
+            <a:endParaRPr kumimoji="1" lang="ja-JP" altLang="en-US"/>
+          </a:p>
+        </p:txBody>
+      </p:sp>
+      <p:sp>
+        <p:nvSpPr>
+          <p:cNvPr id="4" name="スライド番号プレースホルダー 3">
+            <a:extLst>
+              <a:ext uri="{FF2B5EF4-FFF2-40B4-BE49-F238E27FC236}">
+                <a16:creationId xmlns:a16="http://schemas.microsoft.com/office/drawing/2014/main" id="{37762FDF-E799-944C-87C2-CA182A95D072}"/>
+              </a:ext>
+            </a:extLst>
+          </p:cNvPr>
+          <p:cNvSpPr>
+            <a:spLocks noGrp="1"/>
+          </p:cNvSpPr>
+          <p:nvPr>
+            <p:ph type="sldNum" sz="quarter" idx="12"/>
+          </p:nvPr>
+        </p:nvSpPr>
+        <p:spPr/>
+        <p:txBody>
+          <a:bodyPr/>
+          <a:lstStyle/>
+          <a:p>
+            <a:fld id="{2F7CED91-9D1D-2E49-97C4-8C5886486047}" type="slidenum">
+              <a:rPr kumimoji="1" lang="ja-JP" altLang="en-US" smtClean="0"/>
+              <a:t>3</a:t>
+            </a:fld>
+            <a:endParaRPr kumimoji="1" lang="ja-JP" altLang="en-US"/>
+          </a:p>
+        </p:txBody>
+      </p:sp>
+      <p:sp>
+        <p:nvSpPr>
+          <p:cNvPr id="7" name="コンテンツ プレースホルダー 6">
+            <a:extLst>
+              <a:ext uri="{FF2B5EF4-FFF2-40B4-BE49-F238E27FC236}">
+                <a16:creationId xmlns:a16="http://schemas.microsoft.com/office/drawing/2014/main" id="{D2C9153F-EC2B-7B45-9AD7-0BF5412F343F}"/>
+              </a:ext>
+            </a:extLst>
+          </p:cNvPr>
+          <p:cNvSpPr>
+            <a:spLocks noGrp="1"/>
+          </p:cNvSpPr>
+          <p:nvPr>
+            <p:ph idx="1"/>
+          </p:nvPr>
+        </p:nvSpPr>
+        <p:spPr>
+          <a:xfrm>
+            <a:off x="1130627" y="1763850"/>
+            <a:ext cx="10176847" cy="572033"/>
+          </a:xfrm>
+        </p:spPr>
+        <p:txBody>
+          <a:bodyPr>
+            <a:normAutofit fontScale="92500" lnSpcReduction="20000"/>
+          </a:bodyPr>
+          <a:lstStyle/>
+          <a:p>
+            <a:pPr marL="0" indent="0">
+              <a:buNone/>
+            </a:pPr>
+            <a:r>
+              <a:rPr lang="ja-JP" altLang="en-US" sz="2200">
+                <a:latin typeface="Meiryo" panose="020B0604030504040204" pitchFamily="34" charset="-128"/>
+                <a:ea typeface="Meiryo" panose="020B0604030504040204" pitchFamily="34" charset="-128"/>
+              </a:rPr>
+              <a:t>・</a:t>
+            </a:r>
+            <a:r>
+              <a:rPr lang="en-US" altLang="ja-JP" sz="2200" dirty="0">
+                <a:latin typeface="Meiryo" panose="020B0604030504040204" pitchFamily="34" charset="-128"/>
+                <a:ea typeface="Meiryo" panose="020B0604030504040204" pitchFamily="34" charset="-128"/>
+              </a:rPr>
+              <a:t>VM</a:t>
+            </a:r>
+            <a:r>
+              <a:rPr lang="ja-JP" altLang="en-US" sz="2200">
+                <a:latin typeface="Meiryo" panose="020B0604030504040204" pitchFamily="34" charset="-128"/>
+                <a:ea typeface="Meiryo" panose="020B0604030504040204" pitchFamily="34" charset="-128"/>
+              </a:rPr>
+              <a:t>の起動</a:t>
+            </a:r>
+            <a:r>
+              <a:rPr lang="en-US" altLang="ja-JP" sz="2200" dirty="0">
+                <a:latin typeface="Meiryo" panose="020B0604030504040204" pitchFamily="34" charset="-128"/>
+                <a:ea typeface="Meiryo" panose="020B0604030504040204" pitchFamily="34" charset="-128"/>
+              </a:rPr>
+              <a:t>, </a:t>
+            </a:r>
+            <a:r>
+              <a:rPr lang="ja-JP" altLang="en-US" sz="2200">
+                <a:latin typeface="Meiryo" panose="020B0604030504040204" pitchFamily="34" charset="-128"/>
+                <a:ea typeface="Meiryo" panose="020B0604030504040204" pitchFamily="34" charset="-128"/>
+              </a:rPr>
+              <a:t>インタフェースの設定</a:t>
+            </a:r>
+            <a:r>
+              <a:rPr lang="en-US" altLang="ja-JP" sz="2200" dirty="0">
+                <a:latin typeface="Meiryo" panose="020B0604030504040204" pitchFamily="34" charset="-128"/>
+                <a:ea typeface="Meiryo" panose="020B0604030504040204" pitchFamily="34" charset="-128"/>
+              </a:rPr>
+              <a:t>, </a:t>
+            </a:r>
+            <a:r>
+              <a:rPr lang="ja-JP" altLang="en-US" sz="2200">
+                <a:latin typeface="Meiryo" panose="020B0604030504040204" pitchFamily="34" charset="-128"/>
+                <a:ea typeface="Meiryo" panose="020B0604030504040204" pitchFamily="34" charset="-128"/>
+              </a:rPr>
+              <a:t>必要なソフトウェアの設定といったネットワークの構築に必要な手順を数コマンドで行うことができる</a:t>
+            </a:r>
+            <a:endParaRPr lang="en-US" altLang="ja-JP" sz="2200" dirty="0">
+              <a:latin typeface="Meiryo" panose="020B0604030504040204" pitchFamily="34" charset="-128"/>
+              <a:ea typeface="Meiryo" panose="020B0604030504040204" pitchFamily="34" charset="-128"/>
+            </a:endParaRPr>
+          </a:p>
+          <a:p>
+            <a:pPr marL="0" indent="0">
+              <a:buNone/>
+            </a:pPr>
+            <a:endParaRPr lang="en-US" altLang="ja-JP" sz="2000" dirty="0">
+              <a:latin typeface="Meiryo" panose="020B0604030504040204" pitchFamily="34" charset="-128"/>
+              <a:ea typeface="Meiryo" panose="020B0604030504040204" pitchFamily="34" charset="-128"/>
+            </a:endParaRPr>
+          </a:p>
+          <a:p>
+            <a:pPr marL="0" indent="0">
+              <a:buNone/>
+            </a:pPr>
+            <a:endParaRPr lang="en-US" altLang="ja-JP" sz="2000" dirty="0">
+              <a:latin typeface="Meiryo" panose="020B0604030504040204" pitchFamily="34" charset="-128"/>
+              <a:ea typeface="Meiryo" panose="020B0604030504040204" pitchFamily="34" charset="-128"/>
+            </a:endParaRPr>
+          </a:p>
+        </p:txBody>
+      </p:sp>
       <p:pic>
         <p:nvPicPr>
-          <p:cNvPr id="7" name="図 6" descr="ロゴ, 会社名&#10;&#10;自動的に生成された説明">
+          <p:cNvPr id="19" name="図 18" descr="アイコン が含まれている画像&#10;&#10;自動的に生成された説明">
             <a:extLst>
               <a:ext uri="{FF2B5EF4-FFF2-40B4-BE49-F238E27FC236}">
-                <a16:creationId xmlns:a16="http://schemas.microsoft.com/office/drawing/2014/main" id="{FA06BDD1-85B1-0246-B299-47EB35F52CA3}"/>
+                <a16:creationId xmlns:a16="http://schemas.microsoft.com/office/drawing/2014/main" id="{DB79A71F-06EC-9E49-8291-BD80D5D62311}"/>
               </a:ext>
             </a:extLst>
           </p:cNvPr>
@@ -16893,8 +18725,8 @@
         </p:blipFill>
         <p:spPr>
           <a:xfrm>
-            <a:off x="9502677" y="5039563"/>
-            <a:ext cx="1643926" cy="1498590"/>
+            <a:off x="6535247" y="4214308"/>
+            <a:ext cx="1138737" cy="1046998"/>
           </a:xfrm>
           <a:prstGeom prst="rect">
             <a:avLst/>
@@ -16903,10 +18735,40 @@
       </p:pic>
       <p:pic>
         <p:nvPicPr>
-          <p:cNvPr id="11" name="図 10" descr="Web サイト が含まれている画像&#10;&#10;自動的に生成された説明">
+          <p:cNvPr id="20" name="図 19" descr="アイコン が含まれている画像&#10;&#10;自動的に生成された説明">
             <a:extLst>
               <a:ext uri="{FF2B5EF4-FFF2-40B4-BE49-F238E27FC236}">
-                <a16:creationId xmlns:a16="http://schemas.microsoft.com/office/drawing/2014/main" id="{DA7AC77C-5A05-1749-A26A-16A582C4BFBC}"/>
+                <a16:creationId xmlns:a16="http://schemas.microsoft.com/office/drawing/2014/main" id="{BFCA667C-C174-C142-92F7-424501EFA671}"/>
+              </a:ext>
+            </a:extLst>
+          </p:cNvPr>
+          <p:cNvPicPr>
+            <a:picLocks noChangeAspect="1"/>
+          </p:cNvPicPr>
+          <p:nvPr/>
+        </p:nvPicPr>
+        <p:blipFill>
+          <a:blip r:embed="rId3"/>
+          <a:stretch>
+            <a:fillRect/>
+          </a:stretch>
+        </p:blipFill>
+        <p:spPr>
+          <a:xfrm>
+            <a:off x="6535246" y="5584327"/>
+            <a:ext cx="1138738" cy="1046999"/>
+          </a:xfrm>
+          <a:prstGeom prst="rect">
+            <a:avLst/>
+          </a:prstGeom>
+        </p:spPr>
+      </p:pic>
+      <p:pic>
+        <p:nvPicPr>
+          <p:cNvPr id="21" name="図 20" descr="ロゴ&#10;&#10;自動的に生成された説明">
+            <a:extLst>
+              <a:ext uri="{FF2B5EF4-FFF2-40B4-BE49-F238E27FC236}">
+                <a16:creationId xmlns:a16="http://schemas.microsoft.com/office/drawing/2014/main" id="{67421449-0FF3-5047-B34E-8638005A1360}"/>
               </a:ext>
             </a:extLst>
           </p:cNvPr>
@@ -16923,8 +18785,8 @@
         </p:blipFill>
         <p:spPr>
           <a:xfrm>
-            <a:off x="7859442" y="5060524"/>
-            <a:ext cx="1643926" cy="1426466"/>
+            <a:off x="6519708" y="2185106"/>
+            <a:ext cx="1172888" cy="1219175"/>
           </a:xfrm>
           <a:prstGeom prst="rect">
             <a:avLst/>
@@ -16933,10 +18795,10 @@
       </p:pic>
       <p:pic>
         <p:nvPicPr>
-          <p:cNvPr id="15" name="図 14" descr="ロゴ&#10;&#10;自動的に生成された説明">
+          <p:cNvPr id="22" name="図 21" descr="Web サイト が含まれている画像&#10;&#10;自動的に生成された説明">
             <a:extLst>
               <a:ext uri="{FF2B5EF4-FFF2-40B4-BE49-F238E27FC236}">
-                <a16:creationId xmlns:a16="http://schemas.microsoft.com/office/drawing/2014/main" id="{EBFC6405-99BE-3747-B453-DEC3EFFCF68A}"/>
+                <a16:creationId xmlns:a16="http://schemas.microsoft.com/office/drawing/2014/main" id="{1A10F2B0-50A5-F44A-88C9-CDDBD3223113}"/>
               </a:ext>
             </a:extLst>
           </p:cNvPr>
@@ -16953,20 +18815,677 @@
         </p:blipFill>
         <p:spPr>
           <a:xfrm>
-            <a:off x="2898221" y="4896140"/>
-            <a:ext cx="1641599" cy="1755234"/>
+            <a:off x="8112896" y="2185106"/>
+            <a:ext cx="1494778" cy="1243894"/>
           </a:xfrm>
           <a:prstGeom prst="rect">
             <a:avLst/>
           </a:prstGeom>
         </p:spPr>
       </p:pic>
+      <p:sp>
+        <p:nvSpPr>
+          <p:cNvPr id="3" name="テキスト ボックス 2">
+            <a:extLst>
+              <a:ext uri="{FF2B5EF4-FFF2-40B4-BE49-F238E27FC236}">
+                <a16:creationId xmlns:a16="http://schemas.microsoft.com/office/drawing/2014/main" id="{26017D89-1B93-FC4F-9508-F5AEB355C049}"/>
+              </a:ext>
+            </a:extLst>
+          </p:cNvPr>
+          <p:cNvSpPr txBox="1"/>
+          <p:nvPr/>
+        </p:nvSpPr>
+        <p:spPr>
+          <a:xfrm>
+            <a:off x="1077198" y="5080135"/>
+            <a:ext cx="9674443" cy="400110"/>
+          </a:xfrm>
+          <a:prstGeom prst="rect">
+            <a:avLst/>
+          </a:prstGeom>
+          <a:noFill/>
+        </p:spPr>
+        <p:txBody>
+          <a:bodyPr wrap="none" rtlCol="0">
+            <a:spAutoFit/>
+          </a:bodyPr>
+          <a:lstStyle/>
+          <a:p>
+            <a:r>
+              <a:rPr lang="ja-JP" altLang="en-US" sz="2000">
+                <a:latin typeface="Meiryo" panose="020B0604030504040204" pitchFamily="34" charset="-128"/>
+                <a:ea typeface="Meiryo" panose="020B0604030504040204" pitchFamily="34" charset="-128"/>
+              </a:rPr>
+              <a:t>・保存したバックアップファイルからコマンド一つで設定を復元することができる</a:t>
+            </a:r>
+            <a:endParaRPr lang="en-US" altLang="ja-JP" sz="2000" dirty="0">
+              <a:latin typeface="Meiryo" panose="020B0604030504040204" pitchFamily="34" charset="-128"/>
+              <a:ea typeface="Meiryo" panose="020B0604030504040204" pitchFamily="34" charset="-128"/>
+            </a:endParaRPr>
+          </a:p>
+        </p:txBody>
+      </p:sp>
+      <p:sp>
+        <p:nvSpPr>
+          <p:cNvPr id="6" name="右矢印 5">
+            <a:extLst>
+              <a:ext uri="{FF2B5EF4-FFF2-40B4-BE49-F238E27FC236}">
+                <a16:creationId xmlns:a16="http://schemas.microsoft.com/office/drawing/2014/main" id="{61FEE365-400F-264A-B9E0-C160059ECE9D}"/>
+              </a:ext>
+            </a:extLst>
+          </p:cNvPr>
+          <p:cNvSpPr/>
+          <p:nvPr/>
+        </p:nvSpPr>
+        <p:spPr>
+          <a:xfrm>
+            <a:off x="1550927" y="2251061"/>
+            <a:ext cx="1172888" cy="369332"/>
+          </a:xfrm>
+          <a:prstGeom prst="rightArrow">
+            <a:avLst/>
+          </a:prstGeom>
+          <a:solidFill>
+            <a:schemeClr val="accent4"/>
+          </a:solidFill>
+          <a:ln>
+            <a:noFill/>
+          </a:ln>
+        </p:spPr>
+        <p:style>
+          <a:lnRef idx="2">
+            <a:schemeClr val="accent1">
+              <a:shade val="50000"/>
+            </a:schemeClr>
+          </a:lnRef>
+          <a:fillRef idx="1">
+            <a:schemeClr val="accent1"/>
+          </a:fillRef>
+          <a:effectRef idx="0">
+            <a:schemeClr val="accent1"/>
+          </a:effectRef>
+          <a:fontRef idx="minor">
+            <a:schemeClr val="lt1"/>
+          </a:fontRef>
+        </p:style>
+        <p:txBody>
+          <a:bodyPr rtlCol="0" anchor="ctr"/>
+          <a:lstStyle/>
+          <a:p>
+            <a:pPr algn="ctr"/>
+            <a:endParaRPr kumimoji="1" lang="ja-JP" altLang="en-US"/>
+          </a:p>
+        </p:txBody>
+      </p:sp>
+      <p:sp>
+        <p:nvSpPr>
+          <p:cNvPr id="8" name="正方形/長方形 7">
+            <a:extLst>
+              <a:ext uri="{FF2B5EF4-FFF2-40B4-BE49-F238E27FC236}">
+                <a16:creationId xmlns:a16="http://schemas.microsoft.com/office/drawing/2014/main" id="{09A8E141-27F8-D141-947F-C0CDB2938E21}"/>
+              </a:ext>
+            </a:extLst>
+          </p:cNvPr>
+          <p:cNvSpPr/>
+          <p:nvPr/>
+        </p:nvSpPr>
+        <p:spPr>
+          <a:xfrm>
+            <a:off x="2565243" y="2276856"/>
+            <a:ext cx="3955955" cy="400110"/>
+          </a:xfrm>
+          <a:prstGeom prst="rect">
+            <a:avLst/>
+          </a:prstGeom>
+        </p:spPr>
+        <p:txBody>
+          <a:bodyPr wrap="none">
+            <a:spAutoFit/>
+          </a:bodyPr>
+          <a:lstStyle/>
+          <a:p>
+            <a:r>
+              <a:rPr lang="ja-JP" altLang="en-US">
+                <a:latin typeface="Meiryo" panose="020B0604030504040204" pitchFamily="34" charset="-128"/>
+                <a:ea typeface="Meiryo" panose="020B0604030504040204" pitchFamily="34" charset="-128"/>
+              </a:rPr>
+              <a:t>　</a:t>
+            </a:r>
+            <a:r>
+              <a:rPr lang="en-US" altLang="ja-JP" sz="2000" dirty="0">
+                <a:latin typeface="Meiryo" panose="020B0604030504040204" pitchFamily="34" charset="-128"/>
+                <a:ea typeface="Meiryo" panose="020B0604030504040204" pitchFamily="34" charset="-128"/>
+              </a:rPr>
+              <a:t>VAGRANT</a:t>
+            </a:r>
+            <a:r>
+              <a:rPr lang="ja-JP" altLang="en-US" sz="2000">
+                <a:latin typeface="Meiryo" panose="020B0604030504040204" pitchFamily="34" charset="-128"/>
+                <a:ea typeface="Meiryo" panose="020B0604030504040204" pitchFamily="34" charset="-128"/>
+              </a:rPr>
+              <a:t>と</a:t>
+            </a:r>
+            <a:r>
+              <a:rPr lang="en-US" altLang="ja-JP" sz="2000" dirty="0">
+                <a:latin typeface="Meiryo" panose="020B0604030504040204" pitchFamily="34" charset="-128"/>
+                <a:ea typeface="Meiryo" panose="020B0604030504040204" pitchFamily="34" charset="-128"/>
+              </a:rPr>
+              <a:t>VirtualBox</a:t>
+            </a:r>
+            <a:r>
+              <a:rPr lang="ja-JP" altLang="en-US" sz="2000">
+                <a:latin typeface="Meiryo" panose="020B0604030504040204" pitchFamily="34" charset="-128"/>
+                <a:ea typeface="Meiryo" panose="020B0604030504040204" pitchFamily="34" charset="-128"/>
+              </a:rPr>
+              <a:t>を利用</a:t>
+            </a:r>
+            <a:endParaRPr lang="en-US" altLang="ja-JP" sz="2000" dirty="0">
+              <a:latin typeface="Meiryo" panose="020B0604030504040204" pitchFamily="34" charset="-128"/>
+              <a:ea typeface="Meiryo" panose="020B0604030504040204" pitchFamily="34" charset="-128"/>
+            </a:endParaRPr>
+          </a:p>
+        </p:txBody>
+      </p:sp>
+      <p:sp>
+        <p:nvSpPr>
+          <p:cNvPr id="18" name="コンテンツ プレースホルダー 6">
+            <a:extLst>
+              <a:ext uri="{FF2B5EF4-FFF2-40B4-BE49-F238E27FC236}">
+                <a16:creationId xmlns:a16="http://schemas.microsoft.com/office/drawing/2014/main" id="{3D32566D-3D3A-A04E-A03C-3D4973F3817A}"/>
+              </a:ext>
+            </a:extLst>
+          </p:cNvPr>
+          <p:cNvSpPr txBox="1">
+            <a:spLocks/>
+          </p:cNvSpPr>
+          <p:nvPr/>
+        </p:nvSpPr>
+        <p:spPr>
+          <a:xfrm>
+            <a:off x="1082358" y="3541326"/>
+            <a:ext cx="10176847" cy="572033"/>
+          </a:xfrm>
+          <a:prstGeom prst="rect">
+            <a:avLst/>
+          </a:prstGeom>
+        </p:spPr>
+        <p:txBody>
+          <a:bodyPr vert="horz" lIns="91440" tIns="45720" rIns="91440" bIns="45720" rtlCol="0">
+            <a:normAutofit fontScale="92500" lnSpcReduction="20000"/>
+          </a:bodyPr>
+          <a:lstStyle>
+            <a:lvl1pPr marL="228600" indent="-228600" algn="l" defTabSz="914400" rtl="0" eaLnBrk="1" latinLnBrk="0" hangingPunct="1">
+              <a:lnSpc>
+                <a:spcPct val="90000"/>
+              </a:lnSpc>
+              <a:spcBef>
+                <a:spcPts val="1000"/>
+              </a:spcBef>
+              <a:buFont typeface="Arial" panose="020B0604020202020204" pitchFamily="34" charset="0"/>
+              <a:buChar char="•"/>
+              <a:defRPr kumimoji="1" sz="2800" kern="1200">
+                <a:solidFill>
+                  <a:schemeClr val="tx1"/>
+                </a:solidFill>
+                <a:latin typeface="+mn-lt"/>
+                <a:ea typeface="+mn-ea"/>
+                <a:cs typeface="+mn-cs"/>
+              </a:defRPr>
+            </a:lvl1pPr>
+            <a:lvl2pPr marL="685800" indent="-228600" algn="l" defTabSz="914400" rtl="0" eaLnBrk="1" latinLnBrk="0" hangingPunct="1">
+              <a:lnSpc>
+                <a:spcPct val="90000"/>
+              </a:lnSpc>
+              <a:spcBef>
+                <a:spcPts val="500"/>
+              </a:spcBef>
+              <a:buFont typeface="Arial" panose="020B0604020202020204" pitchFamily="34" charset="0"/>
+              <a:buChar char="•"/>
+              <a:defRPr kumimoji="1" sz="2400" kern="1200">
+                <a:solidFill>
+                  <a:schemeClr val="tx1"/>
+                </a:solidFill>
+                <a:latin typeface="+mn-lt"/>
+                <a:ea typeface="+mn-ea"/>
+                <a:cs typeface="+mn-cs"/>
+              </a:defRPr>
+            </a:lvl2pPr>
+            <a:lvl3pPr marL="1143000" indent="-228600" algn="l" defTabSz="914400" rtl="0" eaLnBrk="1" latinLnBrk="0" hangingPunct="1">
+              <a:lnSpc>
+                <a:spcPct val="90000"/>
+              </a:lnSpc>
+              <a:spcBef>
+                <a:spcPts val="500"/>
+              </a:spcBef>
+              <a:buFont typeface="Arial" panose="020B0604020202020204" pitchFamily="34" charset="0"/>
+              <a:buChar char="•"/>
+              <a:defRPr kumimoji="1" sz="2000" kern="1200">
+                <a:solidFill>
+                  <a:schemeClr val="tx1"/>
+                </a:solidFill>
+                <a:latin typeface="+mn-lt"/>
+                <a:ea typeface="+mn-ea"/>
+                <a:cs typeface="+mn-cs"/>
+              </a:defRPr>
+            </a:lvl3pPr>
+            <a:lvl4pPr marL="1600200" indent="-228600" algn="l" defTabSz="914400" rtl="0" eaLnBrk="1" latinLnBrk="0" hangingPunct="1">
+              <a:lnSpc>
+                <a:spcPct val="90000"/>
+              </a:lnSpc>
+              <a:spcBef>
+                <a:spcPts val="500"/>
+              </a:spcBef>
+              <a:buFont typeface="Arial" panose="020B0604020202020204" pitchFamily="34" charset="0"/>
+              <a:buChar char="•"/>
+              <a:defRPr kumimoji="1" sz="1800" kern="1200">
+                <a:solidFill>
+                  <a:schemeClr val="tx1"/>
+                </a:solidFill>
+                <a:latin typeface="+mn-lt"/>
+                <a:ea typeface="+mn-ea"/>
+                <a:cs typeface="+mn-cs"/>
+              </a:defRPr>
+            </a:lvl4pPr>
+            <a:lvl5pPr marL="2057400" indent="-228600" algn="l" defTabSz="914400" rtl="0" eaLnBrk="1" latinLnBrk="0" hangingPunct="1">
+              <a:lnSpc>
+                <a:spcPct val="90000"/>
+              </a:lnSpc>
+              <a:spcBef>
+                <a:spcPts val="500"/>
+              </a:spcBef>
+              <a:buFont typeface="Arial" panose="020B0604020202020204" pitchFamily="34" charset="0"/>
+              <a:buChar char="•"/>
+              <a:defRPr kumimoji="1" sz="1800" kern="1200">
+                <a:solidFill>
+                  <a:schemeClr val="tx1"/>
+                </a:solidFill>
+                <a:latin typeface="+mn-lt"/>
+                <a:ea typeface="+mn-ea"/>
+                <a:cs typeface="+mn-cs"/>
+              </a:defRPr>
+            </a:lvl5pPr>
+            <a:lvl6pPr marL="2514600" indent="-228600" algn="l" defTabSz="914400" rtl="0" eaLnBrk="1" latinLnBrk="0" hangingPunct="1">
+              <a:lnSpc>
+                <a:spcPct val="90000"/>
+              </a:lnSpc>
+              <a:spcBef>
+                <a:spcPts val="500"/>
+              </a:spcBef>
+              <a:buFont typeface="Arial" panose="020B0604020202020204" pitchFamily="34" charset="0"/>
+              <a:buChar char="•"/>
+              <a:defRPr kumimoji="1" sz="1800" kern="1200">
+                <a:solidFill>
+                  <a:schemeClr val="tx1"/>
+                </a:solidFill>
+                <a:latin typeface="+mn-lt"/>
+                <a:ea typeface="+mn-ea"/>
+                <a:cs typeface="+mn-cs"/>
+              </a:defRPr>
+            </a:lvl6pPr>
+            <a:lvl7pPr marL="2971800" indent="-228600" algn="l" defTabSz="914400" rtl="0" eaLnBrk="1" latinLnBrk="0" hangingPunct="1">
+              <a:lnSpc>
+                <a:spcPct val="90000"/>
+              </a:lnSpc>
+              <a:spcBef>
+                <a:spcPts val="500"/>
+              </a:spcBef>
+              <a:buFont typeface="Arial" panose="020B0604020202020204" pitchFamily="34" charset="0"/>
+              <a:buChar char="•"/>
+              <a:defRPr kumimoji="1" sz="1800" kern="1200">
+                <a:solidFill>
+                  <a:schemeClr val="tx1"/>
+                </a:solidFill>
+                <a:latin typeface="+mn-lt"/>
+                <a:ea typeface="+mn-ea"/>
+                <a:cs typeface="+mn-cs"/>
+              </a:defRPr>
+            </a:lvl7pPr>
+            <a:lvl8pPr marL="3429000" indent="-228600" algn="l" defTabSz="914400" rtl="0" eaLnBrk="1" latinLnBrk="0" hangingPunct="1">
+              <a:lnSpc>
+                <a:spcPct val="90000"/>
+              </a:lnSpc>
+              <a:spcBef>
+                <a:spcPts val="500"/>
+              </a:spcBef>
+              <a:buFont typeface="Arial" panose="020B0604020202020204" pitchFamily="34" charset="0"/>
+              <a:buChar char="•"/>
+              <a:defRPr kumimoji="1" sz="1800" kern="1200">
+                <a:solidFill>
+                  <a:schemeClr val="tx1"/>
+                </a:solidFill>
+                <a:latin typeface="+mn-lt"/>
+                <a:ea typeface="+mn-ea"/>
+                <a:cs typeface="+mn-cs"/>
+              </a:defRPr>
+            </a:lvl8pPr>
+            <a:lvl9pPr marL="3886200" indent="-228600" algn="l" defTabSz="914400" rtl="0" eaLnBrk="1" latinLnBrk="0" hangingPunct="1">
+              <a:lnSpc>
+                <a:spcPct val="90000"/>
+              </a:lnSpc>
+              <a:spcBef>
+                <a:spcPts val="500"/>
+              </a:spcBef>
+              <a:buFont typeface="Arial" panose="020B0604020202020204" pitchFamily="34" charset="0"/>
+              <a:buChar char="•"/>
+              <a:defRPr kumimoji="1" sz="1800" kern="1200">
+                <a:solidFill>
+                  <a:schemeClr val="tx1"/>
+                </a:solidFill>
+                <a:latin typeface="+mn-lt"/>
+                <a:ea typeface="+mn-ea"/>
+                <a:cs typeface="+mn-cs"/>
+              </a:defRPr>
+            </a:lvl9pPr>
+          </a:lstStyle>
+          <a:p>
+            <a:pPr marL="0" indent="0">
+              <a:buNone/>
+            </a:pPr>
+            <a:r>
+              <a:rPr lang="ja-JP" altLang="en-US" sz="2200">
+                <a:latin typeface="Meiryo" panose="020B0604030504040204" pitchFamily="34" charset="-128"/>
+                <a:ea typeface="Meiryo" panose="020B0604030504040204" pitchFamily="34" charset="-128"/>
+              </a:rPr>
+              <a:t>・任意のタイミングでネットワーク機器の設定のバックアップファイルを作成</a:t>
+            </a:r>
+            <a:r>
+              <a:rPr lang="en-US" altLang="ja-JP" sz="2200" dirty="0">
+                <a:latin typeface="Meiryo" panose="020B0604030504040204" pitchFamily="34" charset="-128"/>
+                <a:ea typeface="Meiryo" panose="020B0604030504040204" pitchFamily="34" charset="-128"/>
+              </a:rPr>
+              <a:t>, </a:t>
+            </a:r>
+            <a:r>
+              <a:rPr lang="ja-JP" altLang="en-US" sz="2200">
+                <a:latin typeface="Meiryo" panose="020B0604030504040204" pitchFamily="34" charset="-128"/>
+                <a:ea typeface="Meiryo" panose="020B0604030504040204" pitchFamily="34" charset="-128"/>
+              </a:rPr>
+              <a:t>差分を取りながら保存する</a:t>
+            </a:r>
+            <a:r>
+              <a:rPr lang="en-US" altLang="ja-JP" sz="2200" dirty="0">
+                <a:latin typeface="Meiryo" panose="020B0604030504040204" pitchFamily="34" charset="-128"/>
+                <a:ea typeface="Meiryo" panose="020B0604030504040204" pitchFamily="34" charset="-128"/>
+              </a:rPr>
+              <a:t>, </a:t>
+            </a:r>
+            <a:r>
+              <a:rPr lang="ja-JP" altLang="en-US" sz="2200">
+                <a:latin typeface="Meiryo" panose="020B0604030504040204" pitchFamily="34" charset="-128"/>
+                <a:ea typeface="Meiryo" panose="020B0604030504040204" pitchFamily="34" charset="-128"/>
+              </a:rPr>
+              <a:t>これらの手順を数コマンドで行うことができる</a:t>
+            </a:r>
+            <a:endParaRPr lang="en-US" altLang="ja-JP" sz="2200" dirty="0">
+              <a:latin typeface="Meiryo" panose="020B0604030504040204" pitchFamily="34" charset="-128"/>
+              <a:ea typeface="Meiryo" panose="020B0604030504040204" pitchFamily="34" charset="-128"/>
+            </a:endParaRPr>
+          </a:p>
+          <a:p>
+            <a:pPr marL="0" indent="0">
+              <a:buFont typeface="Arial" panose="020B0604020202020204" pitchFamily="34" charset="0"/>
+              <a:buNone/>
+            </a:pPr>
+            <a:endParaRPr lang="en-US" altLang="ja-JP" sz="2000" dirty="0">
+              <a:latin typeface="Meiryo" panose="020B0604030504040204" pitchFamily="34" charset="-128"/>
+              <a:ea typeface="Meiryo" panose="020B0604030504040204" pitchFamily="34" charset="-128"/>
+            </a:endParaRPr>
+          </a:p>
+          <a:p>
+            <a:pPr marL="0" indent="0">
+              <a:buFont typeface="Arial" panose="020B0604020202020204" pitchFamily="34" charset="0"/>
+              <a:buNone/>
+            </a:pPr>
+            <a:endParaRPr lang="en-US" altLang="ja-JP" sz="2000" dirty="0">
+              <a:latin typeface="Meiryo" panose="020B0604030504040204" pitchFamily="34" charset="-128"/>
+              <a:ea typeface="Meiryo" panose="020B0604030504040204" pitchFamily="34" charset="-128"/>
+            </a:endParaRPr>
+          </a:p>
+        </p:txBody>
+      </p:sp>
+      <p:sp>
+        <p:nvSpPr>
+          <p:cNvPr id="23" name="右矢印 22">
+            <a:extLst>
+              <a:ext uri="{FF2B5EF4-FFF2-40B4-BE49-F238E27FC236}">
+                <a16:creationId xmlns:a16="http://schemas.microsoft.com/office/drawing/2014/main" id="{A1CCA0FC-4F6A-D249-AE6F-57F39CCAFF51}"/>
+              </a:ext>
+            </a:extLst>
+          </p:cNvPr>
+          <p:cNvSpPr/>
+          <p:nvPr/>
+        </p:nvSpPr>
+        <p:spPr>
+          <a:xfrm>
+            <a:off x="1550927" y="4004642"/>
+            <a:ext cx="1172888" cy="369332"/>
+          </a:xfrm>
+          <a:prstGeom prst="rightArrow">
+            <a:avLst/>
+          </a:prstGeom>
+          <a:solidFill>
+            <a:schemeClr val="accent4"/>
+          </a:solidFill>
+          <a:ln>
+            <a:noFill/>
+          </a:ln>
+        </p:spPr>
+        <p:style>
+          <a:lnRef idx="2">
+            <a:schemeClr val="accent1">
+              <a:shade val="50000"/>
+            </a:schemeClr>
+          </a:lnRef>
+          <a:fillRef idx="1">
+            <a:schemeClr val="accent1"/>
+          </a:fillRef>
+          <a:effectRef idx="0">
+            <a:schemeClr val="accent1"/>
+          </a:effectRef>
+          <a:fontRef idx="minor">
+            <a:schemeClr val="lt1"/>
+          </a:fontRef>
+        </p:style>
+        <p:txBody>
+          <a:bodyPr rtlCol="0" anchor="ctr"/>
+          <a:lstStyle/>
+          <a:p>
+            <a:pPr algn="ctr"/>
+            <a:endParaRPr kumimoji="1" lang="ja-JP" altLang="en-US"/>
+          </a:p>
+        </p:txBody>
+      </p:sp>
+      <p:sp>
+        <p:nvSpPr>
+          <p:cNvPr id="10" name="テキスト ボックス 9">
+            <a:extLst>
+              <a:ext uri="{FF2B5EF4-FFF2-40B4-BE49-F238E27FC236}">
+                <a16:creationId xmlns:a16="http://schemas.microsoft.com/office/drawing/2014/main" id="{83244999-EF53-A24F-A3FE-DBF325762D75}"/>
+              </a:ext>
+            </a:extLst>
+          </p:cNvPr>
+          <p:cNvSpPr txBox="1"/>
+          <p:nvPr/>
+        </p:nvSpPr>
+        <p:spPr>
+          <a:xfrm>
+            <a:off x="2776908" y="3995370"/>
+            <a:ext cx="7752443" cy="400110"/>
+          </a:xfrm>
+          <a:prstGeom prst="rect">
+            <a:avLst/>
+          </a:prstGeom>
+          <a:noFill/>
+        </p:spPr>
+        <p:txBody>
+          <a:bodyPr wrap="none" rtlCol="0">
+            <a:spAutoFit/>
+          </a:bodyPr>
+          <a:lstStyle/>
+          <a:p>
+            <a:r>
+              <a:rPr kumimoji="1" lang="ja-JP" altLang="en-US" sz="2000">
+                <a:latin typeface="Meiryo" panose="020B0604030504040204" pitchFamily="34" charset="-128"/>
+                <a:ea typeface="Meiryo" panose="020B0604030504040204" pitchFamily="34" charset="-128"/>
+              </a:rPr>
+              <a:t>バックアップに</a:t>
+            </a:r>
+            <a:r>
+              <a:rPr kumimoji="1" lang="en-US" altLang="ja-JP" sz="2000" dirty="0">
+                <a:latin typeface="Meiryo" panose="020B0604030504040204" pitchFamily="34" charset="-128"/>
+                <a:ea typeface="Meiryo" panose="020B0604030504040204" pitchFamily="34" charset="-128"/>
+              </a:rPr>
+              <a:t>Ansible</a:t>
+            </a:r>
+            <a:r>
+              <a:rPr lang="ja-JP" altLang="en-US" sz="2000">
+                <a:latin typeface="Meiryo" panose="020B0604030504040204" pitchFamily="34" charset="-128"/>
+                <a:ea typeface="Meiryo" panose="020B0604030504040204" pitchFamily="34" charset="-128"/>
+              </a:rPr>
+              <a:t>のモジュール</a:t>
+            </a:r>
+            <a:r>
+              <a:rPr lang="en-US" altLang="ja-JP" sz="2000" dirty="0">
+                <a:latin typeface="Meiryo" panose="020B0604030504040204" pitchFamily="34" charset="-128"/>
+                <a:ea typeface="Meiryo" panose="020B0604030504040204" pitchFamily="34" charset="-128"/>
+              </a:rPr>
+              <a:t>, </a:t>
+            </a:r>
+            <a:r>
+              <a:rPr lang="ja-JP" altLang="en-US" sz="2000">
+                <a:latin typeface="Meiryo" panose="020B0604030504040204" pitchFamily="34" charset="-128"/>
+                <a:ea typeface="Meiryo" panose="020B0604030504040204" pitchFamily="34" charset="-128"/>
+              </a:rPr>
+              <a:t>リポジトリに</a:t>
+            </a:r>
+            <a:r>
+              <a:rPr lang="en-US" altLang="ja-JP" sz="2000" dirty="0">
+                <a:latin typeface="Meiryo" panose="020B0604030504040204" pitchFamily="34" charset="-128"/>
+                <a:ea typeface="Meiryo" panose="020B0604030504040204" pitchFamily="34" charset="-128"/>
+              </a:rPr>
+              <a:t>GitHub</a:t>
+            </a:r>
+            <a:r>
+              <a:rPr lang="ja-JP" altLang="en-US" sz="2000">
+                <a:latin typeface="Meiryo" panose="020B0604030504040204" pitchFamily="34" charset="-128"/>
+                <a:ea typeface="Meiryo" panose="020B0604030504040204" pitchFamily="34" charset="-128"/>
+              </a:rPr>
+              <a:t>を利用</a:t>
+            </a:r>
+            <a:endParaRPr kumimoji="1" lang="ja-JP" altLang="en-US" sz="2000">
+              <a:latin typeface="Meiryo" panose="020B0604030504040204" pitchFamily="34" charset="-128"/>
+              <a:ea typeface="Meiryo" panose="020B0604030504040204" pitchFamily="34" charset="-128"/>
+            </a:endParaRPr>
+          </a:p>
+        </p:txBody>
+      </p:sp>
+      <p:sp>
+        <p:nvSpPr>
+          <p:cNvPr id="24" name="右矢印 23">
+            <a:extLst>
+              <a:ext uri="{FF2B5EF4-FFF2-40B4-BE49-F238E27FC236}">
+                <a16:creationId xmlns:a16="http://schemas.microsoft.com/office/drawing/2014/main" id="{01E2FFFB-0824-C14D-97A5-0AFBB4DF4CE0}"/>
+              </a:ext>
+            </a:extLst>
+          </p:cNvPr>
+          <p:cNvSpPr/>
+          <p:nvPr/>
+        </p:nvSpPr>
+        <p:spPr>
+          <a:xfrm>
+            <a:off x="1550927" y="5384272"/>
+            <a:ext cx="1172888" cy="369332"/>
+          </a:xfrm>
+          <a:prstGeom prst="rightArrow">
+            <a:avLst/>
+          </a:prstGeom>
+          <a:solidFill>
+            <a:schemeClr val="accent4"/>
+          </a:solidFill>
+          <a:ln>
+            <a:noFill/>
+          </a:ln>
+        </p:spPr>
+        <p:style>
+          <a:lnRef idx="2">
+            <a:schemeClr val="accent1">
+              <a:shade val="50000"/>
+            </a:schemeClr>
+          </a:lnRef>
+          <a:fillRef idx="1">
+            <a:schemeClr val="accent1"/>
+          </a:fillRef>
+          <a:effectRef idx="0">
+            <a:schemeClr val="accent1"/>
+          </a:effectRef>
+          <a:fontRef idx="minor">
+            <a:schemeClr val="lt1"/>
+          </a:fontRef>
+        </p:style>
+        <p:txBody>
+          <a:bodyPr rtlCol="0" anchor="ctr"/>
+          <a:lstStyle/>
+          <a:p>
+            <a:pPr algn="ctr"/>
+            <a:endParaRPr kumimoji="1" lang="ja-JP" altLang="en-US"/>
+          </a:p>
+        </p:txBody>
+      </p:sp>
+      <p:sp>
+        <p:nvSpPr>
+          <p:cNvPr id="25" name="テキスト ボックス 24">
+            <a:extLst>
+              <a:ext uri="{FF2B5EF4-FFF2-40B4-BE49-F238E27FC236}">
+                <a16:creationId xmlns:a16="http://schemas.microsoft.com/office/drawing/2014/main" id="{875CA80E-6A0C-7846-B181-0C5201BD86FF}"/>
+              </a:ext>
+            </a:extLst>
+          </p:cNvPr>
+          <p:cNvSpPr txBox="1"/>
+          <p:nvPr/>
+        </p:nvSpPr>
+        <p:spPr>
+          <a:xfrm>
+            <a:off x="2776908" y="5384272"/>
+            <a:ext cx="3365024" cy="400110"/>
+          </a:xfrm>
+          <a:prstGeom prst="rect">
+            <a:avLst/>
+          </a:prstGeom>
+          <a:noFill/>
+        </p:spPr>
+        <p:txBody>
+          <a:bodyPr wrap="none" rtlCol="0">
+            <a:spAutoFit/>
+          </a:bodyPr>
+          <a:lstStyle/>
+          <a:p>
+            <a:r>
+              <a:rPr kumimoji="1" lang="en-US" altLang="ja-JP" sz="2000" dirty="0">
+                <a:latin typeface="Meiryo" panose="020B0604030504040204" pitchFamily="34" charset="-128"/>
+                <a:ea typeface="Meiryo" panose="020B0604030504040204" pitchFamily="34" charset="-128"/>
+              </a:rPr>
+              <a:t>Ansible</a:t>
+            </a:r>
+            <a:r>
+              <a:rPr lang="ja-JP" altLang="en-US" sz="2000">
+                <a:latin typeface="Meiryo" panose="020B0604030504040204" pitchFamily="34" charset="-128"/>
+                <a:ea typeface="Meiryo" panose="020B0604030504040204" pitchFamily="34" charset="-128"/>
+              </a:rPr>
+              <a:t>のモジュールを利用</a:t>
+            </a:r>
+            <a:endParaRPr kumimoji="1" lang="ja-JP" altLang="en-US" sz="2000">
+              <a:latin typeface="Meiryo" panose="020B0604030504040204" pitchFamily="34" charset="-128"/>
+              <a:ea typeface="Meiryo" panose="020B0604030504040204" pitchFamily="34" charset="-128"/>
+            </a:endParaRPr>
+          </a:p>
+        </p:txBody>
+      </p:sp>
       <p:pic>
         <p:nvPicPr>
-          <p:cNvPr id="17" name="図 16" descr="ロゴ&#10;&#10;自動的に生成された説明">
+          <p:cNvPr id="17" name="図 16" descr="テキスト が含まれている画像&#10;&#10;自動的に生成された説明">
             <a:extLst>
               <a:ext uri="{FF2B5EF4-FFF2-40B4-BE49-F238E27FC236}">
-                <a16:creationId xmlns:a16="http://schemas.microsoft.com/office/drawing/2014/main" id="{B56888B1-00E7-BB43-BFB3-4B0351BAD4FB}"/>
+                <a16:creationId xmlns:a16="http://schemas.microsoft.com/office/drawing/2014/main" id="{B7ADBE3F-F27E-F64D-822F-24D77DAF0E16}"/>
               </a:ext>
             </a:extLst>
           </p:cNvPr>
@@ -16983,1132 +19502,495 @@
         </p:blipFill>
         <p:spPr>
           <a:xfrm>
-            <a:off x="6199631" y="4997202"/>
-            <a:ext cx="1643926" cy="1423456"/>
+            <a:off x="8112896" y="4161332"/>
+            <a:ext cx="2044961" cy="1073522"/>
           </a:xfrm>
           <a:prstGeom prst="rect">
             <a:avLst/>
           </a:prstGeom>
         </p:spPr>
       </p:pic>
-      <p:pic>
-        <p:nvPicPr>
-          <p:cNvPr id="19" name="図 18" descr="ロゴ が含まれている画像&#10;&#10;自動的に生成された説明">
-            <a:extLst>
-              <a:ext uri="{FF2B5EF4-FFF2-40B4-BE49-F238E27FC236}">
-                <a16:creationId xmlns:a16="http://schemas.microsoft.com/office/drawing/2014/main" id="{F99A078B-A719-C341-AC2E-57C4D45CB224}"/>
-              </a:ext>
-            </a:extLst>
-          </p:cNvPr>
-          <p:cNvPicPr>
-            <a:picLocks noChangeAspect="1"/>
-          </p:cNvPicPr>
-          <p:nvPr/>
-        </p:nvPicPr>
-        <p:blipFill>
-          <a:blip r:embed="rId7"/>
-          <a:stretch>
-            <a:fillRect/>
-          </a:stretch>
-        </p:blipFill>
-        <p:spPr>
-          <a:xfrm>
-            <a:off x="4539820" y="5157058"/>
-            <a:ext cx="1643235" cy="1263600"/>
-          </a:xfrm>
-          <a:prstGeom prst="rect">
-            <a:avLst/>
-          </a:prstGeom>
-        </p:spPr>
-      </p:pic>
-      <p:pic>
-        <p:nvPicPr>
-          <p:cNvPr id="21" name="図 20" descr="アイコン が含まれている画像&#10;&#10;自動的に生成された説明">
-            <a:extLst>
-              <a:ext uri="{FF2B5EF4-FFF2-40B4-BE49-F238E27FC236}">
-                <a16:creationId xmlns:a16="http://schemas.microsoft.com/office/drawing/2014/main" id="{2E43E38E-536E-7242-BA59-3760AD3A3CC1}"/>
-              </a:ext>
-            </a:extLst>
-          </p:cNvPr>
-          <p:cNvPicPr>
-            <a:picLocks noChangeAspect="1"/>
-          </p:cNvPicPr>
-          <p:nvPr/>
-        </p:nvPicPr>
-        <p:blipFill>
-          <a:blip r:embed="rId8"/>
-          <a:stretch>
-            <a:fillRect/>
-          </a:stretch>
-        </p:blipFill>
-        <p:spPr>
-          <a:xfrm>
-            <a:off x="1094565" y="4850045"/>
-            <a:ext cx="1801329" cy="1801329"/>
-          </a:xfrm>
-          <a:prstGeom prst="rect">
-            <a:avLst/>
-          </a:prstGeom>
-        </p:spPr>
-      </p:pic>
-      <p:graphicFrame>
-        <p:nvGraphicFramePr>
-          <p:cNvPr id="18" name="表 4">
-            <a:extLst>
-              <a:ext uri="{FF2B5EF4-FFF2-40B4-BE49-F238E27FC236}">
-                <a16:creationId xmlns:a16="http://schemas.microsoft.com/office/drawing/2014/main" id="{DD54B24A-8F3E-EE4D-9539-0AB15783DC7B}"/>
-              </a:ext>
-            </a:extLst>
-          </p:cNvPr>
-          <p:cNvGraphicFramePr>
-            <a:graphicFrameLocks noGrp="1"/>
-          </p:cNvGraphicFramePr>
-          <p:nvPr>
-            <p:extLst>
-              <p:ext uri="{D42A27DB-BD31-4B8C-83A1-F6EECF244321}">
-                <p14:modId xmlns:p14="http://schemas.microsoft.com/office/powerpoint/2010/main" val="949042613"/>
-              </p:ext>
-            </p:extLst>
-          </p:nvPr>
-        </p:nvGraphicFramePr>
-        <p:xfrm>
-          <a:off x="1333717" y="2283969"/>
-          <a:ext cx="9731829" cy="2359451"/>
-        </p:xfrm>
-        <a:graphic>
-          <a:graphicData uri="http://schemas.openxmlformats.org/drawingml/2006/table">
-            <a:tbl>
-              <a:tblPr firstRow="1" bandRow="1">
-                <a:tableStyleId>{073A0DAA-6AF3-43AB-8588-CEC1D06C72B9}</a:tableStyleId>
-              </a:tblPr>
-              <a:tblGrid>
-                <a:gridCol w="1953268">
-                  <a:extLst>
-                    <a:ext uri="{9D8B030D-6E8A-4147-A177-3AD203B41FA5}">
-                      <a16:colId xmlns:a16="http://schemas.microsoft.com/office/drawing/2014/main" val="427051192"/>
-                    </a:ext>
-                  </a:extLst>
-                </a:gridCol>
-                <a:gridCol w="3236833">
-                  <a:extLst>
-                    <a:ext uri="{9D8B030D-6E8A-4147-A177-3AD203B41FA5}">
-                      <a16:colId xmlns:a16="http://schemas.microsoft.com/office/drawing/2014/main" val="3654726055"/>
-                    </a:ext>
-                  </a:extLst>
-                </a:gridCol>
-                <a:gridCol w="2626814">
-                  <a:extLst>
-                    <a:ext uri="{9D8B030D-6E8A-4147-A177-3AD203B41FA5}">
-                      <a16:colId xmlns:a16="http://schemas.microsoft.com/office/drawing/2014/main" val="681444685"/>
-                    </a:ext>
-                  </a:extLst>
-                </a:gridCol>
-                <a:gridCol w="1914914">
-                  <a:extLst>
-                    <a:ext uri="{9D8B030D-6E8A-4147-A177-3AD203B41FA5}">
-                      <a16:colId xmlns:a16="http://schemas.microsoft.com/office/drawing/2014/main" val="129817944"/>
-                    </a:ext>
-                  </a:extLst>
-                </a:gridCol>
-              </a:tblGrid>
-              <a:tr h="864809">
-                <a:tc>
-                  <a:txBody>
-                    <a:bodyPr/>
-                    <a:lstStyle/>
-                    <a:p>
-                      <a:pPr algn="ctr"/>
-                      <a:r>
-                        <a:rPr kumimoji="1" lang="ja-JP" altLang="en-US">
-                          <a:solidFill>
-                            <a:schemeClr val="tx1"/>
-                          </a:solidFill>
-                        </a:rPr>
-                        <a:t>自動化ツール</a:t>
-                      </a:r>
-                    </a:p>
-                  </a:txBody>
-                  <a:tcPr>
-                    <a:lnL w="12700" cap="flat" cmpd="sng" algn="ctr">
-                      <a:solidFill>
-                        <a:schemeClr val="tx1"/>
-                      </a:solidFill>
-                      <a:prstDash val="solid"/>
-                      <a:round/>
-                      <a:headEnd type="none" w="med" len="med"/>
-                      <a:tailEnd type="none" w="med" len="med"/>
-                    </a:lnL>
-                    <a:lnR w="12700" cap="flat" cmpd="sng" algn="ctr">
-                      <a:solidFill>
-                        <a:schemeClr val="tx1"/>
-                      </a:solidFill>
-                      <a:prstDash val="solid"/>
-                      <a:round/>
-                      <a:headEnd type="none" w="med" len="med"/>
-                      <a:tailEnd type="none" w="med" len="med"/>
-                    </a:lnR>
-                    <a:lnT w="12700" cap="flat" cmpd="sng" algn="ctr">
-                      <a:solidFill>
-                        <a:schemeClr val="tx1"/>
-                      </a:solidFill>
-                      <a:prstDash val="solid"/>
-                      <a:round/>
-                      <a:headEnd type="none" w="med" len="med"/>
-                      <a:tailEnd type="none" w="med" len="med"/>
-                    </a:lnT>
-                    <a:lnB w="12700" cap="flat" cmpd="sng" algn="ctr">
-                      <a:solidFill>
-                        <a:schemeClr val="tx1"/>
-                      </a:solidFill>
-                      <a:prstDash val="solid"/>
-                      <a:round/>
-                      <a:headEnd type="none" w="med" len="med"/>
-                      <a:tailEnd type="none" w="med" len="med"/>
-                    </a:lnB>
-                    <a:solidFill>
-                      <a:schemeClr val="accent4">
-                        <a:lumMod val="40000"/>
-                        <a:lumOff val="60000"/>
-                      </a:schemeClr>
-                    </a:solidFill>
-                  </a:tcPr>
-                </a:tc>
-                <a:tc>
-                  <a:txBody>
-                    <a:bodyPr/>
-                    <a:lstStyle/>
-                    <a:p>
-                      <a:pPr algn="ctr"/>
-                      <a:r>
-                        <a:rPr kumimoji="1" lang="ja-JP" altLang="en-US">
-                          <a:solidFill>
-                            <a:schemeClr val="tx1"/>
-                          </a:solidFill>
-                        </a:rPr>
-                        <a:t>仮想マシン</a:t>
-                      </a:r>
-                    </a:p>
-                  </a:txBody>
-                  <a:tcPr>
-                    <a:lnL w="12700" cap="flat" cmpd="sng" algn="ctr">
-                      <a:solidFill>
-                        <a:schemeClr val="tx1"/>
-                      </a:solidFill>
-                      <a:prstDash val="solid"/>
-                      <a:round/>
-                      <a:headEnd type="none" w="med" len="med"/>
-                      <a:tailEnd type="none" w="med" len="med"/>
-                    </a:lnL>
-                    <a:lnR w="12700" cap="flat" cmpd="sng" algn="ctr">
-                      <a:solidFill>
-                        <a:schemeClr val="tx1"/>
-                      </a:solidFill>
-                      <a:prstDash val="solid"/>
-                      <a:round/>
-                      <a:headEnd type="none" w="med" len="med"/>
-                      <a:tailEnd type="none" w="med" len="med"/>
-                    </a:lnR>
-                    <a:lnT w="12700" cap="flat" cmpd="sng" algn="ctr">
-                      <a:solidFill>
-                        <a:schemeClr val="tx1"/>
-                      </a:solidFill>
-                      <a:prstDash val="solid"/>
-                      <a:round/>
-                      <a:headEnd type="none" w="med" len="med"/>
-                      <a:tailEnd type="none" w="med" len="med"/>
-                    </a:lnT>
-                    <a:lnB w="12700" cap="flat" cmpd="sng" algn="ctr">
-                      <a:solidFill>
-                        <a:schemeClr val="tx1"/>
-                      </a:solidFill>
-                      <a:prstDash val="solid"/>
-                      <a:round/>
-                      <a:headEnd type="none" w="med" len="med"/>
-                      <a:tailEnd type="none" w="med" len="med"/>
-                    </a:lnB>
-                    <a:solidFill>
-                      <a:schemeClr val="accent4">
-                        <a:lumMod val="40000"/>
-                        <a:lumOff val="60000"/>
-                      </a:schemeClr>
-                    </a:solidFill>
-                  </a:tcPr>
-                </a:tc>
-                <a:tc>
-                  <a:txBody>
-                    <a:bodyPr/>
-                    <a:lstStyle/>
-                    <a:p>
-                      <a:pPr algn="ctr"/>
-                      <a:r>
-                        <a:rPr kumimoji="1" lang="ja-JP" altLang="en-US">
-                          <a:solidFill>
-                            <a:schemeClr val="tx1"/>
-                          </a:solidFill>
-                        </a:rPr>
-                        <a:t>仮想化ソフトウェア</a:t>
-                      </a:r>
-                    </a:p>
-                  </a:txBody>
-                  <a:tcPr>
-                    <a:lnL w="12700" cap="flat" cmpd="sng" algn="ctr">
-                      <a:solidFill>
-                        <a:schemeClr val="tx1"/>
-                      </a:solidFill>
-                      <a:prstDash val="solid"/>
-                      <a:round/>
-                      <a:headEnd type="none" w="med" len="med"/>
-                      <a:tailEnd type="none" w="med" len="med"/>
-                    </a:lnL>
-                    <a:lnR w="12700" cap="flat" cmpd="sng" algn="ctr">
-                      <a:solidFill>
-                        <a:schemeClr val="tx1"/>
-                      </a:solidFill>
-                      <a:prstDash val="solid"/>
-                      <a:round/>
-                      <a:headEnd type="none" w="med" len="med"/>
-                      <a:tailEnd type="none" w="med" len="med"/>
-                    </a:lnR>
-                    <a:lnT w="12700" cap="flat" cmpd="sng" algn="ctr">
-                      <a:solidFill>
-                        <a:schemeClr val="tx1"/>
-                      </a:solidFill>
-                      <a:prstDash val="solid"/>
-                      <a:round/>
-                      <a:headEnd type="none" w="med" len="med"/>
-                      <a:tailEnd type="none" w="med" len="med"/>
-                    </a:lnT>
-                    <a:lnB w="12700" cap="flat" cmpd="sng" algn="ctr">
-                      <a:solidFill>
-                        <a:schemeClr val="tx1"/>
-                      </a:solidFill>
-                      <a:prstDash val="solid"/>
-                      <a:round/>
-                      <a:headEnd type="none" w="med" len="med"/>
-                      <a:tailEnd type="none" w="med" len="med"/>
-                    </a:lnB>
-                    <a:solidFill>
-                      <a:schemeClr val="accent4">
-                        <a:lumMod val="40000"/>
-                        <a:lumOff val="60000"/>
-                      </a:schemeClr>
-                    </a:solidFill>
-                  </a:tcPr>
-                </a:tc>
-                <a:tc>
-                  <a:txBody>
-                    <a:bodyPr/>
-                    <a:lstStyle/>
-                    <a:p>
-                      <a:pPr algn="ctr"/>
-                      <a:r>
-                        <a:rPr kumimoji="1" lang="ja-JP" altLang="en-US">
-                          <a:solidFill>
-                            <a:schemeClr val="tx1"/>
-                          </a:solidFill>
-                        </a:rPr>
-                        <a:t>リポジトリ</a:t>
-                      </a:r>
-                    </a:p>
-                  </a:txBody>
-                  <a:tcPr>
-                    <a:lnL w="12700" cap="flat" cmpd="sng" algn="ctr">
-                      <a:solidFill>
-                        <a:schemeClr val="tx1"/>
-                      </a:solidFill>
-                      <a:prstDash val="solid"/>
-                      <a:round/>
-                      <a:headEnd type="none" w="med" len="med"/>
-                      <a:tailEnd type="none" w="med" len="med"/>
-                    </a:lnL>
-                    <a:lnR w="12700" cap="flat" cmpd="sng" algn="ctr">
-                      <a:solidFill>
-                        <a:schemeClr val="tx1"/>
-                      </a:solidFill>
-                      <a:prstDash val="solid"/>
-                      <a:round/>
-                      <a:headEnd type="none" w="med" len="med"/>
-                      <a:tailEnd type="none" w="med" len="med"/>
-                    </a:lnR>
-                    <a:lnT w="12700" cap="flat" cmpd="sng" algn="ctr">
-                      <a:solidFill>
-                        <a:schemeClr val="tx1"/>
-                      </a:solidFill>
-                      <a:prstDash val="solid"/>
-                      <a:round/>
-                      <a:headEnd type="none" w="med" len="med"/>
-                      <a:tailEnd type="none" w="med" len="med"/>
-                    </a:lnT>
-                    <a:lnB w="12700" cap="flat" cmpd="sng" algn="ctr">
-                      <a:solidFill>
-                        <a:schemeClr val="tx1"/>
-                      </a:solidFill>
-                      <a:prstDash val="solid"/>
-                      <a:round/>
-                      <a:headEnd type="none" w="med" len="med"/>
-                      <a:tailEnd type="none" w="med" len="med"/>
-                    </a:lnB>
-                    <a:solidFill>
-                      <a:schemeClr val="accent4">
-                        <a:lumMod val="40000"/>
-                        <a:lumOff val="60000"/>
-                      </a:schemeClr>
-                    </a:solidFill>
-                  </a:tcPr>
-                </a:tc>
-                <a:extLst>
-                  <a:ext uri="{0D108BD9-81ED-4DB2-BD59-A6C34878D82A}">
-                    <a16:rowId xmlns:a16="http://schemas.microsoft.com/office/drawing/2014/main" val="650085191"/>
-                  </a:ext>
-                </a:extLst>
-              </a:tr>
-              <a:tr h="1494642">
-                <a:tc>
-                  <a:txBody>
-                    <a:bodyPr/>
-                    <a:lstStyle/>
-                    <a:p>
-                      <a:r>
-                        <a:rPr kumimoji="1" lang="ja-JP" altLang="en-US" b="0"/>
-                        <a:t>・</a:t>
-                      </a:r>
-                      <a:r>
-                        <a:rPr kumimoji="1" lang="en-US" altLang="ja-JP" b="0" dirty="0"/>
-                        <a:t>Ansible</a:t>
-                      </a:r>
-                    </a:p>
-                    <a:p>
-                      <a:r>
-                        <a:rPr kumimoji="1" lang="ja-JP" altLang="en-US"/>
-                        <a:t>・</a:t>
-                      </a:r>
-                      <a:r>
-                        <a:rPr kumimoji="1" lang="en-US" altLang="ja-JP" dirty="0"/>
-                        <a:t>Vagrant</a:t>
-                      </a:r>
-                      <a:endParaRPr kumimoji="1" lang="ja-JP" altLang="en-US"/>
-                    </a:p>
-                  </a:txBody>
-                  <a:tcPr>
-                    <a:lnL w="12700" cap="flat" cmpd="sng" algn="ctr">
-                      <a:solidFill>
-                        <a:schemeClr val="tx1"/>
-                      </a:solidFill>
-                      <a:prstDash val="solid"/>
-                      <a:round/>
-                      <a:headEnd type="none" w="med" len="med"/>
-                      <a:tailEnd type="none" w="med" len="med"/>
-                    </a:lnL>
-                    <a:lnR w="12700" cap="flat" cmpd="sng" algn="ctr">
-                      <a:solidFill>
-                        <a:schemeClr val="tx1"/>
-                      </a:solidFill>
-                      <a:prstDash val="solid"/>
-                      <a:round/>
-                      <a:headEnd type="none" w="med" len="med"/>
-                      <a:tailEnd type="none" w="med" len="med"/>
-                    </a:lnR>
-                    <a:lnT w="12700" cap="flat" cmpd="sng" algn="ctr">
-                      <a:solidFill>
-                        <a:schemeClr val="tx1"/>
-                      </a:solidFill>
-                      <a:prstDash val="solid"/>
-                      <a:round/>
-                      <a:headEnd type="none" w="med" len="med"/>
-                      <a:tailEnd type="none" w="med" len="med"/>
-                    </a:lnT>
-                    <a:lnB w="12700" cap="flat" cmpd="sng" algn="ctr">
-                      <a:solidFill>
-                        <a:schemeClr val="tx1"/>
-                      </a:solidFill>
-                      <a:prstDash val="solid"/>
-                      <a:round/>
-                      <a:headEnd type="none" w="med" len="med"/>
-                      <a:tailEnd type="none" w="med" len="med"/>
-                    </a:lnB>
-                    <a:solidFill>
-                      <a:schemeClr val="bg1"/>
-                    </a:solidFill>
-                  </a:tcPr>
-                </a:tc>
-                <a:tc>
-                  <a:txBody>
-                    <a:bodyPr/>
-                    <a:lstStyle/>
-                    <a:p>
-                      <a:r>
-                        <a:rPr kumimoji="1" lang="ja-JP" altLang="en-US"/>
-                        <a:t>・</a:t>
-                      </a:r>
-                      <a:r>
-                        <a:rPr kumimoji="1" lang="en-US" altLang="ja-JP" dirty="0" err="1"/>
-                        <a:t>VyOS</a:t>
-                      </a:r>
-                      <a:endParaRPr kumimoji="1" lang="en-US" altLang="ja-JP" dirty="0"/>
-                    </a:p>
-                    <a:p>
-                      <a:r>
-                        <a:rPr kumimoji="1" lang="ja-JP" altLang="en-US"/>
-                        <a:t>・</a:t>
-                      </a:r>
-                      <a:r>
-                        <a:rPr kumimoji="1" lang="en-US" altLang="ja-JP" dirty="0"/>
-                        <a:t>Ubuntu</a:t>
-                      </a:r>
-                      <a:r>
-                        <a:rPr kumimoji="1" lang="ja-JP" altLang="en-US"/>
-                        <a:t>（</a:t>
-                      </a:r>
-                      <a:r>
-                        <a:rPr kumimoji="1" lang="en" altLang="ja-JP" dirty="0"/>
-                        <a:t>8.04.3 LTS</a:t>
-                      </a:r>
-                      <a:r>
-                        <a:rPr kumimoji="1" lang="ja-JP" altLang="en-US"/>
-                        <a:t>）</a:t>
-                      </a:r>
-                    </a:p>
-                  </a:txBody>
-                  <a:tcPr>
-                    <a:lnL w="12700" cap="flat" cmpd="sng" algn="ctr">
-                      <a:solidFill>
-                        <a:schemeClr val="tx1"/>
-                      </a:solidFill>
-                      <a:prstDash val="solid"/>
-                      <a:round/>
-                      <a:headEnd type="none" w="med" len="med"/>
-                      <a:tailEnd type="none" w="med" len="med"/>
-                    </a:lnL>
-                    <a:lnR w="12700" cap="flat" cmpd="sng" algn="ctr">
-                      <a:solidFill>
-                        <a:schemeClr val="tx1"/>
-                      </a:solidFill>
-                      <a:prstDash val="solid"/>
-                      <a:round/>
-                      <a:headEnd type="none" w="med" len="med"/>
-                      <a:tailEnd type="none" w="med" len="med"/>
-                    </a:lnR>
-                    <a:lnT w="12700" cap="flat" cmpd="sng" algn="ctr">
-                      <a:solidFill>
-                        <a:schemeClr val="tx1"/>
-                      </a:solidFill>
-                      <a:prstDash val="solid"/>
-                      <a:round/>
-                      <a:headEnd type="none" w="med" len="med"/>
-                      <a:tailEnd type="none" w="med" len="med"/>
-                    </a:lnT>
-                    <a:lnB w="12700" cap="flat" cmpd="sng" algn="ctr">
-                      <a:solidFill>
-                        <a:schemeClr val="tx1"/>
-                      </a:solidFill>
-                      <a:prstDash val="solid"/>
-                      <a:round/>
-                      <a:headEnd type="none" w="med" len="med"/>
-                      <a:tailEnd type="none" w="med" len="med"/>
-                    </a:lnB>
-                    <a:solidFill>
-                      <a:schemeClr val="bg1"/>
-                    </a:solidFill>
-                  </a:tcPr>
-                </a:tc>
-                <a:tc>
-                  <a:txBody>
-                    <a:bodyPr/>
-                    <a:lstStyle/>
-                    <a:p>
-                      <a:r>
-                        <a:rPr kumimoji="1" lang="ja-JP" altLang="en-US"/>
-                        <a:t>・</a:t>
-                      </a:r>
-                      <a:r>
-                        <a:rPr kumimoji="1" lang="en-US" altLang="ja-JP" dirty="0"/>
-                        <a:t>VirtualBox</a:t>
-                      </a:r>
-                      <a:endParaRPr kumimoji="1" lang="ja-JP" altLang="en-US"/>
-                    </a:p>
-                  </a:txBody>
-                  <a:tcPr>
-                    <a:lnL w="12700" cap="flat" cmpd="sng" algn="ctr">
-                      <a:solidFill>
-                        <a:schemeClr val="tx1"/>
-                      </a:solidFill>
-                      <a:prstDash val="solid"/>
-                      <a:round/>
-                      <a:headEnd type="none" w="med" len="med"/>
-                      <a:tailEnd type="none" w="med" len="med"/>
-                    </a:lnL>
-                    <a:lnR w="12700" cap="flat" cmpd="sng" algn="ctr">
-                      <a:solidFill>
-                        <a:schemeClr val="tx1"/>
-                      </a:solidFill>
-                      <a:prstDash val="solid"/>
-                      <a:round/>
-                      <a:headEnd type="none" w="med" len="med"/>
-                      <a:tailEnd type="none" w="med" len="med"/>
-                    </a:lnR>
-                    <a:lnT w="12700" cap="flat" cmpd="sng" algn="ctr">
-                      <a:solidFill>
-                        <a:schemeClr val="tx1"/>
-                      </a:solidFill>
-                      <a:prstDash val="solid"/>
-                      <a:round/>
-                      <a:headEnd type="none" w="med" len="med"/>
-                      <a:tailEnd type="none" w="med" len="med"/>
-                    </a:lnT>
-                    <a:lnB w="12700" cap="flat" cmpd="sng" algn="ctr">
-                      <a:solidFill>
-                        <a:schemeClr val="tx1"/>
-                      </a:solidFill>
-                      <a:prstDash val="solid"/>
-                      <a:round/>
-                      <a:headEnd type="none" w="med" len="med"/>
-                      <a:tailEnd type="none" w="med" len="med"/>
-                    </a:lnB>
-                    <a:solidFill>
-                      <a:schemeClr val="bg1"/>
-                    </a:solidFill>
-                  </a:tcPr>
-                </a:tc>
-                <a:tc>
-                  <a:txBody>
-                    <a:bodyPr/>
-                    <a:lstStyle/>
-                    <a:p>
-                      <a:r>
-                        <a:rPr kumimoji="1" lang="ja-JP" altLang="en-US"/>
-                        <a:t>・</a:t>
-                      </a:r>
-                      <a:r>
-                        <a:rPr kumimoji="1" lang="en-US" altLang="ja-JP" dirty="0"/>
-                        <a:t>GitHub</a:t>
-                      </a:r>
-                      <a:endParaRPr kumimoji="1" lang="ja-JP" altLang="en-US"/>
-                    </a:p>
-                  </a:txBody>
-                  <a:tcPr>
-                    <a:lnL w="12700" cap="flat" cmpd="sng" algn="ctr">
-                      <a:solidFill>
-                        <a:schemeClr val="tx1"/>
-                      </a:solidFill>
-                      <a:prstDash val="solid"/>
-                      <a:round/>
-                      <a:headEnd type="none" w="med" len="med"/>
-                      <a:tailEnd type="none" w="med" len="med"/>
-                    </a:lnL>
-                    <a:lnR w="12700" cap="flat" cmpd="sng" algn="ctr">
-                      <a:solidFill>
-                        <a:schemeClr val="tx1"/>
-                      </a:solidFill>
-                      <a:prstDash val="solid"/>
-                      <a:round/>
-                      <a:headEnd type="none" w="med" len="med"/>
-                      <a:tailEnd type="none" w="med" len="med"/>
-                    </a:lnR>
-                    <a:lnT w="12700" cap="flat" cmpd="sng" algn="ctr">
-                      <a:solidFill>
-                        <a:schemeClr val="tx1"/>
-                      </a:solidFill>
-                      <a:prstDash val="solid"/>
-                      <a:round/>
-                      <a:headEnd type="none" w="med" len="med"/>
-                      <a:tailEnd type="none" w="med" len="med"/>
-                    </a:lnT>
-                    <a:lnB w="12700" cap="flat" cmpd="sng" algn="ctr">
-                      <a:solidFill>
-                        <a:schemeClr val="tx1"/>
-                      </a:solidFill>
-                      <a:prstDash val="solid"/>
-                      <a:round/>
-                      <a:headEnd type="none" w="med" len="med"/>
-                      <a:tailEnd type="none" w="med" len="med"/>
-                    </a:lnB>
-                    <a:solidFill>
-                      <a:schemeClr val="bg1"/>
-                    </a:solidFill>
-                  </a:tcPr>
-                </a:tc>
-                <a:extLst>
-                  <a:ext uri="{0D108BD9-81ED-4DB2-BD59-A6C34878D82A}">
-                    <a16:rowId xmlns:a16="http://schemas.microsoft.com/office/drawing/2014/main" val="2573537962"/>
-                  </a:ext>
-                </a:extLst>
-              </a:tr>
-            </a:tbl>
-          </a:graphicData>
-        </a:graphic>
-      </p:graphicFrame>
-      <p:sp>
-        <p:nvSpPr>
-          <p:cNvPr id="3" name="スライド番号プレースホルダー 2">
-            <a:extLst>
-              <a:ext uri="{FF2B5EF4-FFF2-40B4-BE49-F238E27FC236}">
-                <a16:creationId xmlns:a16="http://schemas.microsoft.com/office/drawing/2014/main" id="{B956A609-A3E9-8643-A59E-E559AB9E164B}"/>
-              </a:ext>
-            </a:extLst>
-          </p:cNvPr>
-          <p:cNvSpPr>
-            <a:spLocks noGrp="1"/>
-          </p:cNvSpPr>
-          <p:nvPr>
-            <p:ph type="sldNum" sz="quarter" idx="12"/>
-          </p:nvPr>
-        </p:nvSpPr>
-        <p:spPr/>
-        <p:txBody>
-          <a:bodyPr/>
-          <a:lstStyle/>
-          <a:p>
-            <a:fld id="{2F7CED91-9D1D-2E49-97C4-8C5886486047}" type="slidenum">
-              <a:rPr kumimoji="1" lang="ja-JP" altLang="en-US" smtClean="0"/>
-              <a:t>4</a:t>
-            </a:fld>
-            <a:endParaRPr kumimoji="1" lang="ja-JP" altLang="en-US"/>
-          </a:p>
-        </p:txBody>
-      </p:sp>
     </p:spTree>
     <p:extLst>
       <p:ext uri="{BB962C8B-B14F-4D97-AF65-F5344CB8AC3E}">
-        <p14:creationId xmlns:p14="http://schemas.microsoft.com/office/powerpoint/2010/main" val="3660068362"/>
+        <p14:creationId xmlns:p14="http://schemas.microsoft.com/office/powerpoint/2010/main" val="3648242954"/>
       </p:ext>
     </p:extLst>
   </p:cSld>
   <p:clrMapOvr>
     <a:masterClrMapping/>
   </p:clrMapOvr>
+  <p:timing>
+    <p:tnLst>
+      <p:par>
+        <p:cTn id="1" dur="indefinite" restart="never" nodeType="tmRoot">
+          <p:childTnLst>
+            <p:seq concurrent="1" nextAc="seek">
+              <p:cTn id="2" dur="indefinite" nodeType="mainSeq">
+                <p:childTnLst>
+                  <p:par>
+                    <p:cTn id="3" fill="hold">
+                      <p:stCondLst>
+                        <p:cond delay="indefinite"/>
+                      </p:stCondLst>
+                      <p:childTnLst>
+                        <p:par>
+                          <p:cTn id="4" fill="hold">
+                            <p:stCondLst>
+                              <p:cond delay="0"/>
+                            </p:stCondLst>
+                            <p:childTnLst>
+                              <p:par>
+                                <p:cTn id="5" presetID="22" presetClass="entr" presetSubtype="8" fill="hold" grpId="0" nodeType="clickEffect">
+                                  <p:stCondLst>
+                                    <p:cond delay="0"/>
+                                  </p:stCondLst>
+                                  <p:childTnLst>
+                                    <p:set>
+                                      <p:cBhvr>
+                                        <p:cTn id="6" dur="1" fill="hold">
+                                          <p:stCondLst>
+                                            <p:cond delay="0"/>
+                                          </p:stCondLst>
+                                        </p:cTn>
+                                        <p:tgtEl>
+                                          <p:spTgt spid="6"/>
+                                        </p:tgtEl>
+                                        <p:attrNameLst>
+                                          <p:attrName>style.visibility</p:attrName>
+                                        </p:attrNameLst>
+                                      </p:cBhvr>
+                                      <p:to>
+                                        <p:strVal val="visible"/>
+                                      </p:to>
+                                    </p:set>
+                                    <p:animEffect transition="in" filter="wipe(left)">
+                                      <p:cBhvr>
+                                        <p:cTn id="7" dur="500"/>
+                                        <p:tgtEl>
+                                          <p:spTgt spid="6"/>
+                                        </p:tgtEl>
+                                      </p:cBhvr>
+                                    </p:animEffect>
+                                  </p:childTnLst>
+                                </p:cTn>
+                              </p:par>
+                            </p:childTnLst>
+                          </p:cTn>
+                        </p:par>
+                        <p:par>
+                          <p:cTn id="8" fill="hold">
+                            <p:stCondLst>
+                              <p:cond delay="500"/>
+                            </p:stCondLst>
+                            <p:childTnLst>
+                              <p:par>
+                                <p:cTn id="9" presetID="1" presetClass="entr" presetSubtype="0" fill="hold" grpId="0" nodeType="afterEffect">
+                                  <p:stCondLst>
+                                    <p:cond delay="0"/>
+                                  </p:stCondLst>
+                                  <p:childTnLst>
+                                    <p:set>
+                                      <p:cBhvr>
+                                        <p:cTn id="10" dur="1" fill="hold">
+                                          <p:stCondLst>
+                                            <p:cond delay="0"/>
+                                          </p:stCondLst>
+                                        </p:cTn>
+                                        <p:tgtEl>
+                                          <p:spTgt spid="8"/>
+                                        </p:tgtEl>
+                                        <p:attrNameLst>
+                                          <p:attrName>style.visibility</p:attrName>
+                                        </p:attrNameLst>
+                                      </p:cBhvr>
+                                      <p:to>
+                                        <p:strVal val="visible"/>
+                                      </p:to>
+                                    </p:set>
+                                  </p:childTnLst>
+                                </p:cTn>
+                              </p:par>
+                            </p:childTnLst>
+                          </p:cTn>
+                        </p:par>
+                        <p:par>
+                          <p:cTn id="11" fill="hold">
+                            <p:stCondLst>
+                              <p:cond delay="500"/>
+                            </p:stCondLst>
+                            <p:childTnLst>
+                              <p:par>
+                                <p:cTn id="12" presetID="1" presetClass="entr" presetSubtype="0" fill="hold" nodeType="afterEffect">
+                                  <p:stCondLst>
+                                    <p:cond delay="0"/>
+                                  </p:stCondLst>
+                                  <p:childTnLst>
+                                    <p:set>
+                                      <p:cBhvr>
+                                        <p:cTn id="13" dur="1" fill="hold">
+                                          <p:stCondLst>
+                                            <p:cond delay="0"/>
+                                          </p:stCondLst>
+                                        </p:cTn>
+                                        <p:tgtEl>
+                                          <p:spTgt spid="21"/>
+                                        </p:tgtEl>
+                                        <p:attrNameLst>
+                                          <p:attrName>style.visibility</p:attrName>
+                                        </p:attrNameLst>
+                                      </p:cBhvr>
+                                      <p:to>
+                                        <p:strVal val="visible"/>
+                                      </p:to>
+                                    </p:set>
+                                  </p:childTnLst>
+                                </p:cTn>
+                              </p:par>
+                              <p:par>
+                                <p:cTn id="14" presetID="1" presetClass="entr" presetSubtype="0" fill="hold" nodeType="withEffect">
+                                  <p:stCondLst>
+                                    <p:cond delay="0"/>
+                                  </p:stCondLst>
+                                  <p:childTnLst>
+                                    <p:set>
+                                      <p:cBhvr>
+                                        <p:cTn id="15" dur="1" fill="hold">
+                                          <p:stCondLst>
+                                            <p:cond delay="0"/>
+                                          </p:stCondLst>
+                                        </p:cTn>
+                                        <p:tgtEl>
+                                          <p:spTgt spid="22"/>
+                                        </p:tgtEl>
+                                        <p:attrNameLst>
+                                          <p:attrName>style.visibility</p:attrName>
+                                        </p:attrNameLst>
+                                      </p:cBhvr>
+                                      <p:to>
+                                        <p:strVal val="visible"/>
+                                      </p:to>
+                                    </p:set>
+                                  </p:childTnLst>
+                                </p:cTn>
+                              </p:par>
+                            </p:childTnLst>
+                          </p:cTn>
+                        </p:par>
+                      </p:childTnLst>
+                    </p:cTn>
+                  </p:par>
+                  <p:par>
+                    <p:cTn id="16" fill="hold">
+                      <p:stCondLst>
+                        <p:cond delay="indefinite"/>
+                      </p:stCondLst>
+                      <p:childTnLst>
+                        <p:par>
+                          <p:cTn id="17" fill="hold">
+                            <p:stCondLst>
+                              <p:cond delay="0"/>
+                            </p:stCondLst>
+                            <p:childTnLst>
+                              <p:par>
+                                <p:cTn id="18" presetID="22" presetClass="entr" presetSubtype="8" fill="hold" grpId="0" nodeType="clickEffect">
+                                  <p:stCondLst>
+                                    <p:cond delay="0"/>
+                                  </p:stCondLst>
+                                  <p:childTnLst>
+                                    <p:set>
+                                      <p:cBhvr>
+                                        <p:cTn id="19" dur="1" fill="hold">
+                                          <p:stCondLst>
+                                            <p:cond delay="0"/>
+                                          </p:stCondLst>
+                                        </p:cTn>
+                                        <p:tgtEl>
+                                          <p:spTgt spid="23"/>
+                                        </p:tgtEl>
+                                        <p:attrNameLst>
+                                          <p:attrName>style.visibility</p:attrName>
+                                        </p:attrNameLst>
+                                      </p:cBhvr>
+                                      <p:to>
+                                        <p:strVal val="visible"/>
+                                      </p:to>
+                                    </p:set>
+                                    <p:animEffect transition="in" filter="wipe(left)">
+                                      <p:cBhvr>
+                                        <p:cTn id="20" dur="500"/>
+                                        <p:tgtEl>
+                                          <p:spTgt spid="23"/>
+                                        </p:tgtEl>
+                                      </p:cBhvr>
+                                    </p:animEffect>
+                                  </p:childTnLst>
+                                </p:cTn>
+                              </p:par>
+                            </p:childTnLst>
+                          </p:cTn>
+                        </p:par>
+                        <p:par>
+                          <p:cTn id="21" fill="hold">
+                            <p:stCondLst>
+                              <p:cond delay="500"/>
+                            </p:stCondLst>
+                            <p:childTnLst>
+                              <p:par>
+                                <p:cTn id="22" presetID="1" presetClass="entr" presetSubtype="0" fill="hold" grpId="0" nodeType="afterEffect">
+                                  <p:stCondLst>
+                                    <p:cond delay="0"/>
+                                  </p:stCondLst>
+                                  <p:childTnLst>
+                                    <p:set>
+                                      <p:cBhvr>
+                                        <p:cTn id="23" dur="1" fill="hold">
+                                          <p:stCondLst>
+                                            <p:cond delay="0"/>
+                                          </p:stCondLst>
+                                        </p:cTn>
+                                        <p:tgtEl>
+                                          <p:spTgt spid="10"/>
+                                        </p:tgtEl>
+                                        <p:attrNameLst>
+                                          <p:attrName>style.visibility</p:attrName>
+                                        </p:attrNameLst>
+                                      </p:cBhvr>
+                                      <p:to>
+                                        <p:strVal val="visible"/>
+                                      </p:to>
+                                    </p:set>
+                                  </p:childTnLst>
+                                </p:cTn>
+                              </p:par>
+                            </p:childTnLst>
+                          </p:cTn>
+                        </p:par>
+                        <p:par>
+                          <p:cTn id="24" fill="hold">
+                            <p:stCondLst>
+                              <p:cond delay="500"/>
+                            </p:stCondLst>
+                            <p:childTnLst>
+                              <p:par>
+                                <p:cTn id="25" presetID="1" presetClass="entr" presetSubtype="0" fill="hold" nodeType="afterEffect">
+                                  <p:stCondLst>
+                                    <p:cond delay="0"/>
+                                  </p:stCondLst>
+                                  <p:childTnLst>
+                                    <p:set>
+                                      <p:cBhvr>
+                                        <p:cTn id="26" dur="1" fill="hold">
+                                          <p:stCondLst>
+                                            <p:cond delay="0"/>
+                                          </p:stCondLst>
+                                        </p:cTn>
+                                        <p:tgtEl>
+                                          <p:spTgt spid="19"/>
+                                        </p:tgtEl>
+                                        <p:attrNameLst>
+                                          <p:attrName>style.visibility</p:attrName>
+                                        </p:attrNameLst>
+                                      </p:cBhvr>
+                                      <p:to>
+                                        <p:strVal val="visible"/>
+                                      </p:to>
+                                    </p:set>
+                                  </p:childTnLst>
+                                </p:cTn>
+                              </p:par>
+                              <p:par>
+                                <p:cTn id="27" presetID="1" presetClass="entr" presetSubtype="0" fill="hold" nodeType="withEffect">
+                                  <p:stCondLst>
+                                    <p:cond delay="0"/>
+                                  </p:stCondLst>
+                                  <p:childTnLst>
+                                    <p:set>
+                                      <p:cBhvr>
+                                        <p:cTn id="28" dur="1" fill="hold">
+                                          <p:stCondLst>
+                                            <p:cond delay="0"/>
+                                          </p:stCondLst>
+                                        </p:cTn>
+                                        <p:tgtEl>
+                                          <p:spTgt spid="17"/>
+                                        </p:tgtEl>
+                                        <p:attrNameLst>
+                                          <p:attrName>style.visibility</p:attrName>
+                                        </p:attrNameLst>
+                                      </p:cBhvr>
+                                      <p:to>
+                                        <p:strVal val="visible"/>
+                                      </p:to>
+                                    </p:set>
+                                  </p:childTnLst>
+                                </p:cTn>
+                              </p:par>
+                            </p:childTnLst>
+                          </p:cTn>
+                        </p:par>
+                      </p:childTnLst>
+                    </p:cTn>
+                  </p:par>
+                  <p:par>
+                    <p:cTn id="29" fill="hold">
+                      <p:stCondLst>
+                        <p:cond delay="indefinite"/>
+                      </p:stCondLst>
+                      <p:childTnLst>
+                        <p:par>
+                          <p:cTn id="30" fill="hold">
+                            <p:stCondLst>
+                              <p:cond delay="0"/>
+                            </p:stCondLst>
+                            <p:childTnLst>
+                              <p:par>
+                                <p:cTn id="31" presetID="22" presetClass="entr" presetSubtype="8" fill="hold" grpId="0" nodeType="clickEffect">
+                                  <p:stCondLst>
+                                    <p:cond delay="0"/>
+                                  </p:stCondLst>
+                                  <p:childTnLst>
+                                    <p:set>
+                                      <p:cBhvr>
+                                        <p:cTn id="32" dur="1" fill="hold">
+                                          <p:stCondLst>
+                                            <p:cond delay="0"/>
+                                          </p:stCondLst>
+                                        </p:cTn>
+                                        <p:tgtEl>
+                                          <p:spTgt spid="24"/>
+                                        </p:tgtEl>
+                                        <p:attrNameLst>
+                                          <p:attrName>style.visibility</p:attrName>
+                                        </p:attrNameLst>
+                                      </p:cBhvr>
+                                      <p:to>
+                                        <p:strVal val="visible"/>
+                                      </p:to>
+                                    </p:set>
+                                    <p:animEffect transition="in" filter="wipe(left)">
+                                      <p:cBhvr>
+                                        <p:cTn id="33" dur="500"/>
+                                        <p:tgtEl>
+                                          <p:spTgt spid="24"/>
+                                        </p:tgtEl>
+                                      </p:cBhvr>
+                                    </p:animEffect>
+                                  </p:childTnLst>
+                                </p:cTn>
+                              </p:par>
+                            </p:childTnLst>
+                          </p:cTn>
+                        </p:par>
+                        <p:par>
+                          <p:cTn id="34" fill="hold">
+                            <p:stCondLst>
+                              <p:cond delay="500"/>
+                            </p:stCondLst>
+                            <p:childTnLst>
+                              <p:par>
+                                <p:cTn id="35" presetID="1" presetClass="entr" presetSubtype="0" fill="hold" grpId="0" nodeType="afterEffect">
+                                  <p:stCondLst>
+                                    <p:cond delay="0"/>
+                                  </p:stCondLst>
+                                  <p:childTnLst>
+                                    <p:set>
+                                      <p:cBhvr>
+                                        <p:cTn id="36" dur="1" fill="hold">
+                                          <p:stCondLst>
+                                            <p:cond delay="0"/>
+                                          </p:stCondLst>
+                                        </p:cTn>
+                                        <p:tgtEl>
+                                          <p:spTgt spid="25"/>
+                                        </p:tgtEl>
+                                        <p:attrNameLst>
+                                          <p:attrName>style.visibility</p:attrName>
+                                        </p:attrNameLst>
+                                      </p:cBhvr>
+                                      <p:to>
+                                        <p:strVal val="visible"/>
+                                      </p:to>
+                                    </p:set>
+                                  </p:childTnLst>
+                                </p:cTn>
+                              </p:par>
+                            </p:childTnLst>
+                          </p:cTn>
+                        </p:par>
+                        <p:par>
+                          <p:cTn id="37" fill="hold">
+                            <p:stCondLst>
+                              <p:cond delay="500"/>
+                            </p:stCondLst>
+                            <p:childTnLst>
+                              <p:par>
+                                <p:cTn id="38" presetID="1" presetClass="entr" presetSubtype="0" fill="hold" nodeType="afterEffect">
+                                  <p:stCondLst>
+                                    <p:cond delay="0"/>
+                                  </p:stCondLst>
+                                  <p:childTnLst>
+                                    <p:set>
+                                      <p:cBhvr>
+                                        <p:cTn id="39" dur="1" fill="hold">
+                                          <p:stCondLst>
+                                            <p:cond delay="0"/>
+                                          </p:stCondLst>
+                                        </p:cTn>
+                                        <p:tgtEl>
+                                          <p:spTgt spid="20"/>
+                                        </p:tgtEl>
+                                        <p:attrNameLst>
+                                          <p:attrName>style.visibility</p:attrName>
+                                        </p:attrNameLst>
+                                      </p:cBhvr>
+                                      <p:to>
+                                        <p:strVal val="visible"/>
+                                      </p:to>
+                                    </p:set>
+                                  </p:childTnLst>
+                                </p:cTn>
+                              </p:par>
+                            </p:childTnLst>
+                          </p:cTn>
+                        </p:par>
+                      </p:childTnLst>
+                    </p:cTn>
+                  </p:par>
+                </p:childTnLst>
+              </p:cTn>
+              <p:prevCondLst>
+                <p:cond evt="onPrev" delay="0">
+                  <p:tgtEl>
+                    <p:sldTgt/>
+                  </p:tgtEl>
+                </p:cond>
+              </p:prevCondLst>
+              <p:nextCondLst>
+                <p:cond evt="onNext" delay="0">
+                  <p:tgtEl>
+                    <p:sldTgt/>
+                  </p:tgtEl>
+                </p:cond>
+              </p:nextCondLst>
+            </p:seq>
+          </p:childTnLst>
+        </p:cTn>
+      </p:par>
+    </p:tnLst>
+    <p:bldLst>
+      <p:bldP spid="6" grpId="0" animBg="1"/>
+      <p:bldP spid="8" grpId="0"/>
+      <p:bldP spid="23" grpId="0" animBg="1"/>
+      <p:bldP spid="10" grpId="0"/>
+      <p:bldP spid="24" grpId="0" animBg="1"/>
+      <p:bldP spid="25" grpId="0"/>
+    </p:bldLst>
+  </p:timing>
 </p:sld>
 </file>
 
-<file path=ppt/slides/slide5.xml><?xml version="1.0" encoding="utf-8"?>
-<p:sld xmlns:a="http://schemas.openxmlformats.org/drawingml/2006/main" xmlns:r="http://schemas.openxmlformats.org/officeDocument/2006/relationships" xmlns:p="http://schemas.openxmlformats.org/presentationml/2006/main">
-  <p:cSld>
-    <p:spTree>
-      <p:nvGrpSpPr>
-        <p:cNvPr id="1" name=""/>
-        <p:cNvGrpSpPr/>
-        <p:nvPr/>
-      </p:nvGrpSpPr>
-      <p:grpSpPr>
-        <a:xfrm>
-          <a:off x="0" y="0"/>
-          <a:ext cx="0" cy="0"/>
-          <a:chOff x="0" y="0"/>
-          <a:chExt cx="0" cy="0"/>
-        </a:xfrm>
-      </p:grpSpPr>
-      <p:sp>
-        <p:nvSpPr>
-          <p:cNvPr id="2" name="タイトル 1">
-            <a:extLst>
-              <a:ext uri="{FF2B5EF4-FFF2-40B4-BE49-F238E27FC236}">
-                <a16:creationId xmlns:a16="http://schemas.microsoft.com/office/drawing/2014/main" id="{FEC153AF-463D-5A46-A5FE-B56196E53201}"/>
-              </a:ext>
-            </a:extLst>
-          </p:cNvPr>
-          <p:cNvSpPr>
-            <a:spLocks noGrp="1"/>
-          </p:cNvSpPr>
-          <p:nvPr>
-            <p:ph type="title"/>
-          </p:nvPr>
-        </p:nvSpPr>
-        <p:spPr>
-          <a:xfrm>
-            <a:off x="0" y="18255"/>
-            <a:ext cx="10515600" cy="1325563"/>
-          </a:xfrm>
-        </p:spPr>
-        <p:txBody>
-          <a:bodyPr>
-            <a:normAutofit/>
-          </a:bodyPr>
-          <a:lstStyle/>
-          <a:p>
-            <a:r>
-              <a:rPr lang="ja-JP" altLang="en-US" sz="4000" b="1">
-                <a:latin typeface="Meiryo" panose="020B0604030504040204" pitchFamily="34" charset="-128"/>
-                <a:ea typeface="Meiryo" panose="020B0604030504040204" pitchFamily="34" charset="-128"/>
-              </a:rPr>
-              <a:t>システムのデモ</a:t>
-            </a:r>
-            <a:endParaRPr kumimoji="1" lang="ja-JP" altLang="en-US" sz="4000" b="1">
-              <a:latin typeface="Meiryo" panose="020B0604030504040204" pitchFamily="34" charset="-128"/>
-              <a:ea typeface="Meiryo" panose="020B0604030504040204" pitchFamily="34" charset="-128"/>
-            </a:endParaRPr>
-          </a:p>
-        </p:txBody>
-      </p:sp>
-      <p:sp>
-        <p:nvSpPr>
-          <p:cNvPr id="3" name="テキスト ボックス 2">
-            <a:extLst>
-              <a:ext uri="{FF2B5EF4-FFF2-40B4-BE49-F238E27FC236}">
-                <a16:creationId xmlns:a16="http://schemas.microsoft.com/office/drawing/2014/main" id="{8261B767-317B-FB4D-AE92-F8DA8E100CB8}"/>
-              </a:ext>
-            </a:extLst>
-          </p:cNvPr>
-          <p:cNvSpPr txBox="1"/>
-          <p:nvPr/>
-        </p:nvSpPr>
-        <p:spPr>
-          <a:xfrm>
-            <a:off x="0" y="1343818"/>
-            <a:ext cx="3005951" cy="400110"/>
-          </a:xfrm>
-          <a:prstGeom prst="rect">
-            <a:avLst/>
-          </a:prstGeom>
-          <a:noFill/>
-        </p:spPr>
-        <p:txBody>
-          <a:bodyPr wrap="none" rtlCol="0">
-            <a:spAutoFit/>
-          </a:bodyPr>
-          <a:lstStyle/>
-          <a:p>
-            <a:r>
-              <a:rPr kumimoji="1" lang="ja-JP" altLang="en-US" sz="2000" b="1">
-                <a:latin typeface="Meiryo" panose="020B0604030504040204" pitchFamily="34" charset="-128"/>
-                <a:ea typeface="Meiryo" panose="020B0604030504040204" pitchFamily="34" charset="-128"/>
-              </a:rPr>
-              <a:t>ネットワークの自動構築</a:t>
-            </a:r>
-            <a:endParaRPr kumimoji="1" lang="ja-JP" altLang="en-US" b="1">
-              <a:latin typeface="Meiryo" panose="020B0604030504040204" pitchFamily="34" charset="-128"/>
-              <a:ea typeface="Meiryo" panose="020B0604030504040204" pitchFamily="34" charset="-128"/>
-            </a:endParaRPr>
-          </a:p>
-        </p:txBody>
-      </p:sp>
-      <p:sp>
-        <p:nvSpPr>
-          <p:cNvPr id="4" name="スライド番号プレースホルダー 3">
-            <a:extLst>
-              <a:ext uri="{FF2B5EF4-FFF2-40B4-BE49-F238E27FC236}">
-                <a16:creationId xmlns:a16="http://schemas.microsoft.com/office/drawing/2014/main" id="{78711AD9-1E6B-E44C-A8E2-EDBDB368C4E1}"/>
-              </a:ext>
-            </a:extLst>
-          </p:cNvPr>
-          <p:cNvSpPr>
-            <a:spLocks noGrp="1"/>
-          </p:cNvSpPr>
-          <p:nvPr>
-            <p:ph type="sldNum" sz="quarter" idx="12"/>
-          </p:nvPr>
-        </p:nvSpPr>
-        <p:spPr/>
-        <p:txBody>
-          <a:bodyPr/>
-          <a:lstStyle/>
-          <a:p>
-            <a:fld id="{2F7CED91-9D1D-2E49-97C4-8C5886486047}" type="slidenum">
-              <a:rPr kumimoji="1" lang="ja-JP" altLang="en-US" smtClean="0"/>
-              <a:t>5</a:t>
-            </a:fld>
-            <a:endParaRPr kumimoji="1" lang="ja-JP" altLang="en-US"/>
-          </a:p>
-        </p:txBody>
-      </p:sp>
-    </p:spTree>
-    <p:extLst>
-      <p:ext uri="{BB962C8B-B14F-4D97-AF65-F5344CB8AC3E}">
-        <p14:creationId xmlns:p14="http://schemas.microsoft.com/office/powerpoint/2010/main" val="3764825287"/>
-      </p:ext>
-    </p:extLst>
-  </p:cSld>
-  <p:clrMapOvr>
-    <a:masterClrMapping/>
-  </p:clrMapOvr>
-</p:sld>
-</file>
-
-<file path=ppt/slides/slide6.xml><?xml version="1.0" encoding="utf-8"?>
-<p:sld xmlns:a="http://schemas.openxmlformats.org/drawingml/2006/main" xmlns:r="http://schemas.openxmlformats.org/officeDocument/2006/relationships" xmlns:p="http://schemas.openxmlformats.org/presentationml/2006/main">
-  <p:cSld>
-    <p:spTree>
-      <p:nvGrpSpPr>
-        <p:cNvPr id="1" name=""/>
-        <p:cNvGrpSpPr/>
-        <p:nvPr/>
-      </p:nvGrpSpPr>
-      <p:grpSpPr>
-        <a:xfrm>
-          <a:off x="0" y="0"/>
-          <a:ext cx="0" cy="0"/>
-          <a:chOff x="0" y="0"/>
-          <a:chExt cx="0" cy="0"/>
-        </a:xfrm>
-      </p:grpSpPr>
-      <p:sp>
-        <p:nvSpPr>
-          <p:cNvPr id="2" name="タイトル 1">
-            <a:extLst>
-              <a:ext uri="{FF2B5EF4-FFF2-40B4-BE49-F238E27FC236}">
-                <a16:creationId xmlns:a16="http://schemas.microsoft.com/office/drawing/2014/main" id="{FEC153AF-463D-5A46-A5FE-B56196E53201}"/>
-              </a:ext>
-            </a:extLst>
-          </p:cNvPr>
-          <p:cNvSpPr>
-            <a:spLocks noGrp="1"/>
-          </p:cNvSpPr>
-          <p:nvPr>
-            <p:ph type="title"/>
-          </p:nvPr>
-        </p:nvSpPr>
-        <p:spPr>
-          <a:xfrm>
-            <a:off x="0" y="18255"/>
-            <a:ext cx="10515600" cy="1325563"/>
-          </a:xfrm>
-        </p:spPr>
-        <p:txBody>
-          <a:bodyPr>
-            <a:normAutofit/>
-          </a:bodyPr>
-          <a:lstStyle/>
-          <a:p>
-            <a:r>
-              <a:rPr lang="ja-JP" altLang="en-US" sz="4000" b="1">
-                <a:latin typeface="Meiryo" panose="020B0604030504040204" pitchFamily="34" charset="-128"/>
-                <a:ea typeface="Meiryo" panose="020B0604030504040204" pitchFamily="34" charset="-128"/>
-              </a:rPr>
-              <a:t>システムのデモ</a:t>
-            </a:r>
-            <a:endParaRPr kumimoji="1" lang="ja-JP" altLang="en-US" sz="4000" b="1">
-              <a:latin typeface="Meiryo" panose="020B0604030504040204" pitchFamily="34" charset="-128"/>
-              <a:ea typeface="Meiryo" panose="020B0604030504040204" pitchFamily="34" charset="-128"/>
-            </a:endParaRPr>
-          </a:p>
-        </p:txBody>
-      </p:sp>
-      <p:sp>
-        <p:nvSpPr>
-          <p:cNvPr id="3" name="テキスト ボックス 2">
-            <a:extLst>
-              <a:ext uri="{FF2B5EF4-FFF2-40B4-BE49-F238E27FC236}">
-                <a16:creationId xmlns:a16="http://schemas.microsoft.com/office/drawing/2014/main" id="{8261B767-317B-FB4D-AE92-F8DA8E100CB8}"/>
-              </a:ext>
-            </a:extLst>
-          </p:cNvPr>
-          <p:cNvSpPr txBox="1"/>
-          <p:nvPr/>
-        </p:nvSpPr>
-        <p:spPr>
-          <a:xfrm>
-            <a:off x="0" y="1343818"/>
-            <a:ext cx="2492990" cy="400110"/>
-          </a:xfrm>
-          <a:prstGeom prst="rect">
-            <a:avLst/>
-          </a:prstGeom>
-          <a:noFill/>
-        </p:spPr>
-        <p:txBody>
-          <a:bodyPr wrap="none" rtlCol="0">
-            <a:spAutoFit/>
-          </a:bodyPr>
-          <a:lstStyle/>
-          <a:p>
-            <a:r>
-              <a:rPr lang="ja-JP" altLang="en-US" sz="2000" b="1">
-                <a:latin typeface="Meiryo" panose="020B0604030504040204" pitchFamily="34" charset="-128"/>
-                <a:ea typeface="Meiryo" panose="020B0604030504040204" pitchFamily="34" charset="-128"/>
-              </a:rPr>
-              <a:t>設定のバックアップ</a:t>
-            </a:r>
-            <a:endParaRPr kumimoji="1" lang="ja-JP" altLang="en-US" b="1">
-              <a:latin typeface="Meiryo" panose="020B0604030504040204" pitchFamily="34" charset="-128"/>
-              <a:ea typeface="Meiryo" panose="020B0604030504040204" pitchFamily="34" charset="-128"/>
-            </a:endParaRPr>
-          </a:p>
-        </p:txBody>
-      </p:sp>
-      <p:sp>
-        <p:nvSpPr>
-          <p:cNvPr id="4" name="スライド番号プレースホルダー 3">
-            <a:extLst>
-              <a:ext uri="{FF2B5EF4-FFF2-40B4-BE49-F238E27FC236}">
-                <a16:creationId xmlns:a16="http://schemas.microsoft.com/office/drawing/2014/main" id="{6B0AE9FC-3430-544E-B51E-27D314F05170}"/>
-              </a:ext>
-            </a:extLst>
-          </p:cNvPr>
-          <p:cNvSpPr>
-            <a:spLocks noGrp="1"/>
-          </p:cNvSpPr>
-          <p:nvPr>
-            <p:ph type="sldNum" sz="quarter" idx="12"/>
-          </p:nvPr>
-        </p:nvSpPr>
-        <p:spPr/>
-        <p:txBody>
-          <a:bodyPr/>
-          <a:lstStyle/>
-          <a:p>
-            <a:fld id="{2F7CED91-9D1D-2E49-97C4-8C5886486047}" type="slidenum">
-              <a:rPr kumimoji="1" lang="ja-JP" altLang="en-US" smtClean="0"/>
-              <a:t>6</a:t>
-            </a:fld>
-            <a:endParaRPr kumimoji="1" lang="ja-JP" altLang="en-US"/>
-          </a:p>
-        </p:txBody>
-      </p:sp>
-    </p:spTree>
-    <p:extLst>
-      <p:ext uri="{BB962C8B-B14F-4D97-AF65-F5344CB8AC3E}">
-        <p14:creationId xmlns:p14="http://schemas.microsoft.com/office/powerpoint/2010/main" val="445040605"/>
-      </p:ext>
-    </p:extLst>
-  </p:cSld>
-  <p:clrMapOvr>
-    <a:masterClrMapping/>
-  </p:clrMapOvr>
-</p:sld>
-</file>
-
-<file path=ppt/slides/slide7.xml><?xml version="1.0" encoding="utf-8"?>
-<p:sld xmlns:a="http://schemas.openxmlformats.org/drawingml/2006/main" xmlns:r="http://schemas.openxmlformats.org/officeDocument/2006/relationships" xmlns:p="http://schemas.openxmlformats.org/presentationml/2006/main">
-  <p:cSld>
-    <p:spTree>
-      <p:nvGrpSpPr>
-        <p:cNvPr id="1" name=""/>
-        <p:cNvGrpSpPr/>
-        <p:nvPr/>
-      </p:nvGrpSpPr>
-      <p:grpSpPr>
-        <a:xfrm>
-          <a:off x="0" y="0"/>
-          <a:ext cx="0" cy="0"/>
-          <a:chOff x="0" y="0"/>
-          <a:chExt cx="0" cy="0"/>
-        </a:xfrm>
-      </p:grpSpPr>
-      <p:sp>
-        <p:nvSpPr>
-          <p:cNvPr id="2" name="タイトル 1">
-            <a:extLst>
-              <a:ext uri="{FF2B5EF4-FFF2-40B4-BE49-F238E27FC236}">
-                <a16:creationId xmlns:a16="http://schemas.microsoft.com/office/drawing/2014/main" id="{FEC153AF-463D-5A46-A5FE-B56196E53201}"/>
-              </a:ext>
-            </a:extLst>
-          </p:cNvPr>
-          <p:cNvSpPr>
-            <a:spLocks noGrp="1"/>
-          </p:cNvSpPr>
-          <p:nvPr>
-            <p:ph type="title"/>
-          </p:nvPr>
-        </p:nvSpPr>
-        <p:spPr>
-          <a:xfrm>
-            <a:off x="0" y="18255"/>
-            <a:ext cx="10515600" cy="1325563"/>
-          </a:xfrm>
-        </p:spPr>
-        <p:txBody>
-          <a:bodyPr>
-            <a:normAutofit/>
-          </a:bodyPr>
-          <a:lstStyle/>
-          <a:p>
-            <a:r>
-              <a:rPr lang="ja-JP" altLang="en-US" sz="4000" b="1">
-                <a:latin typeface="Meiryo" panose="020B0604030504040204" pitchFamily="34" charset="-128"/>
-                <a:ea typeface="Meiryo" panose="020B0604030504040204" pitchFamily="34" charset="-128"/>
-              </a:rPr>
-              <a:t>システムのデモ</a:t>
-            </a:r>
-            <a:endParaRPr kumimoji="1" lang="ja-JP" altLang="en-US" sz="4000" b="1">
-              <a:latin typeface="Meiryo" panose="020B0604030504040204" pitchFamily="34" charset="-128"/>
-              <a:ea typeface="Meiryo" panose="020B0604030504040204" pitchFamily="34" charset="-128"/>
-            </a:endParaRPr>
-          </a:p>
-        </p:txBody>
-      </p:sp>
-      <p:sp>
-        <p:nvSpPr>
-          <p:cNvPr id="3" name="テキスト ボックス 2">
-            <a:extLst>
-              <a:ext uri="{FF2B5EF4-FFF2-40B4-BE49-F238E27FC236}">
-                <a16:creationId xmlns:a16="http://schemas.microsoft.com/office/drawing/2014/main" id="{8261B767-317B-FB4D-AE92-F8DA8E100CB8}"/>
-              </a:ext>
-            </a:extLst>
-          </p:cNvPr>
-          <p:cNvSpPr txBox="1"/>
-          <p:nvPr/>
-        </p:nvSpPr>
-        <p:spPr>
-          <a:xfrm>
-            <a:off x="0" y="1343818"/>
-            <a:ext cx="3005951" cy="400110"/>
-          </a:xfrm>
-          <a:prstGeom prst="rect">
-            <a:avLst/>
-          </a:prstGeom>
-          <a:noFill/>
-        </p:spPr>
-        <p:txBody>
-          <a:bodyPr wrap="none" rtlCol="0">
-            <a:spAutoFit/>
-          </a:bodyPr>
-          <a:lstStyle/>
-          <a:p>
-            <a:r>
-              <a:rPr kumimoji="1" lang="ja-JP" altLang="en-US" sz="2000" b="1">
-                <a:latin typeface="Meiryo" panose="020B0604030504040204" pitchFamily="34" charset="-128"/>
-                <a:ea typeface="Meiryo" panose="020B0604030504040204" pitchFamily="34" charset="-128"/>
-              </a:rPr>
-              <a:t>設定の復元（リストア）</a:t>
-            </a:r>
-            <a:endParaRPr kumimoji="1" lang="ja-JP" altLang="en-US" b="1">
-              <a:latin typeface="Meiryo" panose="020B0604030504040204" pitchFamily="34" charset="-128"/>
-              <a:ea typeface="Meiryo" panose="020B0604030504040204" pitchFamily="34" charset="-128"/>
-            </a:endParaRPr>
-          </a:p>
-        </p:txBody>
-      </p:sp>
-      <p:sp>
-        <p:nvSpPr>
-          <p:cNvPr id="4" name="スライド番号プレースホルダー 3">
-            <a:extLst>
-              <a:ext uri="{FF2B5EF4-FFF2-40B4-BE49-F238E27FC236}">
-                <a16:creationId xmlns:a16="http://schemas.microsoft.com/office/drawing/2014/main" id="{F23E12BA-080E-5943-98B2-D3C81648E849}"/>
-              </a:ext>
-            </a:extLst>
-          </p:cNvPr>
-          <p:cNvSpPr>
-            <a:spLocks noGrp="1"/>
-          </p:cNvSpPr>
-          <p:nvPr>
-            <p:ph type="sldNum" sz="quarter" idx="12"/>
-          </p:nvPr>
-        </p:nvSpPr>
-        <p:spPr/>
-        <p:txBody>
-          <a:bodyPr/>
-          <a:lstStyle/>
-          <a:p>
-            <a:fld id="{2F7CED91-9D1D-2E49-97C4-8C5886486047}" type="slidenum">
-              <a:rPr kumimoji="1" lang="ja-JP" altLang="en-US" smtClean="0"/>
-              <a:t>7</a:t>
-            </a:fld>
-            <a:endParaRPr kumimoji="1" lang="ja-JP" altLang="en-US"/>
-          </a:p>
-        </p:txBody>
-      </p:sp>
-    </p:spTree>
-    <p:extLst>
-      <p:ext uri="{BB962C8B-B14F-4D97-AF65-F5344CB8AC3E}">
-        <p14:creationId xmlns:p14="http://schemas.microsoft.com/office/powerpoint/2010/main" val="4092308856"/>
-      </p:ext>
-    </p:extLst>
-  </p:cSld>
-  <p:clrMapOvr>
-    <a:masterClrMapping/>
-  </p:clrMapOvr>
-</p:sld>
-</file>
-
-<file path=ppt/slides/slide8.xml><?xml version="1.0" encoding="utf-8"?>
+<file path=ppt/slides/slide4.xml><?xml version="1.0" encoding="utf-8"?>
 <p:sld xmlns:a="http://schemas.openxmlformats.org/drawingml/2006/main" xmlns:r="http://schemas.openxmlformats.org/officeDocument/2006/relationships" xmlns:p="http://schemas.openxmlformats.org/presentationml/2006/main">
   <p:cSld>
     <p:bg>
@@ -18411,11 +20293,18 @@
           <a:lstStyle/>
           <a:p>
             <a:r>
+              <a:rPr kumimoji="1" lang="ja-JP" altLang="en-US" sz="4000" b="1">
+                <a:latin typeface="Meiryo" panose="020B0604030504040204" pitchFamily="34" charset="-128"/>
+                <a:ea typeface="Meiryo" panose="020B0604030504040204" pitchFamily="34" charset="-128"/>
+              </a:rPr>
+              <a:t>システムの</a:t>
+            </a:r>
+            <a:r>
               <a:rPr lang="ja-JP" altLang="en-US" sz="4000" b="1">
                 <a:latin typeface="Meiryo" panose="020B0604030504040204" pitchFamily="34" charset="-128"/>
                 <a:ea typeface="Meiryo" panose="020B0604030504040204" pitchFamily="34" charset="-128"/>
               </a:rPr>
-              <a:t>実現できた機能</a:t>
+              <a:t>構成図</a:t>
             </a:r>
             <a:endParaRPr kumimoji="1" lang="ja-JP" altLang="en-US" sz="4000" b="1">
               <a:latin typeface="Meiryo" panose="020B0604030504040204" pitchFamily="34" charset="-128"/>
@@ -18494,383 +20383,42 @@
       </p:sp>
       <p:sp>
         <p:nvSpPr>
-          <p:cNvPr id="3" name="角丸四角形 2">
+          <p:cNvPr id="5" name="テキスト ボックス 4">
             <a:extLst>
               <a:ext uri="{FF2B5EF4-FFF2-40B4-BE49-F238E27FC236}">
-                <a16:creationId xmlns:a16="http://schemas.microsoft.com/office/drawing/2014/main" id="{6063EE24-F371-0B44-A912-5522B30A5858}"/>
+                <a16:creationId xmlns:a16="http://schemas.microsoft.com/office/drawing/2014/main" id="{8A51E5F4-221B-1447-B748-DDE23AE39787}"/>
               </a:ext>
             </a:extLst>
           </p:cNvPr>
-          <p:cNvSpPr/>
+          <p:cNvSpPr txBox="1"/>
           <p:nvPr/>
         </p:nvSpPr>
         <p:spPr>
           <a:xfrm>
-            <a:off x="1115568" y="2373923"/>
-            <a:ext cx="10168128" cy="1305029"/>
+            <a:off x="4822371" y="1175657"/>
+            <a:ext cx="184731" cy="369332"/>
           </a:xfrm>
-          <a:prstGeom prst="roundRect">
+          <a:prstGeom prst="rect">
             <a:avLst/>
           </a:prstGeom>
-          <a:solidFill>
-            <a:schemeClr val="accent4">
-              <a:lumMod val="40000"/>
-              <a:lumOff val="60000"/>
-            </a:schemeClr>
-          </a:solidFill>
-          <a:ln w="28575">
-            <a:solidFill>
-              <a:schemeClr val="tx1"/>
-            </a:solidFill>
-          </a:ln>
+          <a:noFill/>
         </p:spPr>
-        <p:style>
-          <a:lnRef idx="2">
-            <a:schemeClr val="accent1">
-              <a:shade val="50000"/>
-            </a:schemeClr>
-          </a:lnRef>
-          <a:fillRef idx="1">
-            <a:schemeClr val="accent1"/>
-          </a:fillRef>
-          <a:effectRef idx="0">
-            <a:schemeClr val="accent1"/>
-          </a:effectRef>
-          <a:fontRef idx="minor">
-            <a:schemeClr val="lt1"/>
-          </a:fontRef>
-        </p:style>
         <p:txBody>
-          <a:bodyPr rtlCol="0" anchor="ctr"/>
+          <a:bodyPr wrap="none" rtlCol="0">
+            <a:spAutoFit/>
+          </a:bodyPr>
           <a:lstStyle/>
           <a:p>
-            <a:pPr algn="ctr"/>
             <a:endParaRPr kumimoji="1" lang="ja-JP" altLang="en-US"/>
           </a:p>
         </p:txBody>
       </p:sp>
       <p:sp>
         <p:nvSpPr>
-          <p:cNvPr id="10" name="角丸四角形 9">
+          <p:cNvPr id="4" name="スライド番号プレースホルダー 3">
             <a:extLst>
               <a:ext uri="{FF2B5EF4-FFF2-40B4-BE49-F238E27FC236}">
-                <a16:creationId xmlns:a16="http://schemas.microsoft.com/office/drawing/2014/main" id="{6678DC0C-DC6F-E747-822D-405278E2450A}"/>
-              </a:ext>
-            </a:extLst>
-          </p:cNvPr>
-          <p:cNvSpPr/>
-          <p:nvPr/>
-        </p:nvSpPr>
-        <p:spPr>
-          <a:xfrm>
-            <a:off x="1115568" y="3752592"/>
-            <a:ext cx="10168128" cy="1245997"/>
-          </a:xfrm>
-          <a:prstGeom prst="roundRect">
-            <a:avLst/>
-          </a:prstGeom>
-          <a:solidFill>
-            <a:schemeClr val="accent4">
-              <a:lumMod val="40000"/>
-              <a:lumOff val="60000"/>
-            </a:schemeClr>
-          </a:solidFill>
-          <a:ln w="28575">
-            <a:solidFill>
-              <a:schemeClr val="tx1"/>
-            </a:solidFill>
-          </a:ln>
-        </p:spPr>
-        <p:style>
-          <a:lnRef idx="2">
-            <a:schemeClr val="accent1">
-              <a:shade val="50000"/>
-            </a:schemeClr>
-          </a:lnRef>
-          <a:fillRef idx="1">
-            <a:schemeClr val="accent1"/>
-          </a:fillRef>
-          <a:effectRef idx="0">
-            <a:schemeClr val="accent1"/>
-          </a:effectRef>
-          <a:fontRef idx="minor">
-            <a:schemeClr val="lt1"/>
-          </a:fontRef>
-        </p:style>
-        <p:txBody>
-          <a:bodyPr rtlCol="0" anchor="ctr"/>
-          <a:lstStyle/>
-          <a:p>
-            <a:pPr algn="ctr"/>
-            <a:endParaRPr kumimoji="1" lang="ja-JP" altLang="en-US"/>
-          </a:p>
-        </p:txBody>
-      </p:sp>
-      <p:sp>
-        <p:nvSpPr>
-          <p:cNvPr id="12" name="角丸四角形 11">
-            <a:extLst>
-              <a:ext uri="{FF2B5EF4-FFF2-40B4-BE49-F238E27FC236}">
-                <a16:creationId xmlns:a16="http://schemas.microsoft.com/office/drawing/2014/main" id="{CB82FC97-D3E9-F742-9E14-7CBD13884D8B}"/>
-              </a:ext>
-            </a:extLst>
-          </p:cNvPr>
-          <p:cNvSpPr/>
-          <p:nvPr/>
-        </p:nvSpPr>
-        <p:spPr>
-          <a:xfrm>
-            <a:off x="1115568" y="5072230"/>
-            <a:ext cx="10168128" cy="1245996"/>
-          </a:xfrm>
-          <a:prstGeom prst="roundRect">
-            <a:avLst/>
-          </a:prstGeom>
-          <a:solidFill>
-            <a:schemeClr val="accent4">
-              <a:lumMod val="40000"/>
-              <a:lumOff val="60000"/>
-            </a:schemeClr>
-          </a:solidFill>
-          <a:ln w="28575"/>
-        </p:spPr>
-        <p:style>
-          <a:lnRef idx="2">
-            <a:schemeClr val="accent1">
-              <a:shade val="50000"/>
-            </a:schemeClr>
-          </a:lnRef>
-          <a:fillRef idx="1">
-            <a:schemeClr val="accent1"/>
-          </a:fillRef>
-          <a:effectRef idx="0">
-            <a:schemeClr val="accent1"/>
-          </a:effectRef>
-          <a:fontRef idx="minor">
-            <a:schemeClr val="lt1"/>
-          </a:fontRef>
-        </p:style>
-        <p:txBody>
-          <a:bodyPr rtlCol="0" anchor="ctr"/>
-          <a:lstStyle/>
-          <a:p>
-            <a:pPr algn="ctr"/>
-            <a:endParaRPr kumimoji="1" lang="ja-JP" altLang="en-US"/>
-          </a:p>
-        </p:txBody>
-      </p:sp>
-      <p:sp>
-        <p:nvSpPr>
-          <p:cNvPr id="4" name="コンテンツ プレースホルダー 3">
-            <a:extLst>
-              <a:ext uri="{FF2B5EF4-FFF2-40B4-BE49-F238E27FC236}">
-                <a16:creationId xmlns:a16="http://schemas.microsoft.com/office/drawing/2014/main" id="{DF8A547E-C8A4-804C-B4D0-6F36F1E8D254}"/>
-              </a:ext>
-            </a:extLst>
-          </p:cNvPr>
-          <p:cNvSpPr>
-            <a:spLocks noGrp="1"/>
-          </p:cNvSpPr>
-          <p:nvPr>
-            <p:ph idx="1"/>
-          </p:nvPr>
-        </p:nvSpPr>
-        <p:spPr>
-          <a:xfrm>
-            <a:off x="1115568" y="2492797"/>
-            <a:ext cx="10168128" cy="3816563"/>
-          </a:xfrm>
-        </p:spPr>
-        <p:txBody>
-          <a:bodyPr>
-            <a:normAutofit/>
-          </a:bodyPr>
-          <a:lstStyle/>
-          <a:p>
-            <a:pPr marL="0" indent="0">
-              <a:buNone/>
-            </a:pPr>
-            <a:r>
-              <a:rPr lang="ja-JP" altLang="en-US" sz="2000" b="1">
-                <a:latin typeface="Meiryo" panose="020B0604030504040204" pitchFamily="34" charset="-128"/>
-                <a:ea typeface="Meiryo" panose="020B0604030504040204" pitchFamily="34" charset="-128"/>
-              </a:rPr>
-              <a:t>・ネットワークの自動構築</a:t>
-            </a:r>
-            <a:endParaRPr lang="en-US" altLang="ja-JP" sz="2000" b="1" dirty="0">
-              <a:latin typeface="Meiryo" panose="020B0604030504040204" pitchFamily="34" charset="-128"/>
-              <a:ea typeface="Meiryo" panose="020B0604030504040204" pitchFamily="34" charset="-128"/>
-            </a:endParaRPr>
-          </a:p>
-          <a:p>
-            <a:pPr marL="0" indent="0">
-              <a:buNone/>
-            </a:pPr>
-            <a:r>
-              <a:rPr lang="ja-JP" altLang="en-US" sz="2000" b="1">
-                <a:latin typeface="Meiryo" panose="020B0604030504040204" pitchFamily="34" charset="-128"/>
-                <a:ea typeface="Meiryo" panose="020B0604030504040204" pitchFamily="34" charset="-128"/>
-              </a:rPr>
-              <a:t>　</a:t>
-            </a:r>
-            <a:r>
-              <a:rPr lang="ja-JP" altLang="en-US" sz="2000">
-                <a:latin typeface="Meiryo" panose="020B0604030504040204" pitchFamily="34" charset="-128"/>
-                <a:ea typeface="Meiryo" panose="020B0604030504040204" pitchFamily="34" charset="-128"/>
-              </a:rPr>
-              <a:t>予め</a:t>
-            </a:r>
-            <a:r>
-              <a:rPr lang="en-US" altLang="ja-JP" sz="2000" dirty="0">
-                <a:latin typeface="Meiryo" panose="020B0604030504040204" pitchFamily="34" charset="-128"/>
-                <a:ea typeface="Meiryo" panose="020B0604030504040204" pitchFamily="34" charset="-128"/>
-              </a:rPr>
-              <a:t>ansible</a:t>
-            </a:r>
-            <a:r>
-              <a:rPr lang="ja-JP" altLang="en-US" sz="2000">
-                <a:latin typeface="Meiryo" panose="020B0604030504040204" pitchFamily="34" charset="-128"/>
-                <a:ea typeface="Meiryo" panose="020B0604030504040204" pitchFamily="34" charset="-128"/>
-              </a:rPr>
-              <a:t>のインストールされたサーバと管理するルータをコマンド一つで起動する</a:t>
-            </a:r>
-            <a:endParaRPr lang="en-US" altLang="ja-JP" sz="1800" dirty="0">
-              <a:latin typeface="Meiryo" panose="020B0604030504040204" pitchFamily="34" charset="-128"/>
-              <a:ea typeface="Meiryo" panose="020B0604030504040204" pitchFamily="34" charset="-128"/>
-            </a:endParaRPr>
-          </a:p>
-          <a:p>
-            <a:pPr marL="0" indent="0">
-              <a:buNone/>
-            </a:pPr>
-            <a:endParaRPr lang="en-US" altLang="ja-JP" sz="2000" b="1" dirty="0">
-              <a:latin typeface="Meiryo" panose="020B0604030504040204" pitchFamily="34" charset="-128"/>
-              <a:ea typeface="Meiryo" panose="020B0604030504040204" pitchFamily="34" charset="-128"/>
-            </a:endParaRPr>
-          </a:p>
-          <a:p>
-            <a:pPr marL="0" indent="0">
-              <a:buNone/>
-            </a:pPr>
-            <a:r>
-              <a:rPr lang="ja-JP" altLang="en-US" sz="2000" b="1">
-                <a:latin typeface="Meiryo" panose="020B0604030504040204" pitchFamily="34" charset="-128"/>
-                <a:ea typeface="Meiryo" panose="020B0604030504040204" pitchFamily="34" charset="-128"/>
-              </a:rPr>
-              <a:t>・バックアップ機能</a:t>
-            </a:r>
-            <a:endParaRPr lang="en-US" altLang="ja-JP" sz="2000" b="1" dirty="0">
-              <a:latin typeface="Meiryo" panose="020B0604030504040204" pitchFamily="34" charset="-128"/>
-              <a:ea typeface="Meiryo" panose="020B0604030504040204" pitchFamily="34" charset="-128"/>
-            </a:endParaRPr>
-          </a:p>
-          <a:p>
-            <a:pPr marL="0" indent="0">
-              <a:buNone/>
-            </a:pPr>
-            <a:r>
-              <a:rPr lang="ja-JP" altLang="en-US" sz="2000" b="1">
-                <a:latin typeface="Meiryo" panose="020B0604030504040204" pitchFamily="34" charset="-128"/>
-                <a:ea typeface="Meiryo" panose="020B0604030504040204" pitchFamily="34" charset="-128"/>
-              </a:rPr>
-              <a:t>　</a:t>
-            </a:r>
-            <a:r>
-              <a:rPr lang="en-US" altLang="ja-JP" sz="1800" dirty="0">
-                <a:latin typeface="Meiryo" panose="020B0604030504040204" pitchFamily="34" charset="-128"/>
-                <a:ea typeface="Meiryo" panose="020B0604030504040204" pitchFamily="34" charset="-128"/>
-              </a:rPr>
-              <a:t>ansible</a:t>
-            </a:r>
-            <a:r>
-              <a:rPr lang="ja-JP" altLang="en-US" sz="1800">
-                <a:latin typeface="Meiryo" panose="020B0604030504040204" pitchFamily="34" charset="-128"/>
-                <a:ea typeface="Meiryo" panose="020B0604030504040204" pitchFamily="34" charset="-128"/>
-              </a:rPr>
-              <a:t>のモジュール利用し設定コマンドを管理サーバのファイルに出力する</a:t>
-            </a:r>
-            <a:endParaRPr lang="en-US" altLang="ja-JP" sz="1800" dirty="0">
-              <a:latin typeface="Meiryo" panose="020B0604030504040204" pitchFamily="34" charset="-128"/>
-              <a:ea typeface="Meiryo" panose="020B0604030504040204" pitchFamily="34" charset="-128"/>
-            </a:endParaRPr>
-          </a:p>
-          <a:p>
-            <a:pPr marL="0" indent="0">
-              <a:buNone/>
-            </a:pPr>
-            <a:endParaRPr lang="en-US" altLang="ja-JP" sz="2000" b="1" dirty="0">
-              <a:latin typeface="Meiryo" panose="020B0604030504040204" pitchFamily="34" charset="-128"/>
-              <a:ea typeface="Meiryo" panose="020B0604030504040204" pitchFamily="34" charset="-128"/>
-            </a:endParaRPr>
-          </a:p>
-          <a:p>
-            <a:pPr marL="0" indent="0">
-              <a:buNone/>
-            </a:pPr>
-            <a:r>
-              <a:rPr lang="ja-JP" altLang="en-US" sz="2000" b="1">
-                <a:latin typeface="Meiryo" panose="020B0604030504040204" pitchFamily="34" charset="-128"/>
-                <a:ea typeface="Meiryo" panose="020B0604030504040204" pitchFamily="34" charset="-128"/>
-              </a:rPr>
-              <a:t>・リストア機能</a:t>
-            </a:r>
-            <a:endParaRPr lang="en-US" altLang="ja-JP" sz="2000" b="1" dirty="0">
-              <a:latin typeface="Meiryo" panose="020B0604030504040204" pitchFamily="34" charset="-128"/>
-              <a:ea typeface="Meiryo" panose="020B0604030504040204" pitchFamily="34" charset="-128"/>
-            </a:endParaRPr>
-          </a:p>
-          <a:p>
-            <a:pPr marL="0" indent="0">
-              <a:buNone/>
-            </a:pPr>
-            <a:r>
-              <a:rPr lang="ja-JP" altLang="en-US" sz="2000" b="1">
-                <a:latin typeface="Meiryo" panose="020B0604030504040204" pitchFamily="34" charset="-128"/>
-                <a:ea typeface="Meiryo" panose="020B0604030504040204" pitchFamily="34" charset="-128"/>
-              </a:rPr>
-              <a:t>　</a:t>
-            </a:r>
-            <a:r>
-              <a:rPr lang="en-US" altLang="ja-JP" sz="1800" dirty="0">
-                <a:latin typeface="Meiryo" panose="020B0604030504040204" pitchFamily="34" charset="-128"/>
-                <a:ea typeface="Meiryo" panose="020B0604030504040204" pitchFamily="34" charset="-128"/>
-              </a:rPr>
-              <a:t>ansible</a:t>
-            </a:r>
-            <a:r>
-              <a:rPr lang="ja-JP" altLang="en-US" sz="1800">
-                <a:latin typeface="Meiryo" panose="020B0604030504040204" pitchFamily="34" charset="-128"/>
-                <a:ea typeface="Meiryo" panose="020B0604030504040204" pitchFamily="34" charset="-128"/>
-              </a:rPr>
-              <a:t>のモジュールを利用し</a:t>
-            </a:r>
-            <a:r>
-              <a:rPr lang="en-US" altLang="ja-JP" sz="1800" dirty="0">
-                <a:latin typeface="Meiryo" panose="020B0604030504040204" pitchFamily="34" charset="-128"/>
-                <a:ea typeface="Meiryo" panose="020B0604030504040204" pitchFamily="34" charset="-128"/>
-              </a:rPr>
-              <a:t>, </a:t>
-            </a:r>
-            <a:r>
-              <a:rPr lang="ja-JP" altLang="en-US" sz="1800">
-                <a:latin typeface="Meiryo" panose="020B0604030504040204" pitchFamily="34" charset="-128"/>
-                <a:ea typeface="Meiryo" panose="020B0604030504040204" pitchFamily="34" charset="-128"/>
-              </a:rPr>
-              <a:t>管理サーバのファイルに出力されたコマンドを実行する</a:t>
-            </a:r>
-            <a:endParaRPr lang="en-US" altLang="ja-JP" sz="1800" dirty="0">
-              <a:latin typeface="Meiryo" panose="020B0604030504040204" pitchFamily="34" charset="-128"/>
-              <a:ea typeface="Meiryo" panose="020B0604030504040204" pitchFamily="34" charset="-128"/>
-            </a:endParaRPr>
-          </a:p>
-        </p:txBody>
-      </p:sp>
-      <p:sp>
-        <p:nvSpPr>
-          <p:cNvPr id="5" name="スライド番号プレースホルダー 4">
-            <a:extLst>
-              <a:ext uri="{FF2B5EF4-FFF2-40B4-BE49-F238E27FC236}">
-                <a16:creationId xmlns:a16="http://schemas.microsoft.com/office/drawing/2014/main" id="{1AD7E94A-8046-1048-B4E0-78AA4647D9E1}"/>
+                <a16:creationId xmlns:a16="http://schemas.microsoft.com/office/drawing/2014/main" id="{37762FDF-E799-944C-87C2-CA182A95D072}"/>
               </a:ext>
             </a:extLst>
           </p:cNvPr>
@@ -18888,16 +20436,46 @@
           <a:p>
             <a:fld id="{2F7CED91-9D1D-2E49-97C4-8C5886486047}" type="slidenum">
               <a:rPr kumimoji="1" lang="ja-JP" altLang="en-US" smtClean="0"/>
-              <a:t>8</a:t>
+              <a:t>4</a:t>
             </a:fld>
             <a:endParaRPr kumimoji="1" lang="ja-JP" altLang="en-US"/>
           </a:p>
         </p:txBody>
       </p:sp>
+      <p:pic>
+        <p:nvPicPr>
+          <p:cNvPr id="14" name="コンテンツ プレースホルダー 14" descr="ダイアグラム&#10;&#10;自動的に生成された説明">
+            <a:extLst>
+              <a:ext uri="{FF2B5EF4-FFF2-40B4-BE49-F238E27FC236}">
+                <a16:creationId xmlns:a16="http://schemas.microsoft.com/office/drawing/2014/main" id="{FE51FC16-A61A-4948-93C3-14E8FE5C1F5B}"/>
+              </a:ext>
+            </a:extLst>
+          </p:cNvPr>
+          <p:cNvPicPr>
+            <a:picLocks noChangeAspect="1"/>
+          </p:cNvPicPr>
+          <p:nvPr/>
+        </p:nvPicPr>
+        <p:blipFill>
+          <a:blip r:embed="rId3"/>
+          <a:stretch>
+            <a:fillRect/>
+          </a:stretch>
+        </p:blipFill>
+        <p:spPr>
+          <a:xfrm>
+            <a:off x="1115568" y="2090057"/>
+            <a:ext cx="10058938" cy="4631418"/>
+          </a:xfrm>
+          <a:prstGeom prst="rect">
+            <a:avLst/>
+          </a:prstGeom>
+        </p:spPr>
+      </p:pic>
     </p:spTree>
     <p:extLst>
       <p:ext uri="{BB962C8B-B14F-4D97-AF65-F5344CB8AC3E}">
-        <p14:creationId xmlns:p14="http://schemas.microsoft.com/office/powerpoint/2010/main" val="4060369335"/>
+        <p14:creationId xmlns:p14="http://schemas.microsoft.com/office/powerpoint/2010/main" val="1129096959"/>
       </p:ext>
     </p:extLst>
   </p:cSld>
@@ -18907,7 +20485,7 @@
 </p:sld>
 </file>
 
-<file path=ppt/slides/slide9.xml><?xml version="1.0" encoding="utf-8"?>
+<file path=ppt/slides/slide5.xml><?xml version="1.0" encoding="utf-8"?>
 <p:sld xmlns:a="http://schemas.openxmlformats.org/drawingml/2006/main" xmlns:r="http://schemas.openxmlformats.org/officeDocument/2006/relationships" xmlns:p="http://schemas.openxmlformats.org/presentationml/2006/main">
   <p:cSld>
     <p:bg>
@@ -19210,12 +20788,16 @@
           <a:lstStyle/>
           <a:p>
             <a:r>
-              <a:rPr kumimoji="1" lang="ja-JP" altLang="en-US" sz="4000" b="1">
+              <a:rPr lang="ja-JP" altLang="en-US" sz="4000" b="1">
                 <a:latin typeface="Meiryo" panose="020B0604030504040204" pitchFamily="34" charset="-128"/>
                 <a:ea typeface="Meiryo" panose="020B0604030504040204" pitchFamily="34" charset="-128"/>
               </a:rPr>
-              <a:t>実装時に苦労したこと</a:t>
-            </a:r>
+              <a:t>ネットワークの自動構築のデモ</a:t>
+            </a:r>
+            <a:endParaRPr kumimoji="1" lang="ja-JP" altLang="en-US" sz="4000" b="1">
+              <a:latin typeface="Meiryo" panose="020B0604030504040204" pitchFamily="34" charset="-128"/>
+              <a:ea typeface="Meiryo" panose="020B0604030504040204" pitchFamily="34" charset="-128"/>
+            </a:endParaRPr>
           </a:p>
         </p:txBody>
       </p:sp>
@@ -19289,6 +20871,2075 @@
       </p:sp>
       <p:sp>
         <p:nvSpPr>
+          <p:cNvPr id="4" name="スライド番号プレースホルダー 3">
+            <a:extLst>
+              <a:ext uri="{FF2B5EF4-FFF2-40B4-BE49-F238E27FC236}">
+                <a16:creationId xmlns:a16="http://schemas.microsoft.com/office/drawing/2014/main" id="{6E98C314-0E8E-2B4D-998A-FC43DDB22E7A}"/>
+              </a:ext>
+            </a:extLst>
+          </p:cNvPr>
+          <p:cNvSpPr>
+            <a:spLocks noGrp="1"/>
+          </p:cNvSpPr>
+          <p:nvPr>
+            <p:ph type="sldNum" sz="quarter" idx="12"/>
+          </p:nvPr>
+        </p:nvSpPr>
+        <p:spPr/>
+        <p:txBody>
+          <a:bodyPr/>
+          <a:lstStyle/>
+          <a:p>
+            <a:fld id="{2F7CED91-9D1D-2E49-97C4-8C5886486047}" type="slidenum">
+              <a:rPr kumimoji="1" lang="ja-JP" altLang="en-US" smtClean="0"/>
+              <a:t>5</a:t>
+            </a:fld>
+            <a:endParaRPr kumimoji="1" lang="ja-JP" altLang="en-US"/>
+          </a:p>
+        </p:txBody>
+      </p:sp>
+    </p:spTree>
+    <p:extLst>
+      <p:ext uri="{BB962C8B-B14F-4D97-AF65-F5344CB8AC3E}">
+        <p14:creationId xmlns:p14="http://schemas.microsoft.com/office/powerpoint/2010/main" val="610699111"/>
+      </p:ext>
+    </p:extLst>
+  </p:cSld>
+  <p:clrMapOvr>
+    <a:masterClrMapping/>
+  </p:clrMapOvr>
+</p:sld>
+</file>
+
+<file path=ppt/slides/slide6.xml><?xml version="1.0" encoding="utf-8"?>
+<p:sld xmlns:a="http://schemas.openxmlformats.org/drawingml/2006/main" xmlns:r="http://schemas.openxmlformats.org/officeDocument/2006/relationships" xmlns:p="http://schemas.openxmlformats.org/presentationml/2006/main">
+  <p:cSld>
+    <p:bg>
+      <p:bgPr>
+        <a:solidFill>
+          <a:schemeClr val="bg1"/>
+        </a:solidFill>
+        <a:effectLst/>
+      </p:bgPr>
+    </p:bg>
+    <p:spTree>
+      <p:nvGrpSpPr>
+        <p:cNvPr id="1" name=""/>
+        <p:cNvGrpSpPr/>
+        <p:nvPr/>
+      </p:nvGrpSpPr>
+      <p:grpSpPr>
+        <a:xfrm>
+          <a:off x="0" y="0"/>
+          <a:ext cx="0" cy="0"/>
+          <a:chOff x="0" y="0"/>
+          <a:chExt cx="0" cy="0"/>
+        </a:xfrm>
+      </p:grpSpPr>
+      <p:sp useBgFill="1">
+        <p:nvSpPr>
+          <p:cNvPr id="8" name="Rectangle 7">
+            <a:extLst>
+              <a:ext uri="{FF2B5EF4-FFF2-40B4-BE49-F238E27FC236}">
+                <a16:creationId xmlns:a16="http://schemas.microsoft.com/office/drawing/2014/main" id="{DAF1966E-FD40-4A4A-B61B-C4DF7FA05F06}"/>
+              </a:ext>
+              <a:ext uri="{C183D7F6-B498-43B3-948B-1728B52AA6E4}">
+                <adec:decorative xmlns:adec="http://schemas.microsoft.com/office/drawing/2017/decorative" val="1"/>
+              </a:ext>
+            </a:extLst>
+          </p:cNvPr>
+          <p:cNvSpPr>
+            <a:spLocks noGrp="1" noRot="1" noChangeAspect="1" noMove="1" noResize="1" noEditPoints="1" noAdjustHandles="1" noChangeArrowheads="1" noChangeShapeType="1" noTextEdit="1"/>
+          </p:cNvSpPr>
+          <p:nvPr>
+            <p:extLst>
+              <p:ext uri="{386F3935-93C4-4BCD-93E2-E3B085C9AB24}">
+                <p16:designElem xmlns:p16="http://schemas.microsoft.com/office/powerpoint/2015/main" val="1"/>
+              </p:ext>
+            </p:extLst>
+          </p:nvPr>
+        </p:nvSpPr>
+        <p:spPr>
+          <a:xfrm>
+            <a:off x="0" y="0"/>
+            <a:ext cx="12192000" cy="6858000"/>
+          </a:xfrm>
+          <a:prstGeom prst="rect">
+            <a:avLst/>
+          </a:prstGeom>
+          <a:ln>
+            <a:noFill/>
+          </a:ln>
+        </p:spPr>
+        <p:style>
+          <a:lnRef idx="2">
+            <a:schemeClr val="accent1">
+              <a:shade val="50000"/>
+            </a:schemeClr>
+          </a:lnRef>
+          <a:fillRef idx="1">
+            <a:schemeClr val="accent1"/>
+          </a:fillRef>
+          <a:effectRef idx="0">
+            <a:schemeClr val="accent1"/>
+          </a:effectRef>
+          <a:fontRef idx="minor">
+            <a:schemeClr val="lt1"/>
+          </a:fontRef>
+        </p:style>
+        <p:txBody>
+          <a:bodyPr rtlCol="0" anchor="ctr"/>
+          <a:lstStyle/>
+          <a:p>
+            <a:pPr algn="ctr"/>
+            <a:endParaRPr lang="en-US"/>
+          </a:p>
+        </p:txBody>
+      </p:sp>
+      <p:sp useBgFill="1">
+        <p:nvSpPr>
+          <p:cNvPr id="10" name="Rectangle 9">
+            <a:extLst>
+              <a:ext uri="{FF2B5EF4-FFF2-40B4-BE49-F238E27FC236}">
+                <a16:creationId xmlns:a16="http://schemas.microsoft.com/office/drawing/2014/main" id="{047BFA19-D45E-416B-A404-7AF2F3F27017}"/>
+              </a:ext>
+              <a:ext uri="{C183D7F6-B498-43B3-948B-1728B52AA6E4}">
+                <adec:decorative xmlns:adec="http://schemas.microsoft.com/office/drawing/2017/decorative" val="1"/>
+              </a:ext>
+            </a:extLst>
+          </p:cNvPr>
+          <p:cNvSpPr>
+            <a:spLocks noGrp="1" noRot="1" noChangeAspect="1" noMove="1" noResize="1" noEditPoints="1" noAdjustHandles="1" noChangeArrowheads="1" noChangeShapeType="1" noTextEdit="1"/>
+          </p:cNvSpPr>
+          <p:nvPr>
+            <p:extLst>
+              <p:ext uri="{386F3935-93C4-4BCD-93E2-E3B085C9AB24}">
+                <p16:designElem xmlns:p16="http://schemas.microsoft.com/office/powerpoint/2015/main" val="1"/>
+              </p:ext>
+            </p:extLst>
+          </p:nvPr>
+        </p:nvSpPr>
+        <p:spPr>
+          <a:xfrm>
+            <a:off x="558209" y="0"/>
+            <a:ext cx="11167447" cy="2018806"/>
+          </a:xfrm>
+          <a:prstGeom prst="rect">
+            <a:avLst/>
+          </a:prstGeom>
+          <a:ln w="9525">
+            <a:solidFill>
+              <a:srgbClr val="E1E1E1"/>
+            </a:solidFill>
+          </a:ln>
+          <a:effectLst>
+            <a:outerShdw blurRad="50800" dist="38100" dir="2700000" algn="tl" rotWithShape="0">
+              <a:schemeClr val="bg1">
+                <a:lumMod val="85000"/>
+                <a:alpha val="50000"/>
+              </a:schemeClr>
+            </a:outerShdw>
+          </a:effectLst>
+        </p:spPr>
+        <p:style>
+          <a:lnRef idx="2">
+            <a:schemeClr val="accent1">
+              <a:shade val="50000"/>
+            </a:schemeClr>
+          </a:lnRef>
+          <a:fillRef idx="1">
+            <a:schemeClr val="accent1"/>
+          </a:fillRef>
+          <a:effectRef idx="0">
+            <a:schemeClr val="accent1"/>
+          </a:effectRef>
+          <a:fontRef idx="minor">
+            <a:schemeClr val="lt1"/>
+          </a:fontRef>
+        </p:style>
+        <p:txBody>
+          <a:bodyPr rtlCol="0" anchor="ctr"/>
+          <a:lstStyle/>
+          <a:p>
+            <a:pPr marL="0" marR="0" lvl="0" indent="0" algn="ctr" defTabSz="914400" rtl="0" eaLnBrk="1" fontAlgn="auto" latinLnBrk="0" hangingPunct="1">
+              <a:lnSpc>
+                <a:spcPct val="100000"/>
+              </a:lnSpc>
+              <a:spcBef>
+                <a:spcPts val="0"/>
+              </a:spcBef>
+              <a:spcAft>
+                <a:spcPts val="0"/>
+              </a:spcAft>
+              <a:buClrTx/>
+              <a:buSzTx/>
+              <a:buFontTx/>
+              <a:buNone/>
+              <a:tabLst/>
+              <a:defRPr/>
+            </a:pPr>
+            <a:endParaRPr kumimoji="0" lang="en-US" sz="1800" b="0" i="0" u="none" strike="noStrike" kern="1200" cap="none" spc="0" normalizeH="0" baseline="0" noProof="0">
+              <a:ln>
+                <a:noFill/>
+              </a:ln>
+              <a:solidFill>
+                <a:prstClr val="white"/>
+              </a:solidFill>
+              <a:effectLst/>
+              <a:uLnTx/>
+              <a:uFillTx/>
+              <a:latin typeface="Calibri" panose="020F0502020204030204"/>
+              <a:ea typeface="+mn-ea"/>
+              <a:cs typeface="+mn-cs"/>
+            </a:endParaRPr>
+          </a:p>
+        </p:txBody>
+      </p:sp>
+      <p:sp useBgFill="1">
+        <p:nvSpPr>
+          <p:cNvPr id="12" name="Rectangle 11">
+            <a:extLst>
+              <a:ext uri="{FF2B5EF4-FFF2-40B4-BE49-F238E27FC236}">
+                <a16:creationId xmlns:a16="http://schemas.microsoft.com/office/drawing/2014/main" id="{8E0105E7-23DB-4CF2-8258-FF47C7620F6E}"/>
+              </a:ext>
+              <a:ext uri="{C183D7F6-B498-43B3-948B-1728B52AA6E4}">
+                <adec:decorative xmlns:adec="http://schemas.microsoft.com/office/drawing/2017/decorative" val="1"/>
+              </a:ext>
+            </a:extLst>
+          </p:cNvPr>
+          <p:cNvSpPr>
+            <a:spLocks noGrp="1" noRot="1" noChangeAspect="1" noMove="1" noResize="1" noEditPoints="1" noAdjustHandles="1" noChangeArrowheads="1" noChangeShapeType="1" noTextEdit="1"/>
+          </p:cNvSpPr>
+          <p:nvPr>
+            <p:extLst>
+              <p:ext uri="{386F3935-93C4-4BCD-93E2-E3B085C9AB24}">
+                <p16:designElem xmlns:p16="http://schemas.microsoft.com/office/powerpoint/2015/main" val="1"/>
+              </p:ext>
+            </p:extLst>
+          </p:nvPr>
+        </p:nvSpPr>
+        <p:spPr>
+          <a:xfrm>
+            <a:off x="566928" y="0"/>
+            <a:ext cx="11155680" cy="2011680"/>
+          </a:xfrm>
+          <a:prstGeom prst="rect">
+            <a:avLst/>
+          </a:prstGeom>
+          <a:ln w="9525">
+            <a:noFill/>
+          </a:ln>
+          <a:effectLst/>
+        </p:spPr>
+        <p:style>
+          <a:lnRef idx="2">
+            <a:schemeClr val="accent1">
+              <a:shade val="50000"/>
+            </a:schemeClr>
+          </a:lnRef>
+          <a:fillRef idx="1">
+            <a:schemeClr val="accent1"/>
+          </a:fillRef>
+          <a:effectRef idx="0">
+            <a:schemeClr val="accent1"/>
+          </a:effectRef>
+          <a:fontRef idx="minor">
+            <a:schemeClr val="lt1"/>
+          </a:fontRef>
+        </p:style>
+        <p:txBody>
+          <a:bodyPr rtlCol="0" anchor="ctr"/>
+          <a:lstStyle/>
+          <a:p>
+            <a:pPr marL="0" marR="0" lvl="0" indent="0" algn="ctr" defTabSz="914400" rtl="0" eaLnBrk="1" fontAlgn="auto" latinLnBrk="0" hangingPunct="1">
+              <a:lnSpc>
+                <a:spcPct val="100000"/>
+              </a:lnSpc>
+              <a:spcBef>
+                <a:spcPts val="0"/>
+              </a:spcBef>
+              <a:spcAft>
+                <a:spcPts val="0"/>
+              </a:spcAft>
+              <a:buClrTx/>
+              <a:buSzTx/>
+              <a:buFontTx/>
+              <a:buNone/>
+              <a:tabLst/>
+              <a:defRPr/>
+            </a:pPr>
+            <a:endParaRPr kumimoji="0" lang="en-US" sz="1800" b="0" i="0" u="none" strike="noStrike" kern="1200" cap="none" spc="0" normalizeH="0" baseline="0" noProof="0">
+              <a:ln>
+                <a:noFill/>
+              </a:ln>
+              <a:solidFill>
+                <a:prstClr val="white"/>
+              </a:solidFill>
+              <a:effectLst/>
+              <a:uLnTx/>
+              <a:uFillTx/>
+              <a:latin typeface="Calibri" panose="020F0502020204030204"/>
+              <a:ea typeface="+mn-ea"/>
+              <a:cs typeface="+mn-cs"/>
+            </a:endParaRPr>
+          </a:p>
+        </p:txBody>
+      </p:sp>
+      <p:sp>
+        <p:nvSpPr>
+          <p:cNvPr id="2" name="タイトル 1">
+            <a:extLst>
+              <a:ext uri="{FF2B5EF4-FFF2-40B4-BE49-F238E27FC236}">
+                <a16:creationId xmlns:a16="http://schemas.microsoft.com/office/drawing/2014/main" id="{FEC153AF-463D-5A46-A5FE-B56196E53201}"/>
+              </a:ext>
+            </a:extLst>
+          </p:cNvPr>
+          <p:cNvSpPr>
+            <a:spLocks noGrp="1"/>
+          </p:cNvSpPr>
+          <p:nvPr>
+            <p:ph type="title"/>
+          </p:nvPr>
+        </p:nvSpPr>
+        <p:spPr>
+          <a:xfrm>
+            <a:off x="1115568" y="548640"/>
+            <a:ext cx="10168128" cy="1179576"/>
+          </a:xfrm>
+        </p:spPr>
+        <p:txBody>
+          <a:bodyPr>
+            <a:normAutofit/>
+          </a:bodyPr>
+          <a:lstStyle/>
+          <a:p>
+            <a:r>
+              <a:rPr lang="ja-JP" altLang="en-US" sz="4000" b="1">
+                <a:latin typeface="Meiryo" panose="020B0604030504040204" pitchFamily="34" charset="-128"/>
+                <a:ea typeface="Meiryo" panose="020B0604030504040204" pitchFamily="34" charset="-128"/>
+              </a:rPr>
+              <a:t>設定のバックアップのデモ</a:t>
+            </a:r>
+            <a:endParaRPr kumimoji="1" lang="ja-JP" altLang="en-US" sz="4000" b="1">
+              <a:latin typeface="Meiryo" panose="020B0604030504040204" pitchFamily="34" charset="-128"/>
+              <a:ea typeface="Meiryo" panose="020B0604030504040204" pitchFamily="34" charset="-128"/>
+            </a:endParaRPr>
+          </a:p>
+        </p:txBody>
+      </p:sp>
+      <p:sp>
+        <p:nvSpPr>
+          <p:cNvPr id="14" name="Rectangle 13">
+            <a:extLst>
+              <a:ext uri="{FF2B5EF4-FFF2-40B4-BE49-F238E27FC236}">
+                <a16:creationId xmlns:a16="http://schemas.microsoft.com/office/drawing/2014/main" id="{074B4F7D-14B2-478B-8BF5-01E4E0C5D263}"/>
+              </a:ext>
+              <a:ext uri="{C183D7F6-B498-43B3-948B-1728B52AA6E4}">
+                <adec:decorative xmlns:adec="http://schemas.microsoft.com/office/drawing/2017/decorative" val="1"/>
+              </a:ext>
+            </a:extLst>
+          </p:cNvPr>
+          <p:cNvSpPr>
+            <a:spLocks noGrp="1" noRot="1" noChangeAspect="1" noMove="1" noResize="1" noEditPoints="1" noAdjustHandles="1" noChangeArrowheads="1" noChangeShapeType="1" noTextEdit="1"/>
+          </p:cNvSpPr>
+          <p:nvPr>
+            <p:extLst>
+              <p:ext uri="{386F3935-93C4-4BCD-93E2-E3B085C9AB24}">
+                <p16:designElem xmlns:p16="http://schemas.microsoft.com/office/powerpoint/2015/main" val="1"/>
+              </p:ext>
+            </p:extLst>
+          </p:nvPr>
+        </p:nvSpPr>
+        <p:spPr>
+          <a:xfrm>
+            <a:off x="498834" y="758952"/>
+            <a:ext cx="128016" cy="704088"/>
+          </a:xfrm>
+          <a:prstGeom prst="rect">
+            <a:avLst/>
+          </a:prstGeom>
+          <a:solidFill>
+            <a:schemeClr val="accent2"/>
+          </a:solidFill>
+          <a:ln>
+            <a:noFill/>
+          </a:ln>
+        </p:spPr>
+        <p:style>
+          <a:lnRef idx="2">
+            <a:schemeClr val="accent1">
+              <a:shade val="50000"/>
+            </a:schemeClr>
+          </a:lnRef>
+          <a:fillRef idx="1">
+            <a:schemeClr val="accent1"/>
+          </a:fillRef>
+          <a:effectRef idx="0">
+            <a:schemeClr val="accent1"/>
+          </a:effectRef>
+          <a:fontRef idx="minor">
+            <a:schemeClr val="lt1"/>
+          </a:fontRef>
+        </p:style>
+        <p:txBody>
+          <a:bodyPr rtlCol="0" anchor="ctr"/>
+          <a:lstStyle/>
+          <a:p>
+            <a:pPr algn="ctr"/>
+            <a:endParaRPr lang="en-US">
+              <a:solidFill>
+                <a:prstClr val="white"/>
+              </a:solidFill>
+              <a:latin typeface="Calibri" panose="020F0502020204030204"/>
+            </a:endParaRPr>
+          </a:p>
+        </p:txBody>
+      </p:sp>
+      <p:sp>
+        <p:nvSpPr>
+          <p:cNvPr id="4" name="スライド番号プレースホルダー 3">
+            <a:extLst>
+              <a:ext uri="{FF2B5EF4-FFF2-40B4-BE49-F238E27FC236}">
+                <a16:creationId xmlns:a16="http://schemas.microsoft.com/office/drawing/2014/main" id="{6E98C314-0E8E-2B4D-998A-FC43DDB22E7A}"/>
+              </a:ext>
+            </a:extLst>
+          </p:cNvPr>
+          <p:cNvSpPr>
+            <a:spLocks noGrp="1"/>
+          </p:cNvSpPr>
+          <p:nvPr>
+            <p:ph type="sldNum" sz="quarter" idx="12"/>
+          </p:nvPr>
+        </p:nvSpPr>
+        <p:spPr/>
+        <p:txBody>
+          <a:bodyPr/>
+          <a:lstStyle/>
+          <a:p>
+            <a:fld id="{2F7CED91-9D1D-2E49-97C4-8C5886486047}" type="slidenum">
+              <a:rPr kumimoji="1" lang="ja-JP" altLang="en-US" smtClean="0"/>
+              <a:t>6</a:t>
+            </a:fld>
+            <a:endParaRPr kumimoji="1" lang="ja-JP" altLang="en-US"/>
+          </a:p>
+        </p:txBody>
+      </p:sp>
+    </p:spTree>
+    <p:extLst>
+      <p:ext uri="{BB962C8B-B14F-4D97-AF65-F5344CB8AC3E}">
+        <p14:creationId xmlns:p14="http://schemas.microsoft.com/office/powerpoint/2010/main" val="130500908"/>
+      </p:ext>
+    </p:extLst>
+  </p:cSld>
+  <p:clrMapOvr>
+    <a:masterClrMapping/>
+  </p:clrMapOvr>
+</p:sld>
+</file>
+
+<file path=ppt/slides/slide7.xml><?xml version="1.0" encoding="utf-8"?>
+<p:sld xmlns:a="http://schemas.openxmlformats.org/drawingml/2006/main" xmlns:r="http://schemas.openxmlformats.org/officeDocument/2006/relationships" xmlns:p="http://schemas.openxmlformats.org/presentationml/2006/main">
+  <p:cSld>
+    <p:bg>
+      <p:bgPr>
+        <a:solidFill>
+          <a:schemeClr val="bg1"/>
+        </a:solidFill>
+        <a:effectLst/>
+      </p:bgPr>
+    </p:bg>
+    <p:spTree>
+      <p:nvGrpSpPr>
+        <p:cNvPr id="1" name=""/>
+        <p:cNvGrpSpPr/>
+        <p:nvPr/>
+      </p:nvGrpSpPr>
+      <p:grpSpPr>
+        <a:xfrm>
+          <a:off x="0" y="0"/>
+          <a:ext cx="0" cy="0"/>
+          <a:chOff x="0" y="0"/>
+          <a:chExt cx="0" cy="0"/>
+        </a:xfrm>
+      </p:grpSpPr>
+      <p:sp useBgFill="1">
+        <p:nvSpPr>
+          <p:cNvPr id="8" name="Rectangle 7">
+            <a:extLst>
+              <a:ext uri="{FF2B5EF4-FFF2-40B4-BE49-F238E27FC236}">
+                <a16:creationId xmlns:a16="http://schemas.microsoft.com/office/drawing/2014/main" id="{DAF1966E-FD40-4A4A-B61B-C4DF7FA05F06}"/>
+              </a:ext>
+              <a:ext uri="{C183D7F6-B498-43B3-948B-1728B52AA6E4}">
+                <adec:decorative xmlns:adec="http://schemas.microsoft.com/office/drawing/2017/decorative" val="1"/>
+              </a:ext>
+            </a:extLst>
+          </p:cNvPr>
+          <p:cNvSpPr>
+            <a:spLocks noGrp="1" noRot="1" noChangeAspect="1" noMove="1" noResize="1" noEditPoints="1" noAdjustHandles="1" noChangeArrowheads="1" noChangeShapeType="1" noTextEdit="1"/>
+          </p:cNvSpPr>
+          <p:nvPr>
+            <p:extLst>
+              <p:ext uri="{386F3935-93C4-4BCD-93E2-E3B085C9AB24}">
+                <p16:designElem xmlns:p16="http://schemas.microsoft.com/office/powerpoint/2015/main" val="1"/>
+              </p:ext>
+            </p:extLst>
+          </p:nvPr>
+        </p:nvSpPr>
+        <p:spPr>
+          <a:xfrm>
+            <a:off x="0" y="0"/>
+            <a:ext cx="12192000" cy="6858000"/>
+          </a:xfrm>
+          <a:prstGeom prst="rect">
+            <a:avLst/>
+          </a:prstGeom>
+          <a:ln>
+            <a:noFill/>
+          </a:ln>
+        </p:spPr>
+        <p:style>
+          <a:lnRef idx="2">
+            <a:schemeClr val="accent1">
+              <a:shade val="50000"/>
+            </a:schemeClr>
+          </a:lnRef>
+          <a:fillRef idx="1">
+            <a:schemeClr val="accent1"/>
+          </a:fillRef>
+          <a:effectRef idx="0">
+            <a:schemeClr val="accent1"/>
+          </a:effectRef>
+          <a:fontRef idx="minor">
+            <a:schemeClr val="lt1"/>
+          </a:fontRef>
+        </p:style>
+        <p:txBody>
+          <a:bodyPr rtlCol="0" anchor="ctr"/>
+          <a:lstStyle/>
+          <a:p>
+            <a:pPr algn="ctr"/>
+            <a:endParaRPr lang="en-US"/>
+          </a:p>
+        </p:txBody>
+      </p:sp>
+      <p:sp useBgFill="1">
+        <p:nvSpPr>
+          <p:cNvPr id="10" name="Rectangle 9">
+            <a:extLst>
+              <a:ext uri="{FF2B5EF4-FFF2-40B4-BE49-F238E27FC236}">
+                <a16:creationId xmlns:a16="http://schemas.microsoft.com/office/drawing/2014/main" id="{047BFA19-D45E-416B-A404-7AF2F3F27017}"/>
+              </a:ext>
+              <a:ext uri="{C183D7F6-B498-43B3-948B-1728B52AA6E4}">
+                <adec:decorative xmlns:adec="http://schemas.microsoft.com/office/drawing/2017/decorative" val="1"/>
+              </a:ext>
+            </a:extLst>
+          </p:cNvPr>
+          <p:cNvSpPr>
+            <a:spLocks noGrp="1" noRot="1" noChangeAspect="1" noMove="1" noResize="1" noEditPoints="1" noAdjustHandles="1" noChangeArrowheads="1" noChangeShapeType="1" noTextEdit="1"/>
+          </p:cNvSpPr>
+          <p:nvPr>
+            <p:extLst>
+              <p:ext uri="{386F3935-93C4-4BCD-93E2-E3B085C9AB24}">
+                <p16:designElem xmlns:p16="http://schemas.microsoft.com/office/powerpoint/2015/main" val="1"/>
+              </p:ext>
+            </p:extLst>
+          </p:nvPr>
+        </p:nvSpPr>
+        <p:spPr>
+          <a:xfrm>
+            <a:off x="558209" y="0"/>
+            <a:ext cx="11167447" cy="2018806"/>
+          </a:xfrm>
+          <a:prstGeom prst="rect">
+            <a:avLst/>
+          </a:prstGeom>
+          <a:ln w="9525">
+            <a:solidFill>
+              <a:srgbClr val="E1E1E1"/>
+            </a:solidFill>
+          </a:ln>
+          <a:effectLst>
+            <a:outerShdw blurRad="50800" dist="38100" dir="2700000" algn="tl" rotWithShape="0">
+              <a:schemeClr val="bg1">
+                <a:lumMod val="85000"/>
+                <a:alpha val="50000"/>
+              </a:schemeClr>
+            </a:outerShdw>
+          </a:effectLst>
+        </p:spPr>
+        <p:style>
+          <a:lnRef idx="2">
+            <a:schemeClr val="accent1">
+              <a:shade val="50000"/>
+            </a:schemeClr>
+          </a:lnRef>
+          <a:fillRef idx="1">
+            <a:schemeClr val="accent1"/>
+          </a:fillRef>
+          <a:effectRef idx="0">
+            <a:schemeClr val="accent1"/>
+          </a:effectRef>
+          <a:fontRef idx="minor">
+            <a:schemeClr val="lt1"/>
+          </a:fontRef>
+        </p:style>
+        <p:txBody>
+          <a:bodyPr rtlCol="0" anchor="ctr"/>
+          <a:lstStyle/>
+          <a:p>
+            <a:pPr marL="0" marR="0" lvl="0" indent="0" algn="ctr" defTabSz="914400" rtl="0" eaLnBrk="1" fontAlgn="auto" latinLnBrk="0" hangingPunct="1">
+              <a:lnSpc>
+                <a:spcPct val="100000"/>
+              </a:lnSpc>
+              <a:spcBef>
+                <a:spcPts val="0"/>
+              </a:spcBef>
+              <a:spcAft>
+                <a:spcPts val="0"/>
+              </a:spcAft>
+              <a:buClrTx/>
+              <a:buSzTx/>
+              <a:buFontTx/>
+              <a:buNone/>
+              <a:tabLst/>
+              <a:defRPr/>
+            </a:pPr>
+            <a:endParaRPr kumimoji="0" lang="en-US" sz="1800" b="0" i="0" u="none" strike="noStrike" kern="1200" cap="none" spc="0" normalizeH="0" baseline="0" noProof="0">
+              <a:ln>
+                <a:noFill/>
+              </a:ln>
+              <a:solidFill>
+                <a:prstClr val="white"/>
+              </a:solidFill>
+              <a:effectLst/>
+              <a:uLnTx/>
+              <a:uFillTx/>
+              <a:latin typeface="Calibri" panose="020F0502020204030204"/>
+              <a:ea typeface="+mn-ea"/>
+              <a:cs typeface="+mn-cs"/>
+            </a:endParaRPr>
+          </a:p>
+        </p:txBody>
+      </p:sp>
+      <p:sp useBgFill="1">
+        <p:nvSpPr>
+          <p:cNvPr id="12" name="Rectangle 11">
+            <a:extLst>
+              <a:ext uri="{FF2B5EF4-FFF2-40B4-BE49-F238E27FC236}">
+                <a16:creationId xmlns:a16="http://schemas.microsoft.com/office/drawing/2014/main" id="{8E0105E7-23DB-4CF2-8258-FF47C7620F6E}"/>
+              </a:ext>
+              <a:ext uri="{C183D7F6-B498-43B3-948B-1728B52AA6E4}">
+                <adec:decorative xmlns:adec="http://schemas.microsoft.com/office/drawing/2017/decorative" val="1"/>
+              </a:ext>
+            </a:extLst>
+          </p:cNvPr>
+          <p:cNvSpPr>
+            <a:spLocks noGrp="1" noRot="1" noChangeAspect="1" noMove="1" noResize="1" noEditPoints="1" noAdjustHandles="1" noChangeArrowheads="1" noChangeShapeType="1" noTextEdit="1"/>
+          </p:cNvSpPr>
+          <p:nvPr>
+            <p:extLst>
+              <p:ext uri="{386F3935-93C4-4BCD-93E2-E3B085C9AB24}">
+                <p16:designElem xmlns:p16="http://schemas.microsoft.com/office/powerpoint/2015/main" val="1"/>
+              </p:ext>
+            </p:extLst>
+          </p:nvPr>
+        </p:nvSpPr>
+        <p:spPr>
+          <a:xfrm>
+            <a:off x="566928" y="0"/>
+            <a:ext cx="11155680" cy="2011680"/>
+          </a:xfrm>
+          <a:prstGeom prst="rect">
+            <a:avLst/>
+          </a:prstGeom>
+          <a:ln w="9525">
+            <a:noFill/>
+          </a:ln>
+          <a:effectLst/>
+        </p:spPr>
+        <p:style>
+          <a:lnRef idx="2">
+            <a:schemeClr val="accent1">
+              <a:shade val="50000"/>
+            </a:schemeClr>
+          </a:lnRef>
+          <a:fillRef idx="1">
+            <a:schemeClr val="accent1"/>
+          </a:fillRef>
+          <a:effectRef idx="0">
+            <a:schemeClr val="accent1"/>
+          </a:effectRef>
+          <a:fontRef idx="minor">
+            <a:schemeClr val="lt1"/>
+          </a:fontRef>
+        </p:style>
+        <p:txBody>
+          <a:bodyPr rtlCol="0" anchor="ctr"/>
+          <a:lstStyle/>
+          <a:p>
+            <a:pPr marL="0" marR="0" lvl="0" indent="0" algn="ctr" defTabSz="914400" rtl="0" eaLnBrk="1" fontAlgn="auto" latinLnBrk="0" hangingPunct="1">
+              <a:lnSpc>
+                <a:spcPct val="100000"/>
+              </a:lnSpc>
+              <a:spcBef>
+                <a:spcPts val="0"/>
+              </a:spcBef>
+              <a:spcAft>
+                <a:spcPts val="0"/>
+              </a:spcAft>
+              <a:buClrTx/>
+              <a:buSzTx/>
+              <a:buFontTx/>
+              <a:buNone/>
+              <a:tabLst/>
+              <a:defRPr/>
+            </a:pPr>
+            <a:endParaRPr kumimoji="0" lang="en-US" sz="1800" b="0" i="0" u="none" strike="noStrike" kern="1200" cap="none" spc="0" normalizeH="0" baseline="0" noProof="0">
+              <a:ln>
+                <a:noFill/>
+              </a:ln>
+              <a:solidFill>
+                <a:prstClr val="white"/>
+              </a:solidFill>
+              <a:effectLst/>
+              <a:uLnTx/>
+              <a:uFillTx/>
+              <a:latin typeface="Calibri" panose="020F0502020204030204"/>
+              <a:ea typeface="+mn-ea"/>
+              <a:cs typeface="+mn-cs"/>
+            </a:endParaRPr>
+          </a:p>
+        </p:txBody>
+      </p:sp>
+      <p:sp>
+        <p:nvSpPr>
+          <p:cNvPr id="2" name="タイトル 1">
+            <a:extLst>
+              <a:ext uri="{FF2B5EF4-FFF2-40B4-BE49-F238E27FC236}">
+                <a16:creationId xmlns:a16="http://schemas.microsoft.com/office/drawing/2014/main" id="{FEC153AF-463D-5A46-A5FE-B56196E53201}"/>
+              </a:ext>
+            </a:extLst>
+          </p:cNvPr>
+          <p:cNvSpPr>
+            <a:spLocks noGrp="1"/>
+          </p:cNvSpPr>
+          <p:nvPr>
+            <p:ph type="title"/>
+          </p:nvPr>
+        </p:nvSpPr>
+        <p:spPr>
+          <a:xfrm>
+            <a:off x="1115568" y="548640"/>
+            <a:ext cx="10168128" cy="1179576"/>
+          </a:xfrm>
+        </p:spPr>
+        <p:txBody>
+          <a:bodyPr>
+            <a:normAutofit/>
+          </a:bodyPr>
+          <a:lstStyle/>
+          <a:p>
+            <a:r>
+              <a:rPr kumimoji="1" lang="ja-JP" altLang="en-US" sz="4000" b="1">
+                <a:latin typeface="Meiryo" panose="020B0604030504040204" pitchFamily="34" charset="-128"/>
+                <a:ea typeface="Meiryo" panose="020B0604030504040204" pitchFamily="34" charset="-128"/>
+              </a:rPr>
+              <a:t>設定の復元（リストア）のデモ</a:t>
+            </a:r>
+          </a:p>
+        </p:txBody>
+      </p:sp>
+      <p:sp>
+        <p:nvSpPr>
+          <p:cNvPr id="14" name="Rectangle 13">
+            <a:extLst>
+              <a:ext uri="{FF2B5EF4-FFF2-40B4-BE49-F238E27FC236}">
+                <a16:creationId xmlns:a16="http://schemas.microsoft.com/office/drawing/2014/main" id="{074B4F7D-14B2-478B-8BF5-01E4E0C5D263}"/>
+              </a:ext>
+              <a:ext uri="{C183D7F6-B498-43B3-948B-1728B52AA6E4}">
+                <adec:decorative xmlns:adec="http://schemas.microsoft.com/office/drawing/2017/decorative" val="1"/>
+              </a:ext>
+            </a:extLst>
+          </p:cNvPr>
+          <p:cNvSpPr>
+            <a:spLocks noGrp="1" noRot="1" noChangeAspect="1" noMove="1" noResize="1" noEditPoints="1" noAdjustHandles="1" noChangeArrowheads="1" noChangeShapeType="1" noTextEdit="1"/>
+          </p:cNvSpPr>
+          <p:nvPr>
+            <p:extLst>
+              <p:ext uri="{386F3935-93C4-4BCD-93E2-E3B085C9AB24}">
+                <p16:designElem xmlns:p16="http://schemas.microsoft.com/office/powerpoint/2015/main" val="1"/>
+              </p:ext>
+            </p:extLst>
+          </p:nvPr>
+        </p:nvSpPr>
+        <p:spPr>
+          <a:xfrm>
+            <a:off x="498834" y="758952"/>
+            <a:ext cx="128016" cy="704088"/>
+          </a:xfrm>
+          <a:prstGeom prst="rect">
+            <a:avLst/>
+          </a:prstGeom>
+          <a:solidFill>
+            <a:schemeClr val="accent2"/>
+          </a:solidFill>
+          <a:ln>
+            <a:noFill/>
+          </a:ln>
+        </p:spPr>
+        <p:style>
+          <a:lnRef idx="2">
+            <a:schemeClr val="accent1">
+              <a:shade val="50000"/>
+            </a:schemeClr>
+          </a:lnRef>
+          <a:fillRef idx="1">
+            <a:schemeClr val="accent1"/>
+          </a:fillRef>
+          <a:effectRef idx="0">
+            <a:schemeClr val="accent1"/>
+          </a:effectRef>
+          <a:fontRef idx="minor">
+            <a:schemeClr val="lt1"/>
+          </a:fontRef>
+        </p:style>
+        <p:txBody>
+          <a:bodyPr rtlCol="0" anchor="ctr"/>
+          <a:lstStyle/>
+          <a:p>
+            <a:pPr algn="ctr"/>
+            <a:endParaRPr lang="en-US">
+              <a:solidFill>
+                <a:prstClr val="white"/>
+              </a:solidFill>
+              <a:latin typeface="Calibri" panose="020F0502020204030204"/>
+            </a:endParaRPr>
+          </a:p>
+        </p:txBody>
+      </p:sp>
+      <p:sp>
+        <p:nvSpPr>
+          <p:cNvPr id="4" name="スライド番号プレースホルダー 3">
+            <a:extLst>
+              <a:ext uri="{FF2B5EF4-FFF2-40B4-BE49-F238E27FC236}">
+                <a16:creationId xmlns:a16="http://schemas.microsoft.com/office/drawing/2014/main" id="{6E98C314-0E8E-2B4D-998A-FC43DDB22E7A}"/>
+              </a:ext>
+            </a:extLst>
+          </p:cNvPr>
+          <p:cNvSpPr>
+            <a:spLocks noGrp="1"/>
+          </p:cNvSpPr>
+          <p:nvPr>
+            <p:ph type="sldNum" sz="quarter" idx="12"/>
+          </p:nvPr>
+        </p:nvSpPr>
+        <p:spPr/>
+        <p:txBody>
+          <a:bodyPr/>
+          <a:lstStyle/>
+          <a:p>
+            <a:fld id="{2F7CED91-9D1D-2E49-97C4-8C5886486047}" type="slidenum">
+              <a:rPr kumimoji="1" lang="ja-JP" altLang="en-US" smtClean="0"/>
+              <a:t>7</a:t>
+            </a:fld>
+            <a:endParaRPr kumimoji="1" lang="ja-JP" altLang="en-US"/>
+          </a:p>
+        </p:txBody>
+      </p:sp>
+    </p:spTree>
+    <p:extLst>
+      <p:ext uri="{BB962C8B-B14F-4D97-AF65-F5344CB8AC3E}">
+        <p14:creationId xmlns:p14="http://schemas.microsoft.com/office/powerpoint/2010/main" val="701229753"/>
+      </p:ext>
+    </p:extLst>
+  </p:cSld>
+  <p:clrMapOvr>
+    <a:masterClrMapping/>
+  </p:clrMapOvr>
+</p:sld>
+</file>
+
+<file path=ppt/slides/slide8.xml><?xml version="1.0" encoding="utf-8"?>
+<p:sld xmlns:a="http://schemas.openxmlformats.org/drawingml/2006/main" xmlns:r="http://schemas.openxmlformats.org/officeDocument/2006/relationships" xmlns:p="http://schemas.openxmlformats.org/presentationml/2006/main">
+  <p:cSld>
+    <p:bg>
+      <p:bgPr>
+        <a:solidFill>
+          <a:schemeClr val="bg1"/>
+        </a:solidFill>
+        <a:effectLst/>
+      </p:bgPr>
+    </p:bg>
+    <p:spTree>
+      <p:nvGrpSpPr>
+        <p:cNvPr id="1" name=""/>
+        <p:cNvGrpSpPr/>
+        <p:nvPr/>
+      </p:nvGrpSpPr>
+      <p:grpSpPr>
+        <a:xfrm>
+          <a:off x="0" y="0"/>
+          <a:ext cx="0" cy="0"/>
+          <a:chOff x="0" y="0"/>
+          <a:chExt cx="0" cy="0"/>
+        </a:xfrm>
+      </p:grpSpPr>
+      <p:sp useBgFill="1">
+        <p:nvSpPr>
+          <p:cNvPr id="9" name="Rectangle 8">
+            <a:extLst>
+              <a:ext uri="{FF2B5EF4-FFF2-40B4-BE49-F238E27FC236}">
+                <a16:creationId xmlns:a16="http://schemas.microsoft.com/office/drawing/2014/main" id="{DAF1966E-FD40-4A4A-B61B-C4DF7FA05F06}"/>
+              </a:ext>
+              <a:ext uri="{C183D7F6-B498-43B3-948B-1728B52AA6E4}">
+                <adec:decorative xmlns:adec="http://schemas.microsoft.com/office/drawing/2017/decorative" val="1"/>
+              </a:ext>
+            </a:extLst>
+          </p:cNvPr>
+          <p:cNvSpPr>
+            <a:spLocks noGrp="1" noRot="1" noChangeAspect="1" noMove="1" noResize="1" noEditPoints="1" noAdjustHandles="1" noChangeArrowheads="1" noChangeShapeType="1" noTextEdit="1"/>
+          </p:cNvSpPr>
+          <p:nvPr>
+            <p:extLst>
+              <p:ext uri="{386F3935-93C4-4BCD-93E2-E3B085C9AB24}">
+                <p16:designElem xmlns:p16="http://schemas.microsoft.com/office/powerpoint/2015/main" val="1"/>
+              </p:ext>
+            </p:extLst>
+          </p:nvPr>
+        </p:nvSpPr>
+        <p:spPr>
+          <a:xfrm>
+            <a:off x="0" y="0"/>
+            <a:ext cx="12192000" cy="6858000"/>
+          </a:xfrm>
+          <a:prstGeom prst="rect">
+            <a:avLst/>
+          </a:prstGeom>
+          <a:ln>
+            <a:noFill/>
+          </a:ln>
+        </p:spPr>
+        <p:style>
+          <a:lnRef idx="2">
+            <a:schemeClr val="accent1">
+              <a:shade val="50000"/>
+            </a:schemeClr>
+          </a:lnRef>
+          <a:fillRef idx="1">
+            <a:schemeClr val="accent1"/>
+          </a:fillRef>
+          <a:effectRef idx="0">
+            <a:schemeClr val="accent1"/>
+          </a:effectRef>
+          <a:fontRef idx="minor">
+            <a:schemeClr val="lt1"/>
+          </a:fontRef>
+        </p:style>
+        <p:txBody>
+          <a:bodyPr rtlCol="0" anchor="ctr"/>
+          <a:lstStyle/>
+          <a:p>
+            <a:pPr algn="ctr"/>
+            <a:endParaRPr lang="en-US"/>
+          </a:p>
+        </p:txBody>
+      </p:sp>
+      <p:sp useBgFill="1">
+        <p:nvSpPr>
+          <p:cNvPr id="11" name="Rectangle 10">
+            <a:extLst>
+              <a:ext uri="{FF2B5EF4-FFF2-40B4-BE49-F238E27FC236}">
+                <a16:creationId xmlns:a16="http://schemas.microsoft.com/office/drawing/2014/main" id="{047BFA19-D45E-416B-A404-7AF2F3F27017}"/>
+              </a:ext>
+              <a:ext uri="{C183D7F6-B498-43B3-948B-1728B52AA6E4}">
+                <adec:decorative xmlns:adec="http://schemas.microsoft.com/office/drawing/2017/decorative" val="1"/>
+              </a:ext>
+            </a:extLst>
+          </p:cNvPr>
+          <p:cNvSpPr>
+            <a:spLocks noGrp="1" noRot="1" noChangeAspect="1" noMove="1" noResize="1" noEditPoints="1" noAdjustHandles="1" noChangeArrowheads="1" noChangeShapeType="1" noTextEdit="1"/>
+          </p:cNvSpPr>
+          <p:nvPr>
+            <p:extLst>
+              <p:ext uri="{386F3935-93C4-4BCD-93E2-E3B085C9AB24}">
+                <p16:designElem xmlns:p16="http://schemas.microsoft.com/office/powerpoint/2015/main" val="1"/>
+              </p:ext>
+            </p:extLst>
+          </p:nvPr>
+        </p:nvSpPr>
+        <p:spPr>
+          <a:xfrm>
+            <a:off x="558209" y="0"/>
+            <a:ext cx="11167447" cy="2018806"/>
+          </a:xfrm>
+          <a:prstGeom prst="rect">
+            <a:avLst/>
+          </a:prstGeom>
+          <a:ln w="9525">
+            <a:solidFill>
+              <a:srgbClr val="E1E1E1"/>
+            </a:solidFill>
+          </a:ln>
+          <a:effectLst>
+            <a:outerShdw blurRad="50800" dist="38100" dir="2700000" algn="tl" rotWithShape="0">
+              <a:schemeClr val="bg1">
+                <a:lumMod val="85000"/>
+                <a:alpha val="50000"/>
+              </a:schemeClr>
+            </a:outerShdw>
+          </a:effectLst>
+        </p:spPr>
+        <p:style>
+          <a:lnRef idx="2">
+            <a:schemeClr val="accent1">
+              <a:shade val="50000"/>
+            </a:schemeClr>
+          </a:lnRef>
+          <a:fillRef idx="1">
+            <a:schemeClr val="accent1"/>
+          </a:fillRef>
+          <a:effectRef idx="0">
+            <a:schemeClr val="accent1"/>
+          </a:effectRef>
+          <a:fontRef idx="minor">
+            <a:schemeClr val="lt1"/>
+          </a:fontRef>
+        </p:style>
+        <p:txBody>
+          <a:bodyPr rtlCol="0" anchor="ctr"/>
+          <a:lstStyle/>
+          <a:p>
+            <a:pPr marL="0" marR="0" lvl="0" indent="0" algn="ctr" defTabSz="914400" rtl="0" eaLnBrk="1" fontAlgn="auto" latinLnBrk="0" hangingPunct="1">
+              <a:lnSpc>
+                <a:spcPct val="100000"/>
+              </a:lnSpc>
+              <a:spcBef>
+                <a:spcPts val="0"/>
+              </a:spcBef>
+              <a:spcAft>
+                <a:spcPts val="0"/>
+              </a:spcAft>
+              <a:buClrTx/>
+              <a:buSzTx/>
+              <a:buFontTx/>
+              <a:buNone/>
+              <a:tabLst/>
+              <a:defRPr/>
+            </a:pPr>
+            <a:endParaRPr kumimoji="0" lang="en-US" sz="1800" b="0" i="0" u="none" strike="noStrike" kern="1200" cap="none" spc="0" normalizeH="0" baseline="0" noProof="0">
+              <a:ln>
+                <a:noFill/>
+              </a:ln>
+              <a:solidFill>
+                <a:prstClr val="white"/>
+              </a:solidFill>
+              <a:effectLst/>
+              <a:uLnTx/>
+              <a:uFillTx/>
+              <a:latin typeface="Calibri" panose="020F0502020204030204"/>
+              <a:ea typeface="+mn-ea"/>
+              <a:cs typeface="+mn-cs"/>
+            </a:endParaRPr>
+          </a:p>
+        </p:txBody>
+      </p:sp>
+      <p:sp useBgFill="1">
+        <p:nvSpPr>
+          <p:cNvPr id="13" name="Rectangle 12">
+            <a:extLst>
+              <a:ext uri="{FF2B5EF4-FFF2-40B4-BE49-F238E27FC236}">
+                <a16:creationId xmlns:a16="http://schemas.microsoft.com/office/drawing/2014/main" id="{8E0105E7-23DB-4CF2-8258-FF47C7620F6E}"/>
+              </a:ext>
+              <a:ext uri="{C183D7F6-B498-43B3-948B-1728B52AA6E4}">
+                <adec:decorative xmlns:adec="http://schemas.microsoft.com/office/drawing/2017/decorative" val="1"/>
+              </a:ext>
+            </a:extLst>
+          </p:cNvPr>
+          <p:cNvSpPr>
+            <a:spLocks noGrp="1" noRot="1" noChangeAspect="1" noMove="1" noResize="1" noEditPoints="1" noAdjustHandles="1" noChangeArrowheads="1" noChangeShapeType="1" noTextEdit="1"/>
+          </p:cNvSpPr>
+          <p:nvPr>
+            <p:extLst>
+              <p:ext uri="{386F3935-93C4-4BCD-93E2-E3B085C9AB24}">
+                <p16:designElem xmlns:p16="http://schemas.microsoft.com/office/powerpoint/2015/main" val="1"/>
+              </p:ext>
+            </p:extLst>
+          </p:nvPr>
+        </p:nvSpPr>
+        <p:spPr>
+          <a:xfrm>
+            <a:off x="566928" y="0"/>
+            <a:ext cx="11155680" cy="2011680"/>
+          </a:xfrm>
+          <a:prstGeom prst="rect">
+            <a:avLst/>
+          </a:prstGeom>
+          <a:ln w="9525">
+            <a:noFill/>
+          </a:ln>
+          <a:effectLst/>
+        </p:spPr>
+        <p:style>
+          <a:lnRef idx="2">
+            <a:schemeClr val="accent1">
+              <a:shade val="50000"/>
+            </a:schemeClr>
+          </a:lnRef>
+          <a:fillRef idx="1">
+            <a:schemeClr val="accent1"/>
+          </a:fillRef>
+          <a:effectRef idx="0">
+            <a:schemeClr val="accent1"/>
+          </a:effectRef>
+          <a:fontRef idx="minor">
+            <a:schemeClr val="lt1"/>
+          </a:fontRef>
+        </p:style>
+        <p:txBody>
+          <a:bodyPr rtlCol="0" anchor="ctr"/>
+          <a:lstStyle/>
+          <a:p>
+            <a:pPr marL="0" marR="0" lvl="0" indent="0" algn="ctr" defTabSz="914400" rtl="0" eaLnBrk="1" fontAlgn="auto" latinLnBrk="0" hangingPunct="1">
+              <a:lnSpc>
+                <a:spcPct val="100000"/>
+              </a:lnSpc>
+              <a:spcBef>
+                <a:spcPts val="0"/>
+              </a:spcBef>
+              <a:spcAft>
+                <a:spcPts val="0"/>
+              </a:spcAft>
+              <a:buClrTx/>
+              <a:buSzTx/>
+              <a:buFontTx/>
+              <a:buNone/>
+              <a:tabLst/>
+              <a:defRPr/>
+            </a:pPr>
+            <a:endParaRPr kumimoji="0" lang="en-US" sz="1800" b="0" i="0" u="none" strike="noStrike" kern="1200" cap="none" spc="0" normalizeH="0" baseline="0" noProof="0">
+              <a:ln>
+                <a:noFill/>
+              </a:ln>
+              <a:solidFill>
+                <a:prstClr val="white"/>
+              </a:solidFill>
+              <a:effectLst/>
+              <a:uLnTx/>
+              <a:uFillTx/>
+              <a:latin typeface="Calibri" panose="020F0502020204030204"/>
+              <a:ea typeface="+mn-ea"/>
+              <a:cs typeface="+mn-cs"/>
+            </a:endParaRPr>
+          </a:p>
+        </p:txBody>
+      </p:sp>
+      <p:sp>
+        <p:nvSpPr>
+          <p:cNvPr id="2" name="タイトル 1">
+            <a:extLst>
+              <a:ext uri="{FF2B5EF4-FFF2-40B4-BE49-F238E27FC236}">
+                <a16:creationId xmlns:a16="http://schemas.microsoft.com/office/drawing/2014/main" id="{FEC153AF-463D-5A46-A5FE-B56196E53201}"/>
+              </a:ext>
+            </a:extLst>
+          </p:cNvPr>
+          <p:cNvSpPr>
+            <a:spLocks noGrp="1"/>
+          </p:cNvSpPr>
+          <p:nvPr>
+            <p:ph type="title"/>
+          </p:nvPr>
+        </p:nvSpPr>
+        <p:spPr>
+          <a:xfrm>
+            <a:off x="1115568" y="548640"/>
+            <a:ext cx="10168128" cy="1179576"/>
+          </a:xfrm>
+        </p:spPr>
+        <p:txBody>
+          <a:bodyPr>
+            <a:normAutofit/>
+          </a:bodyPr>
+          <a:lstStyle/>
+          <a:p>
+            <a:r>
+              <a:rPr lang="ja-JP" altLang="en-US" sz="4000" b="1">
+                <a:latin typeface="Meiryo" panose="020B0604030504040204" pitchFamily="34" charset="-128"/>
+                <a:ea typeface="Meiryo" panose="020B0604030504040204" pitchFamily="34" charset="-128"/>
+              </a:rPr>
+              <a:t>実現できた機能</a:t>
+            </a:r>
+            <a:endParaRPr kumimoji="1" lang="ja-JP" altLang="en-US" sz="4000" b="1">
+              <a:latin typeface="Meiryo" panose="020B0604030504040204" pitchFamily="34" charset="-128"/>
+              <a:ea typeface="Meiryo" panose="020B0604030504040204" pitchFamily="34" charset="-128"/>
+            </a:endParaRPr>
+          </a:p>
+        </p:txBody>
+      </p:sp>
+      <p:sp>
+        <p:nvSpPr>
+          <p:cNvPr id="15" name="Rectangle 14">
+            <a:extLst>
+              <a:ext uri="{FF2B5EF4-FFF2-40B4-BE49-F238E27FC236}">
+                <a16:creationId xmlns:a16="http://schemas.microsoft.com/office/drawing/2014/main" id="{074B4F7D-14B2-478B-8BF5-01E4E0C5D263}"/>
+              </a:ext>
+              <a:ext uri="{C183D7F6-B498-43B3-948B-1728B52AA6E4}">
+                <adec:decorative xmlns:adec="http://schemas.microsoft.com/office/drawing/2017/decorative" val="1"/>
+              </a:ext>
+            </a:extLst>
+          </p:cNvPr>
+          <p:cNvSpPr>
+            <a:spLocks noGrp="1" noRot="1" noChangeAspect="1" noMove="1" noResize="1" noEditPoints="1" noAdjustHandles="1" noChangeArrowheads="1" noChangeShapeType="1" noTextEdit="1"/>
+          </p:cNvSpPr>
+          <p:nvPr>
+            <p:extLst>
+              <p:ext uri="{386F3935-93C4-4BCD-93E2-E3B085C9AB24}">
+                <p16:designElem xmlns:p16="http://schemas.microsoft.com/office/powerpoint/2015/main" val="1"/>
+              </p:ext>
+            </p:extLst>
+          </p:nvPr>
+        </p:nvSpPr>
+        <p:spPr>
+          <a:xfrm>
+            <a:off x="498834" y="758952"/>
+            <a:ext cx="128016" cy="704088"/>
+          </a:xfrm>
+          <a:prstGeom prst="rect">
+            <a:avLst/>
+          </a:prstGeom>
+          <a:solidFill>
+            <a:schemeClr val="accent2"/>
+          </a:solidFill>
+          <a:ln>
+            <a:noFill/>
+          </a:ln>
+        </p:spPr>
+        <p:style>
+          <a:lnRef idx="2">
+            <a:schemeClr val="accent1">
+              <a:shade val="50000"/>
+            </a:schemeClr>
+          </a:lnRef>
+          <a:fillRef idx="1">
+            <a:schemeClr val="accent1"/>
+          </a:fillRef>
+          <a:effectRef idx="0">
+            <a:schemeClr val="accent1"/>
+          </a:effectRef>
+          <a:fontRef idx="minor">
+            <a:schemeClr val="lt1"/>
+          </a:fontRef>
+        </p:style>
+        <p:txBody>
+          <a:bodyPr rtlCol="0" anchor="ctr"/>
+          <a:lstStyle/>
+          <a:p>
+            <a:pPr algn="ctr"/>
+            <a:endParaRPr lang="en-US">
+              <a:solidFill>
+                <a:prstClr val="white"/>
+              </a:solidFill>
+              <a:latin typeface="Calibri" panose="020F0502020204030204"/>
+            </a:endParaRPr>
+          </a:p>
+        </p:txBody>
+      </p:sp>
+      <p:sp>
+        <p:nvSpPr>
+          <p:cNvPr id="3" name="角丸四角形 2">
+            <a:extLst>
+              <a:ext uri="{FF2B5EF4-FFF2-40B4-BE49-F238E27FC236}">
+                <a16:creationId xmlns:a16="http://schemas.microsoft.com/office/drawing/2014/main" id="{6063EE24-F371-0B44-A912-5522B30A5858}"/>
+              </a:ext>
+            </a:extLst>
+          </p:cNvPr>
+          <p:cNvSpPr/>
+          <p:nvPr/>
+        </p:nvSpPr>
+        <p:spPr>
+          <a:xfrm>
+            <a:off x="1115568" y="2373923"/>
+            <a:ext cx="10168128" cy="1305029"/>
+          </a:xfrm>
+          <a:prstGeom prst="roundRect">
+            <a:avLst/>
+          </a:prstGeom>
+          <a:solidFill>
+            <a:schemeClr val="accent4">
+              <a:lumMod val="40000"/>
+              <a:lumOff val="60000"/>
+            </a:schemeClr>
+          </a:solidFill>
+          <a:ln w="28575">
+            <a:solidFill>
+              <a:schemeClr val="tx1"/>
+            </a:solidFill>
+          </a:ln>
+        </p:spPr>
+        <p:style>
+          <a:lnRef idx="2">
+            <a:schemeClr val="accent1">
+              <a:shade val="50000"/>
+            </a:schemeClr>
+          </a:lnRef>
+          <a:fillRef idx="1">
+            <a:schemeClr val="accent1"/>
+          </a:fillRef>
+          <a:effectRef idx="0">
+            <a:schemeClr val="accent1"/>
+          </a:effectRef>
+          <a:fontRef idx="minor">
+            <a:schemeClr val="lt1"/>
+          </a:fontRef>
+        </p:style>
+        <p:txBody>
+          <a:bodyPr rtlCol="0" anchor="ctr"/>
+          <a:lstStyle/>
+          <a:p>
+            <a:pPr algn="ctr"/>
+            <a:endParaRPr kumimoji="1" lang="ja-JP" altLang="en-US"/>
+          </a:p>
+        </p:txBody>
+      </p:sp>
+      <p:sp>
+        <p:nvSpPr>
+          <p:cNvPr id="10" name="角丸四角形 9">
+            <a:extLst>
+              <a:ext uri="{FF2B5EF4-FFF2-40B4-BE49-F238E27FC236}">
+                <a16:creationId xmlns:a16="http://schemas.microsoft.com/office/drawing/2014/main" id="{6678DC0C-DC6F-E747-822D-405278E2450A}"/>
+              </a:ext>
+            </a:extLst>
+          </p:cNvPr>
+          <p:cNvSpPr/>
+          <p:nvPr/>
+        </p:nvSpPr>
+        <p:spPr>
+          <a:xfrm>
+            <a:off x="1115568" y="3752592"/>
+            <a:ext cx="10168128" cy="1245997"/>
+          </a:xfrm>
+          <a:prstGeom prst="roundRect">
+            <a:avLst/>
+          </a:prstGeom>
+          <a:solidFill>
+            <a:schemeClr val="accent4">
+              <a:lumMod val="40000"/>
+              <a:lumOff val="60000"/>
+            </a:schemeClr>
+          </a:solidFill>
+          <a:ln w="28575">
+            <a:solidFill>
+              <a:schemeClr val="tx1"/>
+            </a:solidFill>
+          </a:ln>
+        </p:spPr>
+        <p:style>
+          <a:lnRef idx="2">
+            <a:schemeClr val="accent1">
+              <a:shade val="50000"/>
+            </a:schemeClr>
+          </a:lnRef>
+          <a:fillRef idx="1">
+            <a:schemeClr val="accent1"/>
+          </a:fillRef>
+          <a:effectRef idx="0">
+            <a:schemeClr val="accent1"/>
+          </a:effectRef>
+          <a:fontRef idx="minor">
+            <a:schemeClr val="lt1"/>
+          </a:fontRef>
+        </p:style>
+        <p:txBody>
+          <a:bodyPr rtlCol="0" anchor="ctr"/>
+          <a:lstStyle/>
+          <a:p>
+            <a:pPr algn="ctr"/>
+            <a:endParaRPr kumimoji="1" lang="ja-JP" altLang="en-US"/>
+          </a:p>
+        </p:txBody>
+      </p:sp>
+      <p:sp>
+        <p:nvSpPr>
+          <p:cNvPr id="12" name="角丸四角形 11">
+            <a:extLst>
+              <a:ext uri="{FF2B5EF4-FFF2-40B4-BE49-F238E27FC236}">
+                <a16:creationId xmlns:a16="http://schemas.microsoft.com/office/drawing/2014/main" id="{CB82FC97-D3E9-F742-9E14-7CBD13884D8B}"/>
+              </a:ext>
+            </a:extLst>
+          </p:cNvPr>
+          <p:cNvSpPr/>
+          <p:nvPr/>
+        </p:nvSpPr>
+        <p:spPr>
+          <a:xfrm>
+            <a:off x="1115568" y="5072230"/>
+            <a:ext cx="10168128" cy="1245996"/>
+          </a:xfrm>
+          <a:prstGeom prst="roundRect">
+            <a:avLst/>
+          </a:prstGeom>
+          <a:solidFill>
+            <a:schemeClr val="accent4">
+              <a:lumMod val="40000"/>
+              <a:lumOff val="60000"/>
+            </a:schemeClr>
+          </a:solidFill>
+          <a:ln w="28575"/>
+        </p:spPr>
+        <p:style>
+          <a:lnRef idx="2">
+            <a:schemeClr val="accent1">
+              <a:shade val="50000"/>
+            </a:schemeClr>
+          </a:lnRef>
+          <a:fillRef idx="1">
+            <a:schemeClr val="accent1"/>
+          </a:fillRef>
+          <a:effectRef idx="0">
+            <a:schemeClr val="accent1"/>
+          </a:effectRef>
+          <a:fontRef idx="minor">
+            <a:schemeClr val="lt1"/>
+          </a:fontRef>
+        </p:style>
+        <p:txBody>
+          <a:bodyPr rtlCol="0" anchor="ctr"/>
+          <a:lstStyle/>
+          <a:p>
+            <a:pPr algn="ctr"/>
+            <a:endParaRPr kumimoji="1" lang="ja-JP" altLang="en-US"/>
+          </a:p>
+        </p:txBody>
+      </p:sp>
+      <p:sp>
+        <p:nvSpPr>
+          <p:cNvPr id="4" name="コンテンツ プレースホルダー 3">
+            <a:extLst>
+              <a:ext uri="{FF2B5EF4-FFF2-40B4-BE49-F238E27FC236}">
+                <a16:creationId xmlns:a16="http://schemas.microsoft.com/office/drawing/2014/main" id="{DF8A547E-C8A4-804C-B4D0-6F36F1E8D254}"/>
+              </a:ext>
+            </a:extLst>
+          </p:cNvPr>
+          <p:cNvSpPr>
+            <a:spLocks noGrp="1"/>
+          </p:cNvSpPr>
+          <p:nvPr>
+            <p:ph idx="1"/>
+          </p:nvPr>
+        </p:nvSpPr>
+        <p:spPr>
+          <a:xfrm>
+            <a:off x="1115568" y="2492797"/>
+            <a:ext cx="10168128" cy="3816563"/>
+          </a:xfrm>
+        </p:spPr>
+        <p:txBody>
+          <a:bodyPr>
+            <a:normAutofit/>
+          </a:bodyPr>
+          <a:lstStyle/>
+          <a:p>
+            <a:pPr marL="0" indent="0">
+              <a:buNone/>
+            </a:pPr>
+            <a:r>
+              <a:rPr lang="ja-JP" altLang="en-US" sz="2000" b="1">
+                <a:latin typeface="Meiryo" panose="020B0604030504040204" pitchFamily="34" charset="-128"/>
+                <a:ea typeface="Meiryo" panose="020B0604030504040204" pitchFamily="34" charset="-128"/>
+              </a:rPr>
+              <a:t>・ネットワークの自動構築</a:t>
+            </a:r>
+            <a:endParaRPr lang="en-US" altLang="ja-JP" sz="2000" b="1" dirty="0">
+              <a:latin typeface="Meiryo" panose="020B0604030504040204" pitchFamily="34" charset="-128"/>
+              <a:ea typeface="Meiryo" panose="020B0604030504040204" pitchFamily="34" charset="-128"/>
+            </a:endParaRPr>
+          </a:p>
+          <a:p>
+            <a:pPr marL="0" indent="0">
+              <a:buNone/>
+            </a:pPr>
+            <a:r>
+              <a:rPr lang="ja-JP" altLang="en-US" sz="2000" b="1">
+                <a:latin typeface="Meiryo" panose="020B0604030504040204" pitchFamily="34" charset="-128"/>
+                <a:ea typeface="Meiryo" panose="020B0604030504040204" pitchFamily="34" charset="-128"/>
+              </a:rPr>
+              <a:t>　</a:t>
+            </a:r>
+            <a:r>
+              <a:rPr lang="ja-JP" altLang="en-US" sz="2000">
+                <a:latin typeface="Meiryo" panose="020B0604030504040204" pitchFamily="34" charset="-128"/>
+                <a:ea typeface="Meiryo" panose="020B0604030504040204" pitchFamily="34" charset="-128"/>
+              </a:rPr>
+              <a:t>予め</a:t>
+            </a:r>
+            <a:r>
+              <a:rPr lang="en-US" altLang="ja-JP" sz="2000" dirty="0">
+                <a:latin typeface="Meiryo" panose="020B0604030504040204" pitchFamily="34" charset="-128"/>
+                <a:ea typeface="Meiryo" panose="020B0604030504040204" pitchFamily="34" charset="-128"/>
+              </a:rPr>
+              <a:t>ansible</a:t>
+            </a:r>
+            <a:r>
+              <a:rPr lang="ja-JP" altLang="en-US" sz="2000">
+                <a:latin typeface="Meiryo" panose="020B0604030504040204" pitchFamily="34" charset="-128"/>
+                <a:ea typeface="Meiryo" panose="020B0604030504040204" pitchFamily="34" charset="-128"/>
+              </a:rPr>
+              <a:t>のインストールされたサーバと管理するルータをコマンド一つで起動する</a:t>
+            </a:r>
+            <a:endParaRPr lang="en-US" altLang="ja-JP" sz="1800" dirty="0">
+              <a:latin typeface="Meiryo" panose="020B0604030504040204" pitchFamily="34" charset="-128"/>
+              <a:ea typeface="Meiryo" panose="020B0604030504040204" pitchFamily="34" charset="-128"/>
+            </a:endParaRPr>
+          </a:p>
+          <a:p>
+            <a:pPr marL="0" indent="0">
+              <a:buNone/>
+            </a:pPr>
+            <a:endParaRPr lang="en-US" altLang="ja-JP" sz="2000" b="1" dirty="0">
+              <a:latin typeface="Meiryo" panose="020B0604030504040204" pitchFamily="34" charset="-128"/>
+              <a:ea typeface="Meiryo" panose="020B0604030504040204" pitchFamily="34" charset="-128"/>
+            </a:endParaRPr>
+          </a:p>
+          <a:p>
+            <a:pPr marL="0" indent="0">
+              <a:buNone/>
+            </a:pPr>
+            <a:r>
+              <a:rPr lang="ja-JP" altLang="en-US" sz="2000" b="1">
+                <a:latin typeface="Meiryo" panose="020B0604030504040204" pitchFamily="34" charset="-128"/>
+                <a:ea typeface="Meiryo" panose="020B0604030504040204" pitchFamily="34" charset="-128"/>
+              </a:rPr>
+              <a:t>・バックアップ機能</a:t>
+            </a:r>
+            <a:endParaRPr lang="en-US" altLang="ja-JP" sz="2000" b="1" dirty="0">
+              <a:latin typeface="Meiryo" panose="020B0604030504040204" pitchFamily="34" charset="-128"/>
+              <a:ea typeface="Meiryo" panose="020B0604030504040204" pitchFamily="34" charset="-128"/>
+            </a:endParaRPr>
+          </a:p>
+          <a:p>
+            <a:pPr marL="0" indent="0">
+              <a:buNone/>
+            </a:pPr>
+            <a:r>
+              <a:rPr lang="ja-JP" altLang="en-US" sz="2000" b="1">
+                <a:latin typeface="Meiryo" panose="020B0604030504040204" pitchFamily="34" charset="-128"/>
+                <a:ea typeface="Meiryo" panose="020B0604030504040204" pitchFamily="34" charset="-128"/>
+              </a:rPr>
+              <a:t>　</a:t>
+            </a:r>
+            <a:r>
+              <a:rPr lang="en-US" altLang="ja-JP" sz="1800" dirty="0">
+                <a:latin typeface="Meiryo" panose="020B0604030504040204" pitchFamily="34" charset="-128"/>
+                <a:ea typeface="Meiryo" panose="020B0604030504040204" pitchFamily="34" charset="-128"/>
+              </a:rPr>
+              <a:t>ansible</a:t>
+            </a:r>
+            <a:r>
+              <a:rPr lang="ja-JP" altLang="en-US" sz="1800">
+                <a:latin typeface="Meiryo" panose="020B0604030504040204" pitchFamily="34" charset="-128"/>
+                <a:ea typeface="Meiryo" panose="020B0604030504040204" pitchFamily="34" charset="-128"/>
+              </a:rPr>
+              <a:t>のモジュール利用し設定コマンドを管理サーバのファイルに出力する</a:t>
+            </a:r>
+            <a:endParaRPr lang="en-US" altLang="ja-JP" sz="1800" dirty="0">
+              <a:latin typeface="Meiryo" panose="020B0604030504040204" pitchFamily="34" charset="-128"/>
+              <a:ea typeface="Meiryo" panose="020B0604030504040204" pitchFamily="34" charset="-128"/>
+            </a:endParaRPr>
+          </a:p>
+          <a:p>
+            <a:pPr marL="0" indent="0">
+              <a:buNone/>
+            </a:pPr>
+            <a:endParaRPr lang="en-US" altLang="ja-JP" sz="2000" b="1" dirty="0">
+              <a:latin typeface="Meiryo" panose="020B0604030504040204" pitchFamily="34" charset="-128"/>
+              <a:ea typeface="Meiryo" panose="020B0604030504040204" pitchFamily="34" charset="-128"/>
+            </a:endParaRPr>
+          </a:p>
+          <a:p>
+            <a:pPr marL="0" indent="0">
+              <a:buNone/>
+            </a:pPr>
+            <a:r>
+              <a:rPr lang="ja-JP" altLang="en-US" sz="2000" b="1">
+                <a:latin typeface="Meiryo" panose="020B0604030504040204" pitchFamily="34" charset="-128"/>
+                <a:ea typeface="Meiryo" panose="020B0604030504040204" pitchFamily="34" charset="-128"/>
+              </a:rPr>
+              <a:t>・リストア機能</a:t>
+            </a:r>
+            <a:endParaRPr lang="en-US" altLang="ja-JP" sz="2000" b="1" dirty="0">
+              <a:latin typeface="Meiryo" panose="020B0604030504040204" pitchFamily="34" charset="-128"/>
+              <a:ea typeface="Meiryo" panose="020B0604030504040204" pitchFamily="34" charset="-128"/>
+            </a:endParaRPr>
+          </a:p>
+          <a:p>
+            <a:pPr marL="0" indent="0">
+              <a:buNone/>
+            </a:pPr>
+            <a:r>
+              <a:rPr lang="ja-JP" altLang="en-US" sz="2000" b="1">
+                <a:latin typeface="Meiryo" panose="020B0604030504040204" pitchFamily="34" charset="-128"/>
+                <a:ea typeface="Meiryo" panose="020B0604030504040204" pitchFamily="34" charset="-128"/>
+              </a:rPr>
+              <a:t>　</a:t>
+            </a:r>
+            <a:r>
+              <a:rPr lang="en-US" altLang="ja-JP" sz="1800" dirty="0">
+                <a:latin typeface="Meiryo" panose="020B0604030504040204" pitchFamily="34" charset="-128"/>
+                <a:ea typeface="Meiryo" panose="020B0604030504040204" pitchFamily="34" charset="-128"/>
+              </a:rPr>
+              <a:t>ansible</a:t>
+            </a:r>
+            <a:r>
+              <a:rPr lang="ja-JP" altLang="en-US" sz="1800">
+                <a:latin typeface="Meiryo" panose="020B0604030504040204" pitchFamily="34" charset="-128"/>
+                <a:ea typeface="Meiryo" panose="020B0604030504040204" pitchFamily="34" charset="-128"/>
+              </a:rPr>
+              <a:t>のモジュールを利用し</a:t>
+            </a:r>
+            <a:r>
+              <a:rPr lang="en-US" altLang="ja-JP" sz="1800" dirty="0">
+                <a:latin typeface="Meiryo" panose="020B0604030504040204" pitchFamily="34" charset="-128"/>
+                <a:ea typeface="Meiryo" panose="020B0604030504040204" pitchFamily="34" charset="-128"/>
+              </a:rPr>
+              <a:t>, </a:t>
+            </a:r>
+            <a:r>
+              <a:rPr lang="ja-JP" altLang="en-US" sz="1800">
+                <a:latin typeface="Meiryo" panose="020B0604030504040204" pitchFamily="34" charset="-128"/>
+                <a:ea typeface="Meiryo" panose="020B0604030504040204" pitchFamily="34" charset="-128"/>
+              </a:rPr>
+              <a:t>管理サーバのファイルに出力されたコマンドを実行する</a:t>
+            </a:r>
+            <a:endParaRPr lang="en-US" altLang="ja-JP" sz="1800" dirty="0">
+              <a:latin typeface="Meiryo" panose="020B0604030504040204" pitchFamily="34" charset="-128"/>
+              <a:ea typeface="Meiryo" panose="020B0604030504040204" pitchFamily="34" charset="-128"/>
+            </a:endParaRPr>
+          </a:p>
+        </p:txBody>
+      </p:sp>
+      <p:sp>
+        <p:nvSpPr>
+          <p:cNvPr id="5" name="スライド番号プレースホルダー 4">
+            <a:extLst>
+              <a:ext uri="{FF2B5EF4-FFF2-40B4-BE49-F238E27FC236}">
+                <a16:creationId xmlns:a16="http://schemas.microsoft.com/office/drawing/2014/main" id="{1AD7E94A-8046-1048-B4E0-78AA4647D9E1}"/>
+              </a:ext>
+            </a:extLst>
+          </p:cNvPr>
+          <p:cNvSpPr>
+            <a:spLocks noGrp="1"/>
+          </p:cNvSpPr>
+          <p:nvPr>
+            <p:ph type="sldNum" sz="quarter" idx="12"/>
+          </p:nvPr>
+        </p:nvSpPr>
+        <p:spPr/>
+        <p:txBody>
+          <a:bodyPr/>
+          <a:lstStyle/>
+          <a:p>
+            <a:fld id="{2F7CED91-9D1D-2E49-97C4-8C5886486047}" type="slidenum">
+              <a:rPr kumimoji="1" lang="ja-JP" altLang="en-US" smtClean="0"/>
+              <a:t>8</a:t>
+            </a:fld>
+            <a:endParaRPr kumimoji="1" lang="ja-JP" altLang="en-US"/>
+          </a:p>
+        </p:txBody>
+      </p:sp>
+    </p:spTree>
+    <p:extLst>
+      <p:ext uri="{BB962C8B-B14F-4D97-AF65-F5344CB8AC3E}">
+        <p14:creationId xmlns:p14="http://schemas.microsoft.com/office/powerpoint/2010/main" val="4060369335"/>
+      </p:ext>
+    </p:extLst>
+  </p:cSld>
+  <p:clrMapOvr>
+    <a:masterClrMapping/>
+  </p:clrMapOvr>
+</p:sld>
+</file>
+
+<file path=ppt/slides/slide9.xml><?xml version="1.0" encoding="utf-8"?>
+<p:sld xmlns:a="http://schemas.openxmlformats.org/drawingml/2006/main" xmlns:r="http://schemas.openxmlformats.org/officeDocument/2006/relationships" xmlns:p="http://schemas.openxmlformats.org/presentationml/2006/main">
+  <p:cSld>
+    <p:bg>
+      <p:bgPr>
+        <a:solidFill>
+          <a:schemeClr val="bg1"/>
+        </a:solidFill>
+        <a:effectLst/>
+      </p:bgPr>
+    </p:bg>
+    <p:spTree>
+      <p:nvGrpSpPr>
+        <p:cNvPr id="1" name=""/>
+        <p:cNvGrpSpPr/>
+        <p:nvPr/>
+      </p:nvGrpSpPr>
+      <p:grpSpPr>
+        <a:xfrm>
+          <a:off x="0" y="0"/>
+          <a:ext cx="0" cy="0"/>
+          <a:chOff x="0" y="0"/>
+          <a:chExt cx="0" cy="0"/>
+        </a:xfrm>
+      </p:grpSpPr>
+      <p:sp useBgFill="1">
+        <p:nvSpPr>
+          <p:cNvPr id="8" name="Rectangle 7">
+            <a:extLst>
+              <a:ext uri="{FF2B5EF4-FFF2-40B4-BE49-F238E27FC236}">
+                <a16:creationId xmlns:a16="http://schemas.microsoft.com/office/drawing/2014/main" id="{DAF1966E-FD40-4A4A-B61B-C4DF7FA05F06}"/>
+              </a:ext>
+              <a:ext uri="{C183D7F6-B498-43B3-948B-1728B52AA6E4}">
+                <adec:decorative xmlns:adec="http://schemas.microsoft.com/office/drawing/2017/decorative" val="1"/>
+              </a:ext>
+            </a:extLst>
+          </p:cNvPr>
+          <p:cNvSpPr>
+            <a:spLocks noGrp="1" noRot="1" noChangeAspect="1" noMove="1" noResize="1" noEditPoints="1" noAdjustHandles="1" noChangeArrowheads="1" noChangeShapeType="1" noTextEdit="1"/>
+          </p:cNvSpPr>
+          <p:nvPr>
+            <p:extLst>
+              <p:ext uri="{386F3935-93C4-4BCD-93E2-E3B085C9AB24}">
+                <p16:designElem xmlns:p16="http://schemas.microsoft.com/office/powerpoint/2015/main" val="1"/>
+              </p:ext>
+            </p:extLst>
+          </p:nvPr>
+        </p:nvSpPr>
+        <p:spPr>
+          <a:xfrm>
+            <a:off x="0" y="0"/>
+            <a:ext cx="12192000" cy="6858000"/>
+          </a:xfrm>
+          <a:prstGeom prst="rect">
+            <a:avLst/>
+          </a:prstGeom>
+          <a:ln>
+            <a:noFill/>
+          </a:ln>
+        </p:spPr>
+        <p:style>
+          <a:lnRef idx="2">
+            <a:schemeClr val="accent1">
+              <a:shade val="50000"/>
+            </a:schemeClr>
+          </a:lnRef>
+          <a:fillRef idx="1">
+            <a:schemeClr val="accent1"/>
+          </a:fillRef>
+          <a:effectRef idx="0">
+            <a:schemeClr val="accent1"/>
+          </a:effectRef>
+          <a:fontRef idx="minor">
+            <a:schemeClr val="lt1"/>
+          </a:fontRef>
+        </p:style>
+        <p:txBody>
+          <a:bodyPr rtlCol="0" anchor="ctr"/>
+          <a:lstStyle/>
+          <a:p>
+            <a:pPr algn="ctr"/>
+            <a:endParaRPr lang="en-US"/>
+          </a:p>
+        </p:txBody>
+      </p:sp>
+      <p:sp useBgFill="1">
+        <p:nvSpPr>
+          <p:cNvPr id="10" name="Rectangle 9">
+            <a:extLst>
+              <a:ext uri="{FF2B5EF4-FFF2-40B4-BE49-F238E27FC236}">
+                <a16:creationId xmlns:a16="http://schemas.microsoft.com/office/drawing/2014/main" id="{047BFA19-D45E-416B-A404-7AF2F3F27017}"/>
+              </a:ext>
+              <a:ext uri="{C183D7F6-B498-43B3-948B-1728B52AA6E4}">
+                <adec:decorative xmlns:adec="http://schemas.microsoft.com/office/drawing/2017/decorative" val="1"/>
+              </a:ext>
+            </a:extLst>
+          </p:cNvPr>
+          <p:cNvSpPr>
+            <a:spLocks noGrp="1" noRot="1" noChangeAspect="1" noMove="1" noResize="1" noEditPoints="1" noAdjustHandles="1" noChangeArrowheads="1" noChangeShapeType="1" noTextEdit="1"/>
+          </p:cNvSpPr>
+          <p:nvPr>
+            <p:extLst>
+              <p:ext uri="{386F3935-93C4-4BCD-93E2-E3B085C9AB24}">
+                <p16:designElem xmlns:p16="http://schemas.microsoft.com/office/powerpoint/2015/main" val="1"/>
+              </p:ext>
+            </p:extLst>
+          </p:nvPr>
+        </p:nvSpPr>
+        <p:spPr>
+          <a:xfrm>
+            <a:off x="558209" y="0"/>
+            <a:ext cx="11167447" cy="2018806"/>
+          </a:xfrm>
+          <a:prstGeom prst="rect">
+            <a:avLst/>
+          </a:prstGeom>
+          <a:ln w="9525">
+            <a:solidFill>
+              <a:srgbClr val="E1E1E1"/>
+            </a:solidFill>
+          </a:ln>
+          <a:effectLst>
+            <a:outerShdw blurRad="50800" dist="38100" dir="2700000" algn="tl" rotWithShape="0">
+              <a:schemeClr val="bg1">
+                <a:lumMod val="85000"/>
+                <a:alpha val="50000"/>
+              </a:schemeClr>
+            </a:outerShdw>
+          </a:effectLst>
+        </p:spPr>
+        <p:style>
+          <a:lnRef idx="2">
+            <a:schemeClr val="accent1">
+              <a:shade val="50000"/>
+            </a:schemeClr>
+          </a:lnRef>
+          <a:fillRef idx="1">
+            <a:schemeClr val="accent1"/>
+          </a:fillRef>
+          <a:effectRef idx="0">
+            <a:schemeClr val="accent1"/>
+          </a:effectRef>
+          <a:fontRef idx="minor">
+            <a:schemeClr val="lt1"/>
+          </a:fontRef>
+        </p:style>
+        <p:txBody>
+          <a:bodyPr rtlCol="0" anchor="ctr"/>
+          <a:lstStyle/>
+          <a:p>
+            <a:pPr marL="0" marR="0" lvl="0" indent="0" algn="ctr" defTabSz="914400" rtl="0" eaLnBrk="1" fontAlgn="auto" latinLnBrk="0" hangingPunct="1">
+              <a:lnSpc>
+                <a:spcPct val="100000"/>
+              </a:lnSpc>
+              <a:spcBef>
+                <a:spcPts val="0"/>
+              </a:spcBef>
+              <a:spcAft>
+                <a:spcPts val="0"/>
+              </a:spcAft>
+              <a:buClrTx/>
+              <a:buSzTx/>
+              <a:buFontTx/>
+              <a:buNone/>
+              <a:tabLst/>
+              <a:defRPr/>
+            </a:pPr>
+            <a:endParaRPr kumimoji="0" lang="en-US" sz="1800" b="0" i="0" u="none" strike="noStrike" kern="1200" cap="none" spc="0" normalizeH="0" baseline="0" noProof="0">
+              <a:ln>
+                <a:noFill/>
+              </a:ln>
+              <a:solidFill>
+                <a:prstClr val="white"/>
+              </a:solidFill>
+              <a:effectLst/>
+              <a:uLnTx/>
+              <a:uFillTx/>
+              <a:latin typeface="Calibri" panose="020F0502020204030204"/>
+              <a:ea typeface="+mn-ea"/>
+              <a:cs typeface="+mn-cs"/>
+            </a:endParaRPr>
+          </a:p>
+        </p:txBody>
+      </p:sp>
+      <p:sp useBgFill="1">
+        <p:nvSpPr>
+          <p:cNvPr id="12" name="Rectangle 11">
+            <a:extLst>
+              <a:ext uri="{FF2B5EF4-FFF2-40B4-BE49-F238E27FC236}">
+                <a16:creationId xmlns:a16="http://schemas.microsoft.com/office/drawing/2014/main" id="{8E0105E7-23DB-4CF2-8258-FF47C7620F6E}"/>
+              </a:ext>
+              <a:ext uri="{C183D7F6-B498-43B3-948B-1728B52AA6E4}">
+                <adec:decorative xmlns:adec="http://schemas.microsoft.com/office/drawing/2017/decorative" val="1"/>
+              </a:ext>
+            </a:extLst>
+          </p:cNvPr>
+          <p:cNvSpPr>
+            <a:spLocks noGrp="1" noRot="1" noChangeAspect="1" noMove="1" noResize="1" noEditPoints="1" noAdjustHandles="1" noChangeArrowheads="1" noChangeShapeType="1" noTextEdit="1"/>
+          </p:cNvSpPr>
+          <p:nvPr>
+            <p:extLst>
+              <p:ext uri="{386F3935-93C4-4BCD-93E2-E3B085C9AB24}">
+                <p16:designElem xmlns:p16="http://schemas.microsoft.com/office/powerpoint/2015/main" val="1"/>
+              </p:ext>
+            </p:extLst>
+          </p:nvPr>
+        </p:nvSpPr>
+        <p:spPr>
+          <a:xfrm>
+            <a:off x="566928" y="0"/>
+            <a:ext cx="11155680" cy="2011680"/>
+          </a:xfrm>
+          <a:prstGeom prst="rect">
+            <a:avLst/>
+          </a:prstGeom>
+          <a:ln w="9525">
+            <a:noFill/>
+          </a:ln>
+          <a:effectLst/>
+        </p:spPr>
+        <p:style>
+          <a:lnRef idx="2">
+            <a:schemeClr val="accent1">
+              <a:shade val="50000"/>
+            </a:schemeClr>
+          </a:lnRef>
+          <a:fillRef idx="1">
+            <a:schemeClr val="accent1"/>
+          </a:fillRef>
+          <a:effectRef idx="0">
+            <a:schemeClr val="accent1"/>
+          </a:effectRef>
+          <a:fontRef idx="minor">
+            <a:schemeClr val="lt1"/>
+          </a:fontRef>
+        </p:style>
+        <p:txBody>
+          <a:bodyPr rtlCol="0" anchor="ctr"/>
+          <a:lstStyle/>
+          <a:p>
+            <a:pPr marL="0" marR="0" lvl="0" indent="0" algn="ctr" defTabSz="914400" rtl="0" eaLnBrk="1" fontAlgn="auto" latinLnBrk="0" hangingPunct="1">
+              <a:lnSpc>
+                <a:spcPct val="100000"/>
+              </a:lnSpc>
+              <a:spcBef>
+                <a:spcPts val="0"/>
+              </a:spcBef>
+              <a:spcAft>
+                <a:spcPts val="0"/>
+              </a:spcAft>
+              <a:buClrTx/>
+              <a:buSzTx/>
+              <a:buFontTx/>
+              <a:buNone/>
+              <a:tabLst/>
+              <a:defRPr/>
+            </a:pPr>
+            <a:endParaRPr kumimoji="0" lang="en-US" sz="1800" b="0" i="0" u="none" strike="noStrike" kern="1200" cap="none" spc="0" normalizeH="0" baseline="0" noProof="0">
+              <a:ln>
+                <a:noFill/>
+              </a:ln>
+              <a:solidFill>
+                <a:prstClr val="white"/>
+              </a:solidFill>
+              <a:effectLst/>
+              <a:uLnTx/>
+              <a:uFillTx/>
+              <a:latin typeface="Calibri" panose="020F0502020204030204"/>
+              <a:ea typeface="+mn-ea"/>
+              <a:cs typeface="+mn-cs"/>
+            </a:endParaRPr>
+          </a:p>
+        </p:txBody>
+      </p:sp>
+      <p:sp>
+        <p:nvSpPr>
+          <p:cNvPr id="2" name="タイトル 1">
+            <a:extLst>
+              <a:ext uri="{FF2B5EF4-FFF2-40B4-BE49-F238E27FC236}">
+                <a16:creationId xmlns:a16="http://schemas.microsoft.com/office/drawing/2014/main" id="{FEC153AF-463D-5A46-A5FE-B56196E53201}"/>
+              </a:ext>
+            </a:extLst>
+          </p:cNvPr>
+          <p:cNvSpPr>
+            <a:spLocks noGrp="1"/>
+          </p:cNvSpPr>
+          <p:nvPr>
+            <p:ph type="title"/>
+          </p:nvPr>
+        </p:nvSpPr>
+        <p:spPr>
+          <a:xfrm>
+            <a:off x="1115568" y="548640"/>
+            <a:ext cx="10168128" cy="1179576"/>
+          </a:xfrm>
+        </p:spPr>
+        <p:txBody>
+          <a:bodyPr>
+            <a:normAutofit/>
+          </a:bodyPr>
+          <a:lstStyle/>
+          <a:p>
+            <a:r>
+              <a:rPr kumimoji="1" lang="ja-JP" altLang="en-US" sz="4000" b="1">
+                <a:latin typeface="Meiryo" panose="020B0604030504040204" pitchFamily="34" charset="-128"/>
+                <a:ea typeface="Meiryo" panose="020B0604030504040204" pitchFamily="34" charset="-128"/>
+              </a:rPr>
+              <a:t>実装時に苦労したこと</a:t>
+            </a:r>
+          </a:p>
+        </p:txBody>
+      </p:sp>
+      <p:sp>
+        <p:nvSpPr>
+          <p:cNvPr id="14" name="Rectangle 13">
+            <a:extLst>
+              <a:ext uri="{FF2B5EF4-FFF2-40B4-BE49-F238E27FC236}">
+                <a16:creationId xmlns:a16="http://schemas.microsoft.com/office/drawing/2014/main" id="{074B4F7D-14B2-478B-8BF5-01E4E0C5D263}"/>
+              </a:ext>
+              <a:ext uri="{C183D7F6-B498-43B3-948B-1728B52AA6E4}">
+                <adec:decorative xmlns:adec="http://schemas.microsoft.com/office/drawing/2017/decorative" val="1"/>
+              </a:ext>
+            </a:extLst>
+          </p:cNvPr>
+          <p:cNvSpPr>
+            <a:spLocks noGrp="1" noRot="1" noChangeAspect="1" noMove="1" noResize="1" noEditPoints="1" noAdjustHandles="1" noChangeArrowheads="1" noChangeShapeType="1" noTextEdit="1"/>
+          </p:cNvSpPr>
+          <p:nvPr>
+            <p:extLst>
+              <p:ext uri="{386F3935-93C4-4BCD-93E2-E3B085C9AB24}">
+                <p16:designElem xmlns:p16="http://schemas.microsoft.com/office/powerpoint/2015/main" val="1"/>
+              </p:ext>
+            </p:extLst>
+          </p:nvPr>
+        </p:nvSpPr>
+        <p:spPr>
+          <a:xfrm>
+            <a:off x="498834" y="758952"/>
+            <a:ext cx="128016" cy="704088"/>
+          </a:xfrm>
+          <a:prstGeom prst="rect">
+            <a:avLst/>
+          </a:prstGeom>
+          <a:solidFill>
+            <a:schemeClr val="accent2"/>
+          </a:solidFill>
+          <a:ln>
+            <a:noFill/>
+          </a:ln>
+        </p:spPr>
+        <p:style>
+          <a:lnRef idx="2">
+            <a:schemeClr val="accent1">
+              <a:shade val="50000"/>
+            </a:schemeClr>
+          </a:lnRef>
+          <a:fillRef idx="1">
+            <a:schemeClr val="accent1"/>
+          </a:fillRef>
+          <a:effectRef idx="0">
+            <a:schemeClr val="accent1"/>
+          </a:effectRef>
+          <a:fontRef idx="minor">
+            <a:schemeClr val="lt1"/>
+          </a:fontRef>
+        </p:style>
+        <p:txBody>
+          <a:bodyPr rtlCol="0" anchor="ctr"/>
+          <a:lstStyle/>
+          <a:p>
+            <a:pPr algn="ctr"/>
+            <a:endParaRPr lang="en-US">
+              <a:solidFill>
+                <a:prstClr val="white"/>
+              </a:solidFill>
+              <a:latin typeface="Calibri" panose="020F0502020204030204"/>
+            </a:endParaRPr>
+          </a:p>
+        </p:txBody>
+      </p:sp>
+      <p:sp>
+        <p:nvSpPr>
           <p:cNvPr id="9" name="角丸四角形 8">
             <a:extLst>
               <a:ext uri="{FF2B5EF4-FFF2-40B4-BE49-F238E27FC236}">
@@ -19419,7 +23070,7 @@
     </p:spTree>
     <p:extLst>
       <p:ext uri="{BB962C8B-B14F-4D97-AF65-F5344CB8AC3E}">
-        <p14:creationId xmlns:p14="http://schemas.microsoft.com/office/powerpoint/2010/main" val="701229753"/>
+        <p14:creationId xmlns:p14="http://schemas.microsoft.com/office/powerpoint/2010/main" val="2628837393"/>
       </p:ext>
     </p:extLst>
   </p:cSld>

--- a/ool2020_middle_report_volume３_10_25 .pptx
+++ b/ool2020_middle_report_volume３_10_25 .pptx
@@ -22440,7 +22440,7 @@
               </a:rPr>
               <a:t>のモジュール利用し設定コマンドを管理サーバのファイルに出力する</a:t>
             </a:r>
-            <a:endParaRPr lang="en-US" altLang="ja-JP" sz="1800" dirty="0">
+            <a:endParaRPr lang="en-US" altLang="ja-JP" sz="1800">
               <a:latin typeface="Meiryo" panose="020B0604030504040204" pitchFamily="34" charset="-128"/>
               <a:ea typeface="Meiryo" panose="020B0604030504040204" pitchFamily="34" charset="-128"/>
             </a:endParaRPr>
